--- a/Navier Stokes Presentation.pptx
+++ b/Navier Stokes Presentation.pptx
@@ -5,7 +5,7 @@
     <p:sldMasterId id="2147483711" r:id="rId1"/>
   </p:sldMasterIdLst>
   <p:notesMasterIdLst>
-    <p:notesMasterId r:id="rId12"/>
+    <p:notesMasterId r:id="rId11"/>
   </p:notesMasterIdLst>
   <p:sldIdLst>
     <p:sldId id="256" r:id="rId2"/>
@@ -14,45 +14,44 @@
     <p:sldId id="263" r:id="rId5"/>
     <p:sldId id="258" r:id="rId6"/>
     <p:sldId id="265" r:id="rId7"/>
-    <p:sldId id="266" r:id="rId8"/>
-    <p:sldId id="259" r:id="rId9"/>
-    <p:sldId id="260" r:id="rId10"/>
-    <p:sldId id="261" r:id="rId11"/>
+    <p:sldId id="259" r:id="rId8"/>
+    <p:sldId id="266" r:id="rId9"/>
+    <p:sldId id="261" r:id="rId10"/>
   </p:sldIdLst>
   <p:sldSz cx="9144000" cy="5143500" type="screen16x9"/>
   <p:notesSz cx="6858000" cy="9144000"/>
   <p:embeddedFontLst>
     <p:embeddedFont>
+      <p:font typeface="Playfair Display"/>
+      <p:regular r:id="rId12"/>
+      <p:bold r:id="rId13"/>
+      <p:italic r:id="rId14"/>
+      <p:boldItalic r:id="rId15"/>
+    </p:embeddedFont>
+    <p:embeddedFont>
       <p:font typeface="Cambria Math" panose="02040503050406030204" pitchFamily="18" charset="0"/>
-      <p:regular r:id="rId13"/>
+      <p:regular r:id="rId16"/>
     </p:embeddedFont>
     <p:embeddedFont>
       <p:font typeface="Calibri" panose="020F0502020204030204" pitchFamily="34" charset="0"/>
-      <p:regular r:id="rId14"/>
-      <p:bold r:id="rId15"/>
-      <p:italic r:id="rId16"/>
-      <p:boldItalic r:id="rId17"/>
+      <p:regular r:id="rId17"/>
+      <p:bold r:id="rId18"/>
+      <p:italic r:id="rId19"/>
+      <p:boldItalic r:id="rId20"/>
     </p:embeddedFont>
     <p:embeddedFont>
       <p:font typeface="Century Schoolbook" panose="02040604050505020304" pitchFamily="18" charset="0"/>
-      <p:regular r:id="rId18"/>
-      <p:bold r:id="rId19"/>
-      <p:italic r:id="rId20"/>
-      <p:boldItalic r:id="rId21"/>
+      <p:regular r:id="rId21"/>
+      <p:bold r:id="rId22"/>
+      <p:italic r:id="rId23"/>
+      <p:boldItalic r:id="rId24"/>
     </p:embeddedFont>
     <p:embeddedFont>
       <p:font typeface="Corbel" panose="020B0503020204020204" pitchFamily="34" charset="0"/>
-      <p:regular r:id="rId22"/>
-      <p:bold r:id="rId23"/>
-      <p:italic r:id="rId24"/>
-      <p:boldItalic r:id="rId25"/>
-    </p:embeddedFont>
-    <p:embeddedFont>
-      <p:font typeface="Playfair Display"/>
-      <p:regular r:id="rId26"/>
-      <p:bold r:id="rId27"/>
-      <p:italic r:id="rId28"/>
-      <p:boldItalic r:id="rId29"/>
+      <p:regular r:id="rId25"/>
+      <p:bold r:id="rId26"/>
+      <p:italic r:id="rId27"/>
+      <p:boldItalic r:id="rId28"/>
     </p:embeddedFont>
   </p:embeddedFontLst>
   <p:defaultTextStyle>
@@ -913,6 +912,11 @@
         </p:txBody>
       </p:sp>
     </p:spTree>
+    <p:extLst>
+      <p:ext uri="{BB962C8B-B14F-4D97-AF65-F5344CB8AC3E}">
+        <p14:creationId xmlns:p14="http://schemas.microsoft.com/office/powerpoint/2010/main" val="1617059328"/>
+      </p:ext>
+    </p:extLst>
   </p:cSld>
   <p:clrMapOvr>
     <a:masterClrMapping/>
@@ -7525,7 +7529,7 @@
             <a:fld id="{B61BEF0D-F0BB-DE4B-95CE-6DB70DBA9567}" type="datetimeFigureOut">
               <a:rPr lang="en-US" smtClean="0"/>
               <a:pPr/>
-              <a:t>5/31/2017</a:t>
+              <a:t>6/8/2017</a:t>
             </a:fld>
             <a:endParaRPr lang="en-US" dirty="0"/>
           </a:p>
@@ -8147,7 +8151,7 @@
             <a:fld id="{B61BEF0D-F0BB-DE4B-95CE-6DB70DBA9567}" type="datetimeFigureOut">
               <a:rPr lang="en-US" smtClean="0"/>
               <a:pPr/>
-              <a:t>5/31/2017</a:t>
+              <a:t>6/8/2017</a:t>
             </a:fld>
             <a:endParaRPr lang="en-US" dirty="0"/>
           </a:p>
@@ -10328,7 +10332,7 @@
             <a:fld id="{B61BEF0D-F0BB-DE4B-95CE-6DB70DBA9567}" type="datetimeFigureOut">
               <a:rPr lang="en-US" smtClean="0"/>
               <a:pPr/>
-              <a:t>5/31/2017</a:t>
+              <a:t>6/8/2017</a:t>
             </a:fld>
             <a:endParaRPr lang="en-US" dirty="0"/>
           </a:p>
@@ -10804,7 +10808,7 @@
             <a:fld id="{B61BEF0D-F0BB-DE4B-95CE-6DB70DBA9567}" type="datetimeFigureOut">
               <a:rPr lang="en-US" smtClean="0"/>
               <a:pPr/>
-              <a:t>5/31/2017</a:t>
+              <a:t>6/8/2017</a:t>
             </a:fld>
             <a:endParaRPr lang="en-US" dirty="0"/>
           </a:p>
@@ -17715,7 +17719,7 @@
             <a:fld id="{B61BEF0D-F0BB-DE4B-95CE-6DB70DBA9567}" type="datetimeFigureOut">
               <a:rPr lang="en-US" smtClean="0"/>
               <a:pPr/>
-              <a:t>5/31/2017</a:t>
+              <a:t>6/8/2017</a:t>
             </a:fld>
             <a:endParaRPr lang="en-US" dirty="0"/>
           </a:p>
@@ -18169,7 +18173,7 @@
             <a:fld id="{B61BEF0D-F0BB-DE4B-95CE-6DB70DBA9567}" type="datetimeFigureOut">
               <a:rPr lang="en-US" smtClean="0"/>
               <a:pPr/>
-              <a:t>5/31/2017</a:t>
+              <a:t>6/8/2017</a:t>
             </a:fld>
             <a:endParaRPr lang="en-US" dirty="0"/>
           </a:p>
@@ -18574,7 +18578,7 @@
             <a:fld id="{B61BEF0D-F0BB-DE4B-95CE-6DB70DBA9567}" type="datetimeFigureOut">
               <a:rPr lang="en-US" smtClean="0"/>
               <a:pPr/>
-              <a:t>5/31/2017</a:t>
+              <a:t>6/8/2017</a:t>
             </a:fld>
             <a:endParaRPr lang="en-US" dirty="0"/>
           </a:p>
@@ -18716,7 +18720,7 @@
             <a:fld id="{B61BEF0D-F0BB-DE4B-95CE-6DB70DBA9567}" type="datetimeFigureOut">
               <a:rPr lang="en-US" smtClean="0"/>
               <a:pPr/>
-              <a:t>5/31/2017</a:t>
+              <a:t>6/8/2017</a:t>
             </a:fld>
             <a:endParaRPr lang="en-US" dirty="0"/>
           </a:p>
@@ -20815,7 +20819,7 @@
             <a:fld id="{B61BEF0D-F0BB-DE4B-95CE-6DB70DBA9567}" type="datetimeFigureOut">
               <a:rPr lang="en-US" smtClean="0"/>
               <a:pPr/>
-              <a:t>5/31/2017</a:t>
+              <a:t>6/8/2017</a:t>
             </a:fld>
             <a:endParaRPr lang="en-US" dirty="0"/>
           </a:p>
@@ -22036,7 +22040,7 @@
             <a:fld id="{B61BEF0D-F0BB-DE4B-95CE-6DB70DBA9567}" type="datetimeFigureOut">
               <a:rPr lang="en-US" smtClean="0"/>
               <a:pPr/>
-              <a:t>5/31/2017</a:t>
+              <a:t>6/8/2017</a:t>
             </a:fld>
             <a:endParaRPr lang="en-US" dirty="0"/>
           </a:p>
@@ -23272,7 +23276,7 @@
             <a:fld id="{B61BEF0D-F0BB-DE4B-95CE-6DB70DBA9567}" type="datetimeFigureOut">
               <a:rPr lang="en-US" smtClean="0"/>
               <a:pPr/>
-              <a:t>5/31/2017</a:t>
+              <a:t>6/8/2017</a:t>
             </a:fld>
             <a:endParaRPr lang="en-US" dirty="0"/>
           </a:p>
@@ -25504,7 +25508,7 @@
             <a:fld id="{B61BEF0D-F0BB-DE4B-95CE-6DB70DBA9567}" type="datetimeFigureOut">
               <a:rPr lang="en-US" smtClean="0"/>
               <a:pPr/>
-              <a:t>5/31/2017</a:t>
+              <a:t>6/8/2017</a:t>
             </a:fld>
             <a:endParaRPr lang="en-US" dirty="0"/>
           </a:p>
@@ -26125,120 +26129,6 @@
 </p:sld>
 </file>
 
-<file path=ppt/slides/slide10.xml><?xml version="1.0" encoding="utf-8"?>
-<p:sld xmlns:a="http://schemas.openxmlformats.org/drawingml/2006/main" xmlns:r="http://schemas.openxmlformats.org/officeDocument/2006/relationships" xmlns:p="http://schemas.openxmlformats.org/presentationml/2006/main">
-  <p:cSld>
-    <p:spTree>
-      <p:nvGrpSpPr>
-        <p:cNvPr id="1" name="Shape 87"/>
-        <p:cNvGrpSpPr/>
-        <p:nvPr/>
-      </p:nvGrpSpPr>
-      <p:grpSpPr>
-        <a:xfrm>
-          <a:off x="0" y="0"/>
-          <a:ext cx="0" cy="0"/>
-          <a:chOff x="0" y="0"/>
-          <a:chExt cx="0" cy="0"/>
-        </a:xfrm>
-      </p:grpSpPr>
-      <p:sp>
-        <p:nvSpPr>
-          <p:cNvPr id="88" name="Shape 88"/>
-          <p:cNvSpPr txBox="1">
-            <a:spLocks noGrp="1"/>
-          </p:cNvSpPr>
-          <p:nvPr>
-            <p:ph type="title"/>
-          </p:nvPr>
-        </p:nvSpPr>
-        <p:spPr>
-          <a:prstGeom prst="rect">
-            <a:avLst/>
-          </a:prstGeom>
-        </p:spPr>
-        <p:txBody>
-          <a:bodyPr lIns="91425" tIns="91425" rIns="91425" bIns="91425" anchor="t" anchorCtr="0">
-            <a:noAutofit/>
-          </a:bodyPr>
-          <a:lstStyle/>
-          <a:p>
-            <a:pPr lvl="0">
-              <a:spcBef>
-                <a:spcPts val="0"/>
-              </a:spcBef>
-              <a:buNone/>
-            </a:pPr>
-            <a:r>
-              <a:rPr lang="en" dirty="0"/>
-              <a:t>Actual Water</a:t>
-            </a:r>
-          </a:p>
-        </p:txBody>
-      </p:sp>
-      <p:sp>
-        <p:nvSpPr>
-          <p:cNvPr id="89" name="Shape 89"/>
-          <p:cNvSpPr txBox="1">
-            <a:spLocks noGrp="1"/>
-          </p:cNvSpPr>
-          <p:nvPr>
-            <p:ph type="body" idx="1"/>
-          </p:nvPr>
-        </p:nvSpPr>
-        <p:spPr>
-          <a:prstGeom prst="rect">
-            <a:avLst/>
-          </a:prstGeom>
-        </p:spPr>
-        <p:txBody>
-          <a:bodyPr lIns="91425" tIns="91425" rIns="91425" bIns="91425" anchor="t" anchorCtr="0">
-            <a:noAutofit/>
-          </a:bodyPr>
-          <a:lstStyle/>
-          <a:p>
-            <a:endParaRPr lang="en" dirty="0"/>
-          </a:p>
-          <a:p>
-            <a:endParaRPr lang="en" dirty="0"/>
-          </a:p>
-          <a:p>
-            <a:r>
-              <a:rPr lang="en" dirty="0"/>
-              <a:t>“I’m researching if water can spontaneously blow up” - Terence Tao</a:t>
-            </a:r>
-          </a:p>
-          <a:p>
-            <a:r>
-              <a:rPr lang="en" dirty="0"/>
-              <a:t>While we simulate fluid flow, we assume that fluid is a continuous density field</a:t>
-            </a:r>
-          </a:p>
-          <a:p>
-            <a:r>
-              <a:rPr lang="en" dirty="0"/>
-              <a:t>Water is actually made of molecules, so this assumption is not actually true</a:t>
-            </a:r>
-          </a:p>
-          <a:p>
-            <a:r>
-              <a:rPr lang="en" dirty="0"/>
-              <a:t>This just makes approximations to how fluid might act because simulating molecular and atomic dynamics with quantum effects is too </a:t>
-            </a:r>
-          </a:p>
-          <a:p>
-            <a:endParaRPr lang="en" dirty="0"/>
-          </a:p>
-        </p:txBody>
-      </p:sp>
-    </p:spTree>
-  </p:cSld>
-  <p:clrMapOvr>
-    <a:masterClrMapping/>
-  </p:clrMapOvr>
-</p:sld>
-</file>
-
 <file path=ppt/slides/slide2.xml><?xml version="1.0" encoding="utf-8"?>
 <p:sld xmlns:a="http://schemas.openxmlformats.org/drawingml/2006/main" xmlns:r="http://schemas.openxmlformats.org/officeDocument/2006/relationships" xmlns:p="http://schemas.openxmlformats.org/presentationml/2006/main">
   <p:cSld>
@@ -26290,8 +26180,8 @@
           </a:p>
         </p:txBody>
       </p:sp>
-      <mc:AlternateContent xmlns:mc="http://schemas.openxmlformats.org/markup-compatibility/2006">
-        <mc:Choice xmlns:a14="http://schemas.microsoft.com/office/drawing/2010/main" Requires="a14">
+      <mc:AlternateContent xmlns:mc="http://schemas.openxmlformats.org/markup-compatibility/2006" xmlns:a14="http://schemas.microsoft.com/office/drawing/2010/main">
+        <mc:Choice Requires="a14">
           <p:sp>
             <p:nvSpPr>
               <p:cNvPr id="65" name="Shape 65"/>
@@ -26752,7 +26642,7 @@
             </p:txBody>
           </p:sp>
         </mc:Choice>
-        <mc:Fallback>
+        <mc:Fallback xmlns="">
           <p:sp>
             <p:nvSpPr>
               <p:cNvPr id="65" name="Shape 65"/>
@@ -26789,6 +26679,30 @@
           </p:sp>
         </mc:Fallback>
       </mc:AlternateContent>
+      <p:pic>
+        <p:nvPicPr>
+          <p:cNvPr id="2" name="Picture 1"/>
+          <p:cNvPicPr>
+            <a:picLocks noChangeAspect="1"/>
+          </p:cNvPicPr>
+          <p:nvPr/>
+        </p:nvPicPr>
+        <p:blipFill>
+          <a:blip r:embed="rId4"/>
+          <a:stretch>
+            <a:fillRect/>
+          </a:stretch>
+        </p:blipFill>
+        <p:spPr>
+          <a:xfrm>
+            <a:off x="3496961" y="3219799"/>
+            <a:ext cx="4329499" cy="1164789"/>
+          </a:xfrm>
+          <a:prstGeom prst="rect">
+            <a:avLst/>
+          </a:prstGeom>
+        </p:spPr>
+      </p:pic>
     </p:spTree>
   </p:cSld>
   <p:clrMapOvr>
@@ -26838,8 +26752,8 @@
           </a:p>
         </p:txBody>
       </p:sp>
-      <mc:AlternateContent xmlns:mc="http://schemas.openxmlformats.org/markup-compatibility/2006">
-        <mc:Choice xmlns:a14="http://schemas.microsoft.com/office/drawing/2010/main" Requires="a14">
+      <mc:AlternateContent xmlns:mc="http://schemas.openxmlformats.org/markup-compatibility/2006" xmlns:a14="http://schemas.microsoft.com/office/drawing/2010/main">
+        <mc:Choice Requires="a14">
           <p:sp>
             <p:nvSpPr>
               <p:cNvPr id="3" name="Text Placeholder 2"/>
@@ -27856,7 +27770,7 @@
             </p:txBody>
           </p:sp>
         </mc:Choice>
-        <mc:Fallback>
+        <mc:Fallback xmlns="">
           <p:sp>
             <p:nvSpPr>
               <p:cNvPr id="3" name="Text Placeholder 2"/>
@@ -27948,8 +27862,8 @@
           </a:p>
         </p:txBody>
       </p:sp>
-      <mc:AlternateContent xmlns:mc="http://schemas.openxmlformats.org/markup-compatibility/2006">
-        <mc:Choice xmlns:a14="http://schemas.microsoft.com/office/drawing/2010/main" Requires="a14">
+      <mc:AlternateContent xmlns:mc="http://schemas.openxmlformats.org/markup-compatibility/2006" xmlns:a14="http://schemas.microsoft.com/office/drawing/2010/main">
+        <mc:Choice Requires="a14">
           <p:sp>
             <p:nvSpPr>
               <p:cNvPr id="3" name="Text Placeholder 2"/>
@@ -30470,7 +30384,7 @@
             </p:txBody>
           </p:sp>
         </mc:Choice>
-        <mc:Fallback>
+        <mc:Fallback xmlns="">
           <p:sp>
             <p:nvSpPr>
               <p:cNvPr id="3" name="Text Placeholder 2"/>
@@ -30568,8 +30482,8 @@
           </a:p>
         </p:txBody>
       </p:sp>
-      <mc:AlternateContent xmlns:mc="http://schemas.openxmlformats.org/markup-compatibility/2006" xmlns:a14="http://schemas.microsoft.com/office/drawing/2010/main">
-        <mc:Choice Requires="a14">
+      <mc:AlternateContent xmlns:mc="http://schemas.openxmlformats.org/markup-compatibility/2006">
+        <mc:Choice xmlns:a14="http://schemas.microsoft.com/office/drawing/2010/main" Requires="a14">
           <p:sp>
             <p:nvSpPr>
               <p:cNvPr id="71" name="Shape 71"/>
@@ -30905,7 +30819,7 @@
             </p:txBody>
           </p:sp>
         </mc:Choice>
-        <mc:Fallback xmlns="">
+        <mc:Fallback>
           <p:sp>
             <p:nvSpPr>
               <p:cNvPr id="71" name="Shape 71"/>
@@ -30991,8 +30905,8 @@
           </a:p>
         </p:txBody>
       </p:sp>
-      <mc:AlternateContent xmlns:mc="http://schemas.openxmlformats.org/markup-compatibility/2006">
-        <mc:Choice xmlns:a14="http://schemas.microsoft.com/office/drawing/2010/main" Requires="a14">
+      <mc:AlternateContent xmlns:mc="http://schemas.openxmlformats.org/markup-compatibility/2006" xmlns:a14="http://schemas.microsoft.com/office/drawing/2010/main">
+        <mc:Choice Requires="a14">
           <p:sp>
             <p:nvSpPr>
               <p:cNvPr id="3" name="Text Placeholder 2"/>
@@ -32455,7 +32369,7 @@
             </p:txBody>
           </p:sp>
         </mc:Choice>
-        <mc:Fallback>
+        <mc:Fallback xmlns="">
           <p:sp>
             <p:nvSpPr>
               <p:cNvPr id="3" name="Text Placeholder 2"/>
@@ -32503,36 +32417,6 @@
 </file>
 
 <file path=ppt/slides/slide7.xml><?xml version="1.0" encoding="utf-8"?>
-<p:sld xmlns:a="http://schemas.openxmlformats.org/drawingml/2006/main" xmlns:r="http://schemas.openxmlformats.org/officeDocument/2006/relationships" xmlns:p="http://schemas.openxmlformats.org/presentationml/2006/main">
-  <p:cSld>
-    <p:spTree>
-      <p:nvGrpSpPr>
-        <p:cNvPr id="1" name=""/>
-        <p:cNvGrpSpPr/>
-        <p:nvPr/>
-      </p:nvGrpSpPr>
-      <p:grpSpPr>
-        <a:xfrm>
-          <a:off x="0" y="0"/>
-          <a:ext cx="0" cy="0"/>
-          <a:chOff x="0" y="0"/>
-          <a:chExt cx="0" cy="0"/>
-        </a:xfrm>
-      </p:grpSpPr>
-    </p:spTree>
-    <p:extLst>
-      <p:ext uri="{BB962C8B-B14F-4D97-AF65-F5344CB8AC3E}">
-        <p14:creationId xmlns:p14="http://schemas.microsoft.com/office/powerpoint/2010/main" val="1949517856"/>
-      </p:ext>
-    </p:extLst>
-  </p:cSld>
-  <p:clrMapOvr>
-    <a:masterClrMapping/>
-  </p:clrMapOvr>
-</p:sld>
-</file>
-
-<file path=ppt/slides/slide8.xml><?xml version="1.0" encoding="utf-8"?>
 <p:sld xmlns:a="http://schemas.openxmlformats.org/drawingml/2006/main" xmlns:r="http://schemas.openxmlformats.org/officeDocument/2006/relationships" xmlns:p="http://schemas.openxmlformats.org/presentationml/2006/main">
   <p:cSld>
     <p:spTree>
@@ -32681,7 +32565,7 @@
 </p:sld>
 </file>
 
-<file path=ppt/slides/slide9.xml><?xml version="1.0" encoding="utf-8"?>
+<file path=ppt/slides/slide8.xml><?xml version="1.0" encoding="utf-8"?>
 <p:sld xmlns:a="http://schemas.openxmlformats.org/drawingml/2006/main" xmlns:r="http://schemas.openxmlformats.org/officeDocument/2006/relationships" xmlns:p="http://schemas.openxmlformats.org/presentationml/2006/main">
   <p:cSld>
     <p:spTree>
@@ -32753,6 +32637,70 @@
           </a:bodyPr>
           <a:lstStyle/>
           <a:p>
+            <a:r>
+              <a:rPr lang="en-US" dirty="0">
+                <a:hlinkClick r:id="rId3"/>
+              </a:rPr>
+              <a:t>https://github.com/andrew-pa/fluidynm</a:t>
+            </a:r>
+            <a:endParaRPr lang="en-US" dirty="0"/>
+          </a:p>
+          <a:p>
+            <a:endParaRPr lang="en" dirty="0"/>
+          </a:p>
+        </p:txBody>
+      </p:sp>
+    </p:spTree>
+    <p:extLst>
+      <p:ext uri="{BB962C8B-B14F-4D97-AF65-F5344CB8AC3E}">
+        <p14:creationId xmlns:p14="http://schemas.microsoft.com/office/powerpoint/2010/main" val="1105458295"/>
+      </p:ext>
+    </p:extLst>
+  </p:cSld>
+  <p:clrMapOvr>
+    <a:masterClrMapping/>
+  </p:clrMapOvr>
+</p:sld>
+</file>
+
+<file path=ppt/slides/slide9.xml><?xml version="1.0" encoding="utf-8"?>
+<p:sld xmlns:a="http://schemas.openxmlformats.org/drawingml/2006/main" xmlns:r="http://schemas.openxmlformats.org/officeDocument/2006/relationships" xmlns:p="http://schemas.openxmlformats.org/presentationml/2006/main">
+  <p:cSld>
+    <p:spTree>
+      <p:nvGrpSpPr>
+        <p:cNvPr id="1" name="Shape 87"/>
+        <p:cNvGrpSpPr/>
+        <p:nvPr/>
+      </p:nvGrpSpPr>
+      <p:grpSpPr>
+        <a:xfrm>
+          <a:off x="0" y="0"/>
+          <a:ext cx="0" cy="0"/>
+          <a:chOff x="0" y="0"/>
+          <a:chExt cx="0" cy="0"/>
+        </a:xfrm>
+      </p:grpSpPr>
+      <p:sp>
+        <p:nvSpPr>
+          <p:cNvPr id="88" name="Shape 88"/>
+          <p:cNvSpPr txBox="1">
+            <a:spLocks noGrp="1"/>
+          </p:cNvSpPr>
+          <p:nvPr>
+            <p:ph type="title"/>
+          </p:nvPr>
+        </p:nvSpPr>
+        <p:spPr>
+          <a:prstGeom prst="rect">
+            <a:avLst/>
+          </a:prstGeom>
+        </p:spPr>
+        <p:txBody>
+          <a:bodyPr lIns="91425" tIns="91425" rIns="91425" bIns="91425" anchor="t" anchorCtr="0">
+            <a:noAutofit/>
+          </a:bodyPr>
+          <a:lstStyle/>
+          <a:p>
             <a:pPr lvl="0">
               <a:spcBef>
                 <a:spcPts val="0"/>
@@ -32760,12 +32708,113 @@
               <a:buNone/>
             </a:pPr>
             <a:r>
-              <a:rPr lang="en"/>
-              <a:t>Add Github link or whatever</a:t>
+              <a:rPr lang="en" dirty="0"/>
+              <a:t>Actual Water</a:t>
             </a:r>
           </a:p>
         </p:txBody>
       </p:sp>
+      <p:sp>
+        <p:nvSpPr>
+          <p:cNvPr id="89" name="Shape 89"/>
+          <p:cNvSpPr txBox="1">
+            <a:spLocks noGrp="1"/>
+          </p:cNvSpPr>
+          <p:nvPr>
+            <p:ph type="body" idx="1"/>
+          </p:nvPr>
+        </p:nvSpPr>
+        <p:spPr>
+          <a:prstGeom prst="rect">
+            <a:avLst/>
+          </a:prstGeom>
+        </p:spPr>
+        <p:txBody>
+          <a:bodyPr lIns="91425" tIns="91425" rIns="91425" bIns="91425" anchor="t" anchorCtr="0">
+            <a:noAutofit/>
+          </a:bodyPr>
+          <a:lstStyle/>
+          <a:p>
+            <a:endParaRPr lang="en" dirty="0"/>
+          </a:p>
+          <a:p>
+            <a:endParaRPr lang="en" dirty="0"/>
+          </a:p>
+          <a:p>
+            <a:r>
+              <a:rPr lang="en" dirty="0"/>
+              <a:t>“I’m researching if water can spontaneously blow up” - Terence Tao</a:t>
+            </a:r>
+          </a:p>
+          <a:p>
+            <a:r>
+              <a:rPr lang="en" dirty="0"/>
+              <a:t>While we simulate fluid flow, we assume that fluid is a continuous density field</a:t>
+            </a:r>
+          </a:p>
+          <a:p>
+            <a:r>
+              <a:rPr lang="en" dirty="0"/>
+              <a:t>Water is actually made of molecules, so this assumption is not actually true</a:t>
+            </a:r>
+          </a:p>
+          <a:p>
+            <a:r>
+              <a:rPr lang="en" dirty="0"/>
+              <a:t>This just makes approximations to how fluid might act because simulating molecular and atomic dynamics with quantum </a:t>
+            </a:r>
+            <a:r>
+              <a:rPr lang="en"/>
+              <a:t>effects is nearly computationaly impossible.</a:t>
+            </a:r>
+            <a:endParaRPr lang="en" dirty="0"/>
+          </a:p>
+          <a:p>
+            <a:endParaRPr lang="en" dirty="0"/>
+          </a:p>
+        </p:txBody>
+      </p:sp>
+      <p:pic>
+        <p:nvPicPr>
+          <p:cNvPr id="2050" name="Picture 2" descr="Image result for computational fluid dynamics"/>
+          <p:cNvPicPr>
+            <a:picLocks noChangeAspect="1" noChangeArrowheads="1"/>
+          </p:cNvPicPr>
+          <p:nvPr/>
+        </p:nvPicPr>
+        <p:blipFill>
+          <a:blip r:embed="rId3">
+            <a:extLst>
+              <a:ext uri="{28A0092B-C50C-407E-A947-70E740481C1C}">
+                <a14:useLocalDpi xmlns:a14="http://schemas.microsoft.com/office/drawing/2010/main" val="0"/>
+              </a:ext>
+            </a:extLst>
+          </a:blip>
+          <a:srcRect/>
+          <a:stretch>
+            <a:fillRect/>
+          </a:stretch>
+        </p:blipFill>
+        <p:spPr bwMode="auto">
+          <a:xfrm>
+            <a:off x="5187951" y="2915685"/>
+            <a:ext cx="2131582" cy="2066569"/>
+          </a:xfrm>
+          <a:prstGeom prst="rect">
+            <a:avLst/>
+          </a:prstGeom>
+          <a:noFill/>
+          <a:extLst>
+            <a:ext uri="{909E8E84-426E-40DD-AFC4-6F175D3DCCD1}">
+              <a14:hiddenFill xmlns:a14="http://schemas.microsoft.com/office/drawing/2010/main">
+                <a:solidFill>
+                  <a:srgbClr val="FFFFFF"/>
+                </a:solidFill>
+              </a14:hiddenFill>
+            </a:ext>
+          </a:extLst>
+        </p:spPr>
+      </p:pic>
     </p:spTree>
   </p:cSld>
   <p:clrMapOvr>

--- a/Navier Stokes Presentation.pptx
+++ b/Navier Stokes Presentation.pptx
@@ -2,55 +2,55 @@
 <file path=ppt/presentation.xml><?xml version="1.0" encoding="utf-8"?>
 <p:presentation xmlns:a="http://schemas.openxmlformats.org/drawingml/2006/main" xmlns:r="http://schemas.openxmlformats.org/officeDocument/2006/relationships" xmlns:p="http://schemas.openxmlformats.org/presentationml/2006/main" strictFirstAndLastChars="0" embedTrueTypeFonts="1" saveSubsetFonts="1" autoCompressPictures="0" bookmarkIdSeed="2">
   <p:sldMasterIdLst>
-    <p:sldMasterId id="2147483724" r:id="rId1"/>
+    <p:sldMasterId id="2147483862" r:id="rId1"/>
   </p:sldMasterIdLst>
   <p:notesMasterIdLst>
-    <p:notesMasterId r:id="rId12"/>
+    <p:notesMasterId r:id="rId13"/>
   </p:notesMasterIdLst>
   <p:sldIdLst>
     <p:sldId id="256" r:id="rId2"/>
     <p:sldId id="257" r:id="rId3"/>
-    <p:sldId id="264" r:id="rId4"/>
-    <p:sldId id="267" r:id="rId5"/>
+    <p:sldId id="267" r:id="rId4"/>
+    <p:sldId id="264" r:id="rId5"/>
     <p:sldId id="269" r:id="rId6"/>
     <p:sldId id="258" r:id="rId7"/>
-    <p:sldId id="265" r:id="rId8"/>
-    <p:sldId id="268" r:id="rId9"/>
-    <p:sldId id="266" r:id="rId10"/>
-    <p:sldId id="261" r:id="rId11"/>
+    <p:sldId id="261" r:id="rId8"/>
+    <p:sldId id="265" r:id="rId9"/>
+    <p:sldId id="268" r:id="rId10"/>
+    <p:sldId id="266" r:id="rId11"/>
+    <p:sldId id="270" r:id="rId12"/>
   </p:sldIdLst>
   <p:sldSz cx="9144000" cy="5143500" type="screen16x9"/>
   <p:notesSz cx="6858000" cy="9144000"/>
   <p:embeddedFontLst>
     <p:embeddedFont>
-      <p:font typeface="Calibri" panose="020F0502020204030204" pitchFamily="34" charset="0"/>
-      <p:regular r:id="rId13"/>
-      <p:bold r:id="rId14"/>
-      <p:italic r:id="rId15"/>
-      <p:boldItalic r:id="rId16"/>
+      <p:font typeface="Century Gothic" panose="020B0502020202020204" pitchFamily="34" charset="0"/>
+      <p:regular r:id="rId14"/>
+      <p:bold r:id="rId15"/>
+      <p:italic r:id="rId16"/>
+      <p:boldItalic r:id="rId17"/>
     </p:embeddedFont>
     <p:embeddedFont>
       <p:font typeface="Cambria Math" panose="02040503050406030204" pitchFamily="18" charset="0"/>
-      <p:regular r:id="rId17"/>
-    </p:embeddedFont>
-    <p:embeddedFont>
-      <p:font typeface="Calibri Light" panose="020F0302020204030204" pitchFamily="34" charset="0"/>
       <p:regular r:id="rId18"/>
-      <p:italic r:id="rId19"/>
     </p:embeddedFont>
     <p:embeddedFont>
       <p:font typeface="Playfair Display"/>
-      <p:regular r:id="rId20"/>
-      <p:bold r:id="rId21"/>
-      <p:italic r:id="rId22"/>
-      <p:boldItalic r:id="rId23"/>
+      <p:regular r:id="rId19"/>
+      <p:bold r:id="rId20"/>
+      <p:italic r:id="rId21"/>
+      <p:boldItalic r:id="rId22"/>
+    </p:embeddedFont>
+    <p:embeddedFont>
+      <p:font typeface="Wingdings 2" panose="05020102010507070707" pitchFamily="18" charset="2"/>
+      <p:regular r:id="rId23"/>
     </p:embeddedFont>
   </p:embeddedFontLst>
   <p:defaultTextStyle>
     <a:defPPr>
       <a:defRPr lang="en-US"/>
     </a:defPPr>
-    <a:lvl1pPr marL="0" algn="l" defTabSz="914400" rtl="0" eaLnBrk="1" latinLnBrk="0" hangingPunct="1">
+    <a:lvl1pPr marL="0" algn="l" defTabSz="457200" rtl="0" eaLnBrk="1" latinLnBrk="0" hangingPunct="1">
       <a:defRPr sz="1800" kern="1200">
         <a:solidFill>
           <a:schemeClr val="tx1"/>
@@ -60,7 +60,7 @@
         <a:cs typeface="+mn-cs"/>
       </a:defRPr>
     </a:lvl1pPr>
-    <a:lvl2pPr marL="457200" algn="l" defTabSz="914400" rtl="0" eaLnBrk="1" latinLnBrk="0" hangingPunct="1">
+    <a:lvl2pPr marL="457200" algn="l" defTabSz="457200" rtl="0" eaLnBrk="1" latinLnBrk="0" hangingPunct="1">
       <a:defRPr sz="1800" kern="1200">
         <a:solidFill>
           <a:schemeClr val="tx1"/>
@@ -70,7 +70,7 @@
         <a:cs typeface="+mn-cs"/>
       </a:defRPr>
     </a:lvl2pPr>
-    <a:lvl3pPr marL="914400" algn="l" defTabSz="914400" rtl="0" eaLnBrk="1" latinLnBrk="0" hangingPunct="1">
+    <a:lvl3pPr marL="914400" algn="l" defTabSz="457200" rtl="0" eaLnBrk="1" latinLnBrk="0" hangingPunct="1">
       <a:defRPr sz="1800" kern="1200">
         <a:solidFill>
           <a:schemeClr val="tx1"/>
@@ -80,7 +80,7 @@
         <a:cs typeface="+mn-cs"/>
       </a:defRPr>
     </a:lvl3pPr>
-    <a:lvl4pPr marL="1371600" algn="l" defTabSz="914400" rtl="0" eaLnBrk="1" latinLnBrk="0" hangingPunct="1">
+    <a:lvl4pPr marL="1371600" algn="l" defTabSz="457200" rtl="0" eaLnBrk="1" latinLnBrk="0" hangingPunct="1">
       <a:defRPr sz="1800" kern="1200">
         <a:solidFill>
           <a:schemeClr val="tx1"/>
@@ -90,7 +90,7 @@
         <a:cs typeface="+mn-cs"/>
       </a:defRPr>
     </a:lvl4pPr>
-    <a:lvl5pPr marL="1828800" algn="l" defTabSz="914400" rtl="0" eaLnBrk="1" latinLnBrk="0" hangingPunct="1">
+    <a:lvl5pPr marL="1828800" algn="l" defTabSz="457200" rtl="0" eaLnBrk="1" latinLnBrk="0" hangingPunct="1">
       <a:defRPr sz="1800" kern="1200">
         <a:solidFill>
           <a:schemeClr val="tx1"/>
@@ -100,7 +100,7 @@
         <a:cs typeface="+mn-cs"/>
       </a:defRPr>
     </a:lvl5pPr>
-    <a:lvl6pPr marL="2286000" algn="l" defTabSz="914400" rtl="0" eaLnBrk="1" latinLnBrk="0" hangingPunct="1">
+    <a:lvl6pPr marL="2286000" algn="l" defTabSz="457200" rtl="0" eaLnBrk="1" latinLnBrk="0" hangingPunct="1">
       <a:defRPr sz="1800" kern="1200">
         <a:solidFill>
           <a:schemeClr val="tx1"/>
@@ -110,7 +110,7 @@
         <a:cs typeface="+mn-cs"/>
       </a:defRPr>
     </a:lvl6pPr>
-    <a:lvl7pPr marL="2743200" algn="l" defTabSz="914400" rtl="0" eaLnBrk="1" latinLnBrk="0" hangingPunct="1">
+    <a:lvl7pPr marL="2743200" algn="l" defTabSz="457200" rtl="0" eaLnBrk="1" latinLnBrk="0" hangingPunct="1">
       <a:defRPr sz="1800" kern="1200">
         <a:solidFill>
           <a:schemeClr val="tx1"/>
@@ -120,7 +120,7 @@
         <a:cs typeface="+mn-cs"/>
       </a:defRPr>
     </a:lvl7pPr>
-    <a:lvl8pPr marL="3200400" algn="l" defTabSz="914400" rtl="0" eaLnBrk="1" latinLnBrk="0" hangingPunct="1">
+    <a:lvl8pPr marL="3200400" algn="l" defTabSz="457200" rtl="0" eaLnBrk="1" latinLnBrk="0" hangingPunct="1">
       <a:defRPr sz="1800" kern="1200">
         <a:solidFill>
           <a:schemeClr val="tx1"/>
@@ -130,7 +130,7 @@
         <a:cs typeface="+mn-cs"/>
       </a:defRPr>
     </a:lvl8pPr>
-    <a:lvl9pPr marL="3657600" algn="l" defTabSz="914400" rtl="0" eaLnBrk="1" latinLnBrk="0" hangingPunct="1">
+    <a:lvl9pPr marL="3657600" algn="l" defTabSz="457200" rtl="0" eaLnBrk="1" latinLnBrk="0" hangingPunct="1">
       <a:defRPr sz="1800" kern="1200">
         <a:solidFill>
           <a:schemeClr val="tx1"/>
@@ -714,6 +714,107 @@
   <p:cSld>
     <p:spTree>
       <p:nvGrpSpPr>
+        <p:cNvPr id="1" name="Shape 84"/>
+        <p:cNvGrpSpPr/>
+        <p:nvPr/>
+      </p:nvGrpSpPr>
+      <p:grpSpPr>
+        <a:xfrm>
+          <a:off x="0" y="0"/>
+          <a:ext cx="0" cy="0"/>
+          <a:chOff x="0" y="0"/>
+          <a:chExt cx="0" cy="0"/>
+        </a:xfrm>
+      </p:grpSpPr>
+      <p:sp>
+        <p:nvSpPr>
+          <p:cNvPr id="85" name="Shape 85"/>
+          <p:cNvSpPr>
+            <a:spLocks noGrp="1" noRot="1" noChangeAspect="1"/>
+          </p:cNvSpPr>
+          <p:nvPr>
+            <p:ph type="sldImg" idx="2"/>
+          </p:nvPr>
+        </p:nvSpPr>
+        <p:spPr>
+          <a:xfrm>
+            <a:off x="381000" y="685800"/>
+            <a:ext cx="6096000" cy="3429000"/>
+          </a:xfrm>
+          <a:custGeom>
+            <a:avLst/>
+            <a:gdLst/>
+            <a:ahLst/>
+            <a:cxnLst/>
+            <a:rect l="0" t="0" r="0" b="0"/>
+            <a:pathLst>
+              <a:path w="120000" h="120000" extrusionOk="0">
+                <a:moveTo>
+                  <a:pt x="0" y="0"/>
+                </a:moveTo>
+                <a:lnTo>
+                  <a:pt x="120000" y="0"/>
+                </a:lnTo>
+                <a:lnTo>
+                  <a:pt x="120000" y="120000"/>
+                </a:lnTo>
+                <a:lnTo>
+                  <a:pt x="0" y="120000"/>
+                </a:lnTo>
+                <a:close/>
+              </a:path>
+            </a:pathLst>
+          </a:custGeom>
+        </p:spPr>
+      </p:sp>
+      <p:sp>
+        <p:nvSpPr>
+          <p:cNvPr id="86" name="Shape 86"/>
+          <p:cNvSpPr txBox="1">
+            <a:spLocks noGrp="1"/>
+          </p:cNvSpPr>
+          <p:nvPr>
+            <p:ph type="body" idx="1"/>
+          </p:nvPr>
+        </p:nvSpPr>
+        <p:spPr>
+          <a:xfrm>
+            <a:off x="685800" y="4343400"/>
+            <a:ext cx="5486400" cy="4114800"/>
+          </a:xfrm>
+          <a:prstGeom prst="rect">
+            <a:avLst/>
+          </a:prstGeom>
+        </p:spPr>
+        <p:txBody>
+          <a:bodyPr lIns="91425" tIns="91425" rIns="91425" bIns="91425" anchor="t" anchorCtr="0">
+            <a:noAutofit/>
+          </a:bodyPr>
+          <a:lstStyle/>
+          <a:p>
+            <a:pPr lvl="0">
+              <a:spcBef>
+                <a:spcPts val="0"/>
+              </a:spcBef>
+              <a:buNone/>
+            </a:pPr>
+            <a:endParaRPr/>
+          </a:p>
+        </p:txBody>
+      </p:sp>
+    </p:spTree>
+  </p:cSld>
+  <p:clrMapOvr>
+    <a:masterClrMapping/>
+  </p:clrMapOvr>
+</p:notes>
+</file>
+
+<file path=ppt/notesSlides/notesSlide5.xml><?xml version="1.0" encoding="utf-8"?>
+<p:notes xmlns:a="http://schemas.openxmlformats.org/drawingml/2006/main" xmlns:r="http://schemas.openxmlformats.org/officeDocument/2006/relationships" xmlns:p="http://schemas.openxmlformats.org/presentationml/2006/main" showMasterSp="0" showMasterPhAnim="0">
+  <p:cSld>
+    <p:spTree>
+      <p:nvGrpSpPr>
         <p:cNvPr id="1" name="Shape 78"/>
         <p:cNvGrpSpPr/>
         <p:nvPr/>
@@ -815,107 +916,6 @@
 </p:notes>
 </file>
 
-<file path=ppt/notesSlides/notesSlide5.xml><?xml version="1.0" encoding="utf-8"?>
-<p:notes xmlns:a="http://schemas.openxmlformats.org/drawingml/2006/main" xmlns:r="http://schemas.openxmlformats.org/officeDocument/2006/relationships" xmlns:p="http://schemas.openxmlformats.org/presentationml/2006/main" showMasterSp="0" showMasterPhAnim="0">
-  <p:cSld>
-    <p:spTree>
-      <p:nvGrpSpPr>
-        <p:cNvPr id="1" name="Shape 84"/>
-        <p:cNvGrpSpPr/>
-        <p:nvPr/>
-      </p:nvGrpSpPr>
-      <p:grpSpPr>
-        <a:xfrm>
-          <a:off x="0" y="0"/>
-          <a:ext cx="0" cy="0"/>
-          <a:chOff x="0" y="0"/>
-          <a:chExt cx="0" cy="0"/>
-        </a:xfrm>
-      </p:grpSpPr>
-      <p:sp>
-        <p:nvSpPr>
-          <p:cNvPr id="85" name="Shape 85"/>
-          <p:cNvSpPr>
-            <a:spLocks noGrp="1" noRot="1" noChangeAspect="1"/>
-          </p:cNvSpPr>
-          <p:nvPr>
-            <p:ph type="sldImg" idx="2"/>
-          </p:nvPr>
-        </p:nvSpPr>
-        <p:spPr>
-          <a:xfrm>
-            <a:off x="381000" y="685800"/>
-            <a:ext cx="6096000" cy="3429000"/>
-          </a:xfrm>
-          <a:custGeom>
-            <a:avLst/>
-            <a:gdLst/>
-            <a:ahLst/>
-            <a:cxnLst/>
-            <a:rect l="0" t="0" r="0" b="0"/>
-            <a:pathLst>
-              <a:path w="120000" h="120000" extrusionOk="0">
-                <a:moveTo>
-                  <a:pt x="0" y="0"/>
-                </a:moveTo>
-                <a:lnTo>
-                  <a:pt x="120000" y="0"/>
-                </a:lnTo>
-                <a:lnTo>
-                  <a:pt x="120000" y="120000"/>
-                </a:lnTo>
-                <a:lnTo>
-                  <a:pt x="0" y="120000"/>
-                </a:lnTo>
-                <a:close/>
-              </a:path>
-            </a:pathLst>
-          </a:custGeom>
-        </p:spPr>
-      </p:sp>
-      <p:sp>
-        <p:nvSpPr>
-          <p:cNvPr id="86" name="Shape 86"/>
-          <p:cNvSpPr txBox="1">
-            <a:spLocks noGrp="1"/>
-          </p:cNvSpPr>
-          <p:nvPr>
-            <p:ph type="body" idx="1"/>
-          </p:nvPr>
-        </p:nvSpPr>
-        <p:spPr>
-          <a:xfrm>
-            <a:off x="685800" y="4343400"/>
-            <a:ext cx="5486400" cy="4114800"/>
-          </a:xfrm>
-          <a:prstGeom prst="rect">
-            <a:avLst/>
-          </a:prstGeom>
-        </p:spPr>
-        <p:txBody>
-          <a:bodyPr lIns="91425" tIns="91425" rIns="91425" bIns="91425" anchor="t" anchorCtr="0">
-            <a:noAutofit/>
-          </a:bodyPr>
-          <a:lstStyle/>
-          <a:p>
-            <a:pPr lvl="0">
-              <a:spcBef>
-                <a:spcPts val="0"/>
-              </a:spcBef>
-              <a:buNone/>
-            </a:pPr>
-            <a:endParaRPr/>
-          </a:p>
-        </p:txBody>
-      </p:sp>
-    </p:spTree>
-  </p:cSld>
-  <p:clrMapOvr>
-    <a:masterClrMapping/>
-  </p:clrMapOvr>
-</p:notes>
-</file>
-
 <file path=ppt/slideLayouts/slideLayout1.xml><?xml version="1.0" encoding="utf-8"?>
 <p:sldLayout xmlns:a="http://schemas.openxmlformats.org/drawingml/2006/main" xmlns:r="http://schemas.openxmlformats.org/officeDocument/2006/relationships" xmlns:p="http://schemas.openxmlformats.org/presentationml/2006/main" type="title" preserve="1">
   <p:cSld name="Title Slide">
@@ -935,6 +935,110 @@
       </p:grpSpPr>
       <p:sp>
         <p:nvSpPr>
+          <p:cNvPr id="11" name="Freeform 6"/>
+          <p:cNvSpPr/>
+          <p:nvPr/>
+        </p:nvSpPr>
+        <p:spPr bwMode="auto">
+          <a:xfrm>
+            <a:off x="0" y="-2381"/>
+            <a:ext cx="9144000" cy="3902869"/>
+          </a:xfrm>
+          <a:custGeom>
+            <a:avLst/>
+            <a:gdLst/>
+            <a:ahLst/>
+            <a:cxnLst/>
+            <a:rect l="0" t="0" r="r" b="b"/>
+            <a:pathLst>
+              <a:path w="5760" h="3278">
+                <a:moveTo>
+                  <a:pt x="5760" y="0"/>
+                </a:moveTo>
+                <a:lnTo>
+                  <a:pt x="0" y="0"/>
+                </a:lnTo>
+                <a:lnTo>
+                  <a:pt x="0" y="3090"/>
+                </a:lnTo>
+                <a:lnTo>
+                  <a:pt x="943" y="3090"/>
+                </a:lnTo>
+                <a:lnTo>
+                  <a:pt x="1123" y="3270"/>
+                </a:lnTo>
+                <a:lnTo>
+                  <a:pt x="1123" y="3270"/>
+                </a:lnTo>
+                <a:lnTo>
+                  <a:pt x="1127" y="3272"/>
+                </a:lnTo>
+                <a:lnTo>
+                  <a:pt x="1133" y="3275"/>
+                </a:lnTo>
+                <a:lnTo>
+                  <a:pt x="1139" y="3278"/>
+                </a:lnTo>
+                <a:lnTo>
+                  <a:pt x="1144" y="3278"/>
+                </a:lnTo>
+                <a:lnTo>
+                  <a:pt x="1150" y="3278"/>
+                </a:lnTo>
+                <a:lnTo>
+                  <a:pt x="1155" y="3275"/>
+                </a:lnTo>
+                <a:lnTo>
+                  <a:pt x="1161" y="3272"/>
+                </a:lnTo>
+                <a:lnTo>
+                  <a:pt x="1165" y="3270"/>
+                </a:lnTo>
+                <a:lnTo>
+                  <a:pt x="1345" y="3090"/>
+                </a:lnTo>
+                <a:lnTo>
+                  <a:pt x="5760" y="3090"/>
+                </a:lnTo>
+                <a:lnTo>
+                  <a:pt x="5760" y="0"/>
+                </a:lnTo>
+                <a:close/>
+              </a:path>
+            </a:pathLst>
+          </a:custGeom>
+          <a:ln/>
+          <a:effectLst/>
+          <a:extLst>
+            <a:ext uri="{91240B29-F687-4f45-9708-019B960494DF}">
+              <a14:hiddenLine xmlns="" xmlns:a14="http://schemas.microsoft.com/office/drawing/2010/main" w="9525">
+                <a:solidFill>
+                  <a:srgbClr val="000000"/>
+                </a:solidFill>
+                <a:round/>
+                <a:headEnd/>
+                <a:tailEnd/>
+              </a14:hiddenLine>
+            </a:ext>
+          </a:extLst>
+        </p:spPr>
+        <p:style>
+          <a:lnRef idx="1">
+            <a:schemeClr val="accent1"/>
+          </a:lnRef>
+          <a:fillRef idx="3">
+            <a:schemeClr val="accent1"/>
+          </a:fillRef>
+          <a:effectRef idx="2">
+            <a:schemeClr val="accent1"/>
+          </a:effectRef>
+          <a:fontRef idx="minor">
+            <a:schemeClr val="lt1"/>
+          </a:fontRef>
+        </p:style>
+      </p:sp>
+      <p:sp>
+        <p:nvSpPr>
           <p:cNvPr id="2" name="Title 1"/>
           <p:cNvSpPr>
             <a:spLocks noGrp="1"/>
@@ -945,15 +1049,15 @@
         </p:nvSpPr>
         <p:spPr>
           <a:xfrm>
-            <a:off x="1143000" y="841772"/>
-            <a:ext cx="6858000" cy="1790700"/>
+            <a:off x="607501" y="1086861"/>
+            <a:ext cx="7929000" cy="2228288"/>
           </a:xfrm>
         </p:spPr>
         <p:txBody>
-          <a:bodyPr anchor="b"/>
+          <a:bodyPr/>
           <a:lstStyle>
-            <a:lvl1pPr algn="ctr">
-              <a:defRPr sz="4500"/>
+            <a:lvl1pPr>
+              <a:defRPr sz="4050"/>
             </a:lvl1pPr>
           </a:lstStyle>
           <a:p>
@@ -961,7 +1065,7 @@
               <a:rPr lang="en-US"/>
               <a:t>Click to edit Master title style</a:t>
             </a:r>
-            <a:endParaRPr lang="en-US"/>
+            <a:endParaRPr lang="en-US" dirty="0"/>
           </a:p>
         </p:txBody>
       </p:sp>
@@ -977,48 +1081,100 @@
         </p:nvSpPr>
         <p:spPr>
           <a:xfrm>
-            <a:off x="1143000" y="2701528"/>
-            <a:ext cx="6858000" cy="1241822"/>
+            <a:off x="607501" y="3960635"/>
+            <a:ext cx="7929000" cy="326231"/>
           </a:xfrm>
         </p:spPr>
         <p:txBody>
-          <a:bodyPr/>
+          <a:bodyPr anchor="t"/>
           <a:lstStyle>
-            <a:lvl1pPr marL="0" indent="0" algn="ctr">
+            <a:lvl1pPr marL="0" indent="0" algn="l">
               <a:buNone/>
-              <a:defRPr sz="1800"/>
+              <a:defRPr>
+                <a:solidFill>
+                  <a:schemeClr val="tx1"/>
+                </a:solidFill>
+              </a:defRPr>
             </a:lvl1pPr>
             <a:lvl2pPr marL="342900" indent="0" algn="ctr">
               <a:buNone/>
-              <a:defRPr sz="1500"/>
+              <a:defRPr>
+                <a:solidFill>
+                  <a:schemeClr val="tx1">
+                    <a:tint val="75000"/>
+                  </a:schemeClr>
+                </a:solidFill>
+              </a:defRPr>
             </a:lvl2pPr>
             <a:lvl3pPr marL="685800" indent="0" algn="ctr">
               <a:buNone/>
-              <a:defRPr sz="1350"/>
+              <a:defRPr>
+                <a:solidFill>
+                  <a:schemeClr val="tx1">
+                    <a:tint val="75000"/>
+                  </a:schemeClr>
+                </a:solidFill>
+              </a:defRPr>
             </a:lvl3pPr>
             <a:lvl4pPr marL="1028700" indent="0" algn="ctr">
               <a:buNone/>
-              <a:defRPr sz="1200"/>
+              <a:defRPr>
+                <a:solidFill>
+                  <a:schemeClr val="tx1">
+                    <a:tint val="75000"/>
+                  </a:schemeClr>
+                </a:solidFill>
+              </a:defRPr>
             </a:lvl4pPr>
             <a:lvl5pPr marL="1371600" indent="0" algn="ctr">
               <a:buNone/>
-              <a:defRPr sz="1200"/>
+              <a:defRPr>
+                <a:solidFill>
+                  <a:schemeClr val="tx1">
+                    <a:tint val="75000"/>
+                  </a:schemeClr>
+                </a:solidFill>
+              </a:defRPr>
             </a:lvl5pPr>
             <a:lvl6pPr marL="1714500" indent="0" algn="ctr">
               <a:buNone/>
-              <a:defRPr sz="1200"/>
+              <a:defRPr>
+                <a:solidFill>
+                  <a:schemeClr val="tx1">
+                    <a:tint val="75000"/>
+                  </a:schemeClr>
+                </a:solidFill>
+              </a:defRPr>
             </a:lvl6pPr>
             <a:lvl7pPr marL="2057400" indent="0" algn="ctr">
               <a:buNone/>
-              <a:defRPr sz="1200"/>
+              <a:defRPr>
+                <a:solidFill>
+                  <a:schemeClr val="tx1">
+                    <a:tint val="75000"/>
+                  </a:schemeClr>
+                </a:solidFill>
+              </a:defRPr>
             </a:lvl7pPr>
             <a:lvl8pPr marL="2400300" indent="0" algn="ctr">
               <a:buNone/>
-              <a:defRPr sz="1200"/>
+              <a:defRPr>
+                <a:solidFill>
+                  <a:schemeClr val="tx1">
+                    <a:tint val="75000"/>
+                  </a:schemeClr>
+                </a:solidFill>
+              </a:defRPr>
             </a:lvl8pPr>
             <a:lvl9pPr marL="2743200" indent="0" algn="ctr">
               <a:buNone/>
-              <a:defRPr sz="1200"/>
+              <a:defRPr>
+                <a:solidFill>
+                  <a:schemeClr val="tx1">
+                    <a:tint val="75000"/>
+                  </a:schemeClr>
+                </a:solidFill>
+              </a:defRPr>
             </a:lvl9pPr>
           </a:lstStyle>
           <a:p>
@@ -1026,7 +1182,7 @@
               <a:rPr lang="en-US"/>
               <a:t>Click to edit Master subtitle style</a:t>
             </a:r>
-            <a:endParaRPr lang="en-US"/>
+            <a:endParaRPr lang="en-US" dirty="0"/>
           </a:p>
         </p:txBody>
       </p:sp>
@@ -1121,7 +1277,7 @@
     </p:spTree>
     <p:extLst>
       <p:ext uri="{BB962C8B-B14F-4D97-AF65-F5344CB8AC3E}">
-        <p14:creationId xmlns:p14="http://schemas.microsoft.com/office/powerpoint/2010/main" val="2913158717"/>
+        <p14:creationId xmlns:p14="http://schemas.microsoft.com/office/powerpoint/2010/main" val="3758280487"/>
       </p:ext>
     </p:extLst>
   </p:cSld>
@@ -1138,8 +1294,8 @@
 </file>
 
 <file path=ppt/slideLayouts/slideLayout10.xml><?xml version="1.0" encoding="utf-8"?>
-<p:sldLayout xmlns:a="http://schemas.openxmlformats.org/drawingml/2006/main" xmlns:r="http://schemas.openxmlformats.org/officeDocument/2006/relationships" xmlns:p="http://schemas.openxmlformats.org/presentationml/2006/main" type="vertTx" preserve="1">
-  <p:cSld name="Title and Vertical Text">
+<p:sldLayout xmlns:a="http://schemas.openxmlformats.org/drawingml/2006/main" xmlns:r="http://schemas.openxmlformats.org/officeDocument/2006/relationships" xmlns:p="http://schemas.openxmlformats.org/presentationml/2006/main" preserve="1">
+  <p:cSld name="Panoramic Picture with Caption">
     <p:spTree>
       <p:nvGrpSpPr>
         <p:cNvPr id="1" name=""/>
@@ -1164,33 +1320,210 @@
             <p:ph type="title"/>
           </p:nvPr>
         </p:nvSpPr>
-        <p:spPr/>
+        <p:spPr>
+          <a:xfrm>
+            <a:off x="607500" y="3600450"/>
+            <a:ext cx="7921064" cy="425054"/>
+          </a:xfrm>
+        </p:spPr>
         <p:txBody>
-          <a:bodyPr/>
-          <a:lstStyle/>
+          <a:bodyPr anchor="b">
+            <a:normAutofit/>
+          </a:bodyPr>
+          <a:lstStyle>
+            <a:lvl1pPr algn="l">
+              <a:defRPr sz="1800" b="0"/>
+            </a:lvl1pPr>
+          </a:lstStyle>
           <a:p>
             <a:r>
               <a:rPr lang="en-US"/>
               <a:t>Click to edit Master title style</a:t>
             </a:r>
-            <a:endParaRPr lang="en-US"/>
+            <a:endParaRPr lang="en-US" dirty="0"/>
           </a:p>
         </p:txBody>
       </p:sp>
       <p:sp>
         <p:nvSpPr>
-          <p:cNvPr id="3" name="Vertical Text Placeholder 2"/>
+          <p:cNvPr id="15" name="Picture Placeholder 14"/>
+          <p:cNvSpPr>
+            <a:spLocks noGrp="1" noChangeAspect="1"/>
+          </p:cNvSpPr>
+          <p:nvPr>
+            <p:ph type="pic" sz="quarter" idx="13"/>
+          </p:nvPr>
+        </p:nvSpPr>
+        <p:spPr bwMode="auto">
+          <a:xfrm>
+            <a:off x="0" y="0"/>
+            <a:ext cx="9144000" cy="3600450"/>
+          </a:xfrm>
+          <a:custGeom>
+            <a:avLst/>
+            <a:gdLst/>
+            <a:ahLst/>
+            <a:cxnLst/>
+            <a:rect l="0" t="0" r="r" b="b"/>
+            <a:pathLst>
+              <a:path w="5760" h="3289">
+                <a:moveTo>
+                  <a:pt x="5760" y="0"/>
+                </a:moveTo>
+                <a:lnTo>
+                  <a:pt x="0" y="0"/>
+                </a:lnTo>
+                <a:lnTo>
+                  <a:pt x="0" y="3100"/>
+                </a:lnTo>
+                <a:lnTo>
+                  <a:pt x="943" y="3100"/>
+                </a:lnTo>
+                <a:lnTo>
+                  <a:pt x="1123" y="3281"/>
+                </a:lnTo>
+                <a:lnTo>
+                  <a:pt x="1123" y="3281"/>
+                </a:lnTo>
+                <a:lnTo>
+                  <a:pt x="1127" y="3283"/>
+                </a:lnTo>
+                <a:lnTo>
+                  <a:pt x="1133" y="3286"/>
+                </a:lnTo>
+                <a:lnTo>
+                  <a:pt x="1139" y="3289"/>
+                </a:lnTo>
+                <a:lnTo>
+                  <a:pt x="1144" y="3289"/>
+                </a:lnTo>
+                <a:lnTo>
+                  <a:pt x="1150" y="3289"/>
+                </a:lnTo>
+                <a:lnTo>
+                  <a:pt x="1155" y="3286"/>
+                </a:lnTo>
+                <a:lnTo>
+                  <a:pt x="1161" y="3283"/>
+                </a:lnTo>
+                <a:lnTo>
+                  <a:pt x="1165" y="3281"/>
+                </a:lnTo>
+                <a:lnTo>
+                  <a:pt x="1345" y="3100"/>
+                </a:lnTo>
+                <a:lnTo>
+                  <a:pt x="5760" y="3100"/>
+                </a:lnTo>
+                <a:lnTo>
+                  <a:pt x="5760" y="0"/>
+                </a:lnTo>
+                <a:close/>
+              </a:path>
+            </a:pathLst>
+          </a:custGeom>
+          <a:noFill/>
+          <a:ln>
+            <a:solidFill>
+              <a:schemeClr val="tx2"/>
+            </a:solidFill>
+          </a:ln>
+        </p:spPr>
+        <p:style>
+          <a:lnRef idx="1">
+            <a:schemeClr val="accent1"/>
+          </a:lnRef>
+          <a:fillRef idx="3">
+            <a:schemeClr val="accent1"/>
+          </a:fillRef>
+          <a:effectRef idx="2">
+            <a:schemeClr val="accent1"/>
+          </a:effectRef>
+          <a:fontRef idx="minor">
+            <a:schemeClr val="lt1"/>
+          </a:fontRef>
+        </p:style>
+        <p:txBody>
+          <a:bodyPr wrap="square" numCol="1" anchor="t" anchorCtr="0" compatLnSpc="1">
+            <a:prstTxWarp prst="textNoShape">
+              <a:avLst/>
+            </a:prstTxWarp>
+            <a:normAutofit/>
+          </a:bodyPr>
+          <a:lstStyle>
+            <a:lvl1pPr marL="0" indent="0" algn="ctr">
+              <a:buFontTx/>
+              <a:buNone/>
+              <a:defRPr sz="1200"/>
+            </a:lvl1pPr>
+          </a:lstStyle>
+          <a:p>
+            <a:r>
+              <a:rPr lang="en-US"/>
+              <a:t>Click icon to add picture</a:t>
+            </a:r>
+            <a:endParaRPr lang="en-US" dirty="0"/>
+          </a:p>
+        </p:txBody>
+      </p:sp>
+      <p:sp>
+        <p:nvSpPr>
+          <p:cNvPr id="4" name="Text Placeholder 3"/>
           <p:cNvSpPr>
             <a:spLocks noGrp="1"/>
           </p:cNvSpPr>
           <p:nvPr>
-            <p:ph type="body" orient="vert" idx="1"/>
+            <p:ph type="body" sz="half" idx="2"/>
           </p:nvPr>
         </p:nvSpPr>
-        <p:spPr/>
+        <p:spPr>
+          <a:xfrm>
+            <a:off x="607500" y="4025504"/>
+            <a:ext cx="7921064" cy="370284"/>
+          </a:xfrm>
+        </p:spPr>
         <p:txBody>
-          <a:bodyPr vert="eaVert"/>
-          <a:lstStyle/>
+          <a:bodyPr>
+            <a:normAutofit/>
+          </a:bodyPr>
+          <a:lstStyle>
+            <a:lvl1pPr marL="0" indent="0">
+              <a:buNone/>
+              <a:defRPr sz="900"/>
+            </a:lvl1pPr>
+            <a:lvl2pPr marL="342900" indent="0">
+              <a:buNone/>
+              <a:defRPr sz="900"/>
+            </a:lvl2pPr>
+            <a:lvl3pPr marL="685800" indent="0">
+              <a:buNone/>
+              <a:defRPr sz="750"/>
+            </a:lvl3pPr>
+            <a:lvl4pPr marL="1028700" indent="0">
+              <a:buNone/>
+              <a:defRPr sz="675"/>
+            </a:lvl4pPr>
+            <a:lvl5pPr marL="1371600" indent="0">
+              <a:buNone/>
+              <a:defRPr sz="675"/>
+            </a:lvl5pPr>
+            <a:lvl6pPr marL="1714500" indent="0">
+              <a:buNone/>
+              <a:defRPr sz="675"/>
+            </a:lvl6pPr>
+            <a:lvl7pPr marL="2057400" indent="0">
+              <a:buNone/>
+              <a:defRPr sz="675"/>
+            </a:lvl7pPr>
+            <a:lvl8pPr marL="2400300" indent="0">
+              <a:buNone/>
+              <a:defRPr sz="675"/>
+            </a:lvl8pPr>
+            <a:lvl9pPr marL="2743200" indent="0">
+              <a:buNone/>
+              <a:defRPr sz="675"/>
+            </a:lvl9pPr>
+          </a:lstStyle>
           <a:p>
             <a:pPr lvl="0"/>
             <a:r>
@@ -1198,40 +1531,11 @@
               <a:t>Edit Master text styles</a:t>
             </a:r>
           </a:p>
-          <a:p>
-            <a:pPr lvl="1"/>
-            <a:r>
-              <a:rPr lang="en-US"/>
-              <a:t>Second level</a:t>
-            </a:r>
-          </a:p>
-          <a:p>
-            <a:pPr lvl="2"/>
-            <a:r>
-              <a:rPr lang="en-US"/>
-              <a:t>Third level</a:t>
-            </a:r>
-          </a:p>
-          <a:p>
-            <a:pPr lvl="3"/>
-            <a:r>
-              <a:rPr lang="en-US"/>
-              <a:t>Fourth level</a:t>
-            </a:r>
-          </a:p>
-          <a:p>
-            <a:pPr lvl="4"/>
-            <a:r>
-              <a:rPr lang="en-US"/>
-              <a:t>Fifth level</a:t>
-            </a:r>
-            <a:endParaRPr lang="en-US"/>
-          </a:p>
         </p:txBody>
       </p:sp>
       <p:sp>
         <p:nvSpPr>
-          <p:cNvPr id="4" name="Date Placeholder 3"/>
+          <p:cNvPr id="5" name="Date Placeholder 4"/>
           <p:cNvSpPr>
             <a:spLocks noGrp="1"/>
           </p:cNvSpPr>
@@ -1255,7 +1559,7 @@
       </p:sp>
       <p:sp>
         <p:nvSpPr>
-          <p:cNvPr id="5" name="Footer Placeholder 4"/>
+          <p:cNvPr id="6" name="Footer Placeholder 5"/>
           <p:cNvSpPr>
             <a:spLocks noGrp="1"/>
           </p:cNvSpPr>
@@ -1274,7 +1578,7 @@
       </p:sp>
       <p:sp>
         <p:nvSpPr>
-          <p:cNvPr id="6" name="Slide Number Placeholder 5"/>
+          <p:cNvPr id="7" name="Slide Number Placeholder 6"/>
           <p:cNvSpPr>
             <a:spLocks noGrp="1"/>
           </p:cNvSpPr>
@@ -1320,7 +1624,7 @@
     </p:spTree>
     <p:extLst>
       <p:ext uri="{BB962C8B-B14F-4D97-AF65-F5344CB8AC3E}">
-        <p14:creationId xmlns:p14="http://schemas.microsoft.com/office/powerpoint/2010/main" val="2708321612"/>
+        <p14:creationId xmlns:p14="http://schemas.microsoft.com/office/powerpoint/2010/main" val="266113291"/>
       </p:ext>
     </p:extLst>
   </p:cSld>
@@ -1332,8 +1636,8 @@
 </file>
 
 <file path=ppt/slideLayouts/slideLayout11.xml><?xml version="1.0" encoding="utf-8"?>
-<p:sldLayout xmlns:a="http://schemas.openxmlformats.org/drawingml/2006/main" xmlns:r="http://schemas.openxmlformats.org/officeDocument/2006/relationships" xmlns:p="http://schemas.openxmlformats.org/presentationml/2006/main" type="vertTitleAndTx" preserve="1">
-  <p:cSld name="Vertical Title and Text">
+<p:sldLayout xmlns:a="http://schemas.openxmlformats.org/drawingml/2006/main" xmlns:r="http://schemas.openxmlformats.org/officeDocument/2006/relationships" xmlns:p="http://schemas.openxmlformats.org/presentationml/2006/main" preserve="1">
+  <p:cSld name="Quote with Caption">
     <p:spTree>
       <p:nvGrpSpPr>
         <p:cNvPr id="1" name=""/>
@@ -1350,51 +1654,354 @@
       </p:grpSpPr>
       <p:sp>
         <p:nvSpPr>
-          <p:cNvPr id="2" name="Vertical Title 1"/>
+          <p:cNvPr id="8" name="Freeform 6"/>
+          <p:cNvSpPr>
+            <a:spLocks noChangeAspect="1"/>
+          </p:cNvSpPr>
+          <p:nvPr/>
+        </p:nvSpPr>
+        <p:spPr bwMode="auto">
+          <a:xfrm>
+            <a:off x="473773" y="811092"/>
+            <a:ext cx="4749312" cy="2429391"/>
+          </a:xfrm>
+          <a:custGeom>
+            <a:avLst/>
+            <a:gdLst/>
+            <a:ahLst/>
+            <a:cxnLst/>
+            <a:rect l="0" t="0" r="r" b="b"/>
+            <a:pathLst>
+              <a:path w="3384" h="2308">
+                <a:moveTo>
+                  <a:pt x="3340" y="0"/>
+                </a:moveTo>
+                <a:lnTo>
+                  <a:pt x="44" y="0"/>
+                </a:lnTo>
+                <a:lnTo>
+                  <a:pt x="44" y="0"/>
+                </a:lnTo>
+                <a:lnTo>
+                  <a:pt x="34" y="0"/>
+                </a:lnTo>
+                <a:lnTo>
+                  <a:pt x="26" y="4"/>
+                </a:lnTo>
+                <a:lnTo>
+                  <a:pt x="20" y="8"/>
+                </a:lnTo>
+                <a:lnTo>
+                  <a:pt x="12" y="12"/>
+                </a:lnTo>
+                <a:lnTo>
+                  <a:pt x="8" y="20"/>
+                </a:lnTo>
+                <a:lnTo>
+                  <a:pt x="4" y="26"/>
+                </a:lnTo>
+                <a:lnTo>
+                  <a:pt x="0" y="34"/>
+                </a:lnTo>
+                <a:lnTo>
+                  <a:pt x="0" y="44"/>
+                </a:lnTo>
+                <a:lnTo>
+                  <a:pt x="0" y="2076"/>
+                </a:lnTo>
+                <a:lnTo>
+                  <a:pt x="0" y="2076"/>
+                </a:lnTo>
+                <a:lnTo>
+                  <a:pt x="0" y="2086"/>
+                </a:lnTo>
+                <a:lnTo>
+                  <a:pt x="4" y="2094"/>
+                </a:lnTo>
+                <a:lnTo>
+                  <a:pt x="8" y="2100"/>
+                </a:lnTo>
+                <a:lnTo>
+                  <a:pt x="12" y="2108"/>
+                </a:lnTo>
+                <a:lnTo>
+                  <a:pt x="20" y="2112"/>
+                </a:lnTo>
+                <a:lnTo>
+                  <a:pt x="26" y="2116"/>
+                </a:lnTo>
+                <a:lnTo>
+                  <a:pt x="34" y="2120"/>
+                </a:lnTo>
+                <a:lnTo>
+                  <a:pt x="44" y="2120"/>
+                </a:lnTo>
+                <a:lnTo>
+                  <a:pt x="474" y="2120"/>
+                </a:lnTo>
+                <a:lnTo>
+                  <a:pt x="650" y="2296"/>
+                </a:lnTo>
+                <a:lnTo>
+                  <a:pt x="650" y="2296"/>
+                </a:lnTo>
+                <a:lnTo>
+                  <a:pt x="656" y="2300"/>
+                </a:lnTo>
+                <a:lnTo>
+                  <a:pt x="664" y="2304"/>
+                </a:lnTo>
+                <a:lnTo>
+                  <a:pt x="672" y="2308"/>
+                </a:lnTo>
+                <a:lnTo>
+                  <a:pt x="680" y="2308"/>
+                </a:lnTo>
+                <a:lnTo>
+                  <a:pt x="688" y="2308"/>
+                </a:lnTo>
+                <a:lnTo>
+                  <a:pt x="696" y="2304"/>
+                </a:lnTo>
+                <a:lnTo>
+                  <a:pt x="704" y="2300"/>
+                </a:lnTo>
+                <a:lnTo>
+                  <a:pt x="710" y="2296"/>
+                </a:lnTo>
+                <a:lnTo>
+                  <a:pt x="886" y="2120"/>
+                </a:lnTo>
+                <a:lnTo>
+                  <a:pt x="3340" y="2120"/>
+                </a:lnTo>
+                <a:lnTo>
+                  <a:pt x="3340" y="2120"/>
+                </a:lnTo>
+                <a:lnTo>
+                  <a:pt x="3350" y="2120"/>
+                </a:lnTo>
+                <a:lnTo>
+                  <a:pt x="3358" y="2116"/>
+                </a:lnTo>
+                <a:lnTo>
+                  <a:pt x="3364" y="2112"/>
+                </a:lnTo>
+                <a:lnTo>
+                  <a:pt x="3372" y="2108"/>
+                </a:lnTo>
+                <a:lnTo>
+                  <a:pt x="3376" y="2100"/>
+                </a:lnTo>
+                <a:lnTo>
+                  <a:pt x="3380" y="2094"/>
+                </a:lnTo>
+                <a:lnTo>
+                  <a:pt x="3384" y="2086"/>
+                </a:lnTo>
+                <a:lnTo>
+                  <a:pt x="3384" y="2076"/>
+                </a:lnTo>
+                <a:lnTo>
+                  <a:pt x="3384" y="44"/>
+                </a:lnTo>
+                <a:lnTo>
+                  <a:pt x="3384" y="44"/>
+                </a:lnTo>
+                <a:lnTo>
+                  <a:pt x="3384" y="34"/>
+                </a:lnTo>
+                <a:lnTo>
+                  <a:pt x="3380" y="26"/>
+                </a:lnTo>
+                <a:lnTo>
+                  <a:pt x="3376" y="20"/>
+                </a:lnTo>
+                <a:lnTo>
+                  <a:pt x="3372" y="12"/>
+                </a:lnTo>
+                <a:lnTo>
+                  <a:pt x="3364" y="8"/>
+                </a:lnTo>
+                <a:lnTo>
+                  <a:pt x="3358" y="4"/>
+                </a:lnTo>
+                <a:lnTo>
+                  <a:pt x="3350" y="0"/>
+                </a:lnTo>
+                <a:lnTo>
+                  <a:pt x="3340" y="0"/>
+                </a:lnTo>
+                <a:lnTo>
+                  <a:pt x="3340" y="0"/>
+                </a:lnTo>
+                <a:close/>
+              </a:path>
+            </a:pathLst>
+          </a:custGeom>
+          <a:ln>
+            <a:solidFill>
+              <a:schemeClr val="accent1"/>
+            </a:solidFill>
+          </a:ln>
+        </p:spPr>
+        <p:style>
+          <a:lnRef idx="1">
+            <a:schemeClr val="accent1"/>
+          </a:lnRef>
+          <a:fillRef idx="3">
+            <a:schemeClr val="accent1"/>
+          </a:fillRef>
+          <a:effectRef idx="2">
+            <a:schemeClr val="accent1"/>
+          </a:effectRef>
+          <a:fontRef idx="minor">
+            <a:schemeClr val="lt1"/>
+          </a:fontRef>
+        </p:style>
+      </p:sp>
+      <p:sp>
+        <p:nvSpPr>
+          <p:cNvPr id="2" name="Title 1"/>
           <p:cNvSpPr>
             <a:spLocks noGrp="1"/>
           </p:cNvSpPr>
           <p:nvPr>
-            <p:ph type="title" orient="vert"/>
+            <p:ph type="title"/>
           </p:nvPr>
         </p:nvSpPr>
         <p:spPr>
           <a:xfrm>
-            <a:off x="6543675" y="273844"/>
-            <a:ext cx="1971675" cy="4358879"/>
+            <a:off x="638239" y="928877"/>
+            <a:ext cx="4420380" cy="1984434"/>
           </a:xfrm>
         </p:spPr>
         <p:txBody>
-          <a:bodyPr vert="eaVert"/>
-          <a:lstStyle/>
+          <a:bodyPr anchor="b"/>
+          <a:lstStyle>
+            <a:lvl1pPr algn="l">
+              <a:defRPr sz="3150" b="1" cap="none"/>
+            </a:lvl1pPr>
+          </a:lstStyle>
           <a:p>
             <a:r>
               <a:rPr lang="en-US"/>
               <a:t>Click to edit Master title style</a:t>
             </a:r>
-            <a:endParaRPr lang="en-US"/>
+            <a:endParaRPr lang="en-US" dirty="0"/>
           </a:p>
         </p:txBody>
       </p:sp>
       <p:sp>
         <p:nvSpPr>
-          <p:cNvPr id="3" name="Vertical Text Placeholder 2"/>
+          <p:cNvPr id="3" name="Text Placeholder 2"/>
           <p:cNvSpPr>
             <a:spLocks noGrp="1"/>
           </p:cNvSpPr>
           <p:nvPr>
-            <p:ph type="body" orient="vert" idx="1"/>
+            <p:ph type="body" idx="1"/>
           </p:nvPr>
         </p:nvSpPr>
         <p:spPr>
           <a:xfrm>
-            <a:off x="628650" y="273844"/>
-            <a:ext cx="5800725" cy="4358879"/>
+            <a:off x="639893" y="3332760"/>
+            <a:ext cx="4418727" cy="534931"/>
           </a:xfrm>
         </p:spPr>
         <p:txBody>
-          <a:bodyPr vert="eaVert"/>
-          <a:lstStyle/>
+          <a:bodyPr anchor="t">
+            <a:noAutofit/>
+          </a:bodyPr>
+          <a:lstStyle>
+            <a:lvl1pPr marL="0" indent="0" algn="l">
+              <a:buNone/>
+              <a:defRPr sz="1350">
+                <a:solidFill>
+                  <a:schemeClr val="tx1"/>
+                </a:solidFill>
+              </a:defRPr>
+            </a:lvl1pPr>
+            <a:lvl2pPr marL="342900" indent="0">
+              <a:buNone/>
+              <a:defRPr sz="1350">
+                <a:solidFill>
+                  <a:schemeClr val="tx1">
+                    <a:tint val="75000"/>
+                  </a:schemeClr>
+                </a:solidFill>
+              </a:defRPr>
+            </a:lvl2pPr>
+            <a:lvl3pPr marL="685800" indent="0">
+              <a:buNone/>
+              <a:defRPr sz="1200">
+                <a:solidFill>
+                  <a:schemeClr val="tx1">
+                    <a:tint val="75000"/>
+                  </a:schemeClr>
+                </a:solidFill>
+              </a:defRPr>
+            </a:lvl3pPr>
+            <a:lvl4pPr marL="1028700" indent="0">
+              <a:buNone/>
+              <a:defRPr sz="1050">
+                <a:solidFill>
+                  <a:schemeClr val="tx1">
+                    <a:tint val="75000"/>
+                  </a:schemeClr>
+                </a:solidFill>
+              </a:defRPr>
+            </a:lvl4pPr>
+            <a:lvl5pPr marL="1371600" indent="0">
+              <a:buNone/>
+              <a:defRPr sz="1050">
+                <a:solidFill>
+                  <a:schemeClr val="tx1">
+                    <a:tint val="75000"/>
+                  </a:schemeClr>
+                </a:solidFill>
+              </a:defRPr>
+            </a:lvl5pPr>
+            <a:lvl6pPr marL="1714500" indent="0">
+              <a:buNone/>
+              <a:defRPr sz="1050">
+                <a:solidFill>
+                  <a:schemeClr val="tx1">
+                    <a:tint val="75000"/>
+                  </a:schemeClr>
+                </a:solidFill>
+              </a:defRPr>
+            </a:lvl6pPr>
+            <a:lvl7pPr marL="2057400" indent="0">
+              <a:buNone/>
+              <a:defRPr sz="1050">
+                <a:solidFill>
+                  <a:schemeClr val="tx1">
+                    <a:tint val="75000"/>
+                  </a:schemeClr>
+                </a:solidFill>
+              </a:defRPr>
+            </a:lvl7pPr>
+            <a:lvl8pPr marL="2400300" indent="0">
+              <a:buNone/>
+              <a:defRPr sz="1050">
+                <a:solidFill>
+                  <a:schemeClr val="tx1">
+                    <a:tint val="75000"/>
+                  </a:schemeClr>
+                </a:solidFill>
+              </a:defRPr>
+            </a:lvl8pPr>
+            <a:lvl9pPr marL="2743200" indent="0">
+              <a:buNone/>
+              <a:defRPr sz="1050">
+                <a:solidFill>
+                  <a:schemeClr val="tx1">
+                    <a:tint val="75000"/>
+                  </a:schemeClr>
+                </a:solidFill>
+              </a:defRPr>
+            </a:lvl9pPr>
+          </a:lstStyle>
           <a:p>
             <a:pPr lvl="0"/>
             <a:r>
@@ -1402,34 +2009,39 @@
               <a:t>Edit Master text styles</a:t>
             </a:r>
           </a:p>
-          <a:p>
-            <a:pPr lvl="1"/>
+        </p:txBody>
+      </p:sp>
+      <p:sp>
+        <p:nvSpPr>
+          <p:cNvPr id="9" name="Text Placeholder 5"/>
+          <p:cNvSpPr>
+            <a:spLocks noGrp="1"/>
+          </p:cNvSpPr>
+          <p:nvPr>
+            <p:ph type="body" sz="quarter" idx="16"/>
+          </p:nvPr>
+        </p:nvSpPr>
+        <p:spPr>
+          <a:xfrm>
+            <a:off x="5680982" y="811092"/>
+            <a:ext cx="2857501" cy="3056599"/>
+          </a:xfrm>
+        </p:spPr>
+        <p:txBody>
+          <a:bodyPr anchor="t"/>
+          <a:lstStyle>
+            <a:lvl1pPr marL="0" indent="0">
+              <a:buFontTx/>
+              <a:buNone/>
+              <a:defRPr/>
+            </a:lvl1pPr>
+          </a:lstStyle>
+          <a:p>
+            <a:pPr lvl="0"/>
             <a:r>
               <a:rPr lang="en-US"/>
-              <a:t>Second level</a:t>
+              <a:t>Edit Master text styles</a:t>
             </a:r>
-          </a:p>
-          <a:p>
-            <a:pPr lvl="2"/>
-            <a:r>
-              <a:rPr lang="en-US"/>
-              <a:t>Third level</a:t>
-            </a:r>
-          </a:p>
-          <a:p>
-            <a:pPr lvl="3"/>
-            <a:r>
-              <a:rPr lang="en-US"/>
-              <a:t>Fourth level</a:t>
-            </a:r>
-          </a:p>
-          <a:p>
-            <a:pPr lvl="4"/>
-            <a:r>
-              <a:rPr lang="en-US"/>
-              <a:t>Fifth level</a:t>
-            </a:r>
-            <a:endParaRPr lang="en-US"/>
           </a:p>
         </p:txBody>
       </p:sp>
@@ -1524,7 +2136,7 @@
     </p:spTree>
     <p:extLst>
       <p:ext uri="{BB962C8B-B14F-4D97-AF65-F5344CB8AC3E}">
-        <p14:creationId xmlns:p14="http://schemas.microsoft.com/office/powerpoint/2010/main" val="2335669384"/>
+        <p14:creationId xmlns:p14="http://schemas.microsoft.com/office/powerpoint/2010/main" val="3105504422"/>
       </p:ext>
     </p:extLst>
   </p:cSld>
@@ -1536,6 +2148,1005 @@
 </file>
 
 <file path=ppt/slideLayouts/slideLayout12.xml><?xml version="1.0" encoding="utf-8"?>
+<p:sldLayout xmlns:a="http://schemas.openxmlformats.org/drawingml/2006/main" xmlns:r="http://schemas.openxmlformats.org/officeDocument/2006/relationships" xmlns:p="http://schemas.openxmlformats.org/presentationml/2006/main" preserve="1">
+  <p:cSld name="Name Card">
+    <p:spTree>
+      <p:nvGrpSpPr>
+        <p:cNvPr id="1" name=""/>
+        <p:cNvGrpSpPr/>
+        <p:nvPr/>
+      </p:nvGrpSpPr>
+      <p:grpSpPr>
+        <a:xfrm>
+          <a:off x="0" y="0"/>
+          <a:ext cx="0" cy="0"/>
+          <a:chOff x="0" y="0"/>
+          <a:chExt cx="0" cy="0"/>
+        </a:xfrm>
+      </p:grpSpPr>
+      <p:sp>
+        <p:nvSpPr>
+          <p:cNvPr id="9" name="Freeform 6"/>
+          <p:cNvSpPr>
+            <a:spLocks noChangeAspect="1"/>
+          </p:cNvSpPr>
+          <p:nvPr/>
+        </p:nvSpPr>
+        <p:spPr bwMode="auto">
+          <a:xfrm>
+            <a:off x="855664" y="1714939"/>
+            <a:ext cx="3671336" cy="1877979"/>
+          </a:xfrm>
+          <a:custGeom>
+            <a:avLst/>
+            <a:gdLst/>
+            <a:ahLst/>
+            <a:cxnLst/>
+            <a:rect l="0" t="0" r="r" b="b"/>
+            <a:pathLst>
+              <a:path w="3384" h="2308">
+                <a:moveTo>
+                  <a:pt x="3340" y="0"/>
+                </a:moveTo>
+                <a:lnTo>
+                  <a:pt x="44" y="0"/>
+                </a:lnTo>
+                <a:lnTo>
+                  <a:pt x="44" y="0"/>
+                </a:lnTo>
+                <a:lnTo>
+                  <a:pt x="34" y="0"/>
+                </a:lnTo>
+                <a:lnTo>
+                  <a:pt x="26" y="4"/>
+                </a:lnTo>
+                <a:lnTo>
+                  <a:pt x="20" y="8"/>
+                </a:lnTo>
+                <a:lnTo>
+                  <a:pt x="12" y="12"/>
+                </a:lnTo>
+                <a:lnTo>
+                  <a:pt x="8" y="20"/>
+                </a:lnTo>
+                <a:lnTo>
+                  <a:pt x="4" y="26"/>
+                </a:lnTo>
+                <a:lnTo>
+                  <a:pt x="0" y="34"/>
+                </a:lnTo>
+                <a:lnTo>
+                  <a:pt x="0" y="44"/>
+                </a:lnTo>
+                <a:lnTo>
+                  <a:pt x="0" y="2076"/>
+                </a:lnTo>
+                <a:lnTo>
+                  <a:pt x="0" y="2076"/>
+                </a:lnTo>
+                <a:lnTo>
+                  <a:pt x="0" y="2086"/>
+                </a:lnTo>
+                <a:lnTo>
+                  <a:pt x="4" y="2094"/>
+                </a:lnTo>
+                <a:lnTo>
+                  <a:pt x="8" y="2100"/>
+                </a:lnTo>
+                <a:lnTo>
+                  <a:pt x="12" y="2108"/>
+                </a:lnTo>
+                <a:lnTo>
+                  <a:pt x="20" y="2112"/>
+                </a:lnTo>
+                <a:lnTo>
+                  <a:pt x="26" y="2116"/>
+                </a:lnTo>
+                <a:lnTo>
+                  <a:pt x="34" y="2120"/>
+                </a:lnTo>
+                <a:lnTo>
+                  <a:pt x="44" y="2120"/>
+                </a:lnTo>
+                <a:lnTo>
+                  <a:pt x="474" y="2120"/>
+                </a:lnTo>
+                <a:lnTo>
+                  <a:pt x="650" y="2296"/>
+                </a:lnTo>
+                <a:lnTo>
+                  <a:pt x="650" y="2296"/>
+                </a:lnTo>
+                <a:lnTo>
+                  <a:pt x="656" y="2300"/>
+                </a:lnTo>
+                <a:lnTo>
+                  <a:pt x="664" y="2304"/>
+                </a:lnTo>
+                <a:lnTo>
+                  <a:pt x="672" y="2308"/>
+                </a:lnTo>
+                <a:lnTo>
+                  <a:pt x="680" y="2308"/>
+                </a:lnTo>
+                <a:lnTo>
+                  <a:pt x="688" y="2308"/>
+                </a:lnTo>
+                <a:lnTo>
+                  <a:pt x="696" y="2304"/>
+                </a:lnTo>
+                <a:lnTo>
+                  <a:pt x="704" y="2300"/>
+                </a:lnTo>
+                <a:lnTo>
+                  <a:pt x="710" y="2296"/>
+                </a:lnTo>
+                <a:lnTo>
+                  <a:pt x="886" y="2120"/>
+                </a:lnTo>
+                <a:lnTo>
+                  <a:pt x="3340" y="2120"/>
+                </a:lnTo>
+                <a:lnTo>
+                  <a:pt x="3340" y="2120"/>
+                </a:lnTo>
+                <a:lnTo>
+                  <a:pt x="3350" y="2120"/>
+                </a:lnTo>
+                <a:lnTo>
+                  <a:pt x="3358" y="2116"/>
+                </a:lnTo>
+                <a:lnTo>
+                  <a:pt x="3364" y="2112"/>
+                </a:lnTo>
+                <a:lnTo>
+                  <a:pt x="3372" y="2108"/>
+                </a:lnTo>
+                <a:lnTo>
+                  <a:pt x="3376" y="2100"/>
+                </a:lnTo>
+                <a:lnTo>
+                  <a:pt x="3380" y="2094"/>
+                </a:lnTo>
+                <a:lnTo>
+                  <a:pt x="3384" y="2086"/>
+                </a:lnTo>
+                <a:lnTo>
+                  <a:pt x="3384" y="2076"/>
+                </a:lnTo>
+                <a:lnTo>
+                  <a:pt x="3384" y="44"/>
+                </a:lnTo>
+                <a:lnTo>
+                  <a:pt x="3384" y="44"/>
+                </a:lnTo>
+                <a:lnTo>
+                  <a:pt x="3384" y="34"/>
+                </a:lnTo>
+                <a:lnTo>
+                  <a:pt x="3380" y="26"/>
+                </a:lnTo>
+                <a:lnTo>
+                  <a:pt x="3376" y="20"/>
+                </a:lnTo>
+                <a:lnTo>
+                  <a:pt x="3372" y="12"/>
+                </a:lnTo>
+                <a:lnTo>
+                  <a:pt x="3364" y="8"/>
+                </a:lnTo>
+                <a:lnTo>
+                  <a:pt x="3358" y="4"/>
+                </a:lnTo>
+                <a:lnTo>
+                  <a:pt x="3350" y="0"/>
+                </a:lnTo>
+                <a:lnTo>
+                  <a:pt x="3340" y="0"/>
+                </a:lnTo>
+                <a:lnTo>
+                  <a:pt x="3340" y="0"/>
+                </a:lnTo>
+                <a:close/>
+              </a:path>
+            </a:pathLst>
+          </a:custGeom>
+          <a:ln>
+            <a:solidFill>
+              <a:schemeClr val="accent1"/>
+            </a:solidFill>
+          </a:ln>
+        </p:spPr>
+        <p:style>
+          <a:lnRef idx="1">
+            <a:schemeClr val="accent1"/>
+          </a:lnRef>
+          <a:fillRef idx="3">
+            <a:schemeClr val="accent1"/>
+          </a:fillRef>
+          <a:effectRef idx="2">
+            <a:schemeClr val="accent1"/>
+          </a:effectRef>
+          <a:fontRef idx="minor">
+            <a:schemeClr val="lt1"/>
+          </a:fontRef>
+        </p:style>
+      </p:sp>
+      <p:sp>
+        <p:nvSpPr>
+          <p:cNvPr id="38" name="Title 1"/>
+          <p:cNvSpPr>
+            <a:spLocks noGrp="1"/>
+          </p:cNvSpPr>
+          <p:nvPr>
+            <p:ph type="title"/>
+          </p:nvPr>
+        </p:nvSpPr>
+        <p:spPr>
+          <a:xfrm>
+            <a:off x="1017817" y="1826968"/>
+            <a:ext cx="3286891" cy="1505842"/>
+          </a:xfrm>
+        </p:spPr>
+        <p:txBody>
+          <a:bodyPr/>
+          <a:lstStyle>
+            <a:lvl1pPr>
+              <a:defRPr sz="2400"/>
+            </a:lvl1pPr>
+          </a:lstStyle>
+          <a:p>
+            <a:r>
+              <a:rPr lang="en-US"/>
+              <a:t>Click to edit Master title style</a:t>
+            </a:r>
+            <a:endParaRPr lang="en-US" dirty="0"/>
+          </a:p>
+        </p:txBody>
+      </p:sp>
+      <p:sp>
+        <p:nvSpPr>
+          <p:cNvPr id="6" name="Text Placeholder 5"/>
+          <p:cNvSpPr>
+            <a:spLocks noGrp="1"/>
+          </p:cNvSpPr>
+          <p:nvPr>
+            <p:ph type="body" sz="quarter" idx="16"/>
+          </p:nvPr>
+        </p:nvSpPr>
+        <p:spPr>
+          <a:xfrm>
+            <a:off x="4617000" y="1714500"/>
+            <a:ext cx="3660225" cy="1721644"/>
+          </a:xfrm>
+        </p:spPr>
+        <p:txBody>
+          <a:bodyPr anchor="t"/>
+          <a:lstStyle>
+            <a:lvl1pPr marL="0" indent="0">
+              <a:buFontTx/>
+              <a:buNone/>
+              <a:defRPr/>
+            </a:lvl1pPr>
+          </a:lstStyle>
+          <a:p>
+            <a:pPr lvl="0"/>
+            <a:r>
+              <a:rPr lang="en-US"/>
+              <a:t>Edit Master text styles</a:t>
+            </a:r>
+          </a:p>
+        </p:txBody>
+      </p:sp>
+      <p:sp>
+        <p:nvSpPr>
+          <p:cNvPr id="2" name="Date Placeholder 1"/>
+          <p:cNvSpPr>
+            <a:spLocks noGrp="1"/>
+          </p:cNvSpPr>
+          <p:nvPr>
+            <p:ph type="dt" sz="half" idx="10"/>
+          </p:nvPr>
+        </p:nvSpPr>
+        <p:spPr/>
+        <p:txBody>
+          <a:bodyPr/>
+          <a:lstStyle/>
+          <a:p>
+            <a:fld id="{B61BEF0D-F0BB-DE4B-95CE-6DB70DBA9567}" type="datetimeFigureOut">
+              <a:rPr lang="en-US" smtClean="0"/>
+              <a:pPr/>
+              <a:t>6/10/2017</a:t>
+            </a:fld>
+            <a:endParaRPr lang="en-US" dirty="0"/>
+          </a:p>
+        </p:txBody>
+      </p:sp>
+      <p:sp>
+        <p:nvSpPr>
+          <p:cNvPr id="3" name="Footer Placeholder 2"/>
+          <p:cNvSpPr>
+            <a:spLocks noGrp="1"/>
+          </p:cNvSpPr>
+          <p:nvPr>
+            <p:ph type="ftr" sz="quarter" idx="11"/>
+          </p:nvPr>
+        </p:nvSpPr>
+        <p:spPr/>
+        <p:txBody>
+          <a:bodyPr/>
+          <a:lstStyle/>
+          <a:p>
+            <a:endParaRPr lang="en-US" dirty="0"/>
+          </a:p>
+        </p:txBody>
+      </p:sp>
+      <p:sp>
+        <p:nvSpPr>
+          <p:cNvPr id="4" name="Slide Number Placeholder 3"/>
+          <p:cNvSpPr>
+            <a:spLocks noGrp="1"/>
+          </p:cNvSpPr>
+          <p:nvPr>
+            <p:ph type="sldNum" sz="quarter" idx="12"/>
+          </p:nvPr>
+        </p:nvSpPr>
+        <p:spPr/>
+        <p:txBody>
+          <a:bodyPr/>
+          <a:lstStyle/>
+          <a:p>
+            <a:pPr lvl="0" algn="r">
+              <a:spcBef>
+                <a:spcPts val="0"/>
+              </a:spcBef>
+              <a:buNone/>
+            </a:pPr>
+            <a:fld id="{00000000-1234-1234-1234-123412341234}" type="slidenum">
+              <a:rPr lang="en" sz="1000" smtClean="0">
+                <a:solidFill>
+                  <a:schemeClr val="dk2"/>
+                </a:solidFill>
+                <a:latin typeface="Playfair Display"/>
+                <a:ea typeface="Playfair Display"/>
+                <a:cs typeface="Playfair Display"/>
+                <a:sym typeface="Playfair Display"/>
+              </a:rPr>
+              <a:t>‹#›</a:t>
+            </a:fld>
+            <a:endParaRPr lang="en" sz="1000">
+              <a:solidFill>
+                <a:schemeClr val="dk2"/>
+              </a:solidFill>
+              <a:latin typeface="Playfair Display"/>
+              <a:ea typeface="Playfair Display"/>
+              <a:cs typeface="Playfair Display"/>
+              <a:sym typeface="Playfair Display"/>
+            </a:endParaRPr>
+          </a:p>
+        </p:txBody>
+      </p:sp>
+    </p:spTree>
+    <p:extLst>
+      <p:ext uri="{BB962C8B-B14F-4D97-AF65-F5344CB8AC3E}">
+        <p14:creationId xmlns:p14="http://schemas.microsoft.com/office/powerpoint/2010/main" val="2202729240"/>
+      </p:ext>
+    </p:extLst>
+  </p:cSld>
+  <p:clrMapOvr>
+    <a:masterClrMapping/>
+  </p:clrMapOvr>
+  <p:hf sldNum="0" hdr="0" ftr="0" dt="0"/>
+</p:sldLayout>
+</file>
+
+<file path=ppt/slideLayouts/slideLayout13.xml><?xml version="1.0" encoding="utf-8"?>
+<p:sldLayout xmlns:a="http://schemas.openxmlformats.org/drawingml/2006/main" xmlns:r="http://schemas.openxmlformats.org/officeDocument/2006/relationships" xmlns:p="http://schemas.openxmlformats.org/presentationml/2006/main" type="vertTx" preserve="1">
+  <p:cSld name="Title and Vertical Text">
+    <p:spTree>
+      <p:nvGrpSpPr>
+        <p:cNvPr id="1" name=""/>
+        <p:cNvGrpSpPr/>
+        <p:nvPr/>
+      </p:nvGrpSpPr>
+      <p:grpSpPr>
+        <a:xfrm>
+          <a:off x="0" y="0"/>
+          <a:ext cx="0" cy="0"/>
+          <a:chOff x="0" y="0"/>
+          <a:chExt cx="0" cy="0"/>
+        </a:xfrm>
+      </p:grpSpPr>
+      <p:sp>
+        <p:nvSpPr>
+          <p:cNvPr id="7" name="Freeform 6"/>
+          <p:cNvSpPr/>
+          <p:nvPr/>
+        </p:nvSpPr>
+        <p:spPr bwMode="auto">
+          <a:xfrm>
+            <a:off x="0" y="0"/>
+            <a:ext cx="9144000" cy="1639491"/>
+          </a:xfrm>
+          <a:custGeom>
+            <a:avLst/>
+            <a:gdLst/>
+            <a:ahLst/>
+            <a:cxnLst/>
+            <a:rect l="0" t="0" r="r" b="b"/>
+            <a:pathLst>
+              <a:path w="5760" h="1377">
+                <a:moveTo>
+                  <a:pt x="5760" y="0"/>
+                </a:moveTo>
+                <a:lnTo>
+                  <a:pt x="0" y="0"/>
+                </a:lnTo>
+                <a:lnTo>
+                  <a:pt x="0" y="1189"/>
+                </a:lnTo>
+                <a:lnTo>
+                  <a:pt x="943" y="1189"/>
+                </a:lnTo>
+                <a:lnTo>
+                  <a:pt x="1123" y="1369"/>
+                </a:lnTo>
+                <a:lnTo>
+                  <a:pt x="1123" y="1369"/>
+                </a:lnTo>
+                <a:lnTo>
+                  <a:pt x="1127" y="1371"/>
+                </a:lnTo>
+                <a:lnTo>
+                  <a:pt x="1133" y="1374"/>
+                </a:lnTo>
+                <a:lnTo>
+                  <a:pt x="1139" y="1377"/>
+                </a:lnTo>
+                <a:lnTo>
+                  <a:pt x="1144" y="1377"/>
+                </a:lnTo>
+                <a:lnTo>
+                  <a:pt x="1150" y="1377"/>
+                </a:lnTo>
+                <a:lnTo>
+                  <a:pt x="1155" y="1374"/>
+                </a:lnTo>
+                <a:lnTo>
+                  <a:pt x="1161" y="1371"/>
+                </a:lnTo>
+                <a:lnTo>
+                  <a:pt x="1165" y="1369"/>
+                </a:lnTo>
+                <a:lnTo>
+                  <a:pt x="1345" y="1189"/>
+                </a:lnTo>
+                <a:lnTo>
+                  <a:pt x="5760" y="1189"/>
+                </a:lnTo>
+                <a:lnTo>
+                  <a:pt x="5760" y="0"/>
+                </a:lnTo>
+                <a:close/>
+              </a:path>
+            </a:pathLst>
+          </a:custGeom>
+          <a:ln/>
+          <a:extLst>
+            <a:ext uri="{91240B29-F687-4f45-9708-019B960494DF}">
+              <a14:hiddenLine xmlns="" xmlns:a14="http://schemas.microsoft.com/office/drawing/2010/main" w="9525">
+                <a:solidFill>
+                  <a:srgbClr val="000000"/>
+                </a:solidFill>
+                <a:round/>
+                <a:headEnd/>
+                <a:tailEnd/>
+              </a14:hiddenLine>
+            </a:ext>
+          </a:extLst>
+        </p:spPr>
+        <p:style>
+          <a:lnRef idx="1">
+            <a:schemeClr val="accent1"/>
+          </a:lnRef>
+          <a:fillRef idx="3">
+            <a:schemeClr val="accent1"/>
+          </a:fillRef>
+          <a:effectRef idx="2">
+            <a:schemeClr val="accent1"/>
+          </a:effectRef>
+          <a:fontRef idx="minor">
+            <a:schemeClr val="lt1"/>
+          </a:fontRef>
+        </p:style>
+      </p:sp>
+      <p:sp>
+        <p:nvSpPr>
+          <p:cNvPr id="2" name="Title 1"/>
+          <p:cNvSpPr>
+            <a:spLocks noGrp="1"/>
+          </p:cNvSpPr>
+          <p:nvPr>
+            <p:ph type="title"/>
+          </p:nvPr>
+        </p:nvSpPr>
+        <p:spPr/>
+        <p:txBody>
+          <a:bodyPr/>
+          <a:lstStyle/>
+          <a:p>
+            <a:r>
+              <a:rPr lang="en-US"/>
+              <a:t>Click to edit Master title style</a:t>
+            </a:r>
+            <a:endParaRPr lang="en-US" dirty="0"/>
+          </a:p>
+        </p:txBody>
+      </p:sp>
+      <p:sp>
+        <p:nvSpPr>
+          <p:cNvPr id="3" name="Vertical Text Placeholder 2"/>
+          <p:cNvSpPr>
+            <a:spLocks noGrp="1"/>
+          </p:cNvSpPr>
+          <p:nvPr>
+            <p:ph type="body" orient="vert" idx="1"/>
+          </p:nvPr>
+        </p:nvSpPr>
+        <p:spPr/>
+        <p:txBody>
+          <a:bodyPr vert="eaVert" anchor="t"/>
+          <a:lstStyle/>
+          <a:p>
+            <a:pPr lvl="0"/>
+            <a:r>
+              <a:rPr lang="en-US"/>
+              <a:t>Edit Master text styles</a:t>
+            </a:r>
+          </a:p>
+          <a:p>
+            <a:pPr lvl="1"/>
+            <a:r>
+              <a:rPr lang="en-US"/>
+              <a:t>Second level</a:t>
+            </a:r>
+          </a:p>
+          <a:p>
+            <a:pPr lvl="2"/>
+            <a:r>
+              <a:rPr lang="en-US"/>
+              <a:t>Third level</a:t>
+            </a:r>
+          </a:p>
+          <a:p>
+            <a:pPr lvl="3"/>
+            <a:r>
+              <a:rPr lang="en-US"/>
+              <a:t>Fourth level</a:t>
+            </a:r>
+          </a:p>
+          <a:p>
+            <a:pPr lvl="4"/>
+            <a:r>
+              <a:rPr lang="en-US"/>
+              <a:t>Fifth level</a:t>
+            </a:r>
+            <a:endParaRPr lang="en-US" dirty="0"/>
+          </a:p>
+        </p:txBody>
+      </p:sp>
+      <p:sp>
+        <p:nvSpPr>
+          <p:cNvPr id="4" name="Date Placeholder 3"/>
+          <p:cNvSpPr>
+            <a:spLocks noGrp="1"/>
+          </p:cNvSpPr>
+          <p:nvPr>
+            <p:ph type="dt" sz="half" idx="10"/>
+          </p:nvPr>
+        </p:nvSpPr>
+        <p:spPr/>
+        <p:txBody>
+          <a:bodyPr/>
+          <a:lstStyle/>
+          <a:p>
+            <a:fld id="{B61BEF0D-F0BB-DE4B-95CE-6DB70DBA9567}" type="datetimeFigureOut">
+              <a:rPr lang="en-US" smtClean="0"/>
+              <a:pPr/>
+              <a:t>6/10/2017</a:t>
+            </a:fld>
+            <a:endParaRPr lang="en-US" dirty="0"/>
+          </a:p>
+        </p:txBody>
+      </p:sp>
+      <p:sp>
+        <p:nvSpPr>
+          <p:cNvPr id="5" name="Footer Placeholder 4"/>
+          <p:cNvSpPr>
+            <a:spLocks noGrp="1"/>
+          </p:cNvSpPr>
+          <p:nvPr>
+            <p:ph type="ftr" sz="quarter" idx="11"/>
+          </p:nvPr>
+        </p:nvSpPr>
+        <p:spPr/>
+        <p:txBody>
+          <a:bodyPr/>
+          <a:lstStyle/>
+          <a:p>
+            <a:endParaRPr lang="en-US" dirty="0"/>
+          </a:p>
+        </p:txBody>
+      </p:sp>
+      <p:sp>
+        <p:nvSpPr>
+          <p:cNvPr id="6" name="Slide Number Placeholder 5"/>
+          <p:cNvSpPr>
+            <a:spLocks noGrp="1"/>
+          </p:cNvSpPr>
+          <p:nvPr>
+            <p:ph type="sldNum" sz="quarter" idx="12"/>
+          </p:nvPr>
+        </p:nvSpPr>
+        <p:spPr/>
+        <p:txBody>
+          <a:bodyPr/>
+          <a:lstStyle/>
+          <a:p>
+            <a:pPr lvl="0" algn="r">
+              <a:spcBef>
+                <a:spcPts val="0"/>
+              </a:spcBef>
+              <a:buNone/>
+            </a:pPr>
+            <a:fld id="{00000000-1234-1234-1234-123412341234}" type="slidenum">
+              <a:rPr lang="en" sz="1000" smtClean="0">
+                <a:solidFill>
+                  <a:schemeClr val="dk2"/>
+                </a:solidFill>
+                <a:latin typeface="Playfair Display"/>
+                <a:ea typeface="Playfair Display"/>
+                <a:cs typeface="Playfair Display"/>
+                <a:sym typeface="Playfair Display"/>
+              </a:rPr>
+              <a:t>‹#›</a:t>
+            </a:fld>
+            <a:endParaRPr lang="en" sz="1000">
+              <a:solidFill>
+                <a:schemeClr val="dk2"/>
+              </a:solidFill>
+              <a:latin typeface="Playfair Display"/>
+              <a:ea typeface="Playfair Display"/>
+              <a:cs typeface="Playfair Display"/>
+              <a:sym typeface="Playfair Display"/>
+            </a:endParaRPr>
+          </a:p>
+        </p:txBody>
+      </p:sp>
+    </p:spTree>
+    <p:extLst>
+      <p:ext uri="{BB962C8B-B14F-4D97-AF65-F5344CB8AC3E}">
+        <p14:creationId xmlns:p14="http://schemas.microsoft.com/office/powerpoint/2010/main" val="504606846"/>
+      </p:ext>
+    </p:extLst>
+  </p:cSld>
+  <p:clrMapOvr>
+    <a:masterClrMapping/>
+  </p:clrMapOvr>
+  <p:hf sldNum="0" hdr="0" ftr="0" dt="0"/>
+</p:sldLayout>
+</file>
+
+<file path=ppt/slideLayouts/slideLayout14.xml><?xml version="1.0" encoding="utf-8"?>
+<p:sldLayout xmlns:a="http://schemas.openxmlformats.org/drawingml/2006/main" xmlns:r="http://schemas.openxmlformats.org/officeDocument/2006/relationships" xmlns:p="http://schemas.openxmlformats.org/presentationml/2006/main" type="vertTitleAndTx" preserve="1">
+  <p:cSld name="Vertical Title and Text">
+    <p:spTree>
+      <p:nvGrpSpPr>
+        <p:cNvPr id="1" name=""/>
+        <p:cNvGrpSpPr/>
+        <p:nvPr/>
+      </p:nvGrpSpPr>
+      <p:grpSpPr>
+        <a:xfrm>
+          <a:off x="0" y="0"/>
+          <a:ext cx="0" cy="0"/>
+          <a:chOff x="0" y="0"/>
+          <a:chExt cx="0" cy="0"/>
+        </a:xfrm>
+      </p:grpSpPr>
+      <p:sp>
+        <p:nvSpPr>
+          <p:cNvPr id="12" name="Freeform 6"/>
+          <p:cNvSpPr>
+            <a:spLocks noChangeAspect="1"/>
+          </p:cNvSpPr>
+          <p:nvPr/>
+        </p:nvSpPr>
+        <p:spPr bwMode="auto">
+          <a:xfrm>
+            <a:off x="5752239" y="334567"/>
+            <a:ext cx="3391762" cy="4061222"/>
+          </a:xfrm>
+          <a:custGeom>
+            <a:avLst/>
+            <a:gdLst/>
+            <a:ahLst/>
+            <a:cxnLst/>
+            <a:rect l="0" t="0" r="r" b="b"/>
+            <a:pathLst>
+              <a:path w="2879" h="4320">
+                <a:moveTo>
+                  <a:pt x="183" y="0"/>
+                </a:moveTo>
+                <a:lnTo>
+                  <a:pt x="183" y="1197"/>
+                </a:lnTo>
+                <a:lnTo>
+                  <a:pt x="8" y="1372"/>
+                </a:lnTo>
+                <a:lnTo>
+                  <a:pt x="8" y="1372"/>
+                </a:lnTo>
+                <a:lnTo>
+                  <a:pt x="6" y="1376"/>
+                </a:lnTo>
+                <a:lnTo>
+                  <a:pt x="3" y="1382"/>
+                </a:lnTo>
+                <a:lnTo>
+                  <a:pt x="0" y="1387"/>
+                </a:lnTo>
+                <a:lnTo>
+                  <a:pt x="0" y="1393"/>
+                </a:lnTo>
+                <a:lnTo>
+                  <a:pt x="0" y="1399"/>
+                </a:lnTo>
+                <a:lnTo>
+                  <a:pt x="3" y="1404"/>
+                </a:lnTo>
+                <a:lnTo>
+                  <a:pt x="6" y="1410"/>
+                </a:lnTo>
+                <a:lnTo>
+                  <a:pt x="8" y="1414"/>
+                </a:lnTo>
+                <a:lnTo>
+                  <a:pt x="183" y="1589"/>
+                </a:lnTo>
+                <a:lnTo>
+                  <a:pt x="183" y="4320"/>
+                </a:lnTo>
+                <a:lnTo>
+                  <a:pt x="2879" y="4320"/>
+                </a:lnTo>
+                <a:lnTo>
+                  <a:pt x="2879" y="0"/>
+                </a:lnTo>
+                <a:lnTo>
+                  <a:pt x="183" y="0"/>
+                </a:lnTo>
+                <a:close/>
+              </a:path>
+            </a:pathLst>
+          </a:custGeom>
+          <a:ln/>
+          <a:extLst>
+            <a:ext uri="{91240B29-F687-4f45-9708-019B960494DF}">
+              <a14:hiddenLine xmlns="" xmlns:a14="http://schemas.microsoft.com/office/drawing/2010/main" w="9525">
+                <a:solidFill>
+                  <a:srgbClr val="000000"/>
+                </a:solidFill>
+                <a:round/>
+                <a:headEnd/>
+                <a:tailEnd/>
+              </a14:hiddenLine>
+            </a:ext>
+          </a:extLst>
+        </p:spPr>
+        <p:style>
+          <a:lnRef idx="1">
+            <a:schemeClr val="accent1"/>
+          </a:lnRef>
+          <a:fillRef idx="3">
+            <a:schemeClr val="accent1"/>
+          </a:fillRef>
+          <a:effectRef idx="2">
+            <a:schemeClr val="accent1"/>
+          </a:effectRef>
+          <a:fontRef idx="minor">
+            <a:schemeClr val="lt1"/>
+          </a:fontRef>
+        </p:style>
+      </p:sp>
+      <p:sp>
+        <p:nvSpPr>
+          <p:cNvPr id="2" name="Vertical Title 1"/>
+          <p:cNvSpPr>
+            <a:spLocks noGrp="1"/>
+          </p:cNvSpPr>
+          <p:nvPr>
+            <p:ph type="title" orient="vert"/>
+          </p:nvPr>
+        </p:nvSpPr>
+        <p:spPr>
+          <a:xfrm>
+            <a:off x="6137656" y="439628"/>
+            <a:ext cx="1871093" cy="3851099"/>
+          </a:xfrm>
+        </p:spPr>
+        <p:txBody>
+          <a:bodyPr vert="eaVert"/>
+          <a:lstStyle/>
+          <a:p>
+            <a:r>
+              <a:rPr lang="en-US"/>
+              <a:t>Click to edit Master title style</a:t>
+            </a:r>
+            <a:endParaRPr lang="en-US" dirty="0"/>
+          </a:p>
+        </p:txBody>
+      </p:sp>
+      <p:sp>
+        <p:nvSpPr>
+          <p:cNvPr id="3" name="Vertical Text Placeholder 2"/>
+          <p:cNvSpPr>
+            <a:spLocks noGrp="1"/>
+          </p:cNvSpPr>
+          <p:nvPr>
+            <p:ph type="body" orient="vert" idx="1"/>
+          </p:nvPr>
+        </p:nvSpPr>
+        <p:spPr>
+          <a:xfrm>
+            <a:off x="607501" y="334567"/>
+            <a:ext cx="4958655" cy="4061222"/>
+          </a:xfrm>
+        </p:spPr>
+        <p:txBody>
+          <a:bodyPr vert="eaVert" anchor="t"/>
+          <a:lstStyle/>
+          <a:p>
+            <a:pPr lvl="0"/>
+            <a:r>
+              <a:rPr lang="en-US"/>
+              <a:t>Edit Master text styles</a:t>
+            </a:r>
+          </a:p>
+          <a:p>
+            <a:pPr lvl="1"/>
+            <a:r>
+              <a:rPr lang="en-US"/>
+              <a:t>Second level</a:t>
+            </a:r>
+          </a:p>
+          <a:p>
+            <a:pPr lvl="2"/>
+            <a:r>
+              <a:rPr lang="en-US"/>
+              <a:t>Third level</a:t>
+            </a:r>
+          </a:p>
+          <a:p>
+            <a:pPr lvl="3"/>
+            <a:r>
+              <a:rPr lang="en-US"/>
+              <a:t>Fourth level</a:t>
+            </a:r>
+          </a:p>
+          <a:p>
+            <a:pPr lvl="4"/>
+            <a:r>
+              <a:rPr lang="en-US"/>
+              <a:t>Fifth level</a:t>
+            </a:r>
+            <a:endParaRPr lang="en-US" dirty="0"/>
+          </a:p>
+        </p:txBody>
+      </p:sp>
+      <p:sp>
+        <p:nvSpPr>
+          <p:cNvPr id="4" name="Date Placeholder 3"/>
+          <p:cNvSpPr>
+            <a:spLocks noGrp="1"/>
+          </p:cNvSpPr>
+          <p:nvPr>
+            <p:ph type="dt" sz="half" idx="10"/>
+          </p:nvPr>
+        </p:nvSpPr>
+        <p:spPr/>
+        <p:txBody>
+          <a:bodyPr/>
+          <a:lstStyle/>
+          <a:p>
+            <a:fld id="{B61BEF0D-F0BB-DE4B-95CE-6DB70DBA9567}" type="datetimeFigureOut">
+              <a:rPr lang="en-US" smtClean="0"/>
+              <a:pPr/>
+              <a:t>6/10/2017</a:t>
+            </a:fld>
+            <a:endParaRPr lang="en-US" dirty="0"/>
+          </a:p>
+        </p:txBody>
+      </p:sp>
+      <p:sp>
+        <p:nvSpPr>
+          <p:cNvPr id="5" name="Footer Placeholder 4"/>
+          <p:cNvSpPr>
+            <a:spLocks noGrp="1"/>
+          </p:cNvSpPr>
+          <p:nvPr>
+            <p:ph type="ftr" sz="quarter" idx="11"/>
+          </p:nvPr>
+        </p:nvSpPr>
+        <p:spPr/>
+        <p:txBody>
+          <a:bodyPr/>
+          <a:lstStyle/>
+          <a:p>
+            <a:endParaRPr lang="en-US" dirty="0"/>
+          </a:p>
+        </p:txBody>
+      </p:sp>
+      <p:sp>
+        <p:nvSpPr>
+          <p:cNvPr id="6" name="Slide Number Placeholder 5"/>
+          <p:cNvSpPr>
+            <a:spLocks noGrp="1"/>
+          </p:cNvSpPr>
+          <p:nvPr>
+            <p:ph type="sldNum" sz="quarter" idx="12"/>
+          </p:nvPr>
+        </p:nvSpPr>
+        <p:spPr/>
+        <p:txBody>
+          <a:bodyPr/>
+          <a:lstStyle/>
+          <a:p>
+            <a:pPr lvl="0" algn="r">
+              <a:spcBef>
+                <a:spcPts val="0"/>
+              </a:spcBef>
+              <a:buNone/>
+            </a:pPr>
+            <a:fld id="{00000000-1234-1234-1234-123412341234}" type="slidenum">
+              <a:rPr lang="en" sz="1000" smtClean="0">
+                <a:solidFill>
+                  <a:schemeClr val="dk2"/>
+                </a:solidFill>
+                <a:latin typeface="Playfair Display"/>
+                <a:ea typeface="Playfair Display"/>
+                <a:cs typeface="Playfair Display"/>
+                <a:sym typeface="Playfair Display"/>
+              </a:rPr>
+              <a:t>‹#›</a:t>
+            </a:fld>
+            <a:endParaRPr lang="en" sz="1000">
+              <a:solidFill>
+                <a:schemeClr val="dk2"/>
+              </a:solidFill>
+              <a:latin typeface="Playfair Display"/>
+              <a:ea typeface="Playfair Display"/>
+              <a:cs typeface="Playfair Display"/>
+              <a:sym typeface="Playfair Display"/>
+            </a:endParaRPr>
+          </a:p>
+        </p:txBody>
+      </p:sp>
+    </p:spTree>
+    <p:extLst>
+      <p:ext uri="{BB962C8B-B14F-4D97-AF65-F5344CB8AC3E}">
+        <p14:creationId xmlns:p14="http://schemas.microsoft.com/office/powerpoint/2010/main" val="3372432534"/>
+      </p:ext>
+    </p:extLst>
+  </p:cSld>
+  <p:clrMapOvr>
+    <a:masterClrMapping/>
+  </p:clrMapOvr>
+  <p:hf sldNum="0" hdr="0" ftr="0" dt="0"/>
+</p:sldLayout>
+</file>
+
+<file path=ppt/slideLayouts/slideLayout15.xml><?xml version="1.0" encoding="utf-8"?>
 <p:sldLayout xmlns:a="http://schemas.openxmlformats.org/drawingml/2006/main" xmlns:r="http://schemas.openxmlformats.org/officeDocument/2006/relationships" xmlns:p="http://schemas.openxmlformats.org/presentationml/2006/main" type="tx">
   <p:cSld name="Title and body">
     <p:spTree>
@@ -1758,7 +3369,7 @@
     </p:spTree>
     <p:extLst>
       <p:ext uri="{BB962C8B-B14F-4D97-AF65-F5344CB8AC3E}">
-        <p14:creationId xmlns:p14="http://schemas.microsoft.com/office/powerpoint/2010/main" val="2268792569"/>
+        <p14:creationId xmlns:p14="http://schemas.microsoft.com/office/powerpoint/2010/main" val="426213860"/>
       </p:ext>
     </p:extLst>
   </p:cSld>
@@ -1787,6 +3398,109 @@
       </p:grpSpPr>
       <p:sp>
         <p:nvSpPr>
+          <p:cNvPr id="11" name="Freeform 6"/>
+          <p:cNvSpPr/>
+          <p:nvPr/>
+        </p:nvSpPr>
+        <p:spPr bwMode="auto">
+          <a:xfrm>
+            <a:off x="0" y="0"/>
+            <a:ext cx="9144000" cy="1639491"/>
+          </a:xfrm>
+          <a:custGeom>
+            <a:avLst/>
+            <a:gdLst/>
+            <a:ahLst/>
+            <a:cxnLst/>
+            <a:rect l="0" t="0" r="r" b="b"/>
+            <a:pathLst>
+              <a:path w="5760" h="1377">
+                <a:moveTo>
+                  <a:pt x="5760" y="0"/>
+                </a:moveTo>
+                <a:lnTo>
+                  <a:pt x="0" y="0"/>
+                </a:lnTo>
+                <a:lnTo>
+                  <a:pt x="0" y="1189"/>
+                </a:lnTo>
+                <a:lnTo>
+                  <a:pt x="943" y="1189"/>
+                </a:lnTo>
+                <a:lnTo>
+                  <a:pt x="1123" y="1369"/>
+                </a:lnTo>
+                <a:lnTo>
+                  <a:pt x="1123" y="1369"/>
+                </a:lnTo>
+                <a:lnTo>
+                  <a:pt x="1127" y="1371"/>
+                </a:lnTo>
+                <a:lnTo>
+                  <a:pt x="1133" y="1374"/>
+                </a:lnTo>
+                <a:lnTo>
+                  <a:pt x="1139" y="1377"/>
+                </a:lnTo>
+                <a:lnTo>
+                  <a:pt x="1144" y="1377"/>
+                </a:lnTo>
+                <a:lnTo>
+                  <a:pt x="1150" y="1377"/>
+                </a:lnTo>
+                <a:lnTo>
+                  <a:pt x="1155" y="1374"/>
+                </a:lnTo>
+                <a:lnTo>
+                  <a:pt x="1161" y="1371"/>
+                </a:lnTo>
+                <a:lnTo>
+                  <a:pt x="1165" y="1369"/>
+                </a:lnTo>
+                <a:lnTo>
+                  <a:pt x="1345" y="1189"/>
+                </a:lnTo>
+                <a:lnTo>
+                  <a:pt x="5760" y="1189"/>
+                </a:lnTo>
+                <a:lnTo>
+                  <a:pt x="5760" y="0"/>
+                </a:lnTo>
+                <a:close/>
+              </a:path>
+            </a:pathLst>
+          </a:custGeom>
+          <a:ln/>
+          <a:extLst>
+            <a:ext uri="{91240B29-F687-4f45-9708-019B960494DF}">
+              <a14:hiddenLine xmlns="" xmlns:a14="http://schemas.microsoft.com/office/drawing/2010/main" w="9525">
+                <a:solidFill>
+                  <a:srgbClr val="000000"/>
+                </a:solidFill>
+                <a:round/>
+                <a:headEnd/>
+                <a:tailEnd/>
+              </a14:hiddenLine>
+            </a:ext>
+          </a:extLst>
+        </p:spPr>
+        <p:style>
+          <a:lnRef idx="1">
+            <a:schemeClr val="accent1"/>
+          </a:lnRef>
+          <a:fillRef idx="3">
+            <a:schemeClr val="accent1"/>
+          </a:fillRef>
+          <a:effectRef idx="2">
+            <a:schemeClr val="accent1"/>
+          </a:effectRef>
+          <a:fontRef idx="minor">
+            <a:schemeClr val="lt1"/>
+          </a:fontRef>
+        </p:style>
+      </p:sp>
+      <p:sp>
+        <p:nvSpPr>
           <p:cNvPr id="2" name="Title 1"/>
           <p:cNvSpPr>
             <a:spLocks noGrp="1"/>
@@ -1795,7 +3509,12 @@
             <p:ph type="title"/>
           </p:nvPr>
         </p:nvSpPr>
-        <p:spPr/>
+        <p:spPr>
+          <a:xfrm>
+            <a:off x="607500" y="335391"/>
+            <a:ext cx="7928999" cy="727838"/>
+          </a:xfrm>
+        </p:spPr>
         <p:txBody>
           <a:bodyPr/>
           <a:lstStyle/>
@@ -1804,7 +3523,7 @@
               <a:rPr lang="en-US"/>
               <a:t>Click to edit Master title style</a:t>
             </a:r>
-            <a:endParaRPr lang="en-US"/>
+            <a:endParaRPr lang="en-US" dirty="0"/>
           </a:p>
         </p:txBody>
       </p:sp>
@@ -1818,7 +3537,12 @@
             <p:ph idx="1"/>
           </p:nvPr>
         </p:nvSpPr>
-        <p:spPr/>
+        <p:spPr>
+          <a:xfrm>
+            <a:off x="614034" y="1666716"/>
+            <a:ext cx="7915931" cy="2727383"/>
+          </a:xfrm>
+        </p:spPr>
         <p:txBody>
           <a:bodyPr/>
           <a:lstStyle/>
@@ -1856,7 +3580,7 @@
               <a:rPr lang="en-US"/>
               <a:t>Fifth level</a:t>
             </a:r>
-            <a:endParaRPr lang="en-US"/>
+            <a:endParaRPr lang="en-US" dirty="0"/>
           </a:p>
         </p:txBody>
       </p:sp>
@@ -1951,7 +3675,7 @@
     </p:spTree>
     <p:extLst>
       <p:ext uri="{BB962C8B-B14F-4D97-AF65-F5344CB8AC3E}">
-        <p14:creationId xmlns:p14="http://schemas.microsoft.com/office/powerpoint/2010/main" val="2626862077"/>
+        <p14:creationId xmlns:p14="http://schemas.microsoft.com/office/powerpoint/2010/main" val="953541613"/>
       </p:ext>
     </p:extLst>
   </p:cSld>
@@ -1981,6 +3705,103 @@
       </p:grpSpPr>
       <p:sp>
         <p:nvSpPr>
+          <p:cNvPr id="10" name="Freeform 7"/>
+          <p:cNvSpPr/>
+          <p:nvPr/>
+        </p:nvSpPr>
+        <p:spPr bwMode="auto">
+          <a:xfrm>
+            <a:off x="0" y="1"/>
+            <a:ext cx="9144000" cy="3902869"/>
+          </a:xfrm>
+          <a:custGeom>
+            <a:avLst/>
+            <a:gdLst/>
+            <a:ahLst/>
+            <a:cxnLst/>
+            <a:rect l="0" t="0" r="r" b="b"/>
+            <a:pathLst>
+              <a:path w="5760" h="3278">
+                <a:moveTo>
+                  <a:pt x="0" y="0"/>
+                </a:moveTo>
+                <a:lnTo>
+                  <a:pt x="5760" y="0"/>
+                </a:lnTo>
+                <a:lnTo>
+                  <a:pt x="5760" y="3090"/>
+                </a:lnTo>
+                <a:lnTo>
+                  <a:pt x="4817" y="3090"/>
+                </a:lnTo>
+                <a:lnTo>
+                  <a:pt x="4637" y="3270"/>
+                </a:lnTo>
+                <a:lnTo>
+                  <a:pt x="4637" y="3270"/>
+                </a:lnTo>
+                <a:lnTo>
+                  <a:pt x="4633" y="3272"/>
+                </a:lnTo>
+                <a:lnTo>
+                  <a:pt x="4627" y="3275"/>
+                </a:lnTo>
+                <a:lnTo>
+                  <a:pt x="4621" y="3278"/>
+                </a:lnTo>
+                <a:lnTo>
+                  <a:pt x="4616" y="3278"/>
+                </a:lnTo>
+                <a:lnTo>
+                  <a:pt x="4610" y="3278"/>
+                </a:lnTo>
+                <a:lnTo>
+                  <a:pt x="4605" y="3275"/>
+                </a:lnTo>
+                <a:lnTo>
+                  <a:pt x="4599" y="3272"/>
+                </a:lnTo>
+                <a:lnTo>
+                  <a:pt x="4595" y="3270"/>
+                </a:lnTo>
+                <a:lnTo>
+                  <a:pt x="4415" y="3090"/>
+                </a:lnTo>
+                <a:lnTo>
+                  <a:pt x="0" y="3090"/>
+                </a:lnTo>
+                <a:lnTo>
+                  <a:pt x="0" y="0"/>
+                </a:lnTo>
+                <a:lnTo>
+                  <a:pt x="0" y="0"/>
+                </a:lnTo>
+                <a:close/>
+              </a:path>
+            </a:pathLst>
+          </a:custGeom>
+          <a:ln>
+            <a:headEnd/>
+            <a:tailEnd/>
+          </a:ln>
+        </p:spPr>
+        <p:style>
+          <a:lnRef idx="1">
+            <a:schemeClr val="accent1"/>
+          </a:lnRef>
+          <a:fillRef idx="3">
+            <a:schemeClr val="accent1"/>
+          </a:fillRef>
+          <a:effectRef idx="2">
+            <a:schemeClr val="accent1"/>
+          </a:effectRef>
+          <a:fontRef idx="minor">
+            <a:schemeClr val="lt1"/>
+          </a:fontRef>
+        </p:style>
+      </p:sp>
+      <p:sp>
+        <p:nvSpPr>
           <p:cNvPr id="2" name="Title 1"/>
           <p:cNvSpPr>
             <a:spLocks noGrp="1"/>
@@ -1991,15 +3812,15 @@
         </p:nvSpPr>
         <p:spPr>
           <a:xfrm>
-            <a:off x="623888" y="1282304"/>
-            <a:ext cx="7886700" cy="2139553"/>
+            <a:off x="607500" y="2213547"/>
+            <a:ext cx="7921064" cy="1101600"/>
           </a:xfrm>
         </p:spPr>
         <p:txBody>
           <a:bodyPr anchor="b"/>
           <a:lstStyle>
-            <a:lvl1pPr>
-              <a:defRPr sz="4500"/>
+            <a:lvl1pPr algn="r">
+              <a:defRPr sz="3600" b="1" cap="none"/>
             </a:lvl1pPr>
           </a:lstStyle>
           <a:p>
@@ -2007,7 +3828,7 @@
               <a:rPr lang="en-US"/>
               <a:t>Click to edit Master title style</a:t>
             </a:r>
-            <a:endParaRPr lang="en-US"/>
+            <a:endParaRPr lang="en-US" dirty="0"/>
           </a:p>
         </p:txBody>
       </p:sp>
@@ -2023,26 +3844,26 @@
         </p:nvSpPr>
         <p:spPr>
           <a:xfrm>
-            <a:off x="623888" y="3442098"/>
-            <a:ext cx="7886700" cy="1125140"/>
+            <a:off x="607500" y="3960901"/>
+            <a:ext cx="7921064" cy="325466"/>
           </a:xfrm>
         </p:spPr>
         <p:txBody>
-          <a:bodyPr/>
+          <a:bodyPr anchor="t">
+            <a:noAutofit/>
+          </a:bodyPr>
           <a:lstStyle>
-            <a:lvl1pPr marL="0" indent="0">
+            <a:lvl1pPr marL="0" indent="0" algn="r">
               <a:buNone/>
-              <a:defRPr sz="1800">
+              <a:defRPr sz="1350">
                 <a:solidFill>
-                  <a:schemeClr val="tx1">
-                    <a:tint val="75000"/>
-                  </a:schemeClr>
+                  <a:schemeClr val="tx1"/>
                 </a:solidFill>
               </a:defRPr>
             </a:lvl1pPr>
             <a:lvl2pPr marL="342900" indent="0">
               <a:buNone/>
-              <a:defRPr sz="1500">
+              <a:defRPr sz="1350">
                 <a:solidFill>
                   <a:schemeClr val="tx1">
                     <a:tint val="75000"/>
@@ -2052,7 +3873,7 @@
             </a:lvl2pPr>
             <a:lvl3pPr marL="685800" indent="0">
               <a:buNone/>
-              <a:defRPr sz="1350">
+              <a:defRPr sz="1200">
                 <a:solidFill>
                   <a:schemeClr val="tx1">
                     <a:tint val="75000"/>
@@ -2062,7 +3883,7 @@
             </a:lvl3pPr>
             <a:lvl4pPr marL="1028700" indent="0">
               <a:buNone/>
-              <a:defRPr sz="1200">
+              <a:defRPr sz="1050">
                 <a:solidFill>
                   <a:schemeClr val="tx1">
                     <a:tint val="75000"/>
@@ -2072,7 +3893,7 @@
             </a:lvl4pPr>
             <a:lvl5pPr marL="1371600" indent="0">
               <a:buNone/>
-              <a:defRPr sz="1200">
+              <a:defRPr sz="1050">
                 <a:solidFill>
                   <a:schemeClr val="tx1">
                     <a:tint val="75000"/>
@@ -2082,7 +3903,7 @@
             </a:lvl5pPr>
             <a:lvl6pPr marL="1714500" indent="0">
               <a:buNone/>
-              <a:defRPr sz="1200">
+              <a:defRPr sz="1050">
                 <a:solidFill>
                   <a:schemeClr val="tx1">
                     <a:tint val="75000"/>
@@ -2092,7 +3913,7 @@
             </a:lvl6pPr>
             <a:lvl7pPr marL="2057400" indent="0">
               <a:buNone/>
-              <a:defRPr sz="1200">
+              <a:defRPr sz="1050">
                 <a:solidFill>
                   <a:schemeClr val="tx1">
                     <a:tint val="75000"/>
@@ -2102,7 +3923,7 @@
             </a:lvl7pPr>
             <a:lvl8pPr marL="2400300" indent="0">
               <a:buNone/>
-              <a:defRPr sz="1200">
+              <a:defRPr sz="1050">
                 <a:solidFill>
                   <a:schemeClr val="tx1">
                     <a:tint val="75000"/>
@@ -2112,7 +3933,7 @@
             </a:lvl8pPr>
             <a:lvl9pPr marL="2743200" indent="0">
               <a:buNone/>
-              <a:defRPr sz="1200">
+              <a:defRPr sz="1050">
                 <a:solidFill>
                   <a:schemeClr val="tx1">
                     <a:tint val="75000"/>
@@ -2221,7 +4042,7 @@
     </p:spTree>
     <p:extLst>
       <p:ext uri="{BB962C8B-B14F-4D97-AF65-F5344CB8AC3E}">
-        <p14:creationId xmlns:p14="http://schemas.microsoft.com/office/powerpoint/2010/main" val="3238416250"/>
+        <p14:creationId xmlns:p14="http://schemas.microsoft.com/office/powerpoint/2010/main" val="3683541844"/>
       </p:ext>
     </p:extLst>
   </p:cSld>
@@ -2251,6 +4072,109 @@
       </p:grpSpPr>
       <p:sp>
         <p:nvSpPr>
+          <p:cNvPr id="8" name="Freeform 6"/>
+          <p:cNvSpPr/>
+          <p:nvPr/>
+        </p:nvSpPr>
+        <p:spPr bwMode="auto">
+          <a:xfrm>
+            <a:off x="0" y="0"/>
+            <a:ext cx="9144000" cy="1639491"/>
+          </a:xfrm>
+          <a:custGeom>
+            <a:avLst/>
+            <a:gdLst/>
+            <a:ahLst/>
+            <a:cxnLst/>
+            <a:rect l="0" t="0" r="r" b="b"/>
+            <a:pathLst>
+              <a:path w="5760" h="1377">
+                <a:moveTo>
+                  <a:pt x="5760" y="0"/>
+                </a:moveTo>
+                <a:lnTo>
+                  <a:pt x="0" y="0"/>
+                </a:lnTo>
+                <a:lnTo>
+                  <a:pt x="0" y="1189"/>
+                </a:lnTo>
+                <a:lnTo>
+                  <a:pt x="943" y="1189"/>
+                </a:lnTo>
+                <a:lnTo>
+                  <a:pt x="1123" y="1369"/>
+                </a:lnTo>
+                <a:lnTo>
+                  <a:pt x="1123" y="1369"/>
+                </a:lnTo>
+                <a:lnTo>
+                  <a:pt x="1127" y="1371"/>
+                </a:lnTo>
+                <a:lnTo>
+                  <a:pt x="1133" y="1374"/>
+                </a:lnTo>
+                <a:lnTo>
+                  <a:pt x="1139" y="1377"/>
+                </a:lnTo>
+                <a:lnTo>
+                  <a:pt x="1144" y="1377"/>
+                </a:lnTo>
+                <a:lnTo>
+                  <a:pt x="1150" y="1377"/>
+                </a:lnTo>
+                <a:lnTo>
+                  <a:pt x="1155" y="1374"/>
+                </a:lnTo>
+                <a:lnTo>
+                  <a:pt x="1161" y="1371"/>
+                </a:lnTo>
+                <a:lnTo>
+                  <a:pt x="1165" y="1369"/>
+                </a:lnTo>
+                <a:lnTo>
+                  <a:pt x="1345" y="1189"/>
+                </a:lnTo>
+                <a:lnTo>
+                  <a:pt x="5760" y="1189"/>
+                </a:lnTo>
+                <a:lnTo>
+                  <a:pt x="5760" y="0"/>
+                </a:lnTo>
+                <a:close/>
+              </a:path>
+            </a:pathLst>
+          </a:custGeom>
+          <a:ln/>
+          <a:extLst>
+            <a:ext uri="{91240B29-F687-4f45-9708-019B960494DF}">
+              <a14:hiddenLine xmlns="" xmlns:a14="http://schemas.microsoft.com/office/drawing/2010/main" w="9525">
+                <a:solidFill>
+                  <a:srgbClr val="000000"/>
+                </a:solidFill>
+                <a:round/>
+                <a:headEnd/>
+                <a:tailEnd/>
+              </a14:hiddenLine>
+            </a:ext>
+          </a:extLst>
+        </p:spPr>
+        <p:style>
+          <a:lnRef idx="1">
+            <a:schemeClr val="accent1"/>
+          </a:lnRef>
+          <a:fillRef idx="3">
+            <a:schemeClr val="accent1"/>
+          </a:fillRef>
+          <a:effectRef idx="2">
+            <a:schemeClr val="accent1"/>
+          </a:effectRef>
+          <a:fontRef idx="minor">
+            <a:schemeClr val="lt1"/>
+          </a:fontRef>
+        </p:style>
+      </p:sp>
+      <p:sp>
+        <p:nvSpPr>
           <p:cNvPr id="2" name="Title 1"/>
           <p:cNvSpPr>
             <a:spLocks noGrp="1"/>
@@ -2268,7 +4192,7 @@
               <a:rPr lang="en-US"/>
               <a:t>Click to edit Master title style</a:t>
             </a:r>
-            <a:endParaRPr lang="en-US"/>
+            <a:endParaRPr lang="en-US" dirty="0"/>
           </a:p>
         </p:txBody>
       </p:sp>
@@ -2284,12 +4208,14 @@
         </p:nvSpPr>
         <p:spPr>
           <a:xfrm>
-            <a:off x="628650" y="1369219"/>
-            <a:ext cx="3886200" cy="3263504"/>
+            <a:off x="614034" y="1666716"/>
+            <a:ext cx="3889405" cy="2729072"/>
           </a:xfrm>
         </p:spPr>
         <p:txBody>
-          <a:bodyPr/>
+          <a:bodyPr>
+            <a:normAutofit/>
+          </a:bodyPr>
           <a:lstStyle/>
           <a:p>
             <a:pPr lvl="0"/>
@@ -2325,7 +4251,7 @@
               <a:rPr lang="en-US"/>
               <a:t>Fifth level</a:t>
             </a:r>
-            <a:endParaRPr lang="en-US"/>
+            <a:endParaRPr lang="en-US" dirty="0"/>
           </a:p>
         </p:txBody>
       </p:sp>
@@ -2341,12 +4267,14 @@
         </p:nvSpPr>
         <p:spPr>
           <a:xfrm>
-            <a:off x="4629150" y="1369219"/>
-            <a:ext cx="3886200" cy="3263504"/>
+            <a:off x="4640562" y="1666715"/>
+            <a:ext cx="3895937" cy="2729073"/>
           </a:xfrm>
         </p:spPr>
         <p:txBody>
-          <a:bodyPr/>
+          <a:bodyPr>
+            <a:normAutofit/>
+          </a:bodyPr>
           <a:lstStyle/>
           <a:p>
             <a:pPr lvl="0"/>
@@ -2382,7 +4310,7 @@
               <a:rPr lang="en-US"/>
               <a:t>Fifth level</a:t>
             </a:r>
-            <a:endParaRPr lang="en-US"/>
+            <a:endParaRPr lang="en-US" dirty="0"/>
           </a:p>
         </p:txBody>
       </p:sp>
@@ -2477,7 +4405,7 @@
     </p:spTree>
     <p:extLst>
       <p:ext uri="{BB962C8B-B14F-4D97-AF65-F5344CB8AC3E}">
-        <p14:creationId xmlns:p14="http://schemas.microsoft.com/office/powerpoint/2010/main" val="3451743294"/>
+        <p14:creationId xmlns:p14="http://schemas.microsoft.com/office/powerpoint/2010/main" val="4000562551"/>
       </p:ext>
     </p:extLst>
   </p:cSld>
@@ -2485,6 +4413,11 @@
     <a:masterClrMapping/>
   </p:clrMapOvr>
   <p:hf sldNum="0" hdr="0" ftr="0" dt="0"/>
+  <p:extLst>
+    <p:ext uri="{DCECCB84-F9BA-43D5-87BE-67443E8EF086}">
+      <p15:sldGuideLst xmlns:p15="http://schemas.microsoft.com/office/powerpoint/2012/main"/>
+    </p:ext>
+  </p:extLst>
 </p:sldLayout>
 </file>
 
@@ -2507,6 +4440,109 @@
       </p:grpSpPr>
       <p:sp>
         <p:nvSpPr>
+          <p:cNvPr id="10" name="Freeform 6"/>
+          <p:cNvSpPr/>
+          <p:nvPr/>
+        </p:nvSpPr>
+        <p:spPr bwMode="auto">
+          <a:xfrm>
+            <a:off x="0" y="0"/>
+            <a:ext cx="9144000" cy="1639491"/>
+          </a:xfrm>
+          <a:custGeom>
+            <a:avLst/>
+            <a:gdLst/>
+            <a:ahLst/>
+            <a:cxnLst/>
+            <a:rect l="0" t="0" r="r" b="b"/>
+            <a:pathLst>
+              <a:path w="5760" h="1377">
+                <a:moveTo>
+                  <a:pt x="5760" y="0"/>
+                </a:moveTo>
+                <a:lnTo>
+                  <a:pt x="0" y="0"/>
+                </a:lnTo>
+                <a:lnTo>
+                  <a:pt x="0" y="1189"/>
+                </a:lnTo>
+                <a:lnTo>
+                  <a:pt x="943" y="1189"/>
+                </a:lnTo>
+                <a:lnTo>
+                  <a:pt x="1123" y="1369"/>
+                </a:lnTo>
+                <a:lnTo>
+                  <a:pt x="1123" y="1369"/>
+                </a:lnTo>
+                <a:lnTo>
+                  <a:pt x="1127" y="1371"/>
+                </a:lnTo>
+                <a:lnTo>
+                  <a:pt x="1133" y="1374"/>
+                </a:lnTo>
+                <a:lnTo>
+                  <a:pt x="1139" y="1377"/>
+                </a:lnTo>
+                <a:lnTo>
+                  <a:pt x="1144" y="1377"/>
+                </a:lnTo>
+                <a:lnTo>
+                  <a:pt x="1150" y="1377"/>
+                </a:lnTo>
+                <a:lnTo>
+                  <a:pt x="1155" y="1374"/>
+                </a:lnTo>
+                <a:lnTo>
+                  <a:pt x="1161" y="1371"/>
+                </a:lnTo>
+                <a:lnTo>
+                  <a:pt x="1165" y="1369"/>
+                </a:lnTo>
+                <a:lnTo>
+                  <a:pt x="1345" y="1189"/>
+                </a:lnTo>
+                <a:lnTo>
+                  <a:pt x="5760" y="1189"/>
+                </a:lnTo>
+                <a:lnTo>
+                  <a:pt x="5760" y="0"/>
+                </a:lnTo>
+                <a:close/>
+              </a:path>
+            </a:pathLst>
+          </a:custGeom>
+          <a:ln/>
+          <a:extLst>
+            <a:ext uri="{91240B29-F687-4f45-9708-019B960494DF}">
+              <a14:hiddenLine xmlns="" xmlns:a14="http://schemas.microsoft.com/office/drawing/2010/main" w="9525">
+                <a:solidFill>
+                  <a:srgbClr val="000000"/>
+                </a:solidFill>
+                <a:round/>
+                <a:headEnd/>
+                <a:tailEnd/>
+              </a14:hiddenLine>
+            </a:ext>
+          </a:extLst>
+        </p:spPr>
+        <p:style>
+          <a:lnRef idx="1">
+            <a:schemeClr val="accent1"/>
+          </a:lnRef>
+          <a:fillRef idx="3">
+            <a:schemeClr val="accent1"/>
+          </a:fillRef>
+          <a:effectRef idx="2">
+            <a:schemeClr val="accent1"/>
+          </a:effectRef>
+          <a:fontRef idx="minor">
+            <a:schemeClr val="lt1"/>
+          </a:fontRef>
+        </p:style>
+      </p:sp>
+      <p:sp>
+        <p:nvSpPr>
           <p:cNvPr id="2" name="Title 1"/>
           <p:cNvSpPr>
             <a:spLocks noGrp="1"/>
@@ -2515,21 +4551,20 @@
             <p:ph type="title"/>
           </p:nvPr>
         </p:nvSpPr>
-        <p:spPr>
-          <a:xfrm>
-            <a:off x="629841" y="273844"/>
-            <a:ext cx="7886700" cy="994172"/>
-          </a:xfrm>
-        </p:spPr>
+        <p:spPr/>
         <p:txBody>
           <a:bodyPr/>
-          <a:lstStyle/>
+          <a:lstStyle>
+            <a:lvl1pPr>
+              <a:defRPr/>
+            </a:lvl1pPr>
+          </a:lstStyle>
           <a:p>
             <a:r>
               <a:rPr lang="en-US"/>
               <a:t>Click to edit Master title style</a:t>
             </a:r>
-            <a:endParaRPr lang="en-US"/>
+            <a:endParaRPr lang="en-US" dirty="0"/>
           </a:p>
         </p:txBody>
       </p:sp>
@@ -2545,16 +4580,18 @@
         </p:nvSpPr>
         <p:spPr>
           <a:xfrm>
-            <a:off x="629842" y="1260872"/>
-            <a:ext cx="3868340" cy="617934"/>
+            <a:off x="611046" y="1631156"/>
+            <a:ext cx="3892393" cy="432197"/>
           </a:xfrm>
         </p:spPr>
         <p:txBody>
-          <a:bodyPr anchor="b"/>
+          <a:bodyPr anchor="b">
+            <a:noAutofit/>
+          </a:bodyPr>
           <a:lstStyle>
-            <a:lvl1pPr marL="0" indent="0">
+            <a:lvl1pPr marL="0" indent="0" algn="ctr">
               <a:buNone/>
-              <a:defRPr sz="1800" b="1"/>
+              <a:defRPr sz="1500" b="0"/>
             </a:lvl1pPr>
             <a:lvl2pPr marL="342900" indent="0">
               <a:buNone/>
@@ -2610,12 +4647,14 @@
         </p:nvSpPr>
         <p:spPr>
           <a:xfrm>
-            <a:off x="629842" y="1878806"/>
-            <a:ext cx="3868340" cy="2763441"/>
+            <a:off x="611047" y="2063354"/>
+            <a:ext cx="3892392" cy="2332435"/>
           </a:xfrm>
         </p:spPr>
         <p:txBody>
-          <a:bodyPr/>
+          <a:bodyPr anchor="t">
+            <a:normAutofit/>
+          </a:bodyPr>
           <a:lstStyle/>
           <a:p>
             <a:pPr lvl="0"/>
@@ -2651,7 +4690,7 @@
               <a:rPr lang="en-US"/>
               <a:t>Fifth level</a:t>
             </a:r>
-            <a:endParaRPr lang="en-US"/>
+            <a:endParaRPr lang="en-US" dirty="0"/>
           </a:p>
         </p:txBody>
       </p:sp>
@@ -2667,16 +4706,18 @@
         </p:nvSpPr>
         <p:spPr>
           <a:xfrm>
-            <a:off x="4629150" y="1260872"/>
-            <a:ext cx="3887391" cy="617934"/>
+            <a:off x="4640562" y="1631156"/>
+            <a:ext cx="3895937" cy="432197"/>
           </a:xfrm>
         </p:spPr>
         <p:txBody>
-          <a:bodyPr anchor="b"/>
+          <a:bodyPr anchor="b">
+            <a:noAutofit/>
+          </a:bodyPr>
           <a:lstStyle>
-            <a:lvl1pPr marL="0" indent="0">
+            <a:lvl1pPr marL="0" indent="0" algn="ctr">
               <a:buNone/>
-              <a:defRPr sz="1800" b="1"/>
+              <a:defRPr sz="1500" b="0"/>
             </a:lvl1pPr>
             <a:lvl2pPr marL="342900" indent="0">
               <a:buNone/>
@@ -2732,12 +4773,14 @@
         </p:nvSpPr>
         <p:spPr>
           <a:xfrm>
-            <a:off x="4629150" y="1878806"/>
-            <a:ext cx="3887391" cy="2763441"/>
+            <a:off x="4640562" y="2063354"/>
+            <a:ext cx="3895937" cy="2332435"/>
           </a:xfrm>
         </p:spPr>
         <p:txBody>
-          <a:bodyPr/>
+          <a:bodyPr anchor="t">
+            <a:normAutofit/>
+          </a:bodyPr>
           <a:lstStyle/>
           <a:p>
             <a:pPr lvl="0"/>
@@ -2773,7 +4816,7 @@
               <a:rPr lang="en-US"/>
               <a:t>Fifth level</a:t>
             </a:r>
-            <a:endParaRPr lang="en-US"/>
+            <a:endParaRPr lang="en-US" dirty="0"/>
           </a:p>
         </p:txBody>
       </p:sp>
@@ -2868,7 +4911,7 @@
     </p:spTree>
     <p:extLst>
       <p:ext uri="{BB962C8B-B14F-4D97-AF65-F5344CB8AC3E}">
-        <p14:creationId xmlns:p14="http://schemas.microsoft.com/office/powerpoint/2010/main" val="3289771157"/>
+        <p14:creationId xmlns:p14="http://schemas.microsoft.com/office/powerpoint/2010/main" val="92473056"/>
       </p:ext>
     </p:extLst>
   </p:cSld>
@@ -2876,6 +4919,11 @@
     <a:masterClrMapping/>
   </p:clrMapOvr>
   <p:hf sldNum="0" hdr="0" ftr="0" dt="0"/>
+  <p:extLst>
+    <p:ext uri="{DCECCB84-F9BA-43D5-87BE-67443E8EF086}">
+      <p15:sldGuideLst xmlns:p15="http://schemas.microsoft.com/office/powerpoint/2012/main"/>
+    </p:ext>
+  </p:extLst>
 </p:sldLayout>
 </file>
 
@@ -2898,6 +4946,109 @@
       </p:grpSpPr>
       <p:sp>
         <p:nvSpPr>
+          <p:cNvPr id="6" name="Freeform 6"/>
+          <p:cNvSpPr/>
+          <p:nvPr/>
+        </p:nvSpPr>
+        <p:spPr bwMode="auto">
+          <a:xfrm>
+            <a:off x="0" y="0"/>
+            <a:ext cx="9144000" cy="1639491"/>
+          </a:xfrm>
+          <a:custGeom>
+            <a:avLst/>
+            <a:gdLst/>
+            <a:ahLst/>
+            <a:cxnLst/>
+            <a:rect l="0" t="0" r="r" b="b"/>
+            <a:pathLst>
+              <a:path w="5760" h="1377">
+                <a:moveTo>
+                  <a:pt x="5760" y="0"/>
+                </a:moveTo>
+                <a:lnTo>
+                  <a:pt x="0" y="0"/>
+                </a:lnTo>
+                <a:lnTo>
+                  <a:pt x="0" y="1189"/>
+                </a:lnTo>
+                <a:lnTo>
+                  <a:pt x="943" y="1189"/>
+                </a:lnTo>
+                <a:lnTo>
+                  <a:pt x="1123" y="1369"/>
+                </a:lnTo>
+                <a:lnTo>
+                  <a:pt x="1123" y="1369"/>
+                </a:lnTo>
+                <a:lnTo>
+                  <a:pt x="1127" y="1371"/>
+                </a:lnTo>
+                <a:lnTo>
+                  <a:pt x="1133" y="1374"/>
+                </a:lnTo>
+                <a:lnTo>
+                  <a:pt x="1139" y="1377"/>
+                </a:lnTo>
+                <a:lnTo>
+                  <a:pt x="1144" y="1377"/>
+                </a:lnTo>
+                <a:lnTo>
+                  <a:pt x="1150" y="1377"/>
+                </a:lnTo>
+                <a:lnTo>
+                  <a:pt x="1155" y="1374"/>
+                </a:lnTo>
+                <a:lnTo>
+                  <a:pt x="1161" y="1371"/>
+                </a:lnTo>
+                <a:lnTo>
+                  <a:pt x="1165" y="1369"/>
+                </a:lnTo>
+                <a:lnTo>
+                  <a:pt x="1345" y="1189"/>
+                </a:lnTo>
+                <a:lnTo>
+                  <a:pt x="5760" y="1189"/>
+                </a:lnTo>
+                <a:lnTo>
+                  <a:pt x="5760" y="0"/>
+                </a:lnTo>
+                <a:close/>
+              </a:path>
+            </a:pathLst>
+          </a:custGeom>
+          <a:ln/>
+          <a:extLst>
+            <a:ext uri="{91240B29-F687-4f45-9708-019B960494DF}">
+              <a14:hiddenLine xmlns="" xmlns:a14="http://schemas.microsoft.com/office/drawing/2010/main" w="9525">
+                <a:solidFill>
+                  <a:srgbClr val="000000"/>
+                </a:solidFill>
+                <a:round/>
+                <a:headEnd/>
+                <a:tailEnd/>
+              </a14:hiddenLine>
+            </a:ext>
+          </a:extLst>
+        </p:spPr>
+        <p:style>
+          <a:lnRef idx="1">
+            <a:schemeClr val="accent1"/>
+          </a:lnRef>
+          <a:fillRef idx="3">
+            <a:schemeClr val="accent1"/>
+          </a:fillRef>
+          <a:effectRef idx="2">
+            <a:schemeClr val="accent1"/>
+          </a:effectRef>
+          <a:fontRef idx="minor">
+            <a:schemeClr val="lt1"/>
+          </a:fontRef>
+        </p:style>
+      </p:sp>
+      <p:sp>
+        <p:nvSpPr>
           <p:cNvPr id="2" name="Title 1"/>
           <p:cNvSpPr>
             <a:spLocks noGrp="1"/>
@@ -2915,7 +5066,7 @@
               <a:rPr lang="en-US"/>
               <a:t>Click to edit Master title style</a:t>
             </a:r>
-            <a:endParaRPr lang="en-US"/>
+            <a:endParaRPr lang="en-US" dirty="0"/>
           </a:p>
         </p:txBody>
       </p:sp>
@@ -3010,7 +5161,7 @@
     </p:spTree>
     <p:extLst>
       <p:ext uri="{BB962C8B-B14F-4D97-AF65-F5344CB8AC3E}">
-        <p14:creationId xmlns:p14="http://schemas.microsoft.com/office/powerpoint/2010/main" val="3191713336"/>
+        <p14:creationId xmlns:p14="http://schemas.microsoft.com/office/powerpoint/2010/main" val="4262485928"/>
       </p:ext>
     </p:extLst>
   </p:cSld>
@@ -3113,7 +5264,7 @@
     </p:spTree>
     <p:extLst>
       <p:ext uri="{BB962C8B-B14F-4D97-AF65-F5344CB8AC3E}">
-        <p14:creationId xmlns:p14="http://schemas.microsoft.com/office/powerpoint/2010/main" val="3132775047"/>
+        <p14:creationId xmlns:p14="http://schemas.microsoft.com/office/powerpoint/2010/main" val="2022293308"/>
       </p:ext>
     </p:extLst>
   </p:cSld>
@@ -3147,6 +5298,222 @@
       </p:grpSpPr>
       <p:sp>
         <p:nvSpPr>
+          <p:cNvPr id="12" name="Freeform 6"/>
+          <p:cNvSpPr>
+            <a:spLocks noChangeAspect="1"/>
+          </p:cNvSpPr>
+          <p:nvPr/>
+        </p:nvSpPr>
+        <p:spPr bwMode="auto">
+          <a:xfrm>
+            <a:off x="804864" y="334566"/>
+            <a:ext cx="2660650" cy="1360988"/>
+          </a:xfrm>
+          <a:custGeom>
+            <a:avLst/>
+            <a:gdLst/>
+            <a:ahLst/>
+            <a:cxnLst/>
+            <a:rect l="0" t="0" r="r" b="b"/>
+            <a:pathLst>
+              <a:path w="3384" h="2308">
+                <a:moveTo>
+                  <a:pt x="3340" y="0"/>
+                </a:moveTo>
+                <a:lnTo>
+                  <a:pt x="44" y="0"/>
+                </a:lnTo>
+                <a:lnTo>
+                  <a:pt x="44" y="0"/>
+                </a:lnTo>
+                <a:lnTo>
+                  <a:pt x="34" y="0"/>
+                </a:lnTo>
+                <a:lnTo>
+                  <a:pt x="26" y="4"/>
+                </a:lnTo>
+                <a:lnTo>
+                  <a:pt x="20" y="8"/>
+                </a:lnTo>
+                <a:lnTo>
+                  <a:pt x="12" y="12"/>
+                </a:lnTo>
+                <a:lnTo>
+                  <a:pt x="8" y="20"/>
+                </a:lnTo>
+                <a:lnTo>
+                  <a:pt x="4" y="26"/>
+                </a:lnTo>
+                <a:lnTo>
+                  <a:pt x="0" y="34"/>
+                </a:lnTo>
+                <a:lnTo>
+                  <a:pt x="0" y="44"/>
+                </a:lnTo>
+                <a:lnTo>
+                  <a:pt x="0" y="2076"/>
+                </a:lnTo>
+                <a:lnTo>
+                  <a:pt x="0" y="2076"/>
+                </a:lnTo>
+                <a:lnTo>
+                  <a:pt x="0" y="2086"/>
+                </a:lnTo>
+                <a:lnTo>
+                  <a:pt x="4" y="2094"/>
+                </a:lnTo>
+                <a:lnTo>
+                  <a:pt x="8" y="2100"/>
+                </a:lnTo>
+                <a:lnTo>
+                  <a:pt x="12" y="2108"/>
+                </a:lnTo>
+                <a:lnTo>
+                  <a:pt x="20" y="2112"/>
+                </a:lnTo>
+                <a:lnTo>
+                  <a:pt x="26" y="2116"/>
+                </a:lnTo>
+                <a:lnTo>
+                  <a:pt x="34" y="2120"/>
+                </a:lnTo>
+                <a:lnTo>
+                  <a:pt x="44" y="2120"/>
+                </a:lnTo>
+                <a:lnTo>
+                  <a:pt x="474" y="2120"/>
+                </a:lnTo>
+                <a:lnTo>
+                  <a:pt x="650" y="2296"/>
+                </a:lnTo>
+                <a:lnTo>
+                  <a:pt x="650" y="2296"/>
+                </a:lnTo>
+                <a:lnTo>
+                  <a:pt x="656" y="2300"/>
+                </a:lnTo>
+                <a:lnTo>
+                  <a:pt x="664" y="2304"/>
+                </a:lnTo>
+                <a:lnTo>
+                  <a:pt x="672" y="2308"/>
+                </a:lnTo>
+                <a:lnTo>
+                  <a:pt x="680" y="2308"/>
+                </a:lnTo>
+                <a:lnTo>
+                  <a:pt x="688" y="2308"/>
+                </a:lnTo>
+                <a:lnTo>
+                  <a:pt x="696" y="2304"/>
+                </a:lnTo>
+                <a:lnTo>
+                  <a:pt x="704" y="2300"/>
+                </a:lnTo>
+                <a:lnTo>
+                  <a:pt x="710" y="2296"/>
+                </a:lnTo>
+                <a:lnTo>
+                  <a:pt x="886" y="2120"/>
+                </a:lnTo>
+                <a:lnTo>
+                  <a:pt x="3340" y="2120"/>
+                </a:lnTo>
+                <a:lnTo>
+                  <a:pt x="3340" y="2120"/>
+                </a:lnTo>
+                <a:lnTo>
+                  <a:pt x="3350" y="2120"/>
+                </a:lnTo>
+                <a:lnTo>
+                  <a:pt x="3358" y="2116"/>
+                </a:lnTo>
+                <a:lnTo>
+                  <a:pt x="3364" y="2112"/>
+                </a:lnTo>
+                <a:lnTo>
+                  <a:pt x="3372" y="2108"/>
+                </a:lnTo>
+                <a:lnTo>
+                  <a:pt x="3376" y="2100"/>
+                </a:lnTo>
+                <a:lnTo>
+                  <a:pt x="3380" y="2094"/>
+                </a:lnTo>
+                <a:lnTo>
+                  <a:pt x="3384" y="2086"/>
+                </a:lnTo>
+                <a:lnTo>
+                  <a:pt x="3384" y="2076"/>
+                </a:lnTo>
+                <a:lnTo>
+                  <a:pt x="3384" y="44"/>
+                </a:lnTo>
+                <a:lnTo>
+                  <a:pt x="3384" y="44"/>
+                </a:lnTo>
+                <a:lnTo>
+                  <a:pt x="3384" y="34"/>
+                </a:lnTo>
+                <a:lnTo>
+                  <a:pt x="3380" y="26"/>
+                </a:lnTo>
+                <a:lnTo>
+                  <a:pt x="3376" y="20"/>
+                </a:lnTo>
+                <a:lnTo>
+                  <a:pt x="3372" y="12"/>
+                </a:lnTo>
+                <a:lnTo>
+                  <a:pt x="3364" y="8"/>
+                </a:lnTo>
+                <a:lnTo>
+                  <a:pt x="3358" y="4"/>
+                </a:lnTo>
+                <a:lnTo>
+                  <a:pt x="3350" y="0"/>
+                </a:lnTo>
+                <a:lnTo>
+                  <a:pt x="3340" y="0"/>
+                </a:lnTo>
+                <a:lnTo>
+                  <a:pt x="3340" y="0"/>
+                </a:lnTo>
+                <a:close/>
+              </a:path>
+            </a:pathLst>
+          </a:custGeom>
+          <a:ln/>
+          <a:extLst>
+            <a:ext uri="{91240B29-F687-4f45-9708-019B960494DF}">
+              <a14:hiddenLine xmlns="" xmlns:a14="http://schemas.microsoft.com/office/drawing/2010/main" w="9525">
+                <a:solidFill>
+                  <a:srgbClr val="000000"/>
+                </a:solidFill>
+                <a:round/>
+                <a:headEnd/>
+                <a:tailEnd/>
+              </a14:hiddenLine>
+            </a:ext>
+          </a:extLst>
+        </p:spPr>
+        <p:style>
+          <a:lnRef idx="1">
+            <a:schemeClr val="accent1"/>
+          </a:lnRef>
+          <a:fillRef idx="3">
+            <a:schemeClr val="accent1"/>
+          </a:fillRef>
+          <a:effectRef idx="2">
+            <a:schemeClr val="accent1"/>
+          </a:effectRef>
+          <a:fontRef idx="minor">
+            <a:schemeClr val="lt1"/>
+          </a:fontRef>
+        </p:style>
+      </p:sp>
+      <p:sp>
+        <p:nvSpPr>
           <p:cNvPr id="2" name="Title 1"/>
           <p:cNvSpPr>
             <a:spLocks noGrp="1"/>
@@ -3157,15 +5524,15 @@
         </p:nvSpPr>
         <p:spPr>
           <a:xfrm>
-            <a:off x="629841" y="342900"/>
-            <a:ext cx="2949178" cy="1200150"/>
+            <a:off x="804864" y="334566"/>
+            <a:ext cx="2660650" cy="1213797"/>
           </a:xfrm>
         </p:spPr>
         <p:txBody>
           <a:bodyPr anchor="b"/>
           <a:lstStyle>
-            <a:lvl1pPr>
-              <a:defRPr sz="2400"/>
+            <a:lvl1pPr algn="l">
+              <a:defRPr sz="1500" b="1"/>
             </a:lvl1pPr>
           </a:lstStyle>
           <a:p>
@@ -3173,7 +5540,7 @@
               <a:rPr lang="en-US"/>
               <a:t>Click to edit Master title style</a:t>
             </a:r>
-            <a:endParaRPr lang="en-US"/>
+            <a:endParaRPr lang="en-US" dirty="0"/>
           </a:p>
         </p:txBody>
       </p:sp>
@@ -3189,41 +5556,15 @@
         </p:nvSpPr>
         <p:spPr>
           <a:xfrm>
-            <a:off x="3887391" y="740569"/>
-            <a:ext cx="4629150" cy="3655219"/>
+            <a:off x="3641725" y="334567"/>
+            <a:ext cx="4689475" cy="4061222"/>
           </a:xfrm>
         </p:spPr>
         <p:txBody>
-          <a:bodyPr/>
-          <a:lstStyle>
-            <a:lvl1pPr>
-              <a:defRPr sz="2400"/>
-            </a:lvl1pPr>
-            <a:lvl2pPr>
-              <a:defRPr sz="2100"/>
-            </a:lvl2pPr>
-            <a:lvl3pPr>
-              <a:defRPr sz="1800"/>
-            </a:lvl3pPr>
-            <a:lvl4pPr>
-              <a:defRPr sz="1500"/>
-            </a:lvl4pPr>
-            <a:lvl5pPr>
-              <a:defRPr sz="1500"/>
-            </a:lvl5pPr>
-            <a:lvl6pPr>
-              <a:defRPr sz="1500"/>
-            </a:lvl6pPr>
-            <a:lvl7pPr>
-              <a:defRPr sz="1500"/>
-            </a:lvl7pPr>
-            <a:lvl8pPr>
-              <a:defRPr sz="1500"/>
-            </a:lvl8pPr>
-            <a:lvl9pPr>
-              <a:defRPr sz="1500"/>
-            </a:lvl9pPr>
-          </a:lstStyle>
+          <a:bodyPr>
+            <a:normAutofit/>
+          </a:bodyPr>
+          <a:lstStyle/>
           <a:p>
             <a:pPr lvl="0"/>
             <a:r>
@@ -3258,7 +5599,7 @@
               <a:rPr lang="en-US"/>
               <a:t>Fifth level</a:t>
             </a:r>
-            <a:endParaRPr lang="en-US"/>
+            <a:endParaRPr lang="en-US" dirty="0"/>
           </a:p>
         </p:txBody>
       </p:sp>
@@ -3274,8 +5615,8 @@
         </p:nvSpPr>
         <p:spPr>
           <a:xfrm>
-            <a:off x="629841" y="1543050"/>
-            <a:ext cx="2949178" cy="2858691"/>
+            <a:off x="804864" y="1695554"/>
+            <a:ext cx="2660650" cy="2700233"/>
           </a:xfrm>
         </p:spPr>
         <p:txBody>
@@ -3283,39 +5624,39 @@
           <a:lstStyle>
             <a:lvl1pPr marL="0" indent="0">
               <a:buNone/>
-              <a:defRPr sz="1200"/>
+              <a:defRPr sz="1050"/>
             </a:lvl1pPr>
             <a:lvl2pPr marL="342900" indent="0">
               <a:buNone/>
-              <a:defRPr sz="1050"/>
+              <a:defRPr sz="900"/>
             </a:lvl2pPr>
             <a:lvl3pPr marL="685800" indent="0">
               <a:buNone/>
-              <a:defRPr sz="900"/>
+              <a:defRPr sz="750"/>
             </a:lvl3pPr>
             <a:lvl4pPr marL="1028700" indent="0">
               <a:buNone/>
-              <a:defRPr sz="750"/>
+              <a:defRPr sz="675"/>
             </a:lvl4pPr>
             <a:lvl5pPr marL="1371600" indent="0">
               <a:buNone/>
-              <a:defRPr sz="750"/>
+              <a:defRPr sz="675"/>
             </a:lvl5pPr>
             <a:lvl6pPr marL="1714500" indent="0">
               <a:buNone/>
-              <a:defRPr sz="750"/>
+              <a:defRPr sz="675"/>
             </a:lvl6pPr>
             <a:lvl7pPr marL="2057400" indent="0">
               <a:buNone/>
-              <a:defRPr sz="750"/>
+              <a:defRPr sz="675"/>
             </a:lvl7pPr>
             <a:lvl8pPr marL="2400300" indent="0">
               <a:buNone/>
-              <a:defRPr sz="750"/>
+              <a:defRPr sz="675"/>
             </a:lvl8pPr>
             <a:lvl9pPr marL="2743200" indent="0">
               <a:buNone/>
-              <a:defRPr sz="750"/>
+              <a:defRPr sz="675"/>
             </a:lvl9pPr>
           </a:lstStyle>
           <a:p>
@@ -3418,7 +5759,7 @@
     </p:spTree>
     <p:extLst>
       <p:ext uri="{BB962C8B-B14F-4D97-AF65-F5344CB8AC3E}">
-        <p14:creationId xmlns:p14="http://schemas.microsoft.com/office/powerpoint/2010/main" val="2041721282"/>
+        <p14:creationId xmlns:p14="http://schemas.microsoft.com/office/powerpoint/2010/main" val="528272868"/>
       </p:ext>
     </p:extLst>
   </p:cSld>
@@ -3463,15 +5804,17 @@
         </p:nvSpPr>
         <p:spPr>
           <a:xfrm>
-            <a:off x="629841" y="342900"/>
-            <a:ext cx="2949178" cy="1200150"/>
+            <a:off x="611046" y="545642"/>
+            <a:ext cx="3639741" cy="1212872"/>
           </a:xfrm>
         </p:spPr>
         <p:txBody>
-          <a:bodyPr anchor="b"/>
+          <a:bodyPr anchor="b">
+            <a:normAutofit/>
+          </a:bodyPr>
           <a:lstStyle>
-            <a:lvl1pPr>
-              <a:defRPr sz="2400"/>
+            <a:lvl1pPr algn="l">
+              <a:defRPr sz="1800" b="0"/>
             </a:lvl1pPr>
           </a:lstStyle>
           <a:p>
@@ -3479,68 +5822,119 @@
               <a:rPr lang="en-US"/>
               <a:t>Click to edit Master title style</a:t>
             </a:r>
-            <a:endParaRPr lang="en-US"/>
+            <a:endParaRPr lang="en-US" dirty="0"/>
           </a:p>
         </p:txBody>
       </p:sp>
       <p:sp>
         <p:nvSpPr>
-          <p:cNvPr id="3" name="Picture Placeholder 2"/>
+          <p:cNvPr id="9" name="Picture Placeholder 11"/>
           <p:cNvSpPr>
-            <a:spLocks noGrp="1"/>
+            <a:spLocks noGrp="1" noChangeAspect="1"/>
           </p:cNvSpPr>
           <p:nvPr>
-            <p:ph type="pic" idx="1"/>
+            <p:ph type="pic" sz="quarter" idx="13"/>
           </p:nvPr>
         </p:nvSpPr>
-        <p:spPr>
+        <p:spPr bwMode="auto">
           <a:xfrm>
-            <a:off x="3887391" y="740569"/>
-            <a:ext cx="4629150" cy="3655219"/>
+            <a:off x="4573588" y="0"/>
+            <a:ext cx="4570412" cy="5143500"/>
           </a:xfrm>
+          <a:custGeom>
+            <a:avLst/>
+            <a:gdLst/>
+            <a:ahLst/>
+            <a:cxnLst/>
+            <a:rect l="0" t="0" r="r" b="b"/>
+            <a:pathLst>
+              <a:path w="2879" h="4320">
+                <a:moveTo>
+                  <a:pt x="183" y="0"/>
+                </a:moveTo>
+                <a:lnTo>
+                  <a:pt x="183" y="1197"/>
+                </a:lnTo>
+                <a:lnTo>
+                  <a:pt x="8" y="1372"/>
+                </a:lnTo>
+                <a:lnTo>
+                  <a:pt x="8" y="1372"/>
+                </a:lnTo>
+                <a:lnTo>
+                  <a:pt x="6" y="1376"/>
+                </a:lnTo>
+                <a:lnTo>
+                  <a:pt x="3" y="1382"/>
+                </a:lnTo>
+                <a:lnTo>
+                  <a:pt x="0" y="1387"/>
+                </a:lnTo>
+                <a:lnTo>
+                  <a:pt x="0" y="1393"/>
+                </a:lnTo>
+                <a:lnTo>
+                  <a:pt x="0" y="1399"/>
+                </a:lnTo>
+                <a:lnTo>
+                  <a:pt x="3" y="1404"/>
+                </a:lnTo>
+                <a:lnTo>
+                  <a:pt x="6" y="1410"/>
+                </a:lnTo>
+                <a:lnTo>
+                  <a:pt x="8" y="1414"/>
+                </a:lnTo>
+                <a:lnTo>
+                  <a:pt x="183" y="1589"/>
+                </a:lnTo>
+                <a:lnTo>
+                  <a:pt x="183" y="4320"/>
+                </a:lnTo>
+                <a:lnTo>
+                  <a:pt x="2879" y="4320"/>
+                </a:lnTo>
+                <a:lnTo>
+                  <a:pt x="2879" y="0"/>
+                </a:lnTo>
+                <a:lnTo>
+                  <a:pt x="183" y="0"/>
+                </a:lnTo>
+                <a:close/>
+              </a:path>
+            </a:pathLst>
+          </a:custGeom>
+          <a:noFill/>
+          <a:ln w="9525">
+            <a:solidFill>
+              <a:schemeClr val="tx2"/>
+            </a:solidFill>
+            <a:round/>
+            <a:headEnd/>
+            <a:tailEnd/>
+          </a:ln>
+          <a:effectLst/>
         </p:spPr>
         <p:txBody>
-          <a:bodyPr/>
+          <a:bodyPr wrap="square" numCol="1" anchor="t" anchorCtr="0" compatLnSpc="1">
+            <a:prstTxWarp prst="textNoShape">
+              <a:avLst/>
+            </a:prstTxWarp>
+            <a:normAutofit/>
+          </a:bodyPr>
           <a:lstStyle>
-            <a:lvl1pPr marL="0" indent="0">
+            <a:lvl1pPr algn="ctr">
+              <a:buFontTx/>
               <a:buNone/>
-              <a:defRPr sz="2400"/>
+              <a:defRPr sz="1050"/>
             </a:lvl1pPr>
-            <a:lvl2pPr marL="342900" indent="0">
-              <a:buNone/>
-              <a:defRPr sz="2100"/>
-            </a:lvl2pPr>
-            <a:lvl3pPr marL="685800" indent="0">
-              <a:buNone/>
-              <a:defRPr sz="1800"/>
-            </a:lvl3pPr>
-            <a:lvl4pPr marL="1028700" indent="0">
-              <a:buNone/>
-              <a:defRPr sz="1500"/>
-            </a:lvl4pPr>
-            <a:lvl5pPr marL="1371600" indent="0">
-              <a:buNone/>
-              <a:defRPr sz="1500"/>
-            </a:lvl5pPr>
-            <a:lvl6pPr marL="1714500" indent="0">
-              <a:buNone/>
-              <a:defRPr sz="1500"/>
-            </a:lvl6pPr>
-            <a:lvl7pPr marL="2057400" indent="0">
-              <a:buNone/>
-              <a:defRPr sz="1500"/>
-            </a:lvl7pPr>
-            <a:lvl8pPr marL="2400300" indent="0">
-              <a:buNone/>
-              <a:defRPr sz="1500"/>
-            </a:lvl8pPr>
-            <a:lvl9pPr marL="2743200" indent="0">
-              <a:buNone/>
-              <a:defRPr sz="1500"/>
-            </a:lvl9pPr>
           </a:lstStyle>
           <a:p>
-            <a:endParaRPr lang="en-US"/>
+            <a:r>
+              <a:rPr lang="en-US"/>
+              <a:t>Click icon to add picture</a:t>
+            </a:r>
+            <a:endParaRPr lang="en-US" dirty="0"/>
           </a:p>
         </p:txBody>
       </p:sp>
@@ -3556,48 +5950,50 @@
         </p:nvSpPr>
         <p:spPr>
           <a:xfrm>
-            <a:off x="629841" y="1543050"/>
-            <a:ext cx="2949178" cy="2858691"/>
+            <a:off x="611046" y="1758513"/>
+            <a:ext cx="3639741" cy="2637274"/>
           </a:xfrm>
         </p:spPr>
         <p:txBody>
-          <a:bodyPr/>
+          <a:bodyPr anchor="t">
+            <a:normAutofit/>
+          </a:bodyPr>
           <a:lstStyle>
             <a:lvl1pPr marL="0" indent="0">
               <a:buNone/>
-              <a:defRPr sz="1200"/>
+              <a:defRPr sz="900"/>
             </a:lvl1pPr>
             <a:lvl2pPr marL="342900" indent="0">
               <a:buNone/>
-              <a:defRPr sz="1050"/>
+              <a:defRPr sz="900"/>
             </a:lvl2pPr>
             <a:lvl3pPr marL="685800" indent="0">
               <a:buNone/>
-              <a:defRPr sz="900"/>
+              <a:defRPr sz="750"/>
             </a:lvl3pPr>
             <a:lvl4pPr marL="1028700" indent="0">
               <a:buNone/>
-              <a:defRPr sz="750"/>
+              <a:defRPr sz="675"/>
             </a:lvl4pPr>
             <a:lvl5pPr marL="1371600" indent="0">
               <a:buNone/>
-              <a:defRPr sz="750"/>
+              <a:defRPr sz="675"/>
             </a:lvl5pPr>
             <a:lvl6pPr marL="1714500" indent="0">
               <a:buNone/>
-              <a:defRPr sz="750"/>
+              <a:defRPr sz="675"/>
             </a:lvl6pPr>
             <a:lvl7pPr marL="2057400" indent="0">
               <a:buNone/>
-              <a:defRPr sz="750"/>
+              <a:defRPr sz="675"/>
             </a:lvl7pPr>
             <a:lvl8pPr marL="2400300" indent="0">
               <a:buNone/>
-              <a:defRPr sz="750"/>
+              <a:defRPr sz="675"/>
             </a:lvl8pPr>
             <a:lvl9pPr marL="2743200" indent="0">
               <a:buNone/>
-              <a:defRPr sz="750"/>
+              <a:defRPr sz="675"/>
             </a:lvl9pPr>
           </a:lstStyle>
           <a:p>
@@ -3619,7 +6015,12 @@
             <p:ph type="dt" sz="half" idx="10"/>
           </p:nvPr>
         </p:nvSpPr>
-        <p:spPr/>
+        <p:spPr>
+          <a:xfrm>
+            <a:off x="2914358" y="4531022"/>
+            <a:ext cx="732659" cy="273844"/>
+          </a:xfrm>
+        </p:spPr>
         <p:txBody>
           <a:bodyPr/>
           <a:lstStyle/>
@@ -3643,7 +6044,12 @@
             <p:ph type="ftr" sz="quarter" idx="11"/>
           </p:nvPr>
         </p:nvSpPr>
-        <p:spPr/>
+        <p:spPr>
+          <a:xfrm>
+            <a:off x="442797" y="4531022"/>
+            <a:ext cx="2471560" cy="273844"/>
+          </a:xfrm>
+        </p:spPr>
         <p:txBody>
           <a:bodyPr/>
           <a:lstStyle/>
@@ -3662,7 +6068,12 @@
             <p:ph type="sldNum" sz="quarter" idx="12"/>
           </p:nvPr>
         </p:nvSpPr>
-        <p:spPr/>
+        <p:spPr>
+          <a:xfrm>
+            <a:off x="3647017" y="4436917"/>
+            <a:ext cx="796616" cy="367949"/>
+          </a:xfrm>
+        </p:spPr>
         <p:txBody>
           <a:bodyPr/>
           <a:lstStyle/>
@@ -3700,7 +6111,7 @@
     </p:spTree>
     <p:extLst>
       <p:ext uri="{BB962C8B-B14F-4D97-AF65-F5344CB8AC3E}">
-        <p14:creationId xmlns:p14="http://schemas.microsoft.com/office/powerpoint/2010/main" val="3147126598"/>
+        <p14:creationId xmlns:p14="http://schemas.microsoft.com/office/powerpoint/2010/main" val="2009553480"/>
       </p:ext>
     </p:extLst>
   </p:cSld>
@@ -3716,7 +6127,7 @@
   <p:cSld>
     <p:bg>
       <p:bgRef idx="1001">
-        <a:schemeClr val="bg1"/>
+        <a:schemeClr val="bg2"/>
       </p:bgRef>
     </p:bg>
     <p:spTree>
@@ -3745,16 +6156,23 @@
         </p:nvSpPr>
         <p:spPr>
           <a:xfrm>
-            <a:off x="628650" y="273844"/>
-            <a:ext cx="7886700" cy="994172"/>
+            <a:off x="607500" y="335391"/>
+            <a:ext cx="7928999" cy="727838"/>
           </a:xfrm>
           <a:prstGeom prst="rect">
             <a:avLst/>
           </a:prstGeom>
+          <a:effectLst>
+            <a:outerShdw blurRad="50800" dir="14400000">
+              <a:srgbClr val="000000">
+                <a:alpha val="60000"/>
+              </a:srgbClr>
+            </a:outerShdw>
+          </a:effectLst>
         </p:spPr>
         <p:txBody>
-          <a:bodyPr vert="horz" lIns="91440" tIns="45720" rIns="91440" bIns="45720" rtlCol="0" anchor="ctr">
-            <a:normAutofit/>
+          <a:bodyPr vert="horz" lIns="91440" tIns="45720" rIns="91440" bIns="45720" rtlCol="0" anchor="b">
+            <a:noAutofit/>
           </a:bodyPr>
           <a:lstStyle/>
           <a:p>
@@ -3762,7 +6180,7 @@
               <a:rPr lang="en-US"/>
               <a:t>Click to edit Master title style</a:t>
             </a:r>
-            <a:endParaRPr lang="en-US"/>
+            <a:endParaRPr lang="en-US" dirty="0"/>
           </a:p>
         </p:txBody>
       </p:sp>
@@ -3778,53 +6196,95 @@
         </p:nvSpPr>
         <p:spPr>
           <a:xfrm>
-            <a:off x="628650" y="1369219"/>
-            <a:ext cx="7886700" cy="3263504"/>
+            <a:off x="607500" y="1638301"/>
+            <a:ext cx="7922464" cy="2755798"/>
+          </a:xfrm>
+          <a:prstGeom prst="rect">
+            <a:avLst/>
+          </a:prstGeom>
+          <a:effectLst>
+            <a:outerShdw blurRad="50800" dir="14400000">
+              <a:srgbClr val="000000">
+                <a:alpha val="40000"/>
+              </a:srgbClr>
+            </a:outerShdw>
+          </a:effectLst>
+        </p:spPr>
+        <p:txBody>
+          <a:bodyPr vert="horz" lIns="91440" tIns="45720" rIns="91440" bIns="45720" rtlCol="0" anchor="ctr">
+            <a:normAutofit/>
+          </a:bodyPr>
+          <a:lstStyle/>
+          <a:p>
+            <a:pPr lvl="0"/>
+            <a:r>
+              <a:rPr lang="en-US"/>
+              <a:t>Edit Master text styles</a:t>
+            </a:r>
+          </a:p>
+          <a:p>
+            <a:pPr lvl="1"/>
+            <a:r>
+              <a:rPr lang="en-US"/>
+              <a:t>Second level</a:t>
+            </a:r>
+          </a:p>
+          <a:p>
+            <a:pPr lvl="2"/>
+            <a:r>
+              <a:rPr lang="en-US"/>
+              <a:t>Third level</a:t>
+            </a:r>
+          </a:p>
+          <a:p>
+            <a:pPr lvl="3"/>
+            <a:r>
+              <a:rPr lang="en-US"/>
+              <a:t>Fourth level</a:t>
+            </a:r>
+          </a:p>
+          <a:p>
+            <a:pPr lvl="4"/>
+            <a:r>
+              <a:rPr lang="en-US"/>
+              <a:t>Fifth level</a:t>
+            </a:r>
+            <a:endParaRPr lang="en-US" dirty="0"/>
+          </a:p>
+        </p:txBody>
+      </p:sp>
+      <p:sp>
+        <p:nvSpPr>
+          <p:cNvPr id="5" name="Footer Placeholder 4"/>
+          <p:cNvSpPr>
+            <a:spLocks noGrp="1"/>
+          </p:cNvSpPr>
+          <p:nvPr>
+            <p:ph type="ftr" sz="quarter" idx="3"/>
+          </p:nvPr>
+        </p:nvSpPr>
+        <p:spPr>
+          <a:xfrm>
+            <a:off x="338636" y="4531022"/>
+            <a:ext cx="6483240" cy="273844"/>
           </a:xfrm>
           <a:prstGeom prst="rect">
             <a:avLst/>
           </a:prstGeom>
         </p:spPr>
         <p:txBody>
-          <a:bodyPr vert="horz" lIns="91440" tIns="45720" rIns="91440" bIns="45720" rtlCol="0">
-            <a:normAutofit/>
-          </a:bodyPr>
-          <a:lstStyle/>
-          <a:p>
-            <a:pPr lvl="0"/>
-            <a:r>
-              <a:rPr lang="en-US"/>
-              <a:t>Edit Master text styles</a:t>
-            </a:r>
-          </a:p>
-          <a:p>
-            <a:pPr lvl="1"/>
-            <a:r>
-              <a:rPr lang="en-US"/>
-              <a:t>Second level</a:t>
-            </a:r>
-          </a:p>
-          <a:p>
-            <a:pPr lvl="2"/>
-            <a:r>
-              <a:rPr lang="en-US"/>
-              <a:t>Third level</a:t>
-            </a:r>
-          </a:p>
-          <a:p>
-            <a:pPr lvl="3"/>
-            <a:r>
-              <a:rPr lang="en-US"/>
-              <a:t>Fourth level</a:t>
-            </a:r>
-          </a:p>
-          <a:p>
-            <a:pPr lvl="4"/>
-            <a:r>
-              <a:rPr lang="en-US"/>
-              <a:t>Fifth level</a:t>
-            </a:r>
-            <a:endParaRPr lang="en-US"/>
+          <a:bodyPr vert="horz" lIns="91440" tIns="45720" rIns="91440" bIns="45720" rtlCol="0" anchor="b"/>
+          <a:lstStyle>
+            <a:lvl1pPr algn="l">
+              <a:defRPr sz="675">
+                <a:solidFill>
+                  <a:schemeClr val="tx1"/>
+                </a:solidFill>
+              </a:defRPr>
+            </a:lvl1pPr>
+          </a:lstStyle>
+          <a:p>
+            <a:endParaRPr lang="en-US" dirty="0"/>
           </a:p>
         </p:txBody>
       </p:sp>
@@ -3840,22 +6300,20 @@
         </p:nvSpPr>
         <p:spPr>
           <a:xfrm>
-            <a:off x="628650" y="4767263"/>
-            <a:ext cx="2057400" cy="273844"/>
+            <a:off x="7000969" y="4531022"/>
+            <a:ext cx="1007780" cy="273844"/>
           </a:xfrm>
           <a:prstGeom prst="rect">
             <a:avLst/>
           </a:prstGeom>
         </p:spPr>
         <p:txBody>
-          <a:bodyPr vert="horz" lIns="91440" tIns="45720" rIns="91440" bIns="45720" rtlCol="0" anchor="ctr"/>
+          <a:bodyPr vert="horz" lIns="91440" tIns="45720" rIns="91440" bIns="45720" rtlCol="0" anchor="b"/>
           <a:lstStyle>
-            <a:lvl1pPr algn="l">
-              <a:defRPr sz="900">
+            <a:lvl1pPr algn="r">
+              <a:defRPr sz="675">
                 <a:solidFill>
-                  <a:schemeClr val="tx1">
-                    <a:tint val="75000"/>
-                  </a:schemeClr>
+                  <a:schemeClr val="tx1"/>
                 </a:solidFill>
               </a:defRPr>
             </a:lvl1pPr>
@@ -3866,43 +6324,6 @@
               <a:pPr/>
               <a:t>6/10/2017</a:t>
             </a:fld>
-            <a:endParaRPr lang="en-US" dirty="0"/>
-          </a:p>
-        </p:txBody>
-      </p:sp>
-      <p:sp>
-        <p:nvSpPr>
-          <p:cNvPr id="5" name="Footer Placeholder 4"/>
-          <p:cNvSpPr>
-            <a:spLocks noGrp="1"/>
-          </p:cNvSpPr>
-          <p:nvPr>
-            <p:ph type="ftr" sz="quarter" idx="3"/>
-          </p:nvPr>
-        </p:nvSpPr>
-        <p:spPr>
-          <a:xfrm>
-            <a:off x="3028950" y="4767263"/>
-            <a:ext cx="3086100" cy="273844"/>
-          </a:xfrm>
-          <a:prstGeom prst="rect">
-            <a:avLst/>
-          </a:prstGeom>
-        </p:spPr>
-        <p:txBody>
-          <a:bodyPr vert="horz" lIns="91440" tIns="45720" rIns="91440" bIns="45720" rtlCol="0" anchor="ctr"/>
-          <a:lstStyle>
-            <a:lvl1pPr algn="ctr">
-              <a:defRPr sz="900">
-                <a:solidFill>
-                  <a:schemeClr val="tx1">
-                    <a:tint val="75000"/>
-                  </a:schemeClr>
-                </a:solidFill>
-              </a:defRPr>
-            </a:lvl1pPr>
-          </a:lstStyle>
-          <a:p>
             <a:endParaRPr lang="en-US" dirty="0"/>
           </a:p>
         </p:txBody>
@@ -3919,22 +6340,20 @@
         </p:nvSpPr>
         <p:spPr>
           <a:xfrm>
-            <a:off x="6457950" y="4767263"/>
-            <a:ext cx="2057400" cy="273844"/>
+            <a:off x="8008749" y="4436917"/>
+            <a:ext cx="796616" cy="367949"/>
           </a:xfrm>
           <a:prstGeom prst="rect">
             <a:avLst/>
           </a:prstGeom>
         </p:spPr>
         <p:txBody>
-          <a:bodyPr vert="horz" lIns="91440" tIns="45720" rIns="91440" bIns="45720" rtlCol="0" anchor="ctr"/>
+          <a:bodyPr vert="horz" lIns="91440" tIns="45720" rIns="91440" bIns="10800" rtlCol="0" anchor="b"/>
           <a:lstStyle>
             <a:lvl1pPr algn="r">
-              <a:defRPr sz="900">
+              <a:defRPr sz="1500">
                 <a:solidFill>
-                  <a:schemeClr val="tx1">
-                    <a:tint val="75000"/>
-                  </a:schemeClr>
+                  <a:schemeClr val="accent1"/>
                 </a:solidFill>
               </a:defRPr>
             </a:lvl1pPr>
@@ -3973,57 +6392,116 @@
     </p:spTree>
     <p:extLst>
       <p:ext uri="{BB962C8B-B14F-4D97-AF65-F5344CB8AC3E}">
-        <p14:creationId xmlns:p14="http://schemas.microsoft.com/office/powerpoint/2010/main" val="1940367091"/>
+        <p14:creationId xmlns:p14="http://schemas.microsoft.com/office/powerpoint/2010/main" val="4070763351"/>
       </p:ext>
     </p:extLst>
   </p:cSld>
-  <p:clrMap bg1="lt1" tx1="dk1" bg2="lt2" tx2="dk2" accent1="accent1" accent2="accent2" accent3="accent3" accent4="accent4" accent5="accent5" accent6="accent6" hlink="hlink" folHlink="folHlink"/>
+  <p:clrMap bg1="dk1" tx1="lt1" bg2="dk2" tx2="lt2" accent1="accent1" accent2="accent2" accent3="accent3" accent4="accent4" accent5="accent5" accent6="accent6" hlink="hlink" folHlink="folHlink"/>
   <p:sldLayoutIdLst>
-    <p:sldLayoutId id="2147483725" r:id="rId1"/>
-    <p:sldLayoutId id="2147483726" r:id="rId2"/>
-    <p:sldLayoutId id="2147483727" r:id="rId3"/>
-    <p:sldLayoutId id="2147483728" r:id="rId4"/>
-    <p:sldLayoutId id="2147483729" r:id="rId5"/>
-    <p:sldLayoutId id="2147483730" r:id="rId6"/>
-    <p:sldLayoutId id="2147483731" r:id="rId7"/>
-    <p:sldLayoutId id="2147483732" r:id="rId8"/>
-    <p:sldLayoutId id="2147483733" r:id="rId9"/>
-    <p:sldLayoutId id="2147483734" r:id="rId10"/>
-    <p:sldLayoutId id="2147483735" r:id="rId11"/>
-    <p:sldLayoutId id="2147483736" r:id="rId12"/>
+    <p:sldLayoutId id="2147483863" r:id="rId1"/>
+    <p:sldLayoutId id="2147483864" r:id="rId2"/>
+    <p:sldLayoutId id="2147483865" r:id="rId3"/>
+    <p:sldLayoutId id="2147483866" r:id="rId4"/>
+    <p:sldLayoutId id="2147483867" r:id="rId5"/>
+    <p:sldLayoutId id="2147483868" r:id="rId6"/>
+    <p:sldLayoutId id="2147483869" r:id="rId7"/>
+    <p:sldLayoutId id="2147483870" r:id="rId8"/>
+    <p:sldLayoutId id="2147483871" r:id="rId9"/>
+    <p:sldLayoutId id="2147483872" r:id="rId10"/>
+    <p:sldLayoutId id="2147483873" r:id="rId11"/>
+    <p:sldLayoutId id="2147483874" r:id="rId12"/>
+    <p:sldLayoutId id="2147483875" r:id="rId13"/>
+    <p:sldLayoutId id="2147483876" r:id="rId14"/>
+    <p:sldLayoutId id="2147483877" r:id="rId15"/>
   </p:sldLayoutIdLst>
   <p:hf sldNum="0" hdr="0" ftr="0" dt="0"/>
   <p:txStyles>
     <p:titleStyle>
-      <a:lvl1pPr algn="l" defTabSz="685800" rtl="0" eaLnBrk="1" latinLnBrk="0" hangingPunct="1">
-        <a:lnSpc>
-          <a:spcPct val="90000"/>
-        </a:lnSpc>
+      <a:lvl1pPr algn="l" defTabSz="342900" rtl="0" eaLnBrk="1" latinLnBrk="0" hangingPunct="1">
         <a:spcBef>
           <a:spcPct val="0"/>
         </a:spcBef>
         <a:buNone/>
-        <a:defRPr sz="3300" kern="1200">
+        <a:defRPr sz="3000" b="1" kern="1200">
           <a:solidFill>
-            <a:schemeClr val="tx1"/>
+            <a:srgbClr val="FEFEFE"/>
           </a:solidFill>
           <a:latin typeface="+mj-lt"/>
           <a:ea typeface="+mj-ea"/>
           <a:cs typeface="+mj-cs"/>
         </a:defRPr>
       </a:lvl1pPr>
+      <a:lvl2pPr eaLnBrk="1" hangingPunct="1">
+        <a:defRPr>
+          <a:solidFill>
+            <a:schemeClr val="tx2"/>
+          </a:solidFill>
+        </a:defRPr>
+      </a:lvl2pPr>
+      <a:lvl3pPr eaLnBrk="1" hangingPunct="1">
+        <a:defRPr>
+          <a:solidFill>
+            <a:schemeClr val="tx2"/>
+          </a:solidFill>
+        </a:defRPr>
+      </a:lvl3pPr>
+      <a:lvl4pPr eaLnBrk="1" hangingPunct="1">
+        <a:defRPr>
+          <a:solidFill>
+            <a:schemeClr val="tx2"/>
+          </a:solidFill>
+        </a:defRPr>
+      </a:lvl4pPr>
+      <a:lvl5pPr eaLnBrk="1" hangingPunct="1">
+        <a:defRPr>
+          <a:solidFill>
+            <a:schemeClr val="tx2"/>
+          </a:solidFill>
+        </a:defRPr>
+      </a:lvl5pPr>
+      <a:lvl6pPr eaLnBrk="1" hangingPunct="1">
+        <a:defRPr>
+          <a:solidFill>
+            <a:schemeClr val="tx2"/>
+          </a:solidFill>
+        </a:defRPr>
+      </a:lvl6pPr>
+      <a:lvl7pPr eaLnBrk="1" hangingPunct="1">
+        <a:defRPr>
+          <a:solidFill>
+            <a:schemeClr val="tx2"/>
+          </a:solidFill>
+        </a:defRPr>
+      </a:lvl7pPr>
+      <a:lvl8pPr eaLnBrk="1" hangingPunct="1">
+        <a:defRPr>
+          <a:solidFill>
+            <a:schemeClr val="tx2"/>
+          </a:solidFill>
+        </a:defRPr>
+      </a:lvl8pPr>
+      <a:lvl9pPr eaLnBrk="1" hangingPunct="1">
+        <a:defRPr>
+          <a:solidFill>
+            <a:schemeClr val="tx2"/>
+          </a:solidFill>
+        </a:defRPr>
+      </a:lvl9pPr>
     </p:titleStyle>
     <p:bodyStyle>
-      <a:lvl1pPr marL="171450" indent="-171450" algn="l" defTabSz="685800" rtl="0" eaLnBrk="1" latinLnBrk="0" hangingPunct="1">
-        <a:lnSpc>
-          <a:spcPct val="90000"/>
-        </a:lnSpc>
+      <a:lvl1pPr marL="257175" indent="-257175" algn="l" defTabSz="342900" rtl="0" eaLnBrk="1" latinLnBrk="0" hangingPunct="1">
         <a:spcBef>
-          <a:spcPts val="750"/>
+          <a:spcPct val="20000"/>
         </a:spcBef>
-        <a:buFont typeface="Arial" panose="020B0604020202020204" pitchFamily="34" charset="0"/>
-        <a:buChar char="•"/>
-        <a:defRPr sz="2100" kern="1200">
+        <a:spcAft>
+          <a:spcPts val="450"/>
+        </a:spcAft>
+        <a:buClr>
+          <a:schemeClr val="accent1"/>
+        </a:buClr>
+        <a:buFont typeface="Wingdings 2" charset="2"/>
+        <a:buChar char=""/>
+        <a:defRPr sz="1350" kern="1200">
           <a:solidFill>
             <a:schemeClr val="tx1"/>
           </a:solidFill>
@@ -4032,16 +6510,19 @@
           <a:cs typeface="+mn-cs"/>
         </a:defRPr>
       </a:lvl1pPr>
-      <a:lvl2pPr marL="514350" indent="-171450" algn="l" defTabSz="685800" rtl="0" eaLnBrk="1" latinLnBrk="0" hangingPunct="1">
-        <a:lnSpc>
-          <a:spcPct val="90000"/>
-        </a:lnSpc>
+      <a:lvl2pPr marL="557213" indent="-214313" algn="l" defTabSz="342900" rtl="0" eaLnBrk="1" latinLnBrk="0" hangingPunct="1">
         <a:spcBef>
-          <a:spcPts val="375"/>
+          <a:spcPct val="20000"/>
         </a:spcBef>
-        <a:buFont typeface="Arial" panose="020B0604020202020204" pitchFamily="34" charset="0"/>
-        <a:buChar char="•"/>
-        <a:defRPr sz="1800" kern="1200">
+        <a:spcAft>
+          <a:spcPts val="450"/>
+        </a:spcAft>
+        <a:buClr>
+          <a:schemeClr val="accent1"/>
+        </a:buClr>
+        <a:buFont typeface="Wingdings 2" charset="2"/>
+        <a:buChar char=""/>
+        <a:defRPr sz="1200" kern="1200">
           <a:solidFill>
             <a:schemeClr val="tx1"/>
           </a:solidFill>
@@ -4050,16 +6531,19 @@
           <a:cs typeface="+mn-cs"/>
         </a:defRPr>
       </a:lvl2pPr>
-      <a:lvl3pPr marL="857250" indent="-171450" algn="l" defTabSz="685800" rtl="0" eaLnBrk="1" latinLnBrk="0" hangingPunct="1">
-        <a:lnSpc>
-          <a:spcPct val="90000"/>
-        </a:lnSpc>
+      <a:lvl3pPr marL="857250" indent="-171450" algn="l" defTabSz="342900" rtl="0" eaLnBrk="1" latinLnBrk="0" hangingPunct="1">
         <a:spcBef>
-          <a:spcPts val="375"/>
+          <a:spcPct val="20000"/>
         </a:spcBef>
-        <a:buFont typeface="Arial" panose="020B0604020202020204" pitchFamily="34" charset="0"/>
-        <a:buChar char="•"/>
-        <a:defRPr sz="1500" kern="1200">
+        <a:spcAft>
+          <a:spcPts val="450"/>
+        </a:spcAft>
+        <a:buClr>
+          <a:schemeClr val="accent1"/>
+        </a:buClr>
+        <a:buFont typeface="Wingdings 2" charset="2"/>
+        <a:buChar char=""/>
+        <a:defRPr sz="1050" kern="1200">
           <a:solidFill>
             <a:schemeClr val="tx1"/>
           </a:solidFill>
@@ -4068,16 +6552,19 @@
           <a:cs typeface="+mn-cs"/>
         </a:defRPr>
       </a:lvl3pPr>
-      <a:lvl4pPr marL="1200150" indent="-171450" algn="l" defTabSz="685800" rtl="0" eaLnBrk="1" latinLnBrk="0" hangingPunct="1">
-        <a:lnSpc>
-          <a:spcPct val="90000"/>
-        </a:lnSpc>
+      <a:lvl4pPr marL="1200150" indent="-171450" algn="l" defTabSz="342900" rtl="0" eaLnBrk="1" latinLnBrk="0" hangingPunct="1">
         <a:spcBef>
-          <a:spcPts val="375"/>
+          <a:spcPct val="20000"/>
         </a:spcBef>
-        <a:buFont typeface="Arial" panose="020B0604020202020204" pitchFamily="34" charset="0"/>
-        <a:buChar char="•"/>
-        <a:defRPr sz="1350" kern="1200">
+        <a:spcAft>
+          <a:spcPts val="450"/>
+        </a:spcAft>
+        <a:buClr>
+          <a:schemeClr val="accent1"/>
+        </a:buClr>
+        <a:buFont typeface="Wingdings 2" charset="2"/>
+        <a:buChar char=""/>
+        <a:defRPr sz="900" kern="1200">
           <a:solidFill>
             <a:schemeClr val="tx1"/>
           </a:solidFill>
@@ -4086,16 +6573,19 @@
           <a:cs typeface="+mn-cs"/>
         </a:defRPr>
       </a:lvl4pPr>
-      <a:lvl5pPr marL="1543050" indent="-171450" algn="l" defTabSz="685800" rtl="0" eaLnBrk="1" latinLnBrk="0" hangingPunct="1">
-        <a:lnSpc>
-          <a:spcPct val="90000"/>
-        </a:lnSpc>
+      <a:lvl5pPr marL="1543050" indent="-171450" algn="l" defTabSz="342900" rtl="0" eaLnBrk="1" latinLnBrk="0" hangingPunct="1">
         <a:spcBef>
-          <a:spcPts val="375"/>
+          <a:spcPct val="20000"/>
         </a:spcBef>
-        <a:buFont typeface="Arial" panose="020B0604020202020204" pitchFamily="34" charset="0"/>
-        <a:buChar char="•"/>
-        <a:defRPr sz="1350" kern="1200">
+        <a:spcAft>
+          <a:spcPts val="450"/>
+        </a:spcAft>
+        <a:buClr>
+          <a:schemeClr val="accent1"/>
+        </a:buClr>
+        <a:buFont typeface="Wingdings 2" charset="2"/>
+        <a:buChar char=""/>
+        <a:defRPr sz="900" kern="1200">
           <a:solidFill>
             <a:schemeClr val="tx1"/>
           </a:solidFill>
@@ -4104,16 +6594,19 @@
           <a:cs typeface="+mn-cs"/>
         </a:defRPr>
       </a:lvl5pPr>
-      <a:lvl6pPr marL="1885950" indent="-171450" algn="l" defTabSz="685800" rtl="0" eaLnBrk="1" latinLnBrk="0" hangingPunct="1">
-        <a:lnSpc>
-          <a:spcPct val="90000"/>
-        </a:lnSpc>
+      <a:lvl6pPr marL="1800000" indent="-171450" algn="l" defTabSz="342900" rtl="0" eaLnBrk="1" latinLnBrk="0" hangingPunct="1">
         <a:spcBef>
-          <a:spcPts val="375"/>
+          <a:spcPct val="20000"/>
         </a:spcBef>
-        <a:buFont typeface="Arial" panose="020B0604020202020204" pitchFamily="34" charset="0"/>
-        <a:buChar char="•"/>
-        <a:defRPr sz="1350" kern="1200">
+        <a:spcAft>
+          <a:spcPts val="450"/>
+        </a:spcAft>
+        <a:buClr>
+          <a:schemeClr val="accent1"/>
+        </a:buClr>
+        <a:buFont typeface="Wingdings 2" charset="2"/>
+        <a:buChar char=""/>
+        <a:defRPr sz="900" kern="1200">
           <a:solidFill>
             <a:schemeClr val="tx1"/>
           </a:solidFill>
@@ -4122,16 +6615,19 @@
           <a:cs typeface="+mn-cs"/>
         </a:defRPr>
       </a:lvl6pPr>
-      <a:lvl7pPr marL="2228850" indent="-171450" algn="l" defTabSz="685800" rtl="0" eaLnBrk="1" latinLnBrk="0" hangingPunct="1">
-        <a:lnSpc>
-          <a:spcPct val="90000"/>
-        </a:lnSpc>
+      <a:lvl7pPr marL="2100000" indent="-171450" algn="l" defTabSz="342900" rtl="0" eaLnBrk="1" latinLnBrk="0" hangingPunct="1">
         <a:spcBef>
-          <a:spcPts val="375"/>
+          <a:spcPct val="20000"/>
         </a:spcBef>
-        <a:buFont typeface="Arial" panose="020B0604020202020204" pitchFamily="34" charset="0"/>
-        <a:buChar char="•"/>
-        <a:defRPr sz="1350" kern="1200">
+        <a:spcAft>
+          <a:spcPts val="450"/>
+        </a:spcAft>
+        <a:buClr>
+          <a:schemeClr val="accent1"/>
+        </a:buClr>
+        <a:buFont typeface="Wingdings 2" charset="2"/>
+        <a:buChar char=""/>
+        <a:defRPr sz="900" kern="1200">
           <a:solidFill>
             <a:schemeClr val="tx1"/>
           </a:solidFill>
@@ -4140,16 +6636,19 @@
           <a:cs typeface="+mn-cs"/>
         </a:defRPr>
       </a:lvl7pPr>
-      <a:lvl8pPr marL="2571750" indent="-171450" algn="l" defTabSz="685800" rtl="0" eaLnBrk="1" latinLnBrk="0" hangingPunct="1">
-        <a:lnSpc>
-          <a:spcPct val="90000"/>
-        </a:lnSpc>
+      <a:lvl8pPr marL="2400000" indent="-171450" algn="l" defTabSz="342900" rtl="0" eaLnBrk="1" latinLnBrk="0" hangingPunct="1">
         <a:spcBef>
-          <a:spcPts val="375"/>
+          <a:spcPct val="20000"/>
         </a:spcBef>
-        <a:buFont typeface="Arial" panose="020B0604020202020204" pitchFamily="34" charset="0"/>
-        <a:buChar char="•"/>
-        <a:defRPr sz="1350" kern="1200">
+        <a:spcAft>
+          <a:spcPts val="450"/>
+        </a:spcAft>
+        <a:buClr>
+          <a:schemeClr val="accent1"/>
+        </a:buClr>
+        <a:buFont typeface="Wingdings 2" charset="2"/>
+        <a:buChar char=""/>
+        <a:defRPr sz="900" kern="1200">
           <a:solidFill>
             <a:schemeClr val="tx1"/>
           </a:solidFill>
@@ -4158,16 +6657,19 @@
           <a:cs typeface="+mn-cs"/>
         </a:defRPr>
       </a:lvl8pPr>
-      <a:lvl9pPr marL="2914650" indent="-171450" algn="l" defTabSz="685800" rtl="0" eaLnBrk="1" latinLnBrk="0" hangingPunct="1">
-        <a:lnSpc>
-          <a:spcPct val="90000"/>
-        </a:lnSpc>
+      <a:lvl9pPr marL="2700000" indent="-171450" algn="l" defTabSz="342900" rtl="0" eaLnBrk="1" latinLnBrk="0" hangingPunct="1">
         <a:spcBef>
-          <a:spcPts val="375"/>
+          <a:spcPct val="20000"/>
         </a:spcBef>
-        <a:buFont typeface="Arial" panose="020B0604020202020204" pitchFamily="34" charset="0"/>
-        <a:buChar char="•"/>
-        <a:defRPr sz="1350" kern="1200">
+        <a:spcAft>
+          <a:spcPts val="450"/>
+        </a:spcAft>
+        <a:buClr>
+          <a:schemeClr val="accent1"/>
+        </a:buClr>
+        <a:buFont typeface="Wingdings 2" charset="2"/>
+        <a:buChar char=""/>
+        <a:defRPr sz="900" kern="1200">
           <a:solidFill>
             <a:schemeClr val="tx1"/>
           </a:solidFill>
@@ -4181,7 +6683,7 @@
       <a:defPPr>
         <a:defRPr lang="en-US"/>
       </a:defPPr>
-      <a:lvl1pPr marL="0" algn="l" defTabSz="685800" rtl="0" eaLnBrk="1" latinLnBrk="0" hangingPunct="1">
+      <a:lvl1pPr marL="0" algn="l" defTabSz="342900" rtl="0" eaLnBrk="1" latinLnBrk="0" hangingPunct="1">
         <a:defRPr sz="1350" kern="1200">
           <a:solidFill>
             <a:schemeClr val="tx1"/>
@@ -4191,7 +6693,7 @@
           <a:cs typeface="+mn-cs"/>
         </a:defRPr>
       </a:lvl1pPr>
-      <a:lvl2pPr marL="342900" algn="l" defTabSz="685800" rtl="0" eaLnBrk="1" latinLnBrk="0" hangingPunct="1">
+      <a:lvl2pPr marL="342900" algn="l" defTabSz="342900" rtl="0" eaLnBrk="1" latinLnBrk="0" hangingPunct="1">
         <a:defRPr sz="1350" kern="1200">
           <a:solidFill>
             <a:schemeClr val="tx1"/>
@@ -4201,7 +6703,7 @@
           <a:cs typeface="+mn-cs"/>
         </a:defRPr>
       </a:lvl2pPr>
-      <a:lvl3pPr marL="685800" algn="l" defTabSz="685800" rtl="0" eaLnBrk="1" latinLnBrk="0" hangingPunct="1">
+      <a:lvl3pPr marL="685800" algn="l" defTabSz="342900" rtl="0" eaLnBrk="1" latinLnBrk="0" hangingPunct="1">
         <a:defRPr sz="1350" kern="1200">
           <a:solidFill>
             <a:schemeClr val="tx1"/>
@@ -4211,7 +6713,7 @@
           <a:cs typeface="+mn-cs"/>
         </a:defRPr>
       </a:lvl3pPr>
-      <a:lvl4pPr marL="1028700" algn="l" defTabSz="685800" rtl="0" eaLnBrk="1" latinLnBrk="0" hangingPunct="1">
+      <a:lvl4pPr marL="1028700" algn="l" defTabSz="342900" rtl="0" eaLnBrk="1" latinLnBrk="0" hangingPunct="1">
         <a:defRPr sz="1350" kern="1200">
           <a:solidFill>
             <a:schemeClr val="tx1"/>
@@ -4221,7 +6723,7 @@
           <a:cs typeface="+mn-cs"/>
         </a:defRPr>
       </a:lvl4pPr>
-      <a:lvl5pPr marL="1371600" algn="l" defTabSz="685800" rtl="0" eaLnBrk="1" latinLnBrk="0" hangingPunct="1">
+      <a:lvl5pPr marL="1371600" algn="l" defTabSz="342900" rtl="0" eaLnBrk="1" latinLnBrk="0" hangingPunct="1">
         <a:defRPr sz="1350" kern="1200">
           <a:solidFill>
             <a:schemeClr val="tx1"/>
@@ -4231,7 +6733,7 @@
           <a:cs typeface="+mn-cs"/>
         </a:defRPr>
       </a:lvl5pPr>
-      <a:lvl6pPr marL="1714500" algn="l" defTabSz="685800" rtl="0" eaLnBrk="1" latinLnBrk="0" hangingPunct="1">
+      <a:lvl6pPr marL="1714500" algn="l" defTabSz="342900" rtl="0" eaLnBrk="1" latinLnBrk="0" hangingPunct="1">
         <a:defRPr sz="1350" kern="1200">
           <a:solidFill>
             <a:schemeClr val="tx1"/>
@@ -4241,7 +6743,7 @@
           <a:cs typeface="+mn-cs"/>
         </a:defRPr>
       </a:lvl6pPr>
-      <a:lvl7pPr marL="2057400" algn="l" defTabSz="685800" rtl="0" eaLnBrk="1" latinLnBrk="0" hangingPunct="1">
+      <a:lvl7pPr marL="2057400" algn="l" defTabSz="342900" rtl="0" eaLnBrk="1" latinLnBrk="0" hangingPunct="1">
         <a:defRPr sz="1350" kern="1200">
           <a:solidFill>
             <a:schemeClr val="tx1"/>
@@ -4251,7 +6753,7 @@
           <a:cs typeface="+mn-cs"/>
         </a:defRPr>
       </a:lvl7pPr>
-      <a:lvl8pPr marL="2400300" algn="l" defTabSz="685800" rtl="0" eaLnBrk="1" latinLnBrk="0" hangingPunct="1">
+      <a:lvl8pPr marL="2400300" algn="l" defTabSz="342900" rtl="0" eaLnBrk="1" latinLnBrk="0" hangingPunct="1">
         <a:defRPr sz="1350" kern="1200">
           <a:solidFill>
             <a:schemeClr val="tx1"/>
@@ -4261,7 +6763,7 @@
           <a:cs typeface="+mn-cs"/>
         </a:defRPr>
       </a:lvl8pPr>
-      <a:lvl9pPr marL="2743200" algn="l" defTabSz="685800" rtl="0" eaLnBrk="1" latinLnBrk="0" hangingPunct="1">
+      <a:lvl9pPr marL="2743200" algn="l" defTabSz="342900" rtl="0" eaLnBrk="1" latinLnBrk="0" hangingPunct="1">
         <a:defRPr sz="1350" kern="1200">
           <a:solidFill>
             <a:schemeClr val="tx1"/>
@@ -4374,8 +6876,8 @@
         </p:nvSpPr>
         <p:spPr>
           <a:xfrm>
-            <a:off x="156634" y="4711701"/>
-            <a:ext cx="3039533" cy="338554"/>
+            <a:off x="5887798" y="4702465"/>
+            <a:ext cx="3676457" cy="338554"/>
           </a:xfrm>
           <a:prstGeom prst="rect">
             <a:avLst/>
@@ -4409,7 +6911,7 @@
   <p:cSld>
     <p:spTree>
       <p:nvGrpSpPr>
-        <p:cNvPr id="1" name="Shape 87"/>
+        <p:cNvPr id="1" name="Shape 81"/>
         <p:cNvGrpSpPr/>
         <p:nvPr/>
       </p:nvGrpSpPr>
@@ -4423,7 +6925,7 @@
       </p:grpSpPr>
       <p:sp>
         <p:nvSpPr>
-          <p:cNvPr id="88" name="Shape 88"/>
+          <p:cNvPr id="82" name="Shape 82"/>
           <p:cNvSpPr txBox="1">
             <a:spLocks noGrp="1"/>
           </p:cNvSpPr>
@@ -4450,14 +6952,14 @@
             </a:pPr>
             <a:r>
               <a:rPr lang="en" dirty="0"/>
-              <a:t>Actual Water</a:t>
+              <a:t>Demo</a:t>
             </a:r>
           </a:p>
         </p:txBody>
       </p:sp>
       <p:sp>
         <p:nvSpPr>
-          <p:cNvPr id="89" name="Shape 89"/>
+          <p:cNvPr id="83" name="Shape 83"/>
           <p:cNvSpPr txBox="1">
             <a:spLocks noGrp="1"/>
           </p:cNvSpPr>
@@ -4476,96 +6978,106 @@
           </a:bodyPr>
           <a:lstStyle/>
           <a:p>
-            <a:pPr>
-              <a:lnSpc>
-                <a:spcPct val="100000"/>
-              </a:lnSpc>
-            </a:pPr>
             <a:r>
-              <a:rPr lang="en" dirty="0"/>
-              <a:t>“I’m researching if water can spontaneously blow up” - Terence Tao</a:t>
+              <a:rPr lang="en-US" dirty="0">
+                <a:hlinkClick r:id="rId3"/>
+              </a:rPr>
+              <a:t>https://github.com/andrew-pa/fluidynm</a:t>
             </a:r>
-          </a:p>
-          <a:p>
-            <a:pPr>
-              <a:lnSpc>
-                <a:spcPct val="100000"/>
-              </a:lnSpc>
-            </a:pPr>
-            <a:r>
-              <a:rPr lang="en" dirty="0"/>
-              <a:t>While we simulate fluid flow, we assume that fluid is a continuous density field</a:t>
-            </a:r>
-          </a:p>
-          <a:p>
-            <a:pPr>
-              <a:lnSpc>
-                <a:spcPct val="100000"/>
-              </a:lnSpc>
-            </a:pPr>
-            <a:r>
-              <a:rPr lang="en" dirty="0"/>
-              <a:t>Water is actually made of molecules, so this assumption is not actually true</a:t>
-            </a:r>
-          </a:p>
-          <a:p>
-            <a:pPr>
-              <a:lnSpc>
-                <a:spcPct val="100000"/>
-              </a:lnSpc>
-            </a:pPr>
-            <a:r>
-              <a:rPr lang="en" dirty="0"/>
-              <a:t>This just makes approximations to how fluid might act because simulating molecular and atomic dynamics with quantum effects is nearly computationaly impossible.</a:t>
-            </a:r>
+            <a:endParaRPr lang="en-US" dirty="0"/>
           </a:p>
           <a:p>
             <a:endParaRPr lang="en" dirty="0"/>
           </a:p>
         </p:txBody>
       </p:sp>
-      <p:pic>
-        <p:nvPicPr>
-          <p:cNvPr id="2050" name="Picture 2" descr="Image result for computational fluid dynamics"/>
-          <p:cNvPicPr>
-            <a:picLocks noChangeAspect="1" noChangeArrowheads="1"/>
-          </p:cNvPicPr>
-          <p:nvPr/>
-        </p:nvPicPr>
-        <p:blipFill>
-          <a:blip r:embed="rId3">
-            <a:extLst>
-              <a:ext uri="{28A0092B-C50C-407E-A947-70E740481C1C}">
-                <a14:useLocalDpi xmlns:a14="http://schemas.microsoft.com/office/drawing/2010/main" val="0"/>
-              </a:ext>
-            </a:extLst>
-          </a:blip>
-          <a:srcRect/>
-          <a:stretch>
-            <a:fillRect/>
-          </a:stretch>
-        </p:blipFill>
-        <p:spPr bwMode="auto">
-          <a:xfrm>
-            <a:off x="5799016" y="3280566"/>
-            <a:ext cx="2131582" cy="2066569"/>
-          </a:xfrm>
-          <a:prstGeom prst="rect">
-            <a:avLst/>
-          </a:prstGeom>
-          <a:noFill/>
-          <a:extLst>
-            <a:ext uri="{909E8E84-426E-40DD-AFC4-6F175D3DCCD1}">
-              <a14:hiddenFill xmlns:a14="http://schemas.microsoft.com/office/drawing/2010/main">
-                <a:solidFill>
-                  <a:srgbClr val="FFFFFF"/>
-                </a:solidFill>
-              </a14:hiddenFill>
-            </a:ext>
-          </a:extLst>
-        </p:spPr>
-      </p:pic>
     </p:spTree>
+    <p:extLst>
+      <p:ext uri="{BB962C8B-B14F-4D97-AF65-F5344CB8AC3E}">
+        <p14:creationId xmlns:p14="http://schemas.microsoft.com/office/powerpoint/2010/main" val="1105458295"/>
+      </p:ext>
+    </p:extLst>
+  </p:cSld>
+  <p:clrMapOvr>
+    <a:masterClrMapping/>
+  </p:clrMapOvr>
+</p:sld>
+</file>
+
+<file path=ppt/slides/slide11.xml><?xml version="1.0" encoding="utf-8"?>
+<p:sld xmlns:a="http://schemas.openxmlformats.org/drawingml/2006/main" xmlns:r="http://schemas.openxmlformats.org/officeDocument/2006/relationships" xmlns:p="http://schemas.openxmlformats.org/presentationml/2006/main" showMasterSp="0">
+  <p:cSld>
+    <p:bg>
+      <p:bgPr>
+        <a:solidFill>
+          <a:schemeClr val="bg1">
+            <a:lumMod val="95000"/>
+            <a:lumOff val="5000"/>
+          </a:schemeClr>
+        </a:solidFill>
+        <a:effectLst/>
+      </p:bgPr>
+    </p:bg>
+    <p:spTree>
+      <p:nvGrpSpPr>
+        <p:cNvPr id="1" name=""/>
+        <p:cNvGrpSpPr/>
+        <p:nvPr/>
+      </p:nvGrpSpPr>
+      <p:grpSpPr>
+        <a:xfrm>
+          <a:off x="0" y="0"/>
+          <a:ext cx="0" cy="0"/>
+          <a:chOff x="0" y="0"/>
+          <a:chExt cx="0" cy="0"/>
+        </a:xfrm>
+      </p:grpSpPr>
+      <p:sp>
+        <p:nvSpPr>
+          <p:cNvPr id="2" name="Title 1"/>
+          <p:cNvSpPr>
+            <a:spLocks noGrp="1"/>
+          </p:cNvSpPr>
+          <p:nvPr>
+            <p:ph type="title"/>
+          </p:nvPr>
+        </p:nvSpPr>
+        <p:spPr/>
+        <p:txBody>
+          <a:bodyPr>
+            <a:normAutofit fontScale="90000"/>
+          </a:bodyPr>
+          <a:lstStyle/>
+          <a:p>
+            <a:endParaRPr lang="en-US"/>
+          </a:p>
+        </p:txBody>
+      </p:sp>
+      <p:sp>
+        <p:nvSpPr>
+          <p:cNvPr id="3" name="Text Placeholder 2"/>
+          <p:cNvSpPr>
+            <a:spLocks noGrp="1"/>
+          </p:cNvSpPr>
+          <p:nvPr>
+            <p:ph type="body" idx="1"/>
+          </p:nvPr>
+        </p:nvSpPr>
+        <p:spPr/>
+        <p:txBody>
+          <a:bodyPr/>
+          <a:lstStyle/>
+          <a:p>
+            <a:endParaRPr lang="en-US"/>
+          </a:p>
+        </p:txBody>
+      </p:sp>
+    </p:spTree>
+    <p:extLst>
+      <p:ext uri="{BB962C8B-B14F-4D97-AF65-F5344CB8AC3E}">
+        <p14:creationId xmlns:p14="http://schemas.microsoft.com/office/powerpoint/2010/main" val="2248984888"/>
+      </p:ext>
+    </p:extLst>
   </p:cSld>
   <p:clrMapOvr>
     <a:masterClrMapping/>
@@ -5042,7 +7554,7 @@
                 </a14:m>
                 <a:r>
                   <a:rPr lang="en-US" sz="1600" dirty="0"/>
-                  <a:t>)</a:t>
+                  <a:t>) (remember the electric field?)</a:t>
                 </a:r>
               </a:p>
               <a:p>
@@ -5105,7 +7617,7 @@
                 </a14:m>
                 <a:r>
                   <a:rPr lang="en-US" sz="1600" dirty="0"/>
-                  <a:t>: pressure field</a:t>
+                  <a:t>: pressure field (remember the voltage field?)</a:t>
                 </a:r>
               </a:p>
               <a:p>
@@ -5161,166 +7673,6 @@
                   <a:rPr lang="en-US" sz="1600" dirty="0"/>
                   <a:t>: force vector field</a:t>
                 </a:r>
-              </a:p>
-              <a:p>
-                <a:pPr lvl="1">
-                  <a:lnSpc>
-                    <a:spcPct val="100000"/>
-                  </a:lnSpc>
-                </a:pPr>
-                <a14:m>
-                  <m:oMath xmlns:m="http://schemas.openxmlformats.org/officeDocument/2006/math">
-                    <m:r>
-                      <a:rPr lang="en-US" sz="1600" i="1" smtClean="0">
-                        <a:latin typeface="Cambria Math" panose="02040503050406030204" pitchFamily="18" charset="0"/>
-                        <a:ea typeface="Cambria Math" panose="02040503050406030204" pitchFamily="18" charset="0"/>
-                      </a:rPr>
-                      <m:t>∇</m:t>
-                    </m:r>
-                    <m:r>
-                      <a:rPr lang="en-US" sz="1600" b="0" i="1" smtClean="0">
-                        <a:latin typeface="Cambria Math" panose="02040503050406030204" pitchFamily="18" charset="0"/>
-                        <a:ea typeface="Cambria Math" panose="02040503050406030204" pitchFamily="18" charset="0"/>
-                      </a:rPr>
-                      <m:t>=&lt;</m:t>
-                    </m:r>
-                    <m:f>
-                      <m:fPr>
-                        <m:ctrlPr>
-                          <a:rPr lang="en-US" sz="1600" b="0" i="1" smtClean="0">
-                            <a:latin typeface="Cambria Math" panose="02040503050406030204" pitchFamily="18" charset="0"/>
-                            <a:ea typeface="Cambria Math" panose="02040503050406030204" pitchFamily="18" charset="0"/>
-                          </a:rPr>
-                        </m:ctrlPr>
-                      </m:fPr>
-                      <m:num>
-                        <m:r>
-                          <a:rPr lang="en-US" sz="1600" b="0" i="1" smtClean="0">
-                            <a:latin typeface="Cambria Math" panose="02040503050406030204" pitchFamily="18" charset="0"/>
-                            <a:ea typeface="Cambria Math" panose="02040503050406030204" pitchFamily="18" charset="0"/>
-                          </a:rPr>
-                          <m:t>𝜕</m:t>
-                        </m:r>
-                      </m:num>
-                      <m:den>
-                        <m:r>
-                          <a:rPr lang="en-US" sz="1600" b="0" i="1" smtClean="0">
-                            <a:latin typeface="Cambria Math" panose="02040503050406030204" pitchFamily="18" charset="0"/>
-                            <a:ea typeface="Cambria Math" panose="02040503050406030204" pitchFamily="18" charset="0"/>
-                          </a:rPr>
-                          <m:t>𝜕</m:t>
-                        </m:r>
-                        <m:r>
-                          <a:rPr lang="en-US" sz="1600" b="0" i="1" smtClean="0">
-                            <a:latin typeface="Cambria Math" panose="02040503050406030204" pitchFamily="18" charset="0"/>
-                            <a:ea typeface="Cambria Math" panose="02040503050406030204" pitchFamily="18" charset="0"/>
-                          </a:rPr>
-                          <m:t>𝑥</m:t>
-                        </m:r>
-                      </m:den>
-                    </m:f>
-                    <m:r>
-                      <a:rPr lang="en-US" sz="1600" b="0" i="1" smtClean="0">
-                        <a:latin typeface="Cambria Math" panose="02040503050406030204" pitchFamily="18" charset="0"/>
-                        <a:ea typeface="Cambria Math" panose="02040503050406030204" pitchFamily="18" charset="0"/>
-                      </a:rPr>
-                      <m:t>,</m:t>
-                    </m:r>
-                    <m:f>
-                      <m:fPr>
-                        <m:ctrlPr>
-                          <a:rPr lang="en-US" sz="1600" b="0" i="1" smtClean="0">
-                            <a:latin typeface="Cambria Math" panose="02040503050406030204" pitchFamily="18" charset="0"/>
-                            <a:ea typeface="Cambria Math" panose="02040503050406030204" pitchFamily="18" charset="0"/>
-                          </a:rPr>
-                        </m:ctrlPr>
-                      </m:fPr>
-                      <m:num>
-                        <m:r>
-                          <a:rPr lang="en-US" sz="1600" b="0" i="1" smtClean="0">
-                            <a:latin typeface="Cambria Math" panose="02040503050406030204" pitchFamily="18" charset="0"/>
-                            <a:ea typeface="Cambria Math" panose="02040503050406030204" pitchFamily="18" charset="0"/>
-                          </a:rPr>
-                          <m:t>𝜕</m:t>
-                        </m:r>
-                      </m:num>
-                      <m:den>
-                        <m:r>
-                          <a:rPr lang="en-US" sz="1600" b="0" i="1" smtClean="0">
-                            <a:latin typeface="Cambria Math" panose="02040503050406030204" pitchFamily="18" charset="0"/>
-                            <a:ea typeface="Cambria Math" panose="02040503050406030204" pitchFamily="18" charset="0"/>
-                          </a:rPr>
-                          <m:t>𝜕</m:t>
-                        </m:r>
-                        <m:r>
-                          <a:rPr lang="en-US" sz="1600" b="0" i="1" smtClean="0">
-                            <a:latin typeface="Cambria Math" panose="02040503050406030204" pitchFamily="18" charset="0"/>
-                            <a:ea typeface="Cambria Math" panose="02040503050406030204" pitchFamily="18" charset="0"/>
-                          </a:rPr>
-                          <m:t>𝑦</m:t>
-                        </m:r>
-                      </m:den>
-                    </m:f>
-                    <m:r>
-                      <a:rPr lang="en-US" sz="1600" b="0" i="1" smtClean="0">
-                        <a:latin typeface="Cambria Math" panose="02040503050406030204" pitchFamily="18" charset="0"/>
-                        <a:ea typeface="Cambria Math" panose="02040503050406030204" pitchFamily="18" charset="0"/>
-                      </a:rPr>
-                      <m:t>,</m:t>
-                    </m:r>
-                    <m:f>
-                      <m:fPr>
-                        <m:ctrlPr>
-                          <a:rPr lang="en-US" sz="1600" b="0" i="1" smtClean="0">
-                            <a:latin typeface="Cambria Math" panose="02040503050406030204" pitchFamily="18" charset="0"/>
-                            <a:ea typeface="Cambria Math" panose="02040503050406030204" pitchFamily="18" charset="0"/>
-                          </a:rPr>
-                        </m:ctrlPr>
-                      </m:fPr>
-                      <m:num>
-                        <m:r>
-                          <a:rPr lang="en-US" sz="1600" b="0" i="1" smtClean="0">
-                            <a:latin typeface="Cambria Math" panose="02040503050406030204" pitchFamily="18" charset="0"/>
-                            <a:ea typeface="Cambria Math" panose="02040503050406030204" pitchFamily="18" charset="0"/>
-                          </a:rPr>
-                          <m:t>𝜕</m:t>
-                        </m:r>
-                      </m:num>
-                      <m:den>
-                        <m:r>
-                          <a:rPr lang="en-US" sz="1600" b="0" i="1" smtClean="0">
-                            <a:latin typeface="Cambria Math" panose="02040503050406030204" pitchFamily="18" charset="0"/>
-                            <a:ea typeface="Cambria Math" panose="02040503050406030204" pitchFamily="18" charset="0"/>
-                          </a:rPr>
-                          <m:t>𝜕</m:t>
-                        </m:r>
-                        <m:r>
-                          <a:rPr lang="en-US" sz="1600" b="0" i="1" smtClean="0">
-                            <a:latin typeface="Cambria Math" panose="02040503050406030204" pitchFamily="18" charset="0"/>
-                            <a:ea typeface="Cambria Math" panose="02040503050406030204" pitchFamily="18" charset="0"/>
-                          </a:rPr>
-                          <m:t>𝑧</m:t>
-                        </m:r>
-                      </m:den>
-                    </m:f>
-                    <m:r>
-                      <a:rPr lang="en-US" sz="1600" b="0" i="1" smtClean="0">
-                        <a:latin typeface="Cambria Math" panose="02040503050406030204" pitchFamily="18" charset="0"/>
-                        <a:ea typeface="Cambria Math" panose="02040503050406030204" pitchFamily="18" charset="0"/>
-                      </a:rPr>
-                      <m:t>&gt;</m:t>
-                    </m:r>
-                  </m:oMath>
-                </a14:m>
-                <a:r>
-                  <a:rPr lang="en-US" sz="1600" dirty="0"/>
-                  <a:t>:del, a notational abstraction</a:t>
-                </a:r>
-              </a:p>
-              <a:p>
-                <a:pPr marL="571500" lvl="1" indent="0">
-                  <a:buNone/>
-                </a:pPr>
                 <a:endParaRPr lang="en-US" sz="1300" dirty="0"/>
               </a:p>
             </p:txBody>
@@ -5344,7 +7696,7 @@
               <a:blipFill>
                 <a:blip r:embed="rId3"/>
                 <a:stretch>
-                  <a:fillRect l="-358"/>
+                  <a:fillRect/>
                 </a:stretch>
               </a:blipFill>
             </p:spPr>
@@ -5424,824 +7776,15 @@
                 <p:ph type="body" idx="1"/>
               </p:nvPr>
             </p:nvSpPr>
-            <p:spPr/>
+            <p:spPr>
+              <a:xfrm>
+                <a:off x="311700" y="1234074"/>
+                <a:ext cx="8520600" cy="3668125"/>
+              </a:xfrm>
+            </p:spPr>
             <p:txBody>
               <a:bodyPr>
-                <a:normAutofit/>
-              </a:bodyPr>
-              <a:lstStyle/>
-              <a:p>
-                <a:pPr marL="0" indent="0">
-                  <a:lnSpc>
-                    <a:spcPct val="100000"/>
-                  </a:lnSpc>
-                  <a:buNone/>
-                </a:pPr>
-                <a14:m>
-                  <m:oMathPara xmlns:m="http://schemas.openxmlformats.org/officeDocument/2006/math">
-                    <m:oMathParaPr>
-                      <m:jc m:val="center"/>
-                    </m:oMathParaPr>
-                    <m:oMath xmlns:m="http://schemas.openxmlformats.org/officeDocument/2006/math">
-                      <m:f>
-                        <m:fPr>
-                          <m:ctrlPr>
-                            <a:rPr lang="en-US" sz="1800" i="1" smtClean="0">
-                              <a:latin typeface="Cambria Math" panose="02040503050406030204" pitchFamily="18" charset="0"/>
-                            </a:rPr>
-                          </m:ctrlPr>
-                        </m:fPr>
-                        <m:num>
-                          <m:r>
-                            <a:rPr lang="en-US" sz="1800" i="1">
-                              <a:latin typeface="Cambria Math" panose="02040503050406030204" pitchFamily="18" charset="0"/>
-                            </a:rPr>
-                            <m:t>𝜕</m:t>
-                          </m:r>
-                          <m:acc>
-                            <m:accPr>
-                              <m:chr m:val="⃗"/>
-                              <m:ctrlPr>
-                                <a:rPr lang="en-US" sz="1800" i="1">
-                                  <a:latin typeface="Cambria Math" panose="02040503050406030204" pitchFamily="18" charset="0"/>
-                                </a:rPr>
-                              </m:ctrlPr>
-                            </m:accPr>
-                            <m:e>
-                              <m:r>
-                                <a:rPr lang="en-US" sz="1800" i="1">
-                                  <a:latin typeface="Cambria Math" panose="02040503050406030204" pitchFamily="18" charset="0"/>
-                                </a:rPr>
-                                <m:t>𝑣</m:t>
-                              </m:r>
-                            </m:e>
-                          </m:acc>
-                        </m:num>
-                        <m:den>
-                          <m:r>
-                            <a:rPr lang="en-US" sz="1800" i="1">
-                              <a:latin typeface="Cambria Math" panose="02040503050406030204" pitchFamily="18" charset="0"/>
-                            </a:rPr>
-                            <m:t>𝜕</m:t>
-                          </m:r>
-                          <m:r>
-                            <a:rPr lang="en-US" sz="1800" i="1">
-                              <a:latin typeface="Cambria Math" panose="02040503050406030204" pitchFamily="18" charset="0"/>
-                            </a:rPr>
-                            <m:t>𝑡</m:t>
-                          </m:r>
-                        </m:den>
-                      </m:f>
-                      <m:r>
-                        <a:rPr lang="en-US" sz="1800" i="1">
-                          <a:latin typeface="Cambria Math" panose="02040503050406030204" pitchFamily="18" charset="0"/>
-                        </a:rPr>
-                        <m:t>+</m:t>
-                      </m:r>
-                      <m:acc>
-                        <m:accPr>
-                          <m:chr m:val="⃗"/>
-                          <m:ctrlPr>
-                            <a:rPr lang="en-US" sz="1800" i="1">
-                              <a:latin typeface="Cambria Math" panose="02040503050406030204" pitchFamily="18" charset="0"/>
-                            </a:rPr>
-                          </m:ctrlPr>
-                        </m:accPr>
-                        <m:e>
-                          <m:r>
-                            <a:rPr lang="en-US" sz="1800" i="1">
-                              <a:latin typeface="Cambria Math" panose="02040503050406030204" pitchFamily="18" charset="0"/>
-                            </a:rPr>
-                            <m:t>𝑣</m:t>
-                          </m:r>
-                        </m:e>
-                      </m:acc>
-                      <m:r>
-                        <a:rPr lang="en-US" sz="1800" i="1">
-                          <a:latin typeface="Cambria Math" panose="02040503050406030204" pitchFamily="18" charset="0"/>
-                        </a:rPr>
-                        <m:t>∗</m:t>
-                      </m:r>
-                      <m:r>
-                        <a:rPr lang="en-US" sz="1800" i="1">
-                          <a:latin typeface="Cambria Math" panose="02040503050406030204" pitchFamily="18" charset="0"/>
-                        </a:rPr>
-                        <m:t>𝑑𝑖𝑣</m:t>
-                      </m:r>
-                      <m:d>
-                        <m:dPr>
-                          <m:ctrlPr>
-                            <a:rPr lang="en-US" sz="1800" i="1">
-                              <a:latin typeface="Cambria Math" panose="02040503050406030204" pitchFamily="18" charset="0"/>
-                            </a:rPr>
-                          </m:ctrlPr>
-                        </m:dPr>
-                        <m:e>
-                          <m:acc>
-                            <m:accPr>
-                              <m:chr m:val="⃗"/>
-                              <m:ctrlPr>
-                                <a:rPr lang="en-US" sz="1800" i="1">
-                                  <a:latin typeface="Cambria Math" panose="02040503050406030204" pitchFamily="18" charset="0"/>
-                                </a:rPr>
-                              </m:ctrlPr>
-                            </m:accPr>
-                            <m:e>
-                              <m:r>
-                                <a:rPr lang="en-US" sz="1800" i="1">
-                                  <a:latin typeface="Cambria Math" panose="02040503050406030204" pitchFamily="18" charset="0"/>
-                                </a:rPr>
-                                <m:t>𝑣</m:t>
-                              </m:r>
-                            </m:e>
-                          </m:acc>
-                        </m:e>
-                      </m:d>
-                      <m:r>
-                        <a:rPr lang="en-US" sz="1800" i="1">
-                          <a:latin typeface="Cambria Math" panose="02040503050406030204" pitchFamily="18" charset="0"/>
-                        </a:rPr>
-                        <m:t>=−</m:t>
-                      </m:r>
-                      <m:d>
-                        <m:dPr>
-                          <m:ctrlPr>
-                            <a:rPr lang="en-US" sz="1800" i="1">
-                              <a:latin typeface="Cambria Math" panose="02040503050406030204" pitchFamily="18" charset="0"/>
-                            </a:rPr>
-                          </m:ctrlPr>
-                        </m:dPr>
-                        <m:e>
-                          <m:f>
-                            <m:fPr>
-                              <m:ctrlPr>
-                                <a:rPr lang="en-US" sz="1800" i="1">
-                                  <a:latin typeface="Cambria Math" panose="02040503050406030204" pitchFamily="18" charset="0"/>
-                                </a:rPr>
-                              </m:ctrlPr>
-                            </m:fPr>
-                            <m:num>
-                              <m:r>
-                                <a:rPr lang="en-US" sz="1800" i="1">
-                                  <a:latin typeface="Cambria Math" panose="02040503050406030204" pitchFamily="18" charset="0"/>
-                                </a:rPr>
-                                <m:t>1</m:t>
-                              </m:r>
-                            </m:num>
-                            <m:den>
-                              <m:r>
-                                <a:rPr lang="en-US" sz="1800" i="1">
-                                  <a:latin typeface="Cambria Math" panose="02040503050406030204" pitchFamily="18" charset="0"/>
-                                </a:rPr>
-                                <m:t>𝜌</m:t>
-                              </m:r>
-                            </m:den>
-                          </m:f>
-                        </m:e>
-                      </m:d>
-                      <m:r>
-                        <a:rPr lang="en-US" sz="1800" i="1">
-                          <a:latin typeface="Cambria Math" panose="02040503050406030204" pitchFamily="18" charset="0"/>
-                        </a:rPr>
-                        <m:t>𝑔𝑟𝑎𝑑</m:t>
-                      </m:r>
-                      <m:d>
-                        <m:dPr>
-                          <m:ctrlPr>
-                            <a:rPr lang="en-US" sz="1800" i="1">
-                              <a:latin typeface="Cambria Math" panose="02040503050406030204" pitchFamily="18" charset="0"/>
-                            </a:rPr>
-                          </m:ctrlPr>
-                        </m:dPr>
-                        <m:e>
-                          <m:r>
-                            <a:rPr lang="en-US" sz="1800" i="1">
-                              <a:latin typeface="Cambria Math" panose="02040503050406030204" pitchFamily="18" charset="0"/>
-                            </a:rPr>
-                            <m:t>𝑃</m:t>
-                          </m:r>
-                        </m:e>
-                      </m:d>
-                      <m:r>
-                        <a:rPr lang="en-US" sz="1800" i="1">
-                          <a:latin typeface="Cambria Math" panose="02040503050406030204" pitchFamily="18" charset="0"/>
-                        </a:rPr>
-                        <m:t>+</m:t>
-                      </m:r>
-                      <m:f>
-                        <m:fPr>
-                          <m:ctrlPr>
-                            <a:rPr lang="en-US" sz="1800" i="1">
-                              <a:latin typeface="Cambria Math" panose="02040503050406030204" pitchFamily="18" charset="0"/>
-                            </a:rPr>
-                          </m:ctrlPr>
-                        </m:fPr>
-                        <m:num>
-                          <m:r>
-                            <a:rPr lang="en-US" sz="1800" i="1">
-                              <a:latin typeface="Cambria Math" panose="02040503050406030204" pitchFamily="18" charset="0"/>
-                            </a:rPr>
-                            <m:t>𝜇</m:t>
-                          </m:r>
-                        </m:num>
-                        <m:den>
-                          <m:r>
-                            <a:rPr lang="en-US" sz="1800" i="1">
-                              <a:latin typeface="Cambria Math" panose="02040503050406030204" pitchFamily="18" charset="0"/>
-                            </a:rPr>
-                            <m:t>𝜌</m:t>
-                          </m:r>
-                        </m:den>
-                      </m:f>
-                      <m:r>
-                        <a:rPr lang="en-US" sz="1800" b="0" i="1" smtClean="0">
-                          <a:latin typeface="Cambria Math" panose="02040503050406030204" pitchFamily="18" charset="0"/>
-                        </a:rPr>
-                        <m:t>𝑔𝑟𝑎𝑑</m:t>
-                      </m:r>
-                      <m:d>
-                        <m:dPr>
-                          <m:ctrlPr>
-                            <a:rPr lang="en-US" sz="1800" i="1">
-                              <a:latin typeface="Cambria Math" panose="02040503050406030204" pitchFamily="18" charset="0"/>
-                            </a:rPr>
-                          </m:ctrlPr>
-                        </m:dPr>
-                        <m:e>
-                          <m:r>
-                            <a:rPr lang="en-US" sz="1800" b="0" i="1" smtClean="0">
-                              <a:latin typeface="Cambria Math" panose="02040503050406030204" pitchFamily="18" charset="0"/>
-                            </a:rPr>
-                            <m:t>𝑑𝑖𝑣</m:t>
-                          </m:r>
-                          <m:d>
-                            <m:dPr>
-                              <m:ctrlPr>
-                                <a:rPr lang="en-US" sz="1800" i="1">
-                                  <a:latin typeface="Cambria Math" panose="02040503050406030204" pitchFamily="18" charset="0"/>
-                                </a:rPr>
-                              </m:ctrlPr>
-                            </m:dPr>
-                            <m:e>
-                              <m:acc>
-                                <m:accPr>
-                                  <m:chr m:val="⃗"/>
-                                  <m:ctrlPr>
-                                    <a:rPr lang="en-US" sz="1800" i="1">
-                                      <a:latin typeface="Cambria Math" panose="02040503050406030204" pitchFamily="18" charset="0"/>
-                                    </a:rPr>
-                                  </m:ctrlPr>
-                                </m:accPr>
-                                <m:e>
-                                  <m:r>
-                                    <a:rPr lang="en-US" sz="1800" i="1">
-                                      <a:latin typeface="Cambria Math" panose="02040503050406030204" pitchFamily="18" charset="0"/>
-                                    </a:rPr>
-                                    <m:t>𝑣</m:t>
-                                  </m:r>
-                                </m:e>
-                              </m:acc>
-                            </m:e>
-                          </m:d>
-                        </m:e>
-                      </m:d>
-                      <m:r>
-                        <a:rPr lang="en-US" sz="1800" i="1">
-                          <a:latin typeface="Cambria Math" panose="02040503050406030204" pitchFamily="18" charset="0"/>
-                        </a:rPr>
-                        <m:t>+</m:t>
-                      </m:r>
-                      <m:acc>
-                        <m:accPr>
-                          <m:chr m:val="⃗"/>
-                          <m:ctrlPr>
-                            <a:rPr lang="en-US" sz="1800" i="1">
-                              <a:latin typeface="Cambria Math" panose="02040503050406030204" pitchFamily="18" charset="0"/>
-                            </a:rPr>
-                          </m:ctrlPr>
-                        </m:accPr>
-                        <m:e>
-                          <m:r>
-                            <a:rPr lang="en-US" sz="1800" i="1">
-                              <a:latin typeface="Cambria Math" panose="02040503050406030204" pitchFamily="18" charset="0"/>
-                            </a:rPr>
-                            <m:t>𝑓</m:t>
-                          </m:r>
-                        </m:e>
-                      </m:acc>
-                    </m:oMath>
-                  </m:oMathPara>
-                </a14:m>
-                <a:endParaRPr lang="en-US" sz="1800" b="1" dirty="0"/>
-              </a:p>
-              <a:p>
-                <a:pPr>
-                  <a:lnSpc>
-                    <a:spcPct val="100000"/>
-                  </a:lnSpc>
-                </a:pPr>
-                <a14:m>
-                  <m:oMath xmlns:m="http://schemas.openxmlformats.org/officeDocument/2006/math">
-                    <m:acc>
-                      <m:accPr>
-                        <m:chr m:val="⃗"/>
-                        <m:ctrlPr>
-                          <a:rPr lang="en-US" sz="1600" i="1">
-                            <a:latin typeface="Cambria Math" panose="02040503050406030204" pitchFamily="18" charset="0"/>
-                          </a:rPr>
-                        </m:ctrlPr>
-                      </m:accPr>
-                      <m:e>
-                        <m:r>
-                          <a:rPr lang="en-US" sz="1600" i="1">
-                            <a:latin typeface="Cambria Math" panose="02040503050406030204" pitchFamily="18" charset="0"/>
-                          </a:rPr>
-                          <m:t>𝑣</m:t>
-                        </m:r>
-                      </m:e>
-                    </m:acc>
-                    <m:r>
-                      <a:rPr lang="en-US" sz="1600" i="1">
-                        <a:latin typeface="Cambria Math" panose="02040503050406030204" pitchFamily="18" charset="0"/>
-                      </a:rPr>
-                      <m:t>∗</m:t>
-                    </m:r>
-                    <m:r>
-                      <a:rPr lang="en-US" sz="1600" i="1">
-                        <a:latin typeface="Cambria Math" panose="02040503050406030204" pitchFamily="18" charset="0"/>
-                      </a:rPr>
-                      <m:t>𝑑𝑖𝑣</m:t>
-                    </m:r>
-                    <m:d>
-                      <m:dPr>
-                        <m:ctrlPr>
-                          <a:rPr lang="en-US" sz="1600" i="1">
-                            <a:latin typeface="Cambria Math" panose="02040503050406030204" pitchFamily="18" charset="0"/>
-                          </a:rPr>
-                        </m:ctrlPr>
-                      </m:dPr>
-                      <m:e>
-                        <m:acc>
-                          <m:accPr>
-                            <m:chr m:val="⃗"/>
-                            <m:ctrlPr>
-                              <a:rPr lang="en-US" sz="1600" i="1">
-                                <a:latin typeface="Cambria Math" panose="02040503050406030204" pitchFamily="18" charset="0"/>
-                              </a:rPr>
-                            </m:ctrlPr>
-                          </m:accPr>
-                          <m:e>
-                            <m:r>
-                              <a:rPr lang="en-US" sz="1600" i="1">
-                                <a:latin typeface="Cambria Math" panose="02040503050406030204" pitchFamily="18" charset="0"/>
-                              </a:rPr>
-                              <m:t>𝑣</m:t>
-                            </m:r>
-                          </m:e>
-                        </m:acc>
-                      </m:e>
-                    </m:d>
-                  </m:oMath>
-                </a14:m>
-                <a:endParaRPr lang="en-US" sz="1800" dirty="0"/>
-              </a:p>
-              <a:p>
-                <a:pPr lvl="1">
-                  <a:lnSpc>
-                    <a:spcPct val="100000"/>
-                  </a:lnSpc>
-                </a:pPr>
-                <a:r>
-                  <a:rPr lang="en-US" sz="1500" dirty="0"/>
-                  <a:t>This term gives the acceleration of the infinitesimal pieces of fluid</a:t>
-                </a:r>
-              </a:p>
-              <a:p>
-                <a:pPr lvl="1">
-                  <a:lnSpc>
-                    <a:spcPct val="100000"/>
-                  </a:lnSpc>
-                </a:pPr>
-                <a:r>
-                  <a:rPr lang="en-US" sz="1500" dirty="0"/>
-                  <a:t>Notably this is not equal to </a:t>
-                </a:r>
-                <a14:m>
-                  <m:oMath xmlns:m="http://schemas.openxmlformats.org/officeDocument/2006/math">
-                    <m:f>
-                      <m:fPr>
-                        <m:ctrlPr>
-                          <a:rPr lang="en-US" sz="1500" i="1" smtClean="0">
-                            <a:latin typeface="Cambria Math" panose="02040503050406030204" pitchFamily="18" charset="0"/>
-                          </a:rPr>
-                        </m:ctrlPr>
-                      </m:fPr>
-                      <m:num>
-                        <m:r>
-                          <a:rPr lang="en-US" sz="1500" i="1" smtClean="0">
-                            <a:latin typeface="Cambria Math" panose="02040503050406030204" pitchFamily="18" charset="0"/>
-                          </a:rPr>
-                          <m:t>𝜕</m:t>
-                        </m:r>
-                        <m:acc>
-                          <m:accPr>
-                            <m:chr m:val="⃗"/>
-                            <m:ctrlPr>
-                              <a:rPr lang="en-US" sz="1500" i="1" smtClean="0">
-                                <a:latin typeface="Cambria Math" panose="02040503050406030204" pitchFamily="18" charset="0"/>
-                              </a:rPr>
-                            </m:ctrlPr>
-                          </m:accPr>
-                          <m:e>
-                            <m:r>
-                              <a:rPr lang="en-US" sz="1500" b="0" i="1" smtClean="0">
-                                <a:latin typeface="Cambria Math" panose="02040503050406030204" pitchFamily="18" charset="0"/>
-                              </a:rPr>
-                              <m:t>𝑣</m:t>
-                            </m:r>
-                          </m:e>
-                        </m:acc>
-                      </m:num>
-                      <m:den>
-                        <m:r>
-                          <a:rPr lang="en-US" sz="1500" i="1" smtClean="0">
-                            <a:latin typeface="Cambria Math" panose="02040503050406030204" pitchFamily="18" charset="0"/>
-                          </a:rPr>
-                          <m:t>𝜕</m:t>
-                        </m:r>
-                        <m:r>
-                          <a:rPr lang="en-US" sz="1500" b="0" i="1" smtClean="0">
-                            <a:latin typeface="Cambria Math" panose="02040503050406030204" pitchFamily="18" charset="0"/>
-                          </a:rPr>
-                          <m:t>𝑡</m:t>
-                        </m:r>
-                      </m:den>
-                    </m:f>
-                  </m:oMath>
-                </a14:m>
-                <a:r>
-                  <a:rPr lang="en-US" sz="1500" dirty="0"/>
-                  <a:t>, which would be the acceleration in a particular spot in the volume</a:t>
-                </a:r>
-              </a:p>
-              <a:p>
-                <a:pPr>
-                  <a:lnSpc>
-                    <a:spcPct val="100000"/>
-                  </a:lnSpc>
-                </a:pPr>
-                <a14:m>
-                  <m:oMath xmlns:m="http://schemas.openxmlformats.org/officeDocument/2006/math">
-                    <m:f>
-                      <m:fPr>
-                        <m:ctrlPr>
-                          <a:rPr lang="en-US" sz="1600" i="1" smtClean="0">
-                            <a:latin typeface="Cambria Math" panose="02040503050406030204" pitchFamily="18" charset="0"/>
-                          </a:rPr>
-                        </m:ctrlPr>
-                      </m:fPr>
-                      <m:num>
-                        <m:r>
-                          <a:rPr lang="en-US" sz="1600" b="0" i="1" smtClean="0">
-                            <a:latin typeface="Cambria Math" panose="02040503050406030204" pitchFamily="18" charset="0"/>
-                          </a:rPr>
-                          <m:t>𝑔𝑟𝑎𝑑</m:t>
-                        </m:r>
-                        <m:r>
-                          <a:rPr lang="en-US" sz="1600" b="0" i="1" smtClean="0">
-                            <a:latin typeface="Cambria Math" panose="02040503050406030204" pitchFamily="18" charset="0"/>
-                          </a:rPr>
-                          <m:t>(</m:t>
-                        </m:r>
-                        <m:r>
-                          <a:rPr lang="en-US" sz="1600" b="0" i="1" smtClean="0">
-                            <a:latin typeface="Cambria Math" panose="02040503050406030204" pitchFamily="18" charset="0"/>
-                          </a:rPr>
-                          <m:t>𝑃</m:t>
-                        </m:r>
-                        <m:r>
-                          <a:rPr lang="en-US" sz="1600" b="0" i="1" smtClean="0">
-                            <a:latin typeface="Cambria Math" panose="02040503050406030204" pitchFamily="18" charset="0"/>
-                          </a:rPr>
-                          <m:t>)</m:t>
-                        </m:r>
-                      </m:num>
-                      <m:den>
-                        <m:r>
-                          <a:rPr lang="en-US" sz="1600" i="1" smtClean="0">
-                            <a:latin typeface="Cambria Math" panose="02040503050406030204" pitchFamily="18" charset="0"/>
-                            <a:ea typeface="Cambria Math" panose="02040503050406030204" pitchFamily="18" charset="0"/>
-                          </a:rPr>
-                          <m:t>𝜌</m:t>
-                        </m:r>
-                      </m:den>
-                    </m:f>
-                  </m:oMath>
-                </a14:m>
-                <a:endParaRPr lang="en-US" sz="1800" dirty="0"/>
-              </a:p>
-              <a:p>
-                <a:pPr lvl="1">
-                  <a:lnSpc>
-                    <a:spcPct val="100000"/>
-                  </a:lnSpc>
-                </a:pPr>
-                <a:r>
-                  <a:rPr lang="en-US" sz="1500" dirty="0"/>
-                  <a:t>This term represents the internal force in the fluid due to pressure</a:t>
-                </a:r>
-              </a:p>
-              <a:p>
-                <a:pPr lvl="1">
-                  <a:lnSpc>
-                    <a:spcPct val="100000"/>
-                  </a:lnSpc>
-                </a:pPr>
-                <a:r>
-                  <a:rPr lang="en-US" sz="1500" dirty="0"/>
-                  <a:t>Remember </a:t>
-                </a:r>
-                <a14:m>
-                  <m:oMath xmlns:m="http://schemas.openxmlformats.org/officeDocument/2006/math">
-                    <m:r>
-                      <a:rPr lang="en-US" sz="1500" b="0" i="1" smtClean="0">
-                        <a:latin typeface="Cambria Math" panose="02040503050406030204" pitchFamily="18" charset="0"/>
-                      </a:rPr>
-                      <m:t>𝑃𝐴</m:t>
-                    </m:r>
-                    <m:r>
-                      <a:rPr lang="en-US" sz="1500" b="0" i="1" smtClean="0">
-                        <a:latin typeface="Cambria Math" panose="02040503050406030204" pitchFamily="18" charset="0"/>
-                      </a:rPr>
-                      <m:t>=</m:t>
-                    </m:r>
-                    <m:r>
-                      <a:rPr lang="en-US" sz="1500" b="0" i="1" smtClean="0">
-                        <a:latin typeface="Cambria Math" panose="02040503050406030204" pitchFamily="18" charset="0"/>
-                      </a:rPr>
-                      <m:t>𝐹</m:t>
-                    </m:r>
-                  </m:oMath>
-                </a14:m>
-                <a:r>
-                  <a:rPr lang="en-US" sz="1500" dirty="0"/>
-                  <a:t>, imagine making </a:t>
-                </a:r>
-                <a14:m>
-                  <m:oMath xmlns:m="http://schemas.openxmlformats.org/officeDocument/2006/math">
-                    <m:r>
-                      <a:rPr lang="en-US" sz="1500" b="0" i="1" smtClean="0">
-                        <a:latin typeface="Cambria Math" panose="02040503050406030204" pitchFamily="18" charset="0"/>
-                      </a:rPr>
-                      <m:t>𝐴</m:t>
-                    </m:r>
-                  </m:oMath>
-                </a14:m>
-                <a:r>
-                  <a:rPr lang="en-US" sz="1500" dirty="0"/>
-                  <a:t> differential</a:t>
-                </a:r>
-              </a:p>
-              <a:p>
-                <a:pPr>
-                  <a:lnSpc>
-                    <a:spcPct val="100000"/>
-                  </a:lnSpc>
-                </a:pPr>
-                <a14:m>
-                  <m:oMath xmlns:m="http://schemas.openxmlformats.org/officeDocument/2006/math">
-                    <m:f>
-                      <m:fPr>
-                        <m:ctrlPr>
-                          <a:rPr lang="en-US" sz="1600" i="1">
-                            <a:solidFill>
-                              <a:prstClr val="black"/>
-                            </a:solidFill>
-                            <a:latin typeface="Cambria Math" panose="02040503050406030204" pitchFamily="18" charset="0"/>
-                          </a:rPr>
-                        </m:ctrlPr>
-                      </m:fPr>
-                      <m:num>
-                        <m:r>
-                          <a:rPr lang="en-US" sz="1600" i="1">
-                            <a:solidFill>
-                              <a:prstClr val="black"/>
-                            </a:solidFill>
-                            <a:latin typeface="Cambria Math" panose="02040503050406030204" pitchFamily="18" charset="0"/>
-                          </a:rPr>
-                          <m:t>𝜇</m:t>
-                        </m:r>
-                      </m:num>
-                      <m:den>
-                        <m:r>
-                          <a:rPr lang="en-US" sz="1600" i="1">
-                            <a:solidFill>
-                              <a:prstClr val="black"/>
-                            </a:solidFill>
-                            <a:latin typeface="Cambria Math" panose="02040503050406030204" pitchFamily="18" charset="0"/>
-                          </a:rPr>
-                          <m:t>𝜌</m:t>
-                        </m:r>
-                      </m:den>
-                    </m:f>
-                    <m:r>
-                      <a:rPr lang="en-US" sz="1600" b="0" i="1" smtClean="0">
-                        <a:solidFill>
-                          <a:prstClr val="black"/>
-                        </a:solidFill>
-                        <a:latin typeface="Cambria Math" panose="02040503050406030204" pitchFamily="18" charset="0"/>
-                      </a:rPr>
-                      <m:t>𝑔𝑟𝑎𝑑</m:t>
-                    </m:r>
-                    <m:d>
-                      <m:dPr>
-                        <m:ctrlPr>
-                          <a:rPr lang="en-US" sz="1600" i="1">
-                            <a:solidFill>
-                              <a:prstClr val="black"/>
-                            </a:solidFill>
-                            <a:latin typeface="Cambria Math" panose="02040503050406030204" pitchFamily="18" charset="0"/>
-                          </a:rPr>
-                        </m:ctrlPr>
-                      </m:dPr>
-                      <m:e>
-                        <m:r>
-                          <a:rPr lang="en-US" sz="1600" b="0" i="1" smtClean="0">
-                            <a:solidFill>
-                              <a:prstClr val="black"/>
-                            </a:solidFill>
-                            <a:latin typeface="Cambria Math" panose="02040503050406030204" pitchFamily="18" charset="0"/>
-                          </a:rPr>
-                          <m:t>𝑑𝑖𝑣</m:t>
-                        </m:r>
-                        <m:d>
-                          <m:dPr>
-                            <m:ctrlPr>
-                              <a:rPr lang="en-US" sz="1600" i="1" smtClean="0">
-                                <a:solidFill>
-                                  <a:prstClr val="black"/>
-                                </a:solidFill>
-                                <a:latin typeface="Cambria Math" panose="02040503050406030204" pitchFamily="18" charset="0"/>
-                              </a:rPr>
-                            </m:ctrlPr>
-                          </m:dPr>
-                          <m:e>
-                            <m:acc>
-                              <m:accPr>
-                                <m:chr m:val="⃗"/>
-                                <m:ctrlPr>
-                                  <a:rPr lang="en-US" sz="1600" i="1">
-                                    <a:solidFill>
-                                      <a:prstClr val="black"/>
-                                    </a:solidFill>
-                                    <a:latin typeface="Cambria Math" panose="02040503050406030204" pitchFamily="18" charset="0"/>
-                                  </a:rPr>
-                                </m:ctrlPr>
-                              </m:accPr>
-                              <m:e>
-                                <m:r>
-                                  <a:rPr lang="en-US" sz="1600" i="1">
-                                    <a:solidFill>
-                                      <a:prstClr val="black"/>
-                                    </a:solidFill>
-                                    <a:latin typeface="Cambria Math" panose="02040503050406030204" pitchFamily="18" charset="0"/>
-                                  </a:rPr>
-                                  <m:t>𝑣</m:t>
-                                </m:r>
-                              </m:e>
-                            </m:acc>
-                          </m:e>
-                        </m:d>
-                      </m:e>
-                    </m:d>
-                  </m:oMath>
-                </a14:m>
-                <a:endParaRPr lang="en-US" sz="1800" dirty="0"/>
-              </a:p>
-              <a:p>
-                <a:pPr lvl="1">
-                  <a:lnSpc>
-                    <a:spcPct val="100000"/>
-                  </a:lnSpc>
-                </a:pPr>
-                <a:r>
-                  <a:rPr lang="en-US" sz="1500" dirty="0"/>
-                  <a:t>This term represents the internal forces in the fluid due to the viscosity, which is like internal friction</a:t>
-                </a:r>
-              </a:p>
-              <a:p>
-                <a:endParaRPr lang="en-US" dirty="0"/>
-              </a:p>
-              <a:p>
-                <a:endParaRPr lang="en-US" sz="1800" dirty="0"/>
-              </a:p>
-            </p:txBody>
-          </p:sp>
-        </mc:Choice>
-        <mc:Fallback>
-          <p:sp>
-            <p:nvSpPr>
-              <p:cNvPr id="3" name="Text Placeholder 2"/>
-              <p:cNvSpPr>
-                <a:spLocks noGrp="1" noRot="1" noChangeAspect="1" noMove="1" noResize="1" noEditPoints="1" noAdjustHandles="1" noChangeArrowheads="1" noChangeShapeType="1" noTextEdit="1"/>
-              </p:cNvSpPr>
-              <p:nvPr>
-                <p:ph type="body" idx="1"/>
-              </p:nvPr>
-            </p:nvSpPr>
-            <p:spPr>
-              <a:blipFill>
-                <a:blip r:embed="rId2"/>
-                <a:stretch>
-                  <a:fillRect l="-286"/>
-                </a:stretch>
-              </a:blipFill>
-            </p:spPr>
-            <p:txBody>
-              <a:bodyPr/>
-              <a:lstStyle/>
-              <a:p>
-                <a:r>
-                  <a:rPr lang="en-US">
-                    <a:noFill/>
-                  </a:rPr>
-                  <a:t> </a:t>
-                </a:r>
-              </a:p>
-            </p:txBody>
-          </p:sp>
-        </mc:Fallback>
-      </mc:AlternateContent>
-    </p:spTree>
-    <p:extLst>
-      <p:ext uri="{BB962C8B-B14F-4D97-AF65-F5344CB8AC3E}">
-        <p14:creationId xmlns:p14="http://schemas.microsoft.com/office/powerpoint/2010/main" val="98647878"/>
-      </p:ext>
-    </p:extLst>
-  </p:cSld>
-  <p:clrMapOvr>
-    <a:masterClrMapping/>
-  </p:clrMapOvr>
-</p:sld>
-</file>
-
-<file path=ppt/slides/slide4.xml><?xml version="1.0" encoding="utf-8"?>
-<p:sld xmlns:a="http://schemas.openxmlformats.org/drawingml/2006/main" xmlns:r="http://schemas.openxmlformats.org/officeDocument/2006/relationships" xmlns:p="http://schemas.openxmlformats.org/presentationml/2006/main">
-  <p:cSld>
-    <p:spTree>
-      <p:nvGrpSpPr>
-        <p:cNvPr id="1" name=""/>
-        <p:cNvGrpSpPr/>
-        <p:nvPr/>
-      </p:nvGrpSpPr>
-      <p:grpSpPr>
-        <a:xfrm>
-          <a:off x="0" y="0"/>
-          <a:ext cx="0" cy="0"/>
-          <a:chOff x="0" y="0"/>
-          <a:chExt cx="0" cy="0"/>
-        </a:xfrm>
-      </p:grpSpPr>
-      <p:sp>
-        <p:nvSpPr>
-          <p:cNvPr id="2" name="Title 1"/>
-          <p:cNvSpPr>
-            <a:spLocks noGrp="1"/>
-          </p:cNvSpPr>
-          <p:nvPr>
-            <p:ph type="title"/>
-          </p:nvPr>
-        </p:nvSpPr>
-        <p:spPr/>
-        <p:txBody>
-          <a:bodyPr>
-            <a:normAutofit fontScale="90000"/>
-          </a:bodyPr>
-          <a:lstStyle/>
-          <a:p>
-            <a:r>
-              <a:rPr lang="en-US" dirty="0"/>
-              <a:t>Explanation</a:t>
-            </a:r>
-          </a:p>
-        </p:txBody>
-      </p:sp>
-      <mc:AlternateContent xmlns:mc="http://schemas.openxmlformats.org/markup-compatibility/2006">
-        <mc:Choice xmlns:a14="http://schemas.microsoft.com/office/drawing/2010/main" Requires="a14">
-          <p:sp>
-            <p:nvSpPr>
-              <p:cNvPr id="3" name="Text Placeholder 2"/>
-              <p:cNvSpPr>
-                <a:spLocks noGrp="1"/>
-              </p:cNvSpPr>
-              <p:nvPr>
-                <p:ph type="body" idx="1"/>
-              </p:nvPr>
-            </p:nvSpPr>
-            <p:spPr/>
-            <p:txBody>
-              <a:bodyPr>
-                <a:normAutofit/>
+                <a:normAutofit fontScale="85000" lnSpcReduction="10000"/>
               </a:bodyPr>
               <a:lstStyle/>
               <a:p>
@@ -7063,6 +8606,17 @@
                 <a:endParaRPr lang="en-US" sz="1800" dirty="0"/>
               </a:p>
               <a:p>
+                <a:pPr lvl="2">
+                  <a:lnSpc>
+                    <a:spcPct val="100000"/>
+                  </a:lnSpc>
+                </a:pPr>
+                <a:r>
+                  <a:rPr lang="en-US" dirty="0"/>
+                  <a:t>Divergence is can be though of like how much the vector field is squishing towards that point</a:t>
+                </a:r>
+              </a:p>
+              <a:p>
                 <a:pPr lvl="1">
                   <a:lnSpc>
                     <a:spcPct val="100000"/>
@@ -7239,9 +8793,22 @@
                     </m:d>
                   </m:oMath>
                 </a14:m>
-                <a:endParaRPr lang="en-US" sz="1800" i="1" dirty="0">
+                <a:endParaRPr lang="en-US" dirty="0">
                   <a:latin typeface="Cambria Math" panose="02040503050406030204" pitchFamily="18" charset="0"/>
                 </a:endParaRPr>
+              </a:p>
+              <a:p>
+                <a:pPr lvl="2">
+                  <a:lnSpc>
+                    <a:spcPct val="100000"/>
+                  </a:lnSpc>
+                </a:pPr>
+                <a:r>
+                  <a:rPr lang="en-US" dirty="0">
+                    <a:latin typeface="Cambria Math" panose="02040503050406030204" pitchFamily="18" charset="0"/>
+                  </a:rPr>
+                  <a:t>Think of the gradient like the simplest vector analog of a classic derivative. It’s the direction the function is increasing </a:t>
+                </a:r>
               </a:p>
               <a:p>
                 <a:pPr lvl="1">
@@ -7627,12 +9194,871 @@
                 <a:endParaRPr lang="en-US" sz="1800" dirty="0"/>
               </a:p>
               <a:p>
+                <a:pPr lvl="2">
+                  <a:lnSpc>
+                    <a:spcPct val="100000"/>
+                  </a:lnSpc>
+                </a:pPr>
+                <a:r>
+                  <a:rPr lang="en-US" dirty="0"/>
+                  <a:t>A vector second derivative. The direction the vector field is squashing towards?</a:t>
+                </a:r>
+              </a:p>
+              <a:p>
                 <a:pPr>
                   <a:lnSpc>
                     <a:spcPct val="100000"/>
                   </a:lnSpc>
                 </a:pPr>
-                <a:endParaRPr lang="en-US" dirty="0"/>
+                <a:r>
+                  <a:rPr lang="en-US" sz="1700" dirty="0"/>
+                  <a:t>Come to our Calculus BC presentation for more fun vector calculus with notation that isn’t nerfed</a:t>
+                </a:r>
+              </a:p>
+            </p:txBody>
+          </p:sp>
+        </mc:Choice>
+        <mc:Fallback>
+          <p:sp>
+            <p:nvSpPr>
+              <p:cNvPr id="3" name="Text Placeholder 2"/>
+              <p:cNvSpPr>
+                <a:spLocks noGrp="1" noRot="1" noChangeAspect="1" noMove="1" noResize="1" noEditPoints="1" noAdjustHandles="1" noChangeArrowheads="1" noChangeShapeType="1" noTextEdit="1"/>
+              </p:cNvSpPr>
+              <p:nvPr>
+                <p:ph type="body" idx="1"/>
+              </p:nvPr>
+            </p:nvSpPr>
+            <p:spPr>
+              <a:xfrm>
+                <a:off x="311700" y="1234074"/>
+                <a:ext cx="8520600" cy="3668125"/>
+              </a:xfrm>
+              <a:blipFill>
+                <a:blip r:embed="rId2"/>
+                <a:stretch>
+                  <a:fillRect/>
+                </a:stretch>
+              </a:blipFill>
+            </p:spPr>
+            <p:txBody>
+              <a:bodyPr/>
+              <a:lstStyle/>
+              <a:p>
+                <a:r>
+                  <a:rPr lang="en-US">
+                    <a:noFill/>
+                  </a:rPr>
+                  <a:t> </a:t>
+                </a:r>
+              </a:p>
+            </p:txBody>
+          </p:sp>
+        </mc:Fallback>
+      </mc:AlternateContent>
+    </p:spTree>
+    <p:extLst>
+      <p:ext uri="{BB962C8B-B14F-4D97-AF65-F5344CB8AC3E}">
+        <p14:creationId xmlns:p14="http://schemas.microsoft.com/office/powerpoint/2010/main" val="4054662917"/>
+      </p:ext>
+    </p:extLst>
+  </p:cSld>
+  <p:clrMapOvr>
+    <a:masterClrMapping/>
+  </p:clrMapOvr>
+</p:sld>
+</file>
+
+<file path=ppt/slides/slide4.xml><?xml version="1.0" encoding="utf-8"?>
+<p:sld xmlns:a="http://schemas.openxmlformats.org/drawingml/2006/main" xmlns:r="http://schemas.openxmlformats.org/officeDocument/2006/relationships" xmlns:p="http://schemas.openxmlformats.org/presentationml/2006/main">
+  <p:cSld>
+    <p:spTree>
+      <p:nvGrpSpPr>
+        <p:cNvPr id="1" name=""/>
+        <p:cNvGrpSpPr/>
+        <p:nvPr/>
+      </p:nvGrpSpPr>
+      <p:grpSpPr>
+        <a:xfrm>
+          <a:off x="0" y="0"/>
+          <a:ext cx="0" cy="0"/>
+          <a:chOff x="0" y="0"/>
+          <a:chExt cx="0" cy="0"/>
+        </a:xfrm>
+      </p:grpSpPr>
+      <p:sp>
+        <p:nvSpPr>
+          <p:cNvPr id="2" name="Title 1"/>
+          <p:cNvSpPr>
+            <a:spLocks noGrp="1"/>
+          </p:cNvSpPr>
+          <p:nvPr>
+            <p:ph type="title"/>
+          </p:nvPr>
+        </p:nvSpPr>
+        <p:spPr/>
+        <p:txBody>
+          <a:bodyPr>
+            <a:normAutofit fontScale="90000"/>
+          </a:bodyPr>
+          <a:lstStyle/>
+          <a:p>
+            <a:r>
+              <a:rPr lang="en-US" dirty="0"/>
+              <a:t>Explanation</a:t>
+            </a:r>
+          </a:p>
+        </p:txBody>
+      </p:sp>
+      <mc:AlternateContent xmlns:mc="http://schemas.openxmlformats.org/markup-compatibility/2006">
+        <mc:Choice xmlns:a14="http://schemas.microsoft.com/office/drawing/2010/main" Requires="a14">
+          <p:sp>
+            <p:nvSpPr>
+              <p:cNvPr id="3" name="Text Placeholder 2"/>
+              <p:cNvSpPr>
+                <a:spLocks noGrp="1"/>
+              </p:cNvSpPr>
+              <p:nvPr>
+                <p:ph type="body" idx="1"/>
+              </p:nvPr>
+            </p:nvSpPr>
+            <p:spPr/>
+            <p:txBody>
+              <a:bodyPr>
+                <a:normAutofit fontScale="85000" lnSpcReduction="10000"/>
+              </a:bodyPr>
+              <a:lstStyle/>
+              <a:p>
+                <a:pPr marL="0" indent="0">
+                  <a:lnSpc>
+                    <a:spcPct val="100000"/>
+                  </a:lnSpc>
+                  <a:buNone/>
+                </a:pPr>
+                <a14:m>
+                  <m:oMathPara xmlns:m="http://schemas.openxmlformats.org/officeDocument/2006/math">
+                    <m:oMathParaPr>
+                      <m:jc m:val="center"/>
+                    </m:oMathParaPr>
+                    <m:oMath xmlns:m="http://schemas.openxmlformats.org/officeDocument/2006/math">
+                      <m:r>
+                        <a:rPr lang="en-US" sz="1800" i="1" smtClean="0">
+                          <a:latin typeface="Cambria Math" panose="02040503050406030204" pitchFamily="18" charset="0"/>
+                          <a:ea typeface="Cambria Math" panose="02040503050406030204" pitchFamily="18" charset="0"/>
+                        </a:rPr>
+                        <m:t>𝜌</m:t>
+                      </m:r>
+                      <m:d>
+                        <m:dPr>
+                          <m:begChr m:val="["/>
+                          <m:endChr m:val="]"/>
+                          <m:ctrlPr>
+                            <a:rPr lang="en-US" sz="1800" i="1" smtClean="0">
+                              <a:latin typeface="Cambria Math" panose="02040503050406030204" pitchFamily="18" charset="0"/>
+                              <a:ea typeface="Cambria Math" panose="02040503050406030204" pitchFamily="18" charset="0"/>
+                            </a:rPr>
+                          </m:ctrlPr>
+                        </m:dPr>
+                        <m:e>
+                          <m:f>
+                            <m:fPr>
+                              <m:ctrlPr>
+                                <a:rPr lang="en-US" sz="1800" i="1">
+                                  <a:latin typeface="Cambria Math" panose="02040503050406030204" pitchFamily="18" charset="0"/>
+                                </a:rPr>
+                              </m:ctrlPr>
+                            </m:fPr>
+                            <m:num>
+                              <m:r>
+                                <a:rPr lang="en-US" sz="1800" i="1">
+                                  <a:latin typeface="Cambria Math" panose="02040503050406030204" pitchFamily="18" charset="0"/>
+                                </a:rPr>
+                                <m:t>𝜕</m:t>
+                              </m:r>
+                              <m:acc>
+                                <m:accPr>
+                                  <m:chr m:val="⃗"/>
+                                  <m:ctrlPr>
+                                    <a:rPr lang="en-US" sz="1800" i="1">
+                                      <a:latin typeface="Cambria Math" panose="02040503050406030204" pitchFamily="18" charset="0"/>
+                                    </a:rPr>
+                                  </m:ctrlPr>
+                                </m:accPr>
+                                <m:e>
+                                  <m:r>
+                                    <a:rPr lang="en-US" sz="1800" i="1">
+                                      <a:latin typeface="Cambria Math" panose="02040503050406030204" pitchFamily="18" charset="0"/>
+                                    </a:rPr>
+                                    <m:t>𝑣</m:t>
+                                  </m:r>
+                                </m:e>
+                              </m:acc>
+                            </m:num>
+                            <m:den>
+                              <m:r>
+                                <a:rPr lang="en-US" sz="1800" i="1">
+                                  <a:latin typeface="Cambria Math" panose="02040503050406030204" pitchFamily="18" charset="0"/>
+                                </a:rPr>
+                                <m:t>𝜕</m:t>
+                              </m:r>
+                              <m:r>
+                                <a:rPr lang="en-US" sz="1800" i="1">
+                                  <a:latin typeface="Cambria Math" panose="02040503050406030204" pitchFamily="18" charset="0"/>
+                                </a:rPr>
+                                <m:t>𝑡</m:t>
+                              </m:r>
+                            </m:den>
+                          </m:f>
+                          <m:r>
+                            <a:rPr lang="en-US" sz="1800" i="1">
+                              <a:latin typeface="Cambria Math" panose="02040503050406030204" pitchFamily="18" charset="0"/>
+                            </a:rPr>
+                            <m:t>+</m:t>
+                          </m:r>
+                          <m:acc>
+                            <m:accPr>
+                              <m:chr m:val="⃗"/>
+                              <m:ctrlPr>
+                                <a:rPr lang="en-US" sz="1800" i="1">
+                                  <a:latin typeface="Cambria Math" panose="02040503050406030204" pitchFamily="18" charset="0"/>
+                                </a:rPr>
+                              </m:ctrlPr>
+                            </m:accPr>
+                            <m:e>
+                              <m:r>
+                                <a:rPr lang="en-US" sz="1800" i="1">
+                                  <a:latin typeface="Cambria Math" panose="02040503050406030204" pitchFamily="18" charset="0"/>
+                                </a:rPr>
+                                <m:t>𝑣</m:t>
+                              </m:r>
+                            </m:e>
+                          </m:acc>
+                          <m:r>
+                            <a:rPr lang="en-US" sz="1800" i="1">
+                              <a:latin typeface="Cambria Math" panose="02040503050406030204" pitchFamily="18" charset="0"/>
+                            </a:rPr>
+                            <m:t>∗</m:t>
+                          </m:r>
+                          <m:r>
+                            <a:rPr lang="en-US" sz="1800" i="1">
+                              <a:latin typeface="Cambria Math" panose="02040503050406030204" pitchFamily="18" charset="0"/>
+                            </a:rPr>
+                            <m:t>𝑑𝑖𝑣</m:t>
+                          </m:r>
+                          <m:d>
+                            <m:dPr>
+                              <m:ctrlPr>
+                                <a:rPr lang="en-US" sz="1800" i="1">
+                                  <a:latin typeface="Cambria Math" panose="02040503050406030204" pitchFamily="18" charset="0"/>
+                                </a:rPr>
+                              </m:ctrlPr>
+                            </m:dPr>
+                            <m:e>
+                              <m:acc>
+                                <m:accPr>
+                                  <m:chr m:val="⃗"/>
+                                  <m:ctrlPr>
+                                    <a:rPr lang="en-US" sz="1800" i="1">
+                                      <a:latin typeface="Cambria Math" panose="02040503050406030204" pitchFamily="18" charset="0"/>
+                                    </a:rPr>
+                                  </m:ctrlPr>
+                                </m:accPr>
+                                <m:e>
+                                  <m:r>
+                                    <a:rPr lang="en-US" sz="1800" i="1">
+                                      <a:latin typeface="Cambria Math" panose="02040503050406030204" pitchFamily="18" charset="0"/>
+                                    </a:rPr>
+                                    <m:t>𝑣</m:t>
+                                  </m:r>
+                                </m:e>
+                              </m:acc>
+                            </m:e>
+                          </m:d>
+                        </m:e>
+                      </m:d>
+                      <m:r>
+                        <a:rPr lang="en-US" sz="1800" i="1">
+                          <a:latin typeface="Cambria Math" panose="02040503050406030204" pitchFamily="18" charset="0"/>
+                        </a:rPr>
+                        <m:t>=−</m:t>
+                      </m:r>
+                      <m:r>
+                        <a:rPr lang="en-US" sz="1800" i="1">
+                          <a:latin typeface="Cambria Math" panose="02040503050406030204" pitchFamily="18" charset="0"/>
+                        </a:rPr>
+                        <m:t>𝑔𝑟𝑎𝑑</m:t>
+                      </m:r>
+                      <m:d>
+                        <m:dPr>
+                          <m:ctrlPr>
+                            <a:rPr lang="en-US" sz="1800" i="1">
+                              <a:latin typeface="Cambria Math" panose="02040503050406030204" pitchFamily="18" charset="0"/>
+                            </a:rPr>
+                          </m:ctrlPr>
+                        </m:dPr>
+                        <m:e>
+                          <m:r>
+                            <a:rPr lang="en-US" sz="1800" i="1">
+                              <a:latin typeface="Cambria Math" panose="02040503050406030204" pitchFamily="18" charset="0"/>
+                            </a:rPr>
+                            <m:t>𝑃</m:t>
+                          </m:r>
+                        </m:e>
+                      </m:d>
+                      <m:r>
+                        <a:rPr lang="en-US" sz="1800" i="1">
+                          <a:latin typeface="Cambria Math" panose="02040503050406030204" pitchFamily="18" charset="0"/>
+                        </a:rPr>
+                        <m:t>+</m:t>
+                      </m:r>
+                      <m:r>
+                        <a:rPr lang="en-US" sz="1800" i="1" smtClean="0">
+                          <a:latin typeface="Cambria Math" panose="02040503050406030204" pitchFamily="18" charset="0"/>
+                          <a:ea typeface="Cambria Math" panose="02040503050406030204" pitchFamily="18" charset="0"/>
+                        </a:rPr>
+                        <m:t>𝜇</m:t>
+                      </m:r>
+                      <m:r>
+                        <a:rPr lang="en-US" sz="1800" b="0" i="1" smtClean="0">
+                          <a:latin typeface="Cambria Math" panose="02040503050406030204" pitchFamily="18" charset="0"/>
+                        </a:rPr>
+                        <m:t>𝑔𝑟𝑎𝑑</m:t>
+                      </m:r>
+                      <m:d>
+                        <m:dPr>
+                          <m:ctrlPr>
+                            <a:rPr lang="en-US" sz="1800" i="1">
+                              <a:latin typeface="Cambria Math" panose="02040503050406030204" pitchFamily="18" charset="0"/>
+                            </a:rPr>
+                          </m:ctrlPr>
+                        </m:dPr>
+                        <m:e>
+                          <m:r>
+                            <a:rPr lang="en-US" sz="1800" b="0" i="1" smtClean="0">
+                              <a:latin typeface="Cambria Math" panose="02040503050406030204" pitchFamily="18" charset="0"/>
+                            </a:rPr>
+                            <m:t>𝑑𝑖𝑣</m:t>
+                          </m:r>
+                          <m:d>
+                            <m:dPr>
+                              <m:ctrlPr>
+                                <a:rPr lang="en-US" sz="1800" i="1">
+                                  <a:latin typeface="Cambria Math" panose="02040503050406030204" pitchFamily="18" charset="0"/>
+                                </a:rPr>
+                              </m:ctrlPr>
+                            </m:dPr>
+                            <m:e>
+                              <m:acc>
+                                <m:accPr>
+                                  <m:chr m:val="⃗"/>
+                                  <m:ctrlPr>
+                                    <a:rPr lang="en-US" sz="1800" i="1">
+                                      <a:latin typeface="Cambria Math" panose="02040503050406030204" pitchFamily="18" charset="0"/>
+                                    </a:rPr>
+                                  </m:ctrlPr>
+                                </m:accPr>
+                                <m:e>
+                                  <m:r>
+                                    <a:rPr lang="en-US" sz="1800" i="1">
+                                      <a:latin typeface="Cambria Math" panose="02040503050406030204" pitchFamily="18" charset="0"/>
+                                    </a:rPr>
+                                    <m:t>𝑣</m:t>
+                                  </m:r>
+                                </m:e>
+                              </m:acc>
+                            </m:e>
+                          </m:d>
+                        </m:e>
+                      </m:d>
+                      <m:r>
+                        <a:rPr lang="en-US" sz="1800" i="1">
+                          <a:latin typeface="Cambria Math" panose="02040503050406030204" pitchFamily="18" charset="0"/>
+                        </a:rPr>
+                        <m:t>+</m:t>
+                      </m:r>
+                      <m:acc>
+                        <m:accPr>
+                          <m:chr m:val="⃗"/>
+                          <m:ctrlPr>
+                            <a:rPr lang="en-US" sz="1800" i="1">
+                              <a:latin typeface="Cambria Math" panose="02040503050406030204" pitchFamily="18" charset="0"/>
+                            </a:rPr>
+                          </m:ctrlPr>
+                        </m:accPr>
+                        <m:e>
+                          <m:r>
+                            <a:rPr lang="en-US" sz="1800" i="1">
+                              <a:latin typeface="Cambria Math" panose="02040503050406030204" pitchFamily="18" charset="0"/>
+                            </a:rPr>
+                            <m:t>𝑓</m:t>
+                          </m:r>
+                        </m:e>
+                      </m:acc>
+                    </m:oMath>
+                  </m:oMathPara>
+                </a14:m>
+                <a:endParaRPr lang="en-US" sz="1800" b="1" dirty="0"/>
+              </a:p>
+              <a:p>
+                <a:pPr>
+                  <a:lnSpc>
+                    <a:spcPct val="100000"/>
+                  </a:lnSpc>
+                </a:pPr>
+                <a14:m>
+                  <m:oMath xmlns:m="http://schemas.openxmlformats.org/officeDocument/2006/math">
+                    <m:f>
+                      <m:fPr>
+                        <m:ctrlPr>
+                          <a:rPr lang="en-US" sz="1600" i="1">
+                            <a:latin typeface="Cambria Math" panose="02040503050406030204" pitchFamily="18" charset="0"/>
+                          </a:rPr>
+                        </m:ctrlPr>
+                      </m:fPr>
+                      <m:num>
+                        <m:r>
+                          <a:rPr lang="en-US" sz="1600" i="1">
+                            <a:latin typeface="Cambria Math" panose="02040503050406030204" pitchFamily="18" charset="0"/>
+                          </a:rPr>
+                          <m:t>𝜕</m:t>
+                        </m:r>
+                        <m:acc>
+                          <m:accPr>
+                            <m:chr m:val="⃗"/>
+                            <m:ctrlPr>
+                              <a:rPr lang="en-US" sz="1600" i="1">
+                                <a:latin typeface="Cambria Math" panose="02040503050406030204" pitchFamily="18" charset="0"/>
+                              </a:rPr>
+                            </m:ctrlPr>
+                          </m:accPr>
+                          <m:e>
+                            <m:r>
+                              <a:rPr lang="en-US" sz="1600" i="1">
+                                <a:latin typeface="Cambria Math" panose="02040503050406030204" pitchFamily="18" charset="0"/>
+                              </a:rPr>
+                              <m:t>𝑣</m:t>
+                            </m:r>
+                          </m:e>
+                        </m:acc>
+                      </m:num>
+                      <m:den>
+                        <m:r>
+                          <a:rPr lang="en-US" sz="1600" i="1">
+                            <a:latin typeface="Cambria Math" panose="02040503050406030204" pitchFamily="18" charset="0"/>
+                          </a:rPr>
+                          <m:t>𝜕</m:t>
+                        </m:r>
+                        <m:r>
+                          <a:rPr lang="en-US" sz="1600" i="1">
+                            <a:latin typeface="Cambria Math" panose="02040503050406030204" pitchFamily="18" charset="0"/>
+                          </a:rPr>
+                          <m:t>𝑡</m:t>
+                        </m:r>
+                      </m:den>
+                    </m:f>
+                    <m:r>
+                      <a:rPr lang="en-US" sz="1600" i="1">
+                        <a:latin typeface="Cambria Math" panose="02040503050406030204" pitchFamily="18" charset="0"/>
+                      </a:rPr>
+                      <m:t>+</m:t>
+                    </m:r>
+                    <m:acc>
+                      <m:accPr>
+                        <m:chr m:val="⃗"/>
+                        <m:ctrlPr>
+                          <a:rPr lang="en-US" sz="1600" i="1">
+                            <a:latin typeface="Cambria Math" panose="02040503050406030204" pitchFamily="18" charset="0"/>
+                          </a:rPr>
+                        </m:ctrlPr>
+                      </m:accPr>
+                      <m:e>
+                        <m:r>
+                          <a:rPr lang="en-US" sz="1600" i="1">
+                            <a:latin typeface="Cambria Math" panose="02040503050406030204" pitchFamily="18" charset="0"/>
+                          </a:rPr>
+                          <m:t>𝑣</m:t>
+                        </m:r>
+                      </m:e>
+                    </m:acc>
+                    <m:r>
+                      <a:rPr lang="en-US" sz="1600" i="1">
+                        <a:latin typeface="Cambria Math" panose="02040503050406030204" pitchFamily="18" charset="0"/>
+                      </a:rPr>
+                      <m:t>∗</m:t>
+                    </m:r>
+                    <m:r>
+                      <a:rPr lang="en-US" sz="1600" i="1">
+                        <a:latin typeface="Cambria Math" panose="02040503050406030204" pitchFamily="18" charset="0"/>
+                      </a:rPr>
+                      <m:t>𝑑𝑖𝑣</m:t>
+                    </m:r>
+                    <m:d>
+                      <m:dPr>
+                        <m:ctrlPr>
+                          <a:rPr lang="en-US" sz="1600" i="1">
+                            <a:latin typeface="Cambria Math" panose="02040503050406030204" pitchFamily="18" charset="0"/>
+                          </a:rPr>
+                        </m:ctrlPr>
+                      </m:dPr>
+                      <m:e>
+                        <m:acc>
+                          <m:accPr>
+                            <m:chr m:val="⃗"/>
+                            <m:ctrlPr>
+                              <a:rPr lang="en-US" sz="1600" i="1">
+                                <a:latin typeface="Cambria Math" panose="02040503050406030204" pitchFamily="18" charset="0"/>
+                              </a:rPr>
+                            </m:ctrlPr>
+                          </m:accPr>
+                          <m:e>
+                            <m:r>
+                              <a:rPr lang="en-US" sz="1600" i="1">
+                                <a:latin typeface="Cambria Math" panose="02040503050406030204" pitchFamily="18" charset="0"/>
+                              </a:rPr>
+                              <m:t>𝑣</m:t>
+                            </m:r>
+                          </m:e>
+                        </m:acc>
+                      </m:e>
+                    </m:d>
+                  </m:oMath>
+                </a14:m>
+                <a:endParaRPr lang="en-US" sz="1800" dirty="0"/>
+              </a:p>
+              <a:p>
+                <a:pPr lvl="1">
+                  <a:lnSpc>
+                    <a:spcPct val="100000"/>
+                  </a:lnSpc>
+                </a:pPr>
+                <a:r>
+                  <a:rPr lang="en-US" sz="1500" dirty="0"/>
+                  <a:t>This term gives the acceleration of the infinitesimal pieces of fluid</a:t>
+                </a:r>
+              </a:p>
+              <a:p>
+                <a:pPr lvl="1">
+                  <a:lnSpc>
+                    <a:spcPct val="100000"/>
+                  </a:lnSpc>
+                </a:pPr>
+                <a:r>
+                  <a:rPr lang="en-US" sz="1500" dirty="0"/>
+                  <a:t>Notably this is not </a:t>
+                </a:r>
+                <a14:m>
+                  <m:oMath xmlns:m="http://schemas.openxmlformats.org/officeDocument/2006/math">
+                    <m:f>
+                      <m:fPr>
+                        <m:ctrlPr>
+                          <a:rPr lang="en-US" sz="1500" i="1" smtClean="0">
+                            <a:latin typeface="Cambria Math" panose="02040503050406030204" pitchFamily="18" charset="0"/>
+                          </a:rPr>
+                        </m:ctrlPr>
+                      </m:fPr>
+                      <m:num>
+                        <m:r>
+                          <a:rPr lang="en-US" sz="1500" i="1" smtClean="0">
+                            <a:latin typeface="Cambria Math" panose="02040503050406030204" pitchFamily="18" charset="0"/>
+                          </a:rPr>
+                          <m:t>𝜕</m:t>
+                        </m:r>
+                        <m:acc>
+                          <m:accPr>
+                            <m:chr m:val="⃗"/>
+                            <m:ctrlPr>
+                              <a:rPr lang="en-US" sz="1500" i="1" smtClean="0">
+                                <a:latin typeface="Cambria Math" panose="02040503050406030204" pitchFamily="18" charset="0"/>
+                              </a:rPr>
+                            </m:ctrlPr>
+                          </m:accPr>
+                          <m:e>
+                            <m:r>
+                              <a:rPr lang="en-US" sz="1500" b="0" i="1" smtClean="0">
+                                <a:latin typeface="Cambria Math" panose="02040503050406030204" pitchFamily="18" charset="0"/>
+                              </a:rPr>
+                              <m:t>𝑣</m:t>
+                            </m:r>
+                          </m:e>
+                        </m:acc>
+                      </m:num>
+                      <m:den>
+                        <m:r>
+                          <a:rPr lang="en-US" sz="1500" i="1" smtClean="0">
+                            <a:latin typeface="Cambria Math" panose="02040503050406030204" pitchFamily="18" charset="0"/>
+                          </a:rPr>
+                          <m:t>𝜕</m:t>
+                        </m:r>
+                        <m:r>
+                          <a:rPr lang="en-US" sz="1500" b="0" i="1" smtClean="0">
+                            <a:latin typeface="Cambria Math" panose="02040503050406030204" pitchFamily="18" charset="0"/>
+                          </a:rPr>
+                          <m:t>𝑡</m:t>
+                        </m:r>
+                      </m:den>
+                    </m:f>
+                  </m:oMath>
+                </a14:m>
+                <a:r>
+                  <a:rPr lang="en-US" sz="1500" dirty="0"/>
+                  <a:t>, which would be the acceleration in a particular spot in the volume</a:t>
+                </a:r>
+              </a:p>
+              <a:p>
+                <a:pPr>
+                  <a:lnSpc>
+                    <a:spcPct val="100000"/>
+                  </a:lnSpc>
+                </a:pPr>
+                <a14:m>
+                  <m:oMath xmlns:m="http://schemas.openxmlformats.org/officeDocument/2006/math">
+                    <m:r>
+                      <a:rPr lang="en-US" sz="1600" b="0" i="1" smtClean="0">
+                        <a:latin typeface="Cambria Math" panose="02040503050406030204" pitchFamily="18" charset="0"/>
+                      </a:rPr>
+                      <m:t>−</m:t>
+                    </m:r>
+                    <m:r>
+                      <a:rPr lang="en-US" sz="1600" b="0" i="1" smtClean="0">
+                        <a:latin typeface="Cambria Math" panose="02040503050406030204" pitchFamily="18" charset="0"/>
+                      </a:rPr>
+                      <m:t>𝑔𝑟𝑎𝑑</m:t>
+                    </m:r>
+                    <m:r>
+                      <a:rPr lang="en-US" sz="1600" b="0" i="1" smtClean="0">
+                        <a:latin typeface="Cambria Math" panose="02040503050406030204" pitchFamily="18" charset="0"/>
+                      </a:rPr>
+                      <m:t>(</m:t>
+                    </m:r>
+                    <m:r>
+                      <a:rPr lang="en-US" sz="1600" b="0" i="1" smtClean="0">
+                        <a:latin typeface="Cambria Math" panose="02040503050406030204" pitchFamily="18" charset="0"/>
+                      </a:rPr>
+                      <m:t>𝑃</m:t>
+                    </m:r>
+                    <m:r>
+                      <a:rPr lang="en-US" sz="1600" b="0" i="1" smtClean="0">
+                        <a:latin typeface="Cambria Math" panose="02040503050406030204" pitchFamily="18" charset="0"/>
+                      </a:rPr>
+                      <m:t>)</m:t>
+                    </m:r>
+                  </m:oMath>
+                </a14:m>
+                <a:endParaRPr lang="en-US" sz="1600" dirty="0"/>
+              </a:p>
+              <a:p>
+                <a:pPr lvl="1">
+                  <a:lnSpc>
+                    <a:spcPct val="100000"/>
+                  </a:lnSpc>
+                </a:pPr>
+                <a:r>
+                  <a:rPr lang="en-US" sz="1500" dirty="0"/>
+                  <a:t>This term represents the internal force in the fluid due to pressure</a:t>
+                </a:r>
+              </a:p>
+              <a:p>
+                <a:pPr lvl="1">
+                  <a:lnSpc>
+                    <a:spcPct val="100000"/>
+                  </a:lnSpc>
+                </a:pPr>
+                <a:r>
+                  <a:rPr lang="en-US" sz="1500" dirty="0"/>
+                  <a:t>Remember </a:t>
+                </a:r>
+                <a14:m>
+                  <m:oMath xmlns:m="http://schemas.openxmlformats.org/officeDocument/2006/math">
+                    <m:r>
+                      <a:rPr lang="en-US" sz="1500" b="0" i="1" smtClean="0">
+                        <a:latin typeface="Cambria Math" panose="02040503050406030204" pitchFamily="18" charset="0"/>
+                      </a:rPr>
+                      <m:t>𝑃𝐴</m:t>
+                    </m:r>
+                    <m:r>
+                      <a:rPr lang="en-US" sz="1500" b="0" i="1" smtClean="0">
+                        <a:latin typeface="Cambria Math" panose="02040503050406030204" pitchFamily="18" charset="0"/>
+                      </a:rPr>
+                      <m:t>=</m:t>
+                    </m:r>
+                    <m:r>
+                      <a:rPr lang="en-US" sz="1500" b="0" i="1" smtClean="0">
+                        <a:latin typeface="Cambria Math" panose="02040503050406030204" pitchFamily="18" charset="0"/>
+                      </a:rPr>
+                      <m:t>𝐹</m:t>
+                    </m:r>
+                  </m:oMath>
+                </a14:m>
+                <a:r>
+                  <a:rPr lang="en-US" sz="1500" dirty="0"/>
+                  <a:t>, imagine making </a:t>
+                </a:r>
+                <a14:m>
+                  <m:oMath xmlns:m="http://schemas.openxmlformats.org/officeDocument/2006/math">
+                    <m:r>
+                      <a:rPr lang="en-US" sz="1500" b="0" i="1" smtClean="0">
+                        <a:latin typeface="Cambria Math" panose="02040503050406030204" pitchFamily="18" charset="0"/>
+                      </a:rPr>
+                      <m:t>𝐴</m:t>
+                    </m:r>
+                  </m:oMath>
+                </a14:m>
+                <a:r>
+                  <a:rPr lang="en-US" sz="1500" dirty="0"/>
+                  <a:t> </a:t>
+                </a:r>
+                <a:r>
+                  <a:rPr lang="en-US" sz="1500" dirty="0"/>
+                  <a:t>infinitesimal </a:t>
+                </a:r>
+                <a:r>
+                  <a:rPr lang="en-US" sz="1300" dirty="0"/>
+                  <a:t> </a:t>
+                </a:r>
+              </a:p>
+              <a:p>
+                <a:pPr>
+                  <a:lnSpc>
+                    <a:spcPct val="100000"/>
+                  </a:lnSpc>
+                </a:pPr>
+                <a14:m>
+                  <m:oMath xmlns:m="http://schemas.openxmlformats.org/officeDocument/2006/math">
+                    <m:r>
+                      <a:rPr lang="en-US" sz="1600" b="0" i="1" smtClean="0">
+                        <a:solidFill>
+                          <a:schemeClr val="tx1"/>
+                        </a:solidFill>
+                        <a:latin typeface="Cambria Math" panose="02040503050406030204" pitchFamily="18" charset="0"/>
+                        <a:ea typeface="Cambria Math" panose="02040503050406030204" pitchFamily="18" charset="0"/>
+                      </a:rPr>
+                      <m:t>𝜇</m:t>
+                    </m:r>
+                    <m:r>
+                      <a:rPr lang="en-US" sz="1600" b="0" i="1" smtClean="0">
+                        <a:solidFill>
+                          <a:schemeClr val="tx1"/>
+                        </a:solidFill>
+                        <a:latin typeface="Cambria Math" panose="02040503050406030204" pitchFamily="18" charset="0"/>
+                      </a:rPr>
+                      <m:t>𝑔𝑟𝑎𝑑</m:t>
+                    </m:r>
+                    <m:d>
+                      <m:dPr>
+                        <m:ctrlPr>
+                          <a:rPr lang="en-US" sz="1600" i="1">
+                            <a:solidFill>
+                              <a:schemeClr val="tx1"/>
+                            </a:solidFill>
+                            <a:latin typeface="Cambria Math" panose="02040503050406030204" pitchFamily="18" charset="0"/>
+                          </a:rPr>
+                        </m:ctrlPr>
+                      </m:dPr>
+                      <m:e>
+                        <m:r>
+                          <a:rPr lang="en-US" sz="1600" b="0" i="1" smtClean="0">
+                            <a:solidFill>
+                              <a:schemeClr val="tx1"/>
+                            </a:solidFill>
+                            <a:latin typeface="Cambria Math" panose="02040503050406030204" pitchFamily="18" charset="0"/>
+                          </a:rPr>
+                          <m:t>𝑑𝑖𝑣</m:t>
+                        </m:r>
+                        <m:d>
+                          <m:dPr>
+                            <m:ctrlPr>
+                              <a:rPr lang="en-US" sz="1600" i="1" smtClean="0">
+                                <a:solidFill>
+                                  <a:schemeClr val="tx1"/>
+                                </a:solidFill>
+                                <a:latin typeface="Cambria Math" panose="02040503050406030204" pitchFamily="18" charset="0"/>
+                              </a:rPr>
+                            </m:ctrlPr>
+                          </m:dPr>
+                          <m:e>
+                            <m:acc>
+                              <m:accPr>
+                                <m:chr m:val="⃗"/>
+                                <m:ctrlPr>
+                                  <a:rPr lang="en-US" sz="1600" i="1">
+                                    <a:solidFill>
+                                      <a:schemeClr val="tx1"/>
+                                    </a:solidFill>
+                                    <a:latin typeface="Cambria Math" panose="02040503050406030204" pitchFamily="18" charset="0"/>
+                                  </a:rPr>
+                                </m:ctrlPr>
+                              </m:accPr>
+                              <m:e>
+                                <m:r>
+                                  <a:rPr lang="en-US" sz="1600" i="1">
+                                    <a:solidFill>
+                                      <a:schemeClr val="tx1"/>
+                                    </a:solidFill>
+                                    <a:latin typeface="Cambria Math" panose="02040503050406030204" pitchFamily="18" charset="0"/>
+                                  </a:rPr>
+                                  <m:t>𝑣</m:t>
+                                </m:r>
+                              </m:e>
+                            </m:acc>
+                          </m:e>
+                        </m:d>
+                      </m:e>
+                    </m:d>
+                  </m:oMath>
+                </a14:m>
+                <a:endParaRPr lang="en-US" sz="1800" dirty="0">
+                  <a:solidFill>
+                    <a:schemeClr val="tx1"/>
+                  </a:solidFill>
+                </a:endParaRPr>
+              </a:p>
+              <a:p>
+                <a:pPr lvl="1">
+                  <a:lnSpc>
+                    <a:spcPct val="100000"/>
+                  </a:lnSpc>
+                </a:pPr>
+                <a:r>
+                  <a:rPr lang="en-US" sz="1500" dirty="0"/>
+                  <a:t>This term represents the internal forces in the fluid due to the viscosity, which is like internal friction</a:t>
+                </a:r>
+              </a:p>
+              <a:p>
+                <a:pPr>
+                  <a:lnSpc>
+                    <a:spcPct val="100000"/>
+                  </a:lnSpc>
+                </a:pPr>
+                <a:r>
+                  <a:rPr lang="en-US" sz="1800" dirty="0"/>
+                  <a:t>Look it’s a funky version of </a:t>
+                </a:r>
+                <a14:m>
+                  <m:oMath xmlns:m="http://schemas.openxmlformats.org/officeDocument/2006/math">
+                    <m:r>
+                      <a:rPr lang="en-US" sz="1800" b="0" i="1" smtClean="0">
+                        <a:latin typeface="Cambria Math" panose="02040503050406030204" pitchFamily="18" charset="0"/>
+                      </a:rPr>
+                      <m:t>𝑚𝑎</m:t>
+                    </m:r>
+                    <m:r>
+                      <a:rPr lang="en-US" sz="1800" b="0" i="1" smtClean="0">
+                        <a:latin typeface="Cambria Math" panose="02040503050406030204" pitchFamily="18" charset="0"/>
+                      </a:rPr>
+                      <m:t>=</m:t>
+                    </m:r>
+                    <m:r>
+                      <a:rPr lang="en-US" sz="1800" b="0" i="1" smtClean="0">
+                        <a:latin typeface="Cambria Math" panose="02040503050406030204" pitchFamily="18" charset="0"/>
+                      </a:rPr>
+                      <m:t>𝐹</m:t>
+                    </m:r>
+                  </m:oMath>
+                </a14:m>
+                <a:r>
+                  <a:rPr lang="en-US" sz="1800" dirty="0"/>
+                  <a:t>!</a:t>
+                </a:r>
               </a:p>
               <a:p>
                 <a:endParaRPr lang="en-US" sz="1800" dirty="0"/>
@@ -7655,7 +10081,7 @@
               <a:blipFill>
                 <a:blip r:embed="rId2"/>
                 <a:stretch>
-                  <a:fillRect l="-429"/>
+                  <a:fillRect/>
                 </a:stretch>
               </a:blipFill>
             </p:spPr>
@@ -7677,7 +10103,7 @@
     </p:spTree>
     <p:extLst>
       <p:ext uri="{BB962C8B-B14F-4D97-AF65-F5344CB8AC3E}">
-        <p14:creationId xmlns:p14="http://schemas.microsoft.com/office/powerpoint/2010/main" val="4054662917"/>
+        <p14:creationId xmlns:p14="http://schemas.microsoft.com/office/powerpoint/2010/main" val="98647878"/>
       </p:ext>
     </p:extLst>
   </p:cSld>
@@ -7743,7 +10169,7 @@
             <p:spPr/>
             <p:txBody>
               <a:bodyPr>
-                <a:normAutofit fontScale="92500" lnSpcReduction="20000"/>
+                <a:normAutofit/>
               </a:bodyPr>
               <a:lstStyle/>
               <a:p>
@@ -7967,7 +10393,7 @@
               <a:blipFill>
                 <a:blip r:embed="rId2"/>
                 <a:stretch>
-                  <a:fillRect l="-501" t="-366" r="-358"/>
+                  <a:fillRect/>
                 </a:stretch>
               </a:blipFill>
             </p:spPr>
@@ -8441,6 +10867,175 @@
   <p:cSld>
     <p:spTree>
       <p:nvGrpSpPr>
+        <p:cNvPr id="1" name="Shape 87"/>
+        <p:cNvGrpSpPr/>
+        <p:nvPr/>
+      </p:nvGrpSpPr>
+      <p:grpSpPr>
+        <a:xfrm>
+          <a:off x="0" y="0"/>
+          <a:ext cx="0" cy="0"/>
+          <a:chOff x="0" y="0"/>
+          <a:chExt cx="0" cy="0"/>
+        </a:xfrm>
+      </p:grpSpPr>
+      <p:sp>
+        <p:nvSpPr>
+          <p:cNvPr id="88" name="Shape 88"/>
+          <p:cNvSpPr txBox="1">
+            <a:spLocks noGrp="1"/>
+          </p:cNvSpPr>
+          <p:nvPr>
+            <p:ph type="title"/>
+          </p:nvPr>
+        </p:nvSpPr>
+        <p:spPr>
+          <a:prstGeom prst="rect">
+            <a:avLst/>
+          </a:prstGeom>
+        </p:spPr>
+        <p:txBody>
+          <a:bodyPr lIns="91425" tIns="91425" rIns="91425" bIns="91425" anchor="t" anchorCtr="0">
+            <a:noAutofit/>
+          </a:bodyPr>
+          <a:lstStyle/>
+          <a:p>
+            <a:pPr lvl="0">
+              <a:spcBef>
+                <a:spcPts val="0"/>
+              </a:spcBef>
+              <a:buNone/>
+            </a:pPr>
+            <a:r>
+              <a:rPr lang="en" dirty="0"/>
+              <a:t>Actual Water</a:t>
+            </a:r>
+          </a:p>
+        </p:txBody>
+      </p:sp>
+      <p:sp>
+        <p:nvSpPr>
+          <p:cNvPr id="89" name="Shape 89"/>
+          <p:cNvSpPr txBox="1">
+            <a:spLocks noGrp="1"/>
+          </p:cNvSpPr>
+          <p:nvPr>
+            <p:ph type="body" idx="1"/>
+          </p:nvPr>
+        </p:nvSpPr>
+        <p:spPr>
+          <a:prstGeom prst="rect">
+            <a:avLst/>
+          </a:prstGeom>
+        </p:spPr>
+        <p:txBody>
+          <a:bodyPr lIns="91425" tIns="91425" rIns="91425" bIns="91425" anchor="t" anchorCtr="0">
+            <a:noAutofit/>
+          </a:bodyPr>
+          <a:lstStyle/>
+          <a:p>
+            <a:pPr>
+              <a:lnSpc>
+                <a:spcPct val="100000"/>
+              </a:lnSpc>
+            </a:pPr>
+            <a:r>
+              <a:rPr lang="en" dirty="0"/>
+              <a:t>“I’m researching if water can spontaneously blow up” - Terence Tao</a:t>
+            </a:r>
+          </a:p>
+          <a:p>
+            <a:pPr>
+              <a:lnSpc>
+                <a:spcPct val="100000"/>
+              </a:lnSpc>
+            </a:pPr>
+            <a:r>
+              <a:rPr lang="en" dirty="0"/>
+              <a:t>While we simulate fluid flow, we assume that fluid is a continuous density field</a:t>
+            </a:r>
+          </a:p>
+          <a:p>
+            <a:pPr>
+              <a:lnSpc>
+                <a:spcPct val="100000"/>
+              </a:lnSpc>
+            </a:pPr>
+            <a:r>
+              <a:rPr lang="en" dirty="0"/>
+              <a:t>Water is actually made of molecules, so this assumption is not actually true</a:t>
+            </a:r>
+          </a:p>
+          <a:p>
+            <a:pPr>
+              <a:lnSpc>
+                <a:spcPct val="100000"/>
+              </a:lnSpc>
+            </a:pPr>
+            <a:r>
+              <a:rPr lang="en" dirty="0"/>
+              <a:t>This just makes approximations to how fluid might act because simulating molecular and atomic dynamics with quantum effects is nearly computationaly impossible.</a:t>
+            </a:r>
+          </a:p>
+          <a:p>
+            <a:endParaRPr lang="en" dirty="0"/>
+          </a:p>
+        </p:txBody>
+      </p:sp>
+      <p:pic>
+        <p:nvPicPr>
+          <p:cNvPr id="2050" name="Picture 2" descr="Image result for computational fluid dynamics"/>
+          <p:cNvPicPr>
+            <a:picLocks noChangeAspect="1" noChangeArrowheads="1"/>
+          </p:cNvPicPr>
+          <p:nvPr/>
+        </p:nvPicPr>
+        <p:blipFill>
+          <a:blip r:embed="rId3">
+            <a:extLst>
+              <a:ext uri="{28A0092B-C50C-407E-A947-70E740481C1C}">
+                <a14:useLocalDpi xmlns:a14="http://schemas.microsoft.com/office/drawing/2010/main" val="0"/>
+              </a:ext>
+            </a:extLst>
+          </a:blip>
+          <a:srcRect/>
+          <a:stretch>
+            <a:fillRect/>
+          </a:stretch>
+        </p:blipFill>
+        <p:spPr bwMode="auto">
+          <a:xfrm>
+            <a:off x="6117671" y="2597075"/>
+            <a:ext cx="2131582" cy="2066569"/>
+          </a:xfrm>
+          <a:prstGeom prst="rect">
+            <a:avLst/>
+          </a:prstGeom>
+          <a:noFill/>
+          <a:extLst>
+            <a:ext uri="{909E8E84-426E-40DD-AFC4-6F175D3DCCD1}">
+              <a14:hiddenFill xmlns:a14="http://schemas.microsoft.com/office/drawing/2010/main">
+                <a:solidFill>
+                  <a:srgbClr val="FFFFFF"/>
+                </a:solidFill>
+              </a14:hiddenFill>
+            </a:ext>
+          </a:extLst>
+        </p:spPr>
+      </p:pic>
+    </p:spTree>
+  </p:cSld>
+  <p:clrMapOvr>
+    <a:masterClrMapping/>
+  </p:clrMapOvr>
+</p:sld>
+</file>
+
+<file path=ppt/slides/slide8.xml><?xml version="1.0" encoding="utf-8"?>
+<p:sld xmlns:a="http://schemas.openxmlformats.org/drawingml/2006/main" xmlns:r="http://schemas.openxmlformats.org/officeDocument/2006/relationships" xmlns:p="http://schemas.openxmlformats.org/presentationml/2006/main">
+  <p:cSld>
+    <p:spTree>
+      <p:nvGrpSpPr>
         <p:cNvPr id="1" name=""/>
         <p:cNvGrpSpPr/>
         <p:nvPr/>
@@ -8491,7 +11086,9 @@
             </p:nvSpPr>
             <p:spPr/>
             <p:txBody>
-              <a:bodyPr/>
+              <a:bodyPr>
+                <a:normAutofit fontScale="92500" lnSpcReduction="10000"/>
+              </a:bodyPr>
               <a:lstStyle/>
               <a:p>
                 <a:pPr>
@@ -9104,7 +11701,7 @@
                 </a:pPr>
                 <a:r>
                   <a:rPr lang="en-US" dirty="0"/>
-                  <a:t>assume that the fluid flow is steady-state: </a:t>
+                  <a:t>Assume that the fluid flow is steady-state: </a:t>
                 </a:r>
                 <a14:m>
                   <m:oMath xmlns:m="http://schemas.openxmlformats.org/officeDocument/2006/math">
@@ -10001,7 +12598,7 @@
               <a:blipFill>
                 <a:blip r:embed="rId2"/>
                 <a:stretch>
-                  <a:fillRect l="-715"/>
+                  <a:fillRect/>
                 </a:stretch>
               </a:blipFill>
             </p:spPr>
@@ -10033,7 +12630,7 @@
 </p:sld>
 </file>
 
-<file path=ppt/slides/slide8.xml><?xml version="1.0" encoding="utf-8"?>
+<file path=ppt/slides/slide9.xml><?xml version="1.0" encoding="utf-8"?>
 <p:sld xmlns:a="http://schemas.openxmlformats.org/drawingml/2006/main" xmlns:r="http://schemas.openxmlformats.org/officeDocument/2006/relationships" xmlns:p="http://schemas.openxmlformats.org/presentationml/2006/main">
   <p:cSld>
     <p:spTree>
@@ -10088,15 +12685,27 @@
             </p:nvSpPr>
             <p:spPr/>
             <p:txBody>
-              <a:bodyPr/>
+              <a:bodyPr>
+                <a:normAutofit/>
+              </a:bodyPr>
               <a:lstStyle/>
               <a:p>
+                <a:pPr>
+                  <a:lnSpc>
+                    <a:spcPct val="110000"/>
+                  </a:lnSpc>
+                </a:pPr>
                 <a:r>
                   <a:rPr lang="en-US" dirty="0"/>
                   <a:t>The only really reasonable way to solve these equations is using computers and numerical methods</a:t>
                 </a:r>
               </a:p>
               <a:p>
+                <a:pPr>
+                  <a:lnSpc>
+                    <a:spcPct val="110000"/>
+                  </a:lnSpc>
+                </a:pPr>
                 <a:r>
                   <a:rPr lang="en-US" dirty="0"/>
                   <a:t>Equations must be </a:t>
@@ -10108,7 +12717,11 @@
                 <a:endParaRPr lang="en-US" dirty="0"/>
               </a:p>
               <a:p>
-                <a:pPr lvl="1"/>
+                <a:pPr lvl="1">
+                  <a:lnSpc>
+                    <a:spcPct val="110000"/>
+                  </a:lnSpc>
+                </a:pPr>
                 <a:r>
                   <a:rPr lang="en-US" dirty="0"/>
                   <a:t>This is easy for equations in time like </a:t>
@@ -10172,7 +12785,11 @@
                 </a:r>
               </a:p>
               <a:p>
-                <a:pPr lvl="1"/>
+                <a:pPr lvl="1">
+                  <a:lnSpc>
+                    <a:spcPct val="110000"/>
+                  </a:lnSpc>
+                </a:pPr>
                 <a:r>
                   <a:rPr lang="en-US" dirty="0"/>
                   <a:t>The spatial derivatives, like </a:t>
@@ -10236,7 +12853,11 @@
                 </a:r>
               </a:p>
               <a:p>
-                <a:pPr lvl="2"/>
+                <a:pPr lvl="2">
+                  <a:lnSpc>
+                    <a:spcPct val="110000"/>
+                  </a:lnSpc>
+                </a:pPr>
                 <a:r>
                   <a:rPr lang="en-US" dirty="0"/>
                   <a:t>One method is to store a value for variables like </a:t>
@@ -10269,15 +12890,26 @@
                 </a:r>
               </a:p>
               <a:p>
-                <a:pPr lvl="2"/>
+                <a:pPr lvl="2">
+                  <a:lnSpc>
+                    <a:spcPct val="110000"/>
+                  </a:lnSpc>
+                </a:pPr>
                 <a:r>
                   <a:rPr lang="en-US" dirty="0"/>
                   <a:t>The derivative is then easily evaluated as a difference between neighboring cells in a certain direction</a:t>
                 </a:r>
               </a:p>
               <a:p>
-                <a:pPr lvl="1"/>
-                <a:endParaRPr lang="en-US" dirty="0"/>
+                <a:pPr>
+                  <a:lnSpc>
+                    <a:spcPct val="110000"/>
+                  </a:lnSpc>
+                </a:pPr>
+                <a:r>
+                  <a:rPr lang="en-US" dirty="0"/>
+                  <a:t>Accuracy becomes important as well as ensuring that the simulation does not become filled with ‘garbage’ numbers</a:t>
+                </a:r>
               </a:p>
               <a:p>
                 <a:endParaRPr lang="en-US" dirty="0"/>
@@ -10300,7 +12932,7 @@
               <a:blipFill>
                 <a:blip r:embed="rId2"/>
                 <a:stretch>
-                  <a:fillRect l="-715" t="-548" r="-858"/>
+                  <a:fillRect/>
                 </a:stretch>
               </a:blipFill>
             </p:spPr>
@@ -10332,108 +12964,10 @@
 </p:sld>
 </file>
 
-<file path=ppt/slides/slide9.xml><?xml version="1.0" encoding="utf-8"?>
-<p:sld xmlns:a="http://schemas.openxmlformats.org/drawingml/2006/main" xmlns:r="http://schemas.openxmlformats.org/officeDocument/2006/relationships" xmlns:p="http://schemas.openxmlformats.org/presentationml/2006/main">
-  <p:cSld>
-    <p:spTree>
-      <p:nvGrpSpPr>
-        <p:cNvPr id="1" name="Shape 81"/>
-        <p:cNvGrpSpPr/>
-        <p:nvPr/>
-      </p:nvGrpSpPr>
-      <p:grpSpPr>
-        <a:xfrm>
-          <a:off x="0" y="0"/>
-          <a:ext cx="0" cy="0"/>
-          <a:chOff x="0" y="0"/>
-          <a:chExt cx="0" cy="0"/>
-        </a:xfrm>
-      </p:grpSpPr>
-      <p:sp>
-        <p:nvSpPr>
-          <p:cNvPr id="82" name="Shape 82"/>
-          <p:cNvSpPr txBox="1">
-            <a:spLocks noGrp="1"/>
-          </p:cNvSpPr>
-          <p:nvPr>
-            <p:ph type="title"/>
-          </p:nvPr>
-        </p:nvSpPr>
-        <p:spPr>
-          <a:prstGeom prst="rect">
-            <a:avLst/>
-          </a:prstGeom>
-        </p:spPr>
-        <p:txBody>
-          <a:bodyPr lIns="91425" tIns="91425" rIns="91425" bIns="91425" anchor="t" anchorCtr="0">
-            <a:noAutofit/>
-          </a:bodyPr>
-          <a:lstStyle/>
-          <a:p>
-            <a:pPr lvl="0">
-              <a:spcBef>
-                <a:spcPts val="0"/>
-              </a:spcBef>
-              <a:buNone/>
-            </a:pPr>
-            <a:r>
-              <a:rPr lang="en" dirty="0"/>
-              <a:t>Code Walkthrough</a:t>
-            </a:r>
-          </a:p>
-        </p:txBody>
-      </p:sp>
-      <p:sp>
-        <p:nvSpPr>
-          <p:cNvPr id="83" name="Shape 83"/>
-          <p:cNvSpPr txBox="1">
-            <a:spLocks noGrp="1"/>
-          </p:cNvSpPr>
-          <p:nvPr>
-            <p:ph type="body" idx="1"/>
-          </p:nvPr>
-        </p:nvSpPr>
-        <p:spPr>
-          <a:prstGeom prst="rect">
-            <a:avLst/>
-          </a:prstGeom>
-        </p:spPr>
-        <p:txBody>
-          <a:bodyPr lIns="91425" tIns="91425" rIns="91425" bIns="91425" anchor="t" anchorCtr="0">
-            <a:noAutofit/>
-          </a:bodyPr>
-          <a:lstStyle/>
-          <a:p>
-            <a:r>
-              <a:rPr lang="en-US" dirty="0">
-                <a:hlinkClick r:id="rId3"/>
-              </a:rPr>
-              <a:t>https://github.com/andrew-pa/fluidynm</a:t>
-            </a:r>
-            <a:endParaRPr lang="en-US" dirty="0"/>
-          </a:p>
-          <a:p>
-            <a:endParaRPr lang="en" dirty="0"/>
-          </a:p>
-        </p:txBody>
-      </p:sp>
-    </p:spTree>
-    <p:extLst>
-      <p:ext uri="{BB962C8B-B14F-4D97-AF65-F5344CB8AC3E}">
-        <p14:creationId xmlns:p14="http://schemas.microsoft.com/office/powerpoint/2010/main" val="1105458295"/>
-      </p:ext>
-    </p:extLst>
-  </p:cSld>
-  <p:clrMapOvr>
-    <a:masterClrMapping/>
-  </p:clrMapOvr>
-</p:sld>
-</file>
-
 <file path=ppt/theme/theme1.xml><?xml version="1.0" encoding="utf-8"?>
-<a:theme xmlns:a="http://schemas.openxmlformats.org/drawingml/2006/main" name="Office Theme">
+<a:theme xmlns:a="http://schemas.openxmlformats.org/drawingml/2006/main" name="Quotable">
   <a:themeElements>
-    <a:clrScheme name="Office">
+    <a:clrScheme name="Quotable">
       <a:dk1>
         <a:sysClr val="windowText" lastClr="000000"/>
       </a:dk1>
@@ -10441,100 +12975,48 @@
         <a:sysClr val="window" lastClr="FFFFFF"/>
       </a:lt1>
       <a:dk2>
-        <a:srgbClr val="44546A"/>
+        <a:srgbClr val="212121"/>
       </a:dk2>
       <a:lt2>
-        <a:srgbClr val="E7E6E6"/>
+        <a:srgbClr val="636363"/>
       </a:lt2>
       <a:accent1>
-        <a:srgbClr val="5B9BD5"/>
+        <a:srgbClr val="F03B5E"/>
       </a:accent1>
       <a:accent2>
-        <a:srgbClr val="ED7D31"/>
+        <a:srgbClr val="DC6FEC"/>
       </a:accent2>
       <a:accent3>
-        <a:srgbClr val="A5A5A5"/>
+        <a:srgbClr val="60B1F2"/>
       </a:accent3>
       <a:accent4>
-        <a:srgbClr val="FFC000"/>
+        <a:srgbClr val="6AD5BB"/>
       </a:accent4>
       <a:accent5>
-        <a:srgbClr val="4472C4"/>
+        <a:srgbClr val="E8AB4E"/>
       </a:accent5>
       <a:accent6>
-        <a:srgbClr val="70AD47"/>
+        <a:srgbClr val="F56447"/>
       </a:accent6>
       <a:hlink>
-        <a:srgbClr val="0563C1"/>
+        <a:srgbClr val="8F8F8F"/>
       </a:hlink>
       <a:folHlink>
-        <a:srgbClr val="954F72"/>
+        <a:srgbClr val="A5A5A5"/>
       </a:folHlink>
     </a:clrScheme>
-    <a:fontScheme name="Office">
+    <a:fontScheme name="Quotable">
       <a:majorFont>
-        <a:latin typeface="Calibri Light" panose="020F0302020204030204"/>
+        <a:latin typeface="Century Gothic" panose="020B0502020202020204"/>
         <a:ea typeface=""/>
         <a:cs typeface=""/>
-        <a:font script="Jpan" typeface="游ゴシック Light"/>
+        <a:font script="Jpan" typeface="ＭＳ ゴシック"/>
         <a:font script="Hang" typeface="맑은 고딕"/>
-        <a:font script="Hans" typeface="等线 Light"/>
+        <a:font script="Hans" typeface="宋体"/>
         <a:font script="Hant" typeface="新細明體"/>
-        <a:font script="Arab" typeface="Times New Roman"/>
-        <a:font script="Hebr" typeface="Times New Roman"/>
-        <a:font script="Thai" typeface="Angsana New"/>
-        <a:font script="Ethi" typeface="Nyala"/>
-        <a:font script="Beng" typeface="Vrinda"/>
-        <a:font script="Gujr" typeface="Shruti"/>
-        <a:font script="Khmr" typeface="MoolBoran"/>
-        <a:font script="Knda" typeface="Tunga"/>
-        <a:font script="Guru" typeface="Raavi"/>
-        <a:font script="Cans" typeface="Euphemia"/>
-        <a:font script="Cher" typeface="Plantagenet Cherokee"/>
-        <a:font script="Yiii" typeface="Microsoft Yi Baiti"/>
-        <a:font script="Tibt" typeface="Microsoft Himalaya"/>
-        <a:font script="Thaa" typeface="MV Boli"/>
-        <a:font script="Deva" typeface="Mangal"/>
-        <a:font script="Telu" typeface="Gautami"/>
-        <a:font script="Taml" typeface="Latha"/>
-        <a:font script="Syrc" typeface="Estrangelo Edessa"/>
-        <a:font script="Orya" typeface="Kalinga"/>
-        <a:font script="Mlym" typeface="Kartika"/>
-        <a:font script="Laoo" typeface="DokChampa"/>
-        <a:font script="Sinh" typeface="Iskoola Pota"/>
-        <a:font script="Mong" typeface="Mongolian Baiti"/>
-        <a:font script="Viet" typeface="Times New Roman"/>
-        <a:font script="Uigh" typeface="Microsoft Uighur"/>
-        <a:font script="Geor" typeface="Sylfaen"/>
-        <a:font script="Armn" typeface="Arial"/>
-        <a:font script="Bugi" typeface="Leelawadee UI"/>
-        <a:font script="Bopo" typeface="Microsoft JhengHei"/>
-        <a:font script="Java" typeface="Javanese Text"/>
-        <a:font script="Lisu" typeface="Segoe UI"/>
-        <a:font script="Mymr" typeface="Myanmar Text"/>
-        <a:font script="Nkoo" typeface="Ebrima"/>
-        <a:font script="Olck" typeface="Nirmala UI"/>
-        <a:font script="Osma" typeface="Ebrima"/>
-        <a:font script="Phag" typeface="Phagspa"/>
-        <a:font script="Syrn" typeface="Estrangelo Edessa"/>
-        <a:font script="Syrj" typeface="Estrangelo Edessa"/>
-        <a:font script="Syre" typeface="Estrangelo Edessa"/>
-        <a:font script="Sora" typeface="Nirmala UI"/>
-        <a:font script="Tale" typeface="Microsoft Tai Le"/>
-        <a:font script="Talu" typeface="Microsoft New Tai Lue"/>
-        <a:font script="Tfng" typeface="Ebrima"/>
-      </a:majorFont>
-      <a:minorFont>
-        <a:latin typeface="Calibri" panose="020F0502020204030204"/>
-        <a:ea typeface=""/>
-        <a:cs typeface=""/>
-        <a:font script="Jpan" typeface="游ゴシック"/>
-        <a:font script="Hang" typeface="맑은 고딕"/>
-        <a:font script="Hans" typeface="等线"/>
-        <a:font script="Hant" typeface="新細明體"/>
-        <a:font script="Arab" typeface="Arial"/>
-        <a:font script="Hebr" typeface="Arial"/>
-        <a:font script="Thai" typeface="Cordia New"/>
+        <a:font script="Arab" typeface="Tahoma"/>
+        <a:font script="Hebr" typeface="Gisha"/>
+        <a:font script="Thai" typeface="DilleniaUPC"/>
         <a:font script="Ethi" typeface="Nyala"/>
         <a:font script="Beng" typeface="Vrinda"/>
         <a:font script="Gujr" typeface="Shruti"/>
@@ -10555,29 +13037,47 @@
         <a:font script="Laoo" typeface="DokChampa"/>
         <a:font script="Sinh" typeface="Iskoola Pota"/>
         <a:font script="Mong" typeface="Mongolian Baiti"/>
-        <a:font script="Viet" typeface="Arial"/>
+        <a:font script="Viet" typeface="Tahoma"/>
         <a:font script="Uigh" typeface="Microsoft Uighur"/>
         <a:font script="Geor" typeface="Sylfaen"/>
-        <a:font script="Armn" typeface="Arial"/>
-        <a:font script="Bugi" typeface="Leelawadee UI"/>
-        <a:font script="Bopo" typeface="Microsoft JhengHei"/>
-        <a:font script="Java" typeface="Javanese Text"/>
-        <a:font script="Lisu" typeface="Segoe UI"/>
-        <a:font script="Mymr" typeface="Myanmar Text"/>
-        <a:font script="Nkoo" typeface="Ebrima"/>
-        <a:font script="Olck" typeface="Nirmala UI"/>
-        <a:font script="Osma" typeface="Ebrima"/>
-        <a:font script="Phag" typeface="Phagspa"/>
-        <a:font script="Syrn" typeface="Estrangelo Edessa"/>
-        <a:font script="Syrj" typeface="Estrangelo Edessa"/>
-        <a:font script="Syre" typeface="Estrangelo Edessa"/>
-        <a:font script="Sora" typeface="Nirmala UI"/>
-        <a:font script="Tale" typeface="Microsoft Tai Le"/>
-        <a:font script="Talu" typeface="Microsoft New Tai Lue"/>
-        <a:font script="Tfng" typeface="Ebrima"/>
+      </a:majorFont>
+      <a:minorFont>
+        <a:latin typeface="Century Gothic" panose="020B0502020202020204"/>
+        <a:ea typeface=""/>
+        <a:cs typeface=""/>
+        <a:font script="Jpan" typeface="ＭＳ ゴシック"/>
+        <a:font script="Hang" typeface="맑은 고딕"/>
+        <a:font script="Hans" typeface="宋体"/>
+        <a:font script="Hant" typeface="新細明體"/>
+        <a:font script="Arab" typeface="Tahoma"/>
+        <a:font script="Hebr" typeface="Gisha"/>
+        <a:font script="Thai" typeface="DilleniaUPC"/>
+        <a:font script="Ethi" typeface="Nyala"/>
+        <a:font script="Beng" typeface="Vrinda"/>
+        <a:font script="Gujr" typeface="Shruti"/>
+        <a:font script="Khmr" typeface="DaunPenh"/>
+        <a:font script="Knda" typeface="Tunga"/>
+        <a:font script="Guru" typeface="Raavi"/>
+        <a:font script="Cans" typeface="Euphemia"/>
+        <a:font script="Cher" typeface="Plantagenet Cherokee"/>
+        <a:font script="Yiii" typeface="Microsoft Yi Baiti"/>
+        <a:font script="Tibt" typeface="Microsoft Himalaya"/>
+        <a:font script="Thaa" typeface="MV Boli"/>
+        <a:font script="Deva" typeface="Mangal"/>
+        <a:font script="Telu" typeface="Gautami"/>
+        <a:font script="Taml" typeface="Latha"/>
+        <a:font script="Syrc" typeface="Estrangelo Edessa"/>
+        <a:font script="Orya" typeface="Kalinga"/>
+        <a:font script="Mlym" typeface="Kartika"/>
+        <a:font script="Laoo" typeface="DokChampa"/>
+        <a:font script="Sinh" typeface="Iskoola Pota"/>
+        <a:font script="Mong" typeface="Mongolian Baiti"/>
+        <a:font script="Viet" typeface="Verdana"/>
+        <a:font script="Uigh" typeface="Microsoft Uighur"/>
+        <a:font script="Geor" typeface="Sylfaen"/>
       </a:minorFont>
     </a:fontScheme>
-    <a:fmtScheme name="Office">
+    <a:fmtScheme name="Quotable">
       <a:fillStyleLst>
         <a:solidFill>
           <a:schemeClr val="phClr"/>
@@ -10586,76 +13086,52 @@
           <a:gsLst>
             <a:gs pos="0">
               <a:schemeClr val="phClr">
-                <a:lumMod val="110000"/>
-                <a:satMod val="105000"/>
-                <a:tint val="67000"/>
-              </a:schemeClr>
-            </a:gs>
-            <a:gs pos="50000">
-              <a:schemeClr val="phClr">
+                <a:tint val="80000"/>
                 <a:lumMod val="105000"/>
-                <a:satMod val="103000"/>
-                <a:tint val="73000"/>
               </a:schemeClr>
             </a:gs>
             <a:gs pos="100000">
               <a:schemeClr val="phClr">
-                <a:lumMod val="105000"/>
-                <a:satMod val="109000"/>
-                <a:tint val="81000"/>
+                <a:tint val="90000"/>
               </a:schemeClr>
             </a:gs>
           </a:gsLst>
           <a:lin ang="5400000" scaled="0"/>
         </a:gradFill>
-        <a:gradFill rotWithShape="1">
-          <a:gsLst>
-            <a:gs pos="0">
+        <a:blipFill rotWithShape="1">
+          <a:blip xmlns:r="http://schemas.openxmlformats.org/officeDocument/2006/relationships" r:embed="rId1">
+            <a:duotone>
               <a:schemeClr val="phClr">
-                <a:satMod val="103000"/>
+                <a:tint val="98000"/>
                 <a:lumMod val="102000"/>
-                <a:tint val="94000"/>
               </a:schemeClr>
-            </a:gs>
-            <a:gs pos="50000">
               <a:schemeClr val="phClr">
-                <a:satMod val="110000"/>
-                <a:lumMod val="100000"/>
-                <a:shade val="100000"/>
+                <a:shade val="98000"/>
+                <a:lumMod val="98000"/>
               </a:schemeClr>
-            </a:gs>
-            <a:gs pos="100000">
-              <a:schemeClr val="phClr">
-                <a:lumMod val="99000"/>
-                <a:satMod val="120000"/>
-                <a:shade val="78000"/>
-              </a:schemeClr>
-            </a:gs>
-          </a:gsLst>
-          <a:lin ang="5400000" scaled="0"/>
-        </a:gradFill>
+            </a:duotone>
+          </a:blip>
+          <a:tile tx="0" ty="0" sx="100000" sy="100000" flip="none" algn="tl"/>
+        </a:blipFill>
       </a:fillStyleLst>
       <a:lnStyleLst>
-        <a:ln w="6350" cap="flat" cmpd="sng" algn="ctr">
+        <a:ln w="9525" cap="rnd" cmpd="sng" algn="ctr">
           <a:solidFill>
             <a:schemeClr val="phClr"/>
           </a:solidFill>
           <a:prstDash val="solid"/>
-          <a:miter lim="800000"/>
         </a:ln>
-        <a:ln w="12700" cap="flat" cmpd="sng" algn="ctr">
+        <a:ln w="15875" cap="rnd" cmpd="sng" algn="ctr">
           <a:solidFill>
             <a:schemeClr val="phClr"/>
           </a:solidFill>
           <a:prstDash val="solid"/>
-          <a:miter lim="800000"/>
         </a:ln>
-        <a:ln w="19050" cap="flat" cmpd="sng" algn="ctr">
+        <a:ln w="25400" cap="rnd" cmpd="sng" algn="ctr">
           <a:solidFill>
             <a:schemeClr val="phClr"/>
           </a:solidFill>
           <a:prstDash val="solid"/>
-          <a:miter lim="800000"/>
         </a:ln>
       </a:lnStyleLst>
       <a:effectStyleLst>
@@ -10667,11 +13143,11 @@
         </a:effectStyle>
         <a:effectStyle>
           <a:effectLst>
-            <a:outerShdw blurRad="57150" dist="19050" dir="5400000" algn="ctr" rotWithShape="0">
+            <a:innerShdw blurRad="63500" dist="25400" dir="13500000">
               <a:srgbClr val="000000">
-                <a:alpha val="63000"/>
+                <a:alpha val="75000"/>
               </a:srgbClr>
-            </a:outerShdw>
+            </a:innerShdw>
           </a:effectLst>
         </a:effectStyle>
       </a:effectStyleLst>
@@ -10679,35 +13155,35 @@
         <a:solidFill>
           <a:schemeClr val="phClr"/>
         </a:solidFill>
-        <a:solidFill>
-          <a:schemeClr val="phClr">
-            <a:tint val="95000"/>
-            <a:satMod val="170000"/>
-          </a:schemeClr>
-        </a:solidFill>
         <a:gradFill rotWithShape="1">
           <a:gsLst>
             <a:gs pos="0">
               <a:schemeClr val="phClr">
-                <a:tint val="93000"/>
-                <a:satMod val="150000"/>
-                <a:shade val="98000"/>
-                <a:lumMod val="102000"/>
-              </a:schemeClr>
-            </a:gs>
-            <a:gs pos="50000">
-              <a:schemeClr val="phClr">
-                <a:tint val="98000"/>
-                <a:satMod val="130000"/>
-                <a:shade val="90000"/>
-                <a:lumMod val="103000"/>
+                <a:tint val="100000"/>
               </a:schemeClr>
             </a:gs>
             <a:gs pos="100000">
               <a:schemeClr val="phClr">
-                <a:shade val="63000"/>
+                <a:tint val="84000"/>
+                <a:shade val="84000"/>
+                <a:lumMod val="90000"/>
+              </a:schemeClr>
+            </a:gs>
+          </a:gsLst>
+          <a:lin ang="5400000" scaled="0"/>
+        </a:gradFill>
+        <a:gradFill rotWithShape="1">
+          <a:gsLst>
+            <a:gs pos="0">
+              <a:schemeClr val="phClr">
+                <a:tint val="84000"/>
+                <a:shade val="90000"/>
                 <a:satMod val="120000"/>
+                <a:lumMod val="90000"/>
               </a:schemeClr>
+            </a:gs>
+            <a:gs pos="100000">
+              <a:schemeClr val="phClr"/>
             </a:gs>
           </a:gsLst>
           <a:lin ang="5400000" scaled="0"/>
@@ -10719,7 +13195,7 @@
   <a:extraClrSchemeLst/>
   <a:extLst>
     <a:ext uri="{05A4C25C-085E-4340-85A3-A5531E510DB2}">
-      <thm15:themeFamily xmlns:thm15="http://schemas.microsoft.com/office/thememl/2012/main" name="Office Theme" id="{62F939B6-93AF-4DB8-9C6B-D6C7DFDC589F}" vid="{4A3C46E8-61CC-4603-A589-7422A47A8E4A}"/>
+      <thm15:themeFamily xmlns:thm15="http://schemas.microsoft.com/office/thememl/2012/main" name="Quotable" id="{39EC5628-30ED-4578-ACD8-9820EDB8E15A}" vid="{ACECE1E4-636E-48DB-87ED-4A76DC93378F}"/>
     </a:ext>
   </a:extLst>
 </a:theme>

--- a/Navier Stokes Presentation.pptx
+++ b/Navier Stokes Presentation.pptx
@@ -24,23 +24,23 @@
   <p:notesSz cx="6858000" cy="9144000"/>
   <p:embeddedFontLst>
     <p:embeddedFont>
-      <p:font typeface="Calibri" panose="020F0502020204030204" pitchFamily="34" charset="0"/>
+      <p:font typeface="Cambria Math" panose="02040503050406030204" pitchFamily="18" charset="0"/>
       <p:regular r:id="rId14"/>
-      <p:bold r:id="rId15"/>
-      <p:italic r:id="rId16"/>
-      <p:boldItalic r:id="rId17"/>
-    </p:embeddedFont>
-    <p:embeddedFont>
-      <p:font typeface="Cambria Math" panose="02040503050406030204" pitchFamily="18" charset="0"/>
-      <p:regular r:id="rId18"/>
     </p:embeddedFont>
     <p:embeddedFont>
       <p:font typeface="Calibri Light" panose="020F0302020204030204" pitchFamily="34" charset="0"/>
-      <p:regular r:id="rId19"/>
-      <p:italic r:id="rId20"/>
+      <p:regular r:id="rId15"/>
+      <p:italic r:id="rId16"/>
     </p:embeddedFont>
     <p:embeddedFont>
       <p:font typeface="Playfair Display"/>
+      <p:regular r:id="rId17"/>
+      <p:bold r:id="rId18"/>
+      <p:italic r:id="rId19"/>
+      <p:boldItalic r:id="rId20"/>
+    </p:embeddedFont>
+    <p:embeddedFont>
+      <p:font typeface="Calibri" panose="020F0502020204030204" pitchFamily="34" charset="0"/>
       <p:regular r:id="rId21"/>
       <p:bold r:id="rId22"/>
       <p:italic r:id="rId23"/>
@@ -5411,8 +5411,8 @@
           </a:p>
         </p:txBody>
       </p:sp>
-      <mc:AlternateContent xmlns:mc="http://schemas.openxmlformats.org/markup-compatibility/2006">
-        <mc:Choice xmlns:a14="http://schemas.microsoft.com/office/drawing/2010/main" Requires="a14">
+      <mc:AlternateContent xmlns:mc="http://schemas.openxmlformats.org/markup-compatibility/2006" xmlns:a14="http://schemas.microsoft.com/office/drawing/2010/main">
+        <mc:Choice Requires="a14">
           <p:sp>
             <p:nvSpPr>
               <p:cNvPr id="65" name="Shape 65"/>
@@ -5953,7 +5953,7 @@
             </p:txBody>
           </p:sp>
         </mc:Choice>
-        <mc:Fallback>
+        <mc:Fallback xmlns="">
           <p:sp>
             <p:nvSpPr>
               <p:cNvPr id="65" name="Shape 65"/>
@@ -7105,8 +7105,8 @@
           </a:p>
         </p:txBody>
       </p:sp>
-      <mc:AlternateContent xmlns:mc="http://schemas.openxmlformats.org/markup-compatibility/2006">
-        <mc:Choice xmlns:a14="http://schemas.microsoft.com/office/drawing/2010/main" Requires="a14">
+      <mc:AlternateContent xmlns:mc="http://schemas.openxmlformats.org/markup-compatibility/2006" xmlns:a14="http://schemas.microsoft.com/office/drawing/2010/main">
+        <mc:Choice Requires="a14">
           <p:sp>
             <p:nvSpPr>
               <p:cNvPr id="3" name="Text Placeholder 2"/>
@@ -8559,7 +8559,7 @@
             </p:txBody>
           </p:sp>
         </mc:Choice>
-        <mc:Fallback>
+        <mc:Fallback xmlns="">
           <p:sp>
             <p:nvSpPr>
               <p:cNvPr id="3" name="Text Placeholder 2"/>
@@ -9760,7 +9760,7 @@
                           <m:begChr m:val="["/>
                           <m:endChr m:val="]"/>
                           <m:ctrlPr>
-                            <a:rPr lang="en-US" sz="1800" i="1" smtClean="0">
+                            <a:rPr lang="en-US" sz="1800" i="1">
                               <a:latin typeface="Cambria Math" panose="02040503050406030204" pitchFamily="18" charset="0"/>
                               <a:ea typeface="Cambria Math" panose="02040503050406030204" pitchFamily="18" charset="0"/>
                             </a:rPr>
@@ -9919,14 +9919,21 @@
                         <m:t>+</m:t>
                       </m:r>
                       <m:r>
-                        <a:rPr lang="en-US" sz="1800" i="1" smtClean="0">
+                        <a:rPr lang="en-US" sz="1800" i="1">
                           <a:latin typeface="Cambria Math" panose="02040503050406030204" pitchFamily="18" charset="0"/>
                           <a:ea typeface="Cambria Math" panose="02040503050406030204" pitchFamily="18" charset="0"/>
                         </a:rPr>
                         <m:t>𝜇</m:t>
                       </m:r>
                       <m:r>
-                        <a:rPr lang="en-US" sz="1800" b="0" i="1" smtClean="0">
+                        <a:rPr lang="en-US" sz="1800" i="1">
+                          <a:latin typeface="Cambria Math" panose="02040503050406030204" pitchFamily="18" charset="0"/>
+                          <a:ea typeface="Cambria Math" panose="02040503050406030204" pitchFamily="18" charset="0"/>
+                        </a:rPr>
+                        <m:t>∗</m:t>
+                      </m:r>
+                      <m:r>
+                        <a:rPr lang="en-US" sz="1800" i="1">
                           <a:latin typeface="Cambria Math" panose="02040503050406030204" pitchFamily="18" charset="0"/>
                         </a:rPr>
                         <m:t>𝑔𝑟𝑎𝑑</m:t>
@@ -9941,7 +9948,7 @@
                         </m:dPr>
                         <m:e>
                           <m:r>
-                            <a:rPr lang="en-US" sz="1800" b="0" i="1" smtClean="0">
+                            <a:rPr lang="en-US" sz="1800" i="1">
                               <a:latin typeface="Cambria Math" panose="02040503050406030204" pitchFamily="18" charset="0"/>
                             </a:rPr>
                             <m:t>𝑑𝑖𝑣</m:t>
@@ -9982,6 +9989,18 @@
                           <a:latin typeface="Cambria Math" panose="02040503050406030204" pitchFamily="18" charset="0"/>
                         </a:rPr>
                         <m:t>+</m:t>
+                      </m:r>
+                      <m:r>
+                        <a:rPr lang="en-US" sz="1800" i="1">
+                          <a:latin typeface="Cambria Math" panose="02040503050406030204" pitchFamily="18" charset="0"/>
+                        </a:rPr>
+                        <m:t>𝜌</m:t>
+                      </m:r>
+                      <m:r>
+                        <a:rPr lang="en-US" sz="1800" i="1">
+                          <a:latin typeface="Cambria Math" panose="02040503050406030204" pitchFamily="18" charset="0"/>
+                        </a:rPr>
+                        <m:t>∗</m:t>
                       </m:r>
                       <m:acc>
                         <m:accPr>
@@ -10312,11 +10331,7 @@
                 </a14:m>
                 <a:r>
                   <a:rPr lang="en-US" sz="1500" dirty="0"/>
-                  <a:t> </a:t>
-                </a:r>
-                <a:r>
-                  <a:rPr lang="en-US" sz="1500" dirty="0"/>
-                  <a:t>infinitesimal </a:t>
+                  <a:t> infinitesimal </a:t>
                 </a:r>
                 <a:r>
                   <a:rPr lang="en-US" sz="1300" dirty="0"/>
@@ -10340,6 +10355,16 @@
                         <a:ea typeface="Cambria Math" panose="02040503050406030204" pitchFamily="18" charset="0"/>
                       </a:rPr>
                       <m:t>𝜇</m:t>
+                    </m:r>
+                    <m:r>
+                      <a:rPr lang="en-US" sz="1600" b="0" i="1" smtClean="0">
+                        <a:solidFill>
+                          <a:schemeClr val="tx1"/>
+                        </a:solidFill>
+                        <a:latin typeface="Cambria Math" panose="02040503050406030204" pitchFamily="18" charset="0"/>
+                        <a:ea typeface="Cambria Math" panose="02040503050406030204" pitchFamily="18" charset="0"/>
+                      </a:rPr>
+                      <m:t>∗</m:t>
                     </m:r>
                     <m:r>
                       <a:rPr lang="en-US" sz="1600" b="0" i="1" smtClean="0">
@@ -11537,8 +11562,8 @@
           </a:p>
         </p:txBody>
       </p:sp>
-      <mc:AlternateContent xmlns:mc="http://schemas.openxmlformats.org/markup-compatibility/2006">
-        <mc:Choice xmlns:a14="http://schemas.microsoft.com/office/drawing/2010/main" Requires="a14">
+      <mc:AlternateContent xmlns:mc="http://schemas.openxmlformats.org/markup-compatibility/2006" xmlns:a14="http://schemas.microsoft.com/office/drawing/2010/main">
+        <mc:Choice Requires="a14">
           <p:sp>
             <p:nvSpPr>
               <p:cNvPr id="3" name="Text Placeholder 2"/>
@@ -11761,7 +11786,7 @@
             </p:txBody>
           </p:sp>
         </mc:Choice>
-        <mc:Fallback>
+        <mc:Fallback xmlns="">
           <p:sp>
             <p:nvSpPr>
               <p:cNvPr id="3" name="Text Placeholder 2"/>
@@ -12495,8 +12520,8 @@
           </a:p>
         </p:txBody>
       </p:sp>
-      <mc:AlternateContent xmlns:mc="http://schemas.openxmlformats.org/markup-compatibility/2006">
-        <mc:Choice xmlns:a14="http://schemas.microsoft.com/office/drawing/2010/main" Requires="a14">
+      <mc:AlternateContent xmlns:mc="http://schemas.openxmlformats.org/markup-compatibility/2006" xmlns:a14="http://schemas.microsoft.com/office/drawing/2010/main">
+        <mc:Choice Requires="a14">
           <p:sp>
             <p:nvSpPr>
               <p:cNvPr id="71" name="Shape 71"/>
@@ -12836,7 +12861,7 @@
             </p:txBody>
           </p:sp>
         </mc:Choice>
-        <mc:Fallback>
+        <mc:Fallback xmlns="">
           <p:sp>
             <p:nvSpPr>
               <p:cNvPr id="71" name="Shape 71"/>
@@ -13112,7 +13137,7 @@
             <p:spPr/>
             <p:txBody>
               <a:bodyPr>
-                <a:normAutofit/>
+                <a:normAutofit lnSpcReduction="10000"/>
               </a:bodyPr>
               <a:lstStyle/>
               <a:p>
@@ -13122,15 +13147,15 @@
                   </a:lnSpc>
                 </a:pPr>
                 <a:r>
-                  <a:rPr lang="en-US" dirty="0"/>
+                  <a:rPr lang="en-US" sz="1600" dirty="0"/>
                   <a:t>We can get Bernoulli’s Equation from </a:t>
                 </a:r>
                 <a:r>
-                  <a:rPr lang="en-US" dirty="0" err="1"/>
+                  <a:rPr lang="en-US" sz="1600" dirty="0" err="1"/>
                   <a:t>Navier</a:t>
                 </a:r>
                 <a:r>
-                  <a:rPr lang="en-US" dirty="0"/>
+                  <a:rPr lang="en-US" sz="1600" dirty="0"/>
                   <a:t>-Stokes</a:t>
                 </a:r>
               </a:p>
@@ -13146,14 +13171,14 @@
                       <m:accPr>
                         <m:chr m:val="⃗"/>
                         <m:ctrlPr>
-                          <a:rPr lang="en-US" sz="1400" i="1">
+                          <a:rPr lang="en-US" sz="1600" i="1">
                             <a:latin typeface="Cambria Math" panose="02040503050406030204" pitchFamily="18" charset="0"/>
                           </a:rPr>
                         </m:ctrlPr>
                       </m:accPr>
                       <m:e>
                         <m:r>
-                          <a:rPr lang="en-US" sz="1400" i="1">
+                          <a:rPr lang="en-US" sz="1600" i="1">
                             <a:latin typeface="Cambria Math" panose="02040503050406030204" pitchFamily="18" charset="0"/>
                           </a:rPr>
                           <m:t>𝑣</m:t>
@@ -13161,13 +13186,13 @@
                       </m:e>
                     </m:acc>
                     <m:r>
-                      <a:rPr lang="en-US" sz="1400" i="1">
+                      <a:rPr lang="en-US" sz="1600" i="1">
                         <a:latin typeface="Cambria Math" panose="02040503050406030204" pitchFamily="18" charset="0"/>
                       </a:rPr>
                       <m:t>∗</m:t>
                     </m:r>
                     <m:r>
-                      <a:rPr lang="en-US" sz="1400" i="1">
+                      <a:rPr lang="en-US" sz="1600" i="1">
                         <a:latin typeface="Cambria Math" panose="02040503050406030204" pitchFamily="18" charset="0"/>
                       </a:rPr>
                       <m:t>𝑑𝑖𝑣</m:t>
@@ -13175,7 +13200,7 @@
                     <m:d>
                       <m:dPr>
                         <m:ctrlPr>
-                          <a:rPr lang="en-US" sz="1400" i="1">
+                          <a:rPr lang="en-US" sz="1600" i="1">
                             <a:latin typeface="Cambria Math" panose="02040503050406030204" pitchFamily="18" charset="0"/>
                           </a:rPr>
                         </m:ctrlPr>
@@ -13185,14 +13210,14 @@
                           <m:accPr>
                             <m:chr m:val="⃗"/>
                             <m:ctrlPr>
-                              <a:rPr lang="en-US" sz="1400" i="1">
+                              <a:rPr lang="en-US" sz="1600" i="1">
                                 <a:latin typeface="Cambria Math" panose="02040503050406030204" pitchFamily="18" charset="0"/>
                               </a:rPr>
                             </m:ctrlPr>
                           </m:accPr>
                           <m:e>
                             <m:r>
-                              <a:rPr lang="en-US" sz="1400" i="1">
+                              <a:rPr lang="en-US" sz="1600" i="1">
                                 <a:latin typeface="Cambria Math" panose="02040503050406030204" pitchFamily="18" charset="0"/>
                               </a:rPr>
                               <m:t>𝑣</m:t>
@@ -13202,7 +13227,7 @@
                       </m:e>
                     </m:d>
                     <m:r>
-                      <a:rPr lang="en-US" sz="1400" b="0" i="1" smtClean="0">
+                      <a:rPr lang="en-US" sz="1600" i="1">
                         <a:latin typeface="Cambria Math" panose="02040503050406030204" pitchFamily="18" charset="0"/>
                       </a:rPr>
                       <m:t>=</m:t>
@@ -13210,14 +13235,14 @@
                     <m:f>
                       <m:fPr>
                         <m:ctrlPr>
-                          <a:rPr lang="en-US" sz="1400" b="0" i="1" smtClean="0">
+                          <a:rPr lang="en-US" sz="1600" i="1">
                             <a:latin typeface="Cambria Math" panose="02040503050406030204" pitchFamily="18" charset="0"/>
                           </a:rPr>
                         </m:ctrlPr>
                       </m:fPr>
                       <m:num>
                         <m:r>
-                          <a:rPr lang="en-US" sz="1400" b="0" i="1" smtClean="0">
+                          <a:rPr lang="en-US" sz="1600" i="1">
                             <a:latin typeface="Cambria Math" panose="02040503050406030204" pitchFamily="18" charset="0"/>
                           </a:rPr>
                           <m:t>1</m:t>
@@ -13225,7 +13250,7 @@
                       </m:num>
                       <m:den>
                         <m:r>
-                          <a:rPr lang="en-US" sz="1400" b="0" i="1" smtClean="0">
+                          <a:rPr lang="en-US" sz="1600" i="1">
                             <a:latin typeface="Cambria Math" panose="02040503050406030204" pitchFamily="18" charset="0"/>
                           </a:rPr>
                           <m:t>2</m:t>
@@ -13233,7 +13258,7 @@
                       </m:den>
                     </m:f>
                     <m:r>
-                      <a:rPr lang="en-US" sz="1400" i="1">
+                      <a:rPr lang="en-US" sz="1600" i="1">
                         <a:latin typeface="Cambria Math" panose="02040503050406030204" pitchFamily="18" charset="0"/>
                       </a:rPr>
                       <m:t>𝑔𝑟𝑎𝑑</m:t>
@@ -13241,7 +13266,7 @@
                     <m:d>
                       <m:dPr>
                         <m:ctrlPr>
-                          <a:rPr lang="en-US" sz="1400" i="1">
+                          <a:rPr lang="en-US" sz="1600" i="1">
                             <a:latin typeface="Cambria Math" panose="02040503050406030204" pitchFamily="18" charset="0"/>
                           </a:rPr>
                         </m:ctrlPr>
@@ -13250,7 +13275,7 @@
                         <m:sSup>
                           <m:sSupPr>
                             <m:ctrlPr>
-                              <a:rPr lang="en-US" sz="1400" i="1">
+                              <a:rPr lang="en-US" sz="1600" i="1">
                                 <a:latin typeface="Cambria Math" panose="02040503050406030204" pitchFamily="18" charset="0"/>
                               </a:rPr>
                             </m:ctrlPr>
@@ -13260,14 +13285,14 @@
                               <m:accPr>
                                 <m:chr m:val="⃗"/>
                                 <m:ctrlPr>
-                                  <a:rPr lang="en-US" sz="1400" i="1">
+                                  <a:rPr lang="en-US" sz="1600" i="1">
                                     <a:latin typeface="Cambria Math" panose="02040503050406030204" pitchFamily="18" charset="0"/>
                                   </a:rPr>
                                 </m:ctrlPr>
                               </m:accPr>
                               <m:e>
                                 <m:r>
-                                  <a:rPr lang="en-US" sz="1400" i="1">
+                                  <a:rPr lang="en-US" sz="1600" i="1">
                                     <a:latin typeface="Cambria Math" panose="02040503050406030204" pitchFamily="18" charset="0"/>
                                   </a:rPr>
                                   <m:t>𝑣</m:t>
@@ -13277,7 +13302,7 @@
                           </m:e>
                           <m:sup>
                             <m:r>
-                              <a:rPr lang="en-US" sz="1400" i="1">
+                              <a:rPr lang="en-US" sz="1600" i="1">
                                 <a:latin typeface="Cambria Math" panose="02040503050406030204" pitchFamily="18" charset="0"/>
                               </a:rPr>
                               <m:t>2</m:t>
@@ -13287,7 +13312,7 @@
                       </m:e>
                     </m:d>
                     <m:r>
-                      <a:rPr lang="en-US" sz="1400" b="0" i="1" smtClean="0">
+                      <a:rPr lang="en-US" sz="1600" i="1">
                         <a:latin typeface="Cambria Math" panose="02040503050406030204" pitchFamily="18" charset="0"/>
                       </a:rPr>
                       <m:t>−</m:t>
@@ -13311,14 +13336,14 @@
                       </m:e>
                     </m:acc>
                     <m:r>
-                      <a:rPr lang="en-US" sz="1600" i="1" smtClean="0">
+                      <a:rPr lang="en-US" sz="1600" i="1">
                         <a:latin typeface="Cambria Math" panose="02040503050406030204" pitchFamily="18" charset="0"/>
                         <a:ea typeface="Cambria Math" panose="02040503050406030204" pitchFamily="18" charset="0"/>
                       </a:rPr>
                       <m:t>×</m:t>
                     </m:r>
                     <m:r>
-                      <a:rPr lang="en-US" sz="1600" b="0" i="1" smtClean="0">
+                      <a:rPr lang="en-US" sz="1600" i="1">
                         <a:latin typeface="Cambria Math" panose="02040503050406030204" pitchFamily="18" charset="0"/>
                         <a:ea typeface="Cambria Math" panose="02040503050406030204" pitchFamily="18" charset="0"/>
                       </a:rPr>
@@ -13327,7 +13352,7 @@
                     <m:d>
                       <m:dPr>
                         <m:ctrlPr>
-                          <a:rPr lang="en-US" sz="1600" b="0" i="1" smtClean="0">
+                          <a:rPr lang="en-US" sz="1600" i="1">
                             <a:latin typeface="Cambria Math" panose="02040503050406030204" pitchFamily="18" charset="0"/>
                             <a:ea typeface="Cambria Math" panose="02040503050406030204" pitchFamily="18" charset="0"/>
                           </a:rPr>
@@ -13338,14 +13363,14 @@
                           <m:accPr>
                             <m:chr m:val="⃗"/>
                             <m:ctrlPr>
-                              <a:rPr lang="en-US" sz="1400" i="1">
+                              <a:rPr lang="en-US" sz="1600" i="1">
                                 <a:latin typeface="Cambria Math" panose="02040503050406030204" pitchFamily="18" charset="0"/>
                               </a:rPr>
                             </m:ctrlPr>
                           </m:accPr>
                           <m:e>
                             <m:r>
-                              <a:rPr lang="en-US" sz="1400" i="1">
+                              <a:rPr lang="en-US" sz="1600" i="1">
                                 <a:latin typeface="Cambria Math" panose="02040503050406030204" pitchFamily="18" charset="0"/>
                               </a:rPr>
                               <m:t>𝑣</m:t>
@@ -13356,7 +13381,7 @@
                     </m:d>
                   </m:oMath>
                 </a14:m>
-                <a:endParaRPr lang="en-US" dirty="0"/>
+                <a:endParaRPr lang="en-US" sz="1600" dirty="0"/>
               </a:p>
               <a:p>
                 <a:pPr>
@@ -13367,7 +13392,7 @@
                 <a14:m>
                   <m:oMath xmlns:m="http://schemas.openxmlformats.org/officeDocument/2006/math">
                     <m:r>
-                      <a:rPr lang="en-US" sz="1400" i="1">
+                      <a:rPr lang="en-US" sz="1600" i="1">
                         <a:latin typeface="Cambria Math" panose="02040503050406030204" pitchFamily="18" charset="0"/>
                       </a:rPr>
                       <m:t>𝜌</m:t>
@@ -13375,7 +13400,7 @@
                     <m:d>
                       <m:dPr>
                         <m:ctrlPr>
-                          <a:rPr lang="en-US" sz="1400" b="0" i="1" smtClean="0">
+                          <a:rPr lang="en-US" sz="1600" i="1">
                             <a:latin typeface="Cambria Math" panose="02040503050406030204" pitchFamily="18" charset="0"/>
                           </a:rPr>
                         </m:ctrlPr>
@@ -13384,14 +13409,14 @@
                         <m:f>
                           <m:fPr>
                             <m:ctrlPr>
-                              <a:rPr lang="en-US" sz="1400" i="1">
+                              <a:rPr lang="en-US" sz="1600" i="1">
                                 <a:latin typeface="Cambria Math" panose="02040503050406030204" pitchFamily="18" charset="0"/>
                               </a:rPr>
                             </m:ctrlPr>
                           </m:fPr>
                           <m:num>
                             <m:r>
-                              <a:rPr lang="en-US" sz="1400" i="1">
+                              <a:rPr lang="en-US" sz="1600" i="1">
                                 <a:latin typeface="Cambria Math" panose="02040503050406030204" pitchFamily="18" charset="0"/>
                               </a:rPr>
                               <m:t>𝜕</m:t>
@@ -13400,14 +13425,14 @@
                               <m:accPr>
                                 <m:chr m:val="⃗"/>
                                 <m:ctrlPr>
-                                  <a:rPr lang="en-US" sz="1400" i="1">
+                                  <a:rPr lang="en-US" sz="1600" i="1">
                                     <a:latin typeface="Cambria Math" panose="02040503050406030204" pitchFamily="18" charset="0"/>
                                   </a:rPr>
                                 </m:ctrlPr>
                               </m:accPr>
                               <m:e>
                                 <m:r>
-                                  <a:rPr lang="en-US" sz="1400" i="1">
+                                  <a:rPr lang="en-US" sz="1600" i="1">
                                     <a:latin typeface="Cambria Math" panose="02040503050406030204" pitchFamily="18" charset="0"/>
                                   </a:rPr>
                                   <m:t>𝑣</m:t>
@@ -13417,13 +13442,13 @@
                           </m:num>
                           <m:den>
                             <m:r>
-                              <a:rPr lang="en-US" sz="1400" i="1">
+                              <a:rPr lang="en-US" sz="1600" i="1">
                                 <a:latin typeface="Cambria Math" panose="02040503050406030204" pitchFamily="18" charset="0"/>
                               </a:rPr>
                               <m:t>𝜕</m:t>
                             </m:r>
                             <m:r>
-                              <a:rPr lang="en-US" sz="1400" i="1">
+                              <a:rPr lang="en-US" sz="1600" i="1">
                                 <a:latin typeface="Cambria Math" panose="02040503050406030204" pitchFamily="18" charset="0"/>
                               </a:rPr>
                               <m:t>𝑡</m:t>
@@ -13431,7 +13456,7 @@
                           </m:den>
                         </m:f>
                         <m:r>
-                          <a:rPr lang="en-US" sz="1400" i="1">
+                          <a:rPr lang="en-US" sz="1600" i="1">
                             <a:latin typeface="Cambria Math" panose="02040503050406030204" pitchFamily="18" charset="0"/>
                           </a:rPr>
                           <m:t>+</m:t>
@@ -13439,14 +13464,14 @@
                         <m:f>
                           <m:fPr>
                             <m:ctrlPr>
-                              <a:rPr lang="en-US" sz="1400" i="1">
+                              <a:rPr lang="en-US" sz="1600" i="1">
                                 <a:latin typeface="Cambria Math" panose="02040503050406030204" pitchFamily="18" charset="0"/>
                               </a:rPr>
                             </m:ctrlPr>
                           </m:fPr>
                           <m:num>
                             <m:r>
-                              <a:rPr lang="en-US" sz="1400" i="1">
+                              <a:rPr lang="en-US" sz="1600" i="1">
                                 <a:latin typeface="Cambria Math" panose="02040503050406030204" pitchFamily="18" charset="0"/>
                               </a:rPr>
                               <m:t>1</m:t>
@@ -13454,7 +13479,7 @@
                           </m:num>
                           <m:den>
                             <m:r>
-                              <a:rPr lang="en-US" sz="1400" i="1">
+                              <a:rPr lang="en-US" sz="1600" i="1">
                                 <a:latin typeface="Cambria Math" panose="02040503050406030204" pitchFamily="18" charset="0"/>
                               </a:rPr>
                               <m:t>2</m:t>
@@ -13462,7 +13487,7 @@
                           </m:den>
                         </m:f>
                         <m:r>
-                          <a:rPr lang="en-US" sz="1400" i="1">
+                          <a:rPr lang="en-US" sz="1600" i="1">
                             <a:latin typeface="Cambria Math" panose="02040503050406030204" pitchFamily="18" charset="0"/>
                           </a:rPr>
                           <m:t>𝑔𝑟𝑎𝑑</m:t>
@@ -13470,7 +13495,7 @@
                         <m:d>
                           <m:dPr>
                             <m:ctrlPr>
-                              <a:rPr lang="en-US" sz="1400" i="1">
+                              <a:rPr lang="en-US" sz="1600" i="1">
                                 <a:latin typeface="Cambria Math" panose="02040503050406030204" pitchFamily="18" charset="0"/>
                               </a:rPr>
                             </m:ctrlPr>
@@ -13479,7 +13504,7 @@
                             <m:sSup>
                               <m:sSupPr>
                                 <m:ctrlPr>
-                                  <a:rPr lang="en-US" sz="1400" i="1">
+                                  <a:rPr lang="en-US" sz="1600" i="1">
                                     <a:latin typeface="Cambria Math" panose="02040503050406030204" pitchFamily="18" charset="0"/>
                                   </a:rPr>
                                 </m:ctrlPr>
@@ -13489,14 +13514,14 @@
                                   <m:accPr>
                                     <m:chr m:val="⃗"/>
                                     <m:ctrlPr>
-                                      <a:rPr lang="en-US" sz="1400" i="1">
+                                      <a:rPr lang="en-US" sz="1600" i="1">
                                         <a:latin typeface="Cambria Math" panose="02040503050406030204" pitchFamily="18" charset="0"/>
                                       </a:rPr>
                                     </m:ctrlPr>
                                   </m:accPr>
                                   <m:e>
                                     <m:r>
-                                      <a:rPr lang="en-US" sz="1400" i="1">
+                                      <a:rPr lang="en-US" sz="1600" i="1">
                                         <a:latin typeface="Cambria Math" panose="02040503050406030204" pitchFamily="18" charset="0"/>
                                       </a:rPr>
                                       <m:t>𝑣</m:t>
@@ -13506,7 +13531,7 @@
                               </m:e>
                               <m:sup>
                                 <m:r>
-                                  <a:rPr lang="en-US" sz="1400" i="1">
+                                  <a:rPr lang="en-US" sz="1600" i="1">
                                     <a:latin typeface="Cambria Math" panose="02040503050406030204" pitchFamily="18" charset="0"/>
                                   </a:rPr>
                                   <m:t>2</m:t>
@@ -13516,7 +13541,7 @@
                           </m:e>
                         </m:d>
                         <m:r>
-                          <a:rPr lang="en-US" sz="1400" i="1">
+                          <a:rPr lang="en-US" sz="1600" i="1">
                             <a:latin typeface="Cambria Math" panose="02040503050406030204" pitchFamily="18" charset="0"/>
                           </a:rPr>
                           <m:t>−</m:t>
@@ -13567,14 +13592,14 @@
                               <m:accPr>
                                 <m:chr m:val="⃗"/>
                                 <m:ctrlPr>
-                                  <a:rPr lang="en-US" sz="1400" i="1">
+                                  <a:rPr lang="en-US" sz="1600" i="1">
                                     <a:latin typeface="Cambria Math" panose="02040503050406030204" pitchFamily="18" charset="0"/>
                                   </a:rPr>
                                 </m:ctrlPr>
                               </m:accPr>
                               <m:e>
                                 <m:r>
-                                  <a:rPr lang="en-US" sz="1400" i="1">
+                                  <a:rPr lang="en-US" sz="1600" i="1">
                                     <a:latin typeface="Cambria Math" panose="02040503050406030204" pitchFamily="18" charset="0"/>
                                   </a:rPr>
                                   <m:t>𝑣</m:t>
@@ -13586,13 +13611,13 @@
                       </m:e>
                     </m:d>
                     <m:r>
-                      <a:rPr lang="en-US" sz="1400" b="0" i="1" smtClean="0">
+                      <a:rPr lang="en-US" sz="1600" i="1">
                         <a:latin typeface="Cambria Math" panose="02040503050406030204" pitchFamily="18" charset="0"/>
                       </a:rPr>
                       <m:t>=−</m:t>
                     </m:r>
                     <m:r>
-                      <a:rPr lang="en-US" sz="1400" i="1">
+                      <a:rPr lang="en-US" sz="1600" i="1">
                         <a:latin typeface="Cambria Math" panose="02040503050406030204" pitchFamily="18" charset="0"/>
                       </a:rPr>
                       <m:t>𝑔𝑟𝑎𝑑</m:t>
@@ -13600,14 +13625,14 @@
                     <m:d>
                       <m:dPr>
                         <m:ctrlPr>
-                          <a:rPr lang="en-US" sz="1400" i="1">
+                          <a:rPr lang="en-US" sz="1600" i="1">
                             <a:latin typeface="Cambria Math" panose="02040503050406030204" pitchFamily="18" charset="0"/>
                           </a:rPr>
                         </m:ctrlPr>
                       </m:dPr>
                       <m:e>
                         <m:r>
-                          <a:rPr lang="en-US" sz="1400" b="0" i="1" smtClean="0">
+                          <a:rPr lang="en-US" sz="1600" i="1">
                             <a:latin typeface="Cambria Math" panose="02040503050406030204" pitchFamily="18" charset="0"/>
                           </a:rPr>
                           <m:t>𝑃</m:t>
@@ -13615,25 +13640,25 @@
                       </m:e>
                     </m:d>
                     <m:r>
-                      <a:rPr lang="en-US" sz="1400" i="1">
+                      <a:rPr lang="en-US" sz="1600" i="1">
                         <a:latin typeface="Cambria Math" panose="02040503050406030204" pitchFamily="18" charset="0"/>
                       </a:rPr>
                       <m:t>+</m:t>
                     </m:r>
                     <m:r>
-                      <a:rPr lang="en-US" sz="1400" b="0" i="1" smtClean="0">
+                      <a:rPr lang="en-US" sz="1600" i="1">
                         <a:latin typeface="Cambria Math" panose="02040503050406030204" pitchFamily="18" charset="0"/>
                       </a:rPr>
                       <m:t>𝜇</m:t>
                     </m:r>
                     <m:r>
-                      <a:rPr lang="en-US" sz="1400" b="0" i="1" smtClean="0">
+                      <a:rPr lang="en-US" sz="1600" i="1">
                         <a:latin typeface="Cambria Math" panose="02040503050406030204" pitchFamily="18" charset="0"/>
                       </a:rPr>
                       <m:t>∗</m:t>
                     </m:r>
                     <m:r>
-                      <a:rPr lang="en-US" sz="1400" b="0" i="1" smtClean="0">
+                      <a:rPr lang="en-US" sz="1600" i="1">
                         <a:latin typeface="Cambria Math" panose="02040503050406030204" pitchFamily="18" charset="0"/>
                       </a:rPr>
                       <m:t>𝑔𝑟𝑎𝑑</m:t>
@@ -13641,14 +13666,14 @@
                     <m:d>
                       <m:dPr>
                         <m:ctrlPr>
-                          <a:rPr lang="en-US" sz="1400" i="1">
+                          <a:rPr lang="en-US" sz="1600" i="1">
                             <a:latin typeface="Cambria Math" panose="02040503050406030204" pitchFamily="18" charset="0"/>
                           </a:rPr>
                         </m:ctrlPr>
                       </m:dPr>
                       <m:e>
                         <m:r>
-                          <a:rPr lang="en-US" sz="1400" b="0" i="1" smtClean="0">
+                          <a:rPr lang="en-US" sz="1600" i="1">
                             <a:latin typeface="Cambria Math" panose="02040503050406030204" pitchFamily="18" charset="0"/>
                           </a:rPr>
                           <m:t>𝑑𝑖𝑣</m:t>
@@ -13656,7 +13681,7 @@
                         <m:d>
                           <m:dPr>
                             <m:ctrlPr>
-                              <a:rPr lang="en-US" sz="1400" i="1">
+                              <a:rPr lang="en-US" sz="1600" i="1">
                                 <a:latin typeface="Cambria Math" panose="02040503050406030204" pitchFamily="18" charset="0"/>
                               </a:rPr>
                             </m:ctrlPr>
@@ -13666,14 +13691,14 @@
                               <m:accPr>
                                 <m:chr m:val="⃗"/>
                                 <m:ctrlPr>
-                                  <a:rPr lang="en-US" sz="1400" i="1">
+                                  <a:rPr lang="en-US" sz="1600" i="1">
                                     <a:latin typeface="Cambria Math" panose="02040503050406030204" pitchFamily="18" charset="0"/>
                                   </a:rPr>
                                 </m:ctrlPr>
                               </m:accPr>
                               <m:e>
                                 <m:r>
-                                  <a:rPr lang="en-US" sz="1400" i="1">
+                                  <a:rPr lang="en-US" sz="1600" i="1">
                                     <a:latin typeface="Cambria Math" panose="02040503050406030204" pitchFamily="18" charset="0"/>
                                   </a:rPr>
                                   <m:t>𝑣</m:t>
@@ -13685,13 +13710,13 @@
                       </m:e>
                     </m:d>
                     <m:r>
-                      <a:rPr lang="en-US" sz="1400" b="0" i="1" smtClean="0">
+                      <a:rPr lang="en-US" sz="1600" i="1">
                         <a:latin typeface="Cambria Math" panose="02040503050406030204" pitchFamily="18" charset="0"/>
                       </a:rPr>
                       <m:t>+</m:t>
                     </m:r>
                     <m:r>
-                      <a:rPr lang="en-US" sz="1400" b="0" i="1" smtClean="0">
+                      <a:rPr lang="en-US" sz="1600" i="1">
                         <a:latin typeface="Cambria Math" panose="02040503050406030204" pitchFamily="18" charset="0"/>
                       </a:rPr>
                       <m:t>𝜌</m:t>
@@ -13700,14 +13725,14 @@
                       <m:accPr>
                         <m:chr m:val="⃗"/>
                         <m:ctrlPr>
-                          <a:rPr lang="en-US" sz="1400" i="1">
+                          <a:rPr lang="en-US" sz="1600" i="1">
                             <a:latin typeface="Cambria Math" panose="02040503050406030204" pitchFamily="18" charset="0"/>
                           </a:rPr>
                         </m:ctrlPr>
                       </m:accPr>
                       <m:e>
                         <m:r>
-                          <a:rPr lang="en-US" sz="1400" i="1">
+                          <a:rPr lang="en-US" sz="1600" i="1">
                             <a:latin typeface="Cambria Math" panose="02040503050406030204" pitchFamily="18" charset="0"/>
                           </a:rPr>
                           <m:t>𝑓</m:t>
@@ -13716,7 +13741,7 @@
                     </m:acc>
                   </m:oMath>
                 </a14:m>
-                <a:endParaRPr lang="en-US" dirty="0"/>
+                <a:endParaRPr lang="en-US" sz="1600" dirty="0"/>
               </a:p>
               <a:p>
                 <a:pPr>
@@ -13725,7 +13750,7 @@
                   </a:lnSpc>
                 </a:pPr>
                 <a:r>
-                  <a:rPr lang="en-US" dirty="0"/>
+                  <a:rPr lang="en-US" sz="1600" dirty="0"/>
                   <a:t>Assume that the fluid flow is steady-state: </a:t>
                 </a:r>
                 <a14:m>
@@ -13780,14 +13805,14 @@
                       </m:den>
                     </m:f>
                     <m:r>
-                      <a:rPr lang="en-US" sz="1600" b="0" i="1" smtClean="0">
+                      <a:rPr lang="en-US" sz="1600" i="1">
                         <a:latin typeface="Cambria Math" panose="02040503050406030204" pitchFamily="18" charset="0"/>
                       </a:rPr>
                       <m:t>=0</m:t>
                     </m:r>
                   </m:oMath>
                 </a14:m>
-                <a:endParaRPr lang="en-US" dirty="0"/>
+                <a:endParaRPr lang="en-US" sz="1600" dirty="0"/>
               </a:p>
               <a:p>
                 <a:pPr>
@@ -13796,7 +13821,7 @@
                   </a:lnSpc>
                 </a:pPr>
                 <a:r>
-                  <a:rPr lang="en-US" dirty="0"/>
+                  <a:rPr lang="en-US" sz="1600" dirty="0"/>
                   <a:t>Non-viscous flow: </a:t>
                 </a:r>
                 <a14:m>
@@ -13805,14 +13830,14 @@
                       <m:accPr>
                         <m:chr m:val="⃗"/>
                         <m:ctrlPr>
-                          <a:rPr lang="en-US" sz="1400" i="1">
+                          <a:rPr lang="en-US" sz="1600" i="1">
                             <a:latin typeface="Cambria Math" panose="02040503050406030204" pitchFamily="18" charset="0"/>
                           </a:rPr>
                         </m:ctrlPr>
                       </m:accPr>
                       <m:e>
                         <m:r>
-                          <a:rPr lang="en-US" sz="1400" i="1">
+                          <a:rPr lang="en-US" sz="1600" i="1">
                             <a:latin typeface="Cambria Math" panose="02040503050406030204" pitchFamily="18" charset="0"/>
                           </a:rPr>
                           <m:t>𝑣</m:t>
@@ -13820,14 +13845,14 @@
                       </m:e>
                     </m:acc>
                     <m:r>
-                      <a:rPr lang="en-US" sz="1400" i="1">
+                      <a:rPr lang="en-US" sz="1600" i="1">
                         <a:latin typeface="Cambria Math" panose="02040503050406030204" pitchFamily="18" charset="0"/>
                         <a:ea typeface="Cambria Math" panose="02040503050406030204" pitchFamily="18" charset="0"/>
                       </a:rPr>
                       <m:t>×</m:t>
                     </m:r>
                     <m:r>
-                      <a:rPr lang="en-US" sz="1400" i="1">
+                      <a:rPr lang="en-US" sz="1600" i="1">
                         <a:latin typeface="Cambria Math" panose="02040503050406030204" pitchFamily="18" charset="0"/>
                         <a:ea typeface="Cambria Math" panose="02040503050406030204" pitchFamily="18" charset="0"/>
                       </a:rPr>
@@ -13836,7 +13861,7 @@
                     <m:d>
                       <m:dPr>
                         <m:ctrlPr>
-                          <a:rPr lang="en-US" sz="1400" i="1">
+                          <a:rPr lang="en-US" sz="1600" i="1">
                             <a:latin typeface="Cambria Math" panose="02040503050406030204" pitchFamily="18" charset="0"/>
                             <a:ea typeface="Cambria Math" panose="02040503050406030204" pitchFamily="18" charset="0"/>
                           </a:rPr>
@@ -13847,14 +13872,14 @@
                           <m:accPr>
                             <m:chr m:val="⃗"/>
                             <m:ctrlPr>
-                              <a:rPr lang="en-US" sz="1200" i="1">
+                              <a:rPr lang="en-US" sz="1600" i="1">
                                 <a:latin typeface="Cambria Math" panose="02040503050406030204" pitchFamily="18" charset="0"/>
                               </a:rPr>
                             </m:ctrlPr>
                           </m:accPr>
                           <m:e>
                             <m:r>
-                              <a:rPr lang="en-US" sz="1200" i="1">
+                              <a:rPr lang="en-US" sz="1600" i="1">
                                 <a:latin typeface="Cambria Math" panose="02040503050406030204" pitchFamily="18" charset="0"/>
                               </a:rPr>
                               <m:t>𝑣</m:t>
@@ -13864,14 +13889,14 @@
                       </m:e>
                     </m:d>
                     <m:r>
-                      <a:rPr lang="en-US" sz="1200" b="0" i="1" smtClean="0">
+                      <a:rPr lang="en-US" sz="1600" i="1">
                         <a:latin typeface="Cambria Math" panose="02040503050406030204" pitchFamily="18" charset="0"/>
                       </a:rPr>
                       <m:t>=0</m:t>
                     </m:r>
                   </m:oMath>
                 </a14:m>
-                <a:endParaRPr lang="en-US" dirty="0"/>
+                <a:endParaRPr lang="en-US" sz="1600" dirty="0"/>
               </a:p>
               <a:p>
                 <a:pPr>
@@ -13885,14 +13910,14 @@
                       <m:accPr>
                         <m:chr m:val="⃗"/>
                         <m:ctrlPr>
-                          <a:rPr lang="en-US" sz="1400" i="1">
+                          <a:rPr lang="en-US" sz="1600" i="1">
                             <a:latin typeface="Cambria Math" panose="02040503050406030204" pitchFamily="18" charset="0"/>
                           </a:rPr>
                         </m:ctrlPr>
                       </m:accPr>
                       <m:e>
                         <m:r>
-                          <a:rPr lang="en-US" sz="1400" i="1">
+                          <a:rPr lang="en-US" sz="1600" i="1">
                             <a:latin typeface="Cambria Math" panose="02040503050406030204" pitchFamily="18" charset="0"/>
                           </a:rPr>
                           <m:t>𝑓</m:t>
@@ -13902,13 +13927,13 @@
                   </m:oMath>
                 </a14:m>
                 <a:r>
-                  <a:rPr lang="en-US" dirty="0"/>
+                  <a:rPr lang="en-US" sz="1600" dirty="0"/>
                   <a:t> is force of gravity, so </a:t>
                 </a:r>
                 <a14:m>
                   <m:oMath xmlns:m="http://schemas.openxmlformats.org/officeDocument/2006/math">
                     <m:r>
-                      <a:rPr lang="en-US" sz="1400" i="1">
+                      <a:rPr lang="en-US" sz="1600" i="1">
                         <a:latin typeface="Cambria Math" panose="02040503050406030204" pitchFamily="18" charset="0"/>
                       </a:rPr>
                       <m:t>𝜌</m:t>
@@ -13917,14 +13942,14 @@
                       <m:accPr>
                         <m:chr m:val="⃗"/>
                         <m:ctrlPr>
-                          <a:rPr lang="en-US" sz="1400" i="1">
+                          <a:rPr lang="en-US" sz="1600" i="1">
                             <a:latin typeface="Cambria Math" panose="02040503050406030204" pitchFamily="18" charset="0"/>
                           </a:rPr>
                         </m:ctrlPr>
                       </m:accPr>
                       <m:e>
                         <m:r>
-                          <a:rPr lang="en-US" sz="1400" i="1">
+                          <a:rPr lang="en-US" sz="1600" i="1">
                             <a:latin typeface="Cambria Math" panose="02040503050406030204" pitchFamily="18" charset="0"/>
                           </a:rPr>
                           <m:t>𝑓</m:t>
@@ -13932,7 +13957,7 @@
                       </m:e>
                     </m:acc>
                     <m:r>
-                      <a:rPr lang="en-US" sz="1400" i="1">
+                      <a:rPr lang="en-US" sz="1600" i="1">
                         <a:latin typeface="Cambria Math" panose="02040503050406030204" pitchFamily="18" charset="0"/>
                       </a:rPr>
                       <m:t>=−</m:t>
@@ -13968,7 +13993,7 @@
                     </m:d>
                   </m:oMath>
                 </a14:m>
-                <a:endParaRPr lang="en-US" dirty="0"/>
+                <a:endParaRPr lang="en-US" sz="1600" dirty="0"/>
               </a:p>
               <a:p>
                 <a:pPr>
@@ -14064,13 +14089,13 @@
                       </m:e>
                     </m:d>
                     <m:r>
-                      <a:rPr lang="en-US" sz="1400" i="1">
+                      <a:rPr lang="en-US" sz="1600" i="1">
                         <a:latin typeface="Cambria Math" panose="02040503050406030204" pitchFamily="18" charset="0"/>
                       </a:rPr>
                       <m:t>+</m:t>
                     </m:r>
                     <m:r>
-                      <a:rPr lang="en-US" sz="1400" i="1">
+                      <a:rPr lang="en-US" sz="1600" i="1">
                         <a:latin typeface="Cambria Math" panose="02040503050406030204" pitchFamily="18" charset="0"/>
                       </a:rPr>
                       <m:t>𝑔𝑟𝑎𝑑</m:t>
@@ -14078,20 +14103,20 @@
                     <m:d>
                       <m:dPr>
                         <m:ctrlPr>
-                          <a:rPr lang="en-US" sz="1400" i="1">
+                          <a:rPr lang="en-US" sz="1600" i="1">
                             <a:latin typeface="Cambria Math" panose="02040503050406030204" pitchFamily="18" charset="0"/>
                           </a:rPr>
                         </m:ctrlPr>
                       </m:dPr>
                       <m:e>
                         <m:r>
-                          <a:rPr lang="en-US" sz="1400" i="1">
+                          <a:rPr lang="en-US" sz="1600" i="1">
                             <a:latin typeface="Cambria Math" panose="02040503050406030204" pitchFamily="18" charset="0"/>
                           </a:rPr>
                           <m:t>𝜌</m:t>
                         </m:r>
                         <m:r>
-                          <a:rPr lang="en-US" sz="1400" i="1">
+                          <a:rPr lang="en-US" sz="1600" i="1">
                             <a:latin typeface="Cambria Math" panose="02040503050406030204" pitchFamily="18" charset="0"/>
                           </a:rPr>
                           <m:t>𝑔h</m:t>
@@ -14099,13 +14124,13 @@
                       </m:e>
                     </m:d>
                     <m:r>
-                      <a:rPr lang="en-US" sz="1400" b="0" i="1" smtClean="0">
+                      <a:rPr lang="en-US" sz="1600" i="1">
                         <a:latin typeface="Cambria Math" panose="02040503050406030204" pitchFamily="18" charset="0"/>
                       </a:rPr>
                       <m:t>+</m:t>
                     </m:r>
                     <m:r>
-                      <a:rPr lang="en-US" sz="1400" i="1">
+                      <a:rPr lang="en-US" sz="1600" i="1">
                         <a:latin typeface="Cambria Math" panose="02040503050406030204" pitchFamily="18" charset="0"/>
                       </a:rPr>
                       <m:t>𝑔𝑟𝑎𝑑</m:t>
@@ -14113,14 +14138,14 @@
                     <m:d>
                       <m:dPr>
                         <m:ctrlPr>
-                          <a:rPr lang="en-US" sz="1400" i="1">
+                          <a:rPr lang="en-US" sz="1600" i="1">
                             <a:latin typeface="Cambria Math" panose="02040503050406030204" pitchFamily="18" charset="0"/>
                           </a:rPr>
                         </m:ctrlPr>
                       </m:dPr>
                       <m:e>
                         <m:r>
-                          <a:rPr lang="en-US" sz="1400" i="1">
+                          <a:rPr lang="en-US" sz="1600" i="1">
                             <a:latin typeface="Cambria Math" panose="02040503050406030204" pitchFamily="18" charset="0"/>
                           </a:rPr>
                           <m:t>𝑃</m:t>
@@ -14128,14 +14153,14 @@
                       </m:e>
                     </m:d>
                     <m:r>
-                      <a:rPr lang="en-US" sz="1400" b="0" i="1" smtClean="0">
+                      <a:rPr lang="en-US" sz="1600" i="1">
                         <a:latin typeface="Cambria Math" panose="02040503050406030204" pitchFamily="18" charset="0"/>
                       </a:rPr>
                       <m:t>=0</m:t>
                     </m:r>
                   </m:oMath>
                 </a14:m>
-                <a:endParaRPr lang="en-US" dirty="0"/>
+                <a:endParaRPr lang="en-US" sz="1600" dirty="0"/>
               </a:p>
               <a:p>
                 <a:pPr>
@@ -14180,7 +14205,7 @@
                       <m:rPr>
                         <m:sty m:val="p"/>
                       </m:rPr>
-                      <a:rPr lang="en-US" sz="1400">
+                      <a:rPr lang="en-US" sz="1600">
                         <a:latin typeface="Cambria Math" panose="02040503050406030204" pitchFamily="18" charset="0"/>
                       </a:rPr>
                       <m:t>Δ</m:t>
@@ -14188,14 +14213,14 @@
                     <m:sSup>
                       <m:sSupPr>
                         <m:ctrlPr>
-                          <a:rPr lang="en-US" sz="1400" i="1">
+                          <a:rPr lang="en-US" sz="1600" i="1">
                             <a:latin typeface="Cambria Math" panose="02040503050406030204" pitchFamily="18" charset="0"/>
                           </a:rPr>
                         </m:ctrlPr>
                       </m:sSupPr>
                       <m:e>
                         <m:r>
-                          <a:rPr lang="en-US" sz="1400" b="0" i="1" smtClean="0">
+                          <a:rPr lang="en-US" sz="1600" i="1">
                             <a:latin typeface="Cambria Math" panose="02040503050406030204" pitchFamily="18" charset="0"/>
                           </a:rPr>
                           <m:t>𝑣</m:t>
@@ -14203,7 +14228,7 @@
                       </m:e>
                       <m:sup>
                         <m:r>
-                          <a:rPr lang="en-US" sz="1400" i="1">
+                          <a:rPr lang="en-US" sz="1600" i="1">
                             <a:latin typeface="Cambria Math" panose="02040503050406030204" pitchFamily="18" charset="0"/>
                           </a:rPr>
                           <m:t>2</m:t>
@@ -14211,19 +14236,19 @@
                       </m:sup>
                     </m:sSup>
                     <m:r>
-                      <a:rPr lang="en-US" sz="1400" i="1">
+                      <a:rPr lang="en-US" sz="1600" i="1">
                         <a:latin typeface="Cambria Math" panose="02040503050406030204" pitchFamily="18" charset="0"/>
                       </a:rPr>
                       <m:t>+</m:t>
                     </m:r>
                     <m:r>
-                      <a:rPr lang="en-US" sz="1400" b="0" i="1" smtClean="0">
+                      <a:rPr lang="en-US" sz="1600" i="1">
                         <a:latin typeface="Cambria Math" panose="02040503050406030204" pitchFamily="18" charset="0"/>
                       </a:rPr>
                       <m:t>𝜌</m:t>
                     </m:r>
                     <m:r>
-                      <a:rPr lang="en-US" sz="1400" b="0" i="1" smtClean="0">
+                      <a:rPr lang="en-US" sz="1600" i="1">
                         <a:latin typeface="Cambria Math" panose="02040503050406030204" pitchFamily="18" charset="0"/>
                       </a:rPr>
                       <m:t>𝑔</m:t>
@@ -14232,19 +14257,19 @@
                       <m:rPr>
                         <m:sty m:val="p"/>
                       </m:rPr>
-                      <a:rPr lang="en-US" sz="1400" b="0" i="0" smtClean="0">
+                      <a:rPr lang="en-US" sz="1600">
                         <a:latin typeface="Cambria Math" panose="02040503050406030204" pitchFamily="18" charset="0"/>
                       </a:rPr>
                       <m:t>Δ</m:t>
                     </m:r>
                     <m:r>
-                      <a:rPr lang="en-US" sz="1400" b="0" i="1" smtClean="0">
+                      <a:rPr lang="en-US" sz="1600" i="1">
                         <a:latin typeface="Cambria Math" panose="02040503050406030204" pitchFamily="18" charset="0"/>
                       </a:rPr>
                       <m:t>𝑦</m:t>
                     </m:r>
                     <m:r>
-                      <a:rPr lang="en-US" sz="1400" i="1">
+                      <a:rPr lang="en-US" sz="1600" i="1">
                         <a:latin typeface="Cambria Math" panose="02040503050406030204" pitchFamily="18" charset="0"/>
                       </a:rPr>
                       <m:t>+</m:t>
@@ -14253,20 +14278,29 @@
                       <m:rPr>
                         <m:sty m:val="p"/>
                       </m:rPr>
-                      <a:rPr lang="en-US" sz="1400">
+                      <a:rPr lang="en-US" sz="1600">
                         <a:latin typeface="Cambria Math" panose="02040503050406030204" pitchFamily="18" charset="0"/>
                       </a:rPr>
                       <m:t>Δ</m:t>
                     </m:r>
                     <m:r>
-                      <a:rPr lang="en-US" sz="1400" i="1">
+                      <m:rPr>
+                        <m:sty m:val="p"/>
+                      </m:rPr>
+                      <a:rPr lang="en-US" sz="1600">
+                        <a:latin typeface="Cambria Math" panose="02040503050406030204" pitchFamily="18" charset="0"/>
+                      </a:rPr>
+                      <m:t>P</m:t>
+                    </m:r>
+                    <m:r>
+                      <a:rPr lang="en-US" sz="1600" i="1">
                         <a:latin typeface="Cambria Math" panose="02040503050406030204" pitchFamily="18" charset="0"/>
                       </a:rPr>
                       <m:t>=0</m:t>
                     </m:r>
                   </m:oMath>
                 </a14:m>
-                <a:endParaRPr lang="en-US" sz="1400" dirty="0"/>
+                <a:endParaRPr lang="en-US" sz="1600" dirty="0"/>
               </a:p>
               <a:p>
                 <a:pPr>
@@ -14279,14 +14313,14 @@
                     <m:f>
                       <m:fPr>
                         <m:ctrlPr>
-                          <a:rPr lang="en-US" sz="1800" i="1">
+                          <a:rPr lang="en-US" sz="1600" i="1">
                             <a:latin typeface="Cambria Math" panose="02040503050406030204" pitchFamily="18" charset="0"/>
                           </a:rPr>
                         </m:ctrlPr>
                       </m:fPr>
                       <m:num>
                         <m:r>
-                          <a:rPr lang="en-US" sz="1800" i="1">
+                          <a:rPr lang="en-US" sz="1600" i="1">
                             <a:latin typeface="Cambria Math" panose="02040503050406030204" pitchFamily="18" charset="0"/>
                           </a:rPr>
                           <m:t>1</m:t>
@@ -14294,7 +14328,7 @@
                       </m:num>
                       <m:den>
                         <m:r>
-                          <a:rPr lang="en-US" sz="1800" i="1">
+                          <a:rPr lang="en-US" sz="1600" i="1">
                             <a:latin typeface="Cambria Math" panose="02040503050406030204" pitchFamily="18" charset="0"/>
                           </a:rPr>
                           <m:t>2</m:t>
@@ -14302,7 +14336,7 @@
                       </m:den>
                     </m:f>
                     <m:r>
-                      <a:rPr lang="en-US" sz="1800" i="1">
+                      <a:rPr lang="en-US" sz="1600" i="1">
                         <a:latin typeface="Cambria Math" panose="02040503050406030204" pitchFamily="18" charset="0"/>
                       </a:rPr>
                       <m:t>𝜌</m:t>
@@ -14334,7 +14368,7 @@
                           </m:e>
                           <m:sub>
                             <m:r>
-                              <a:rPr lang="en-US" sz="1600" b="0" i="1" smtClean="0">
+                              <a:rPr lang="en-US" sz="1600" i="1">
                                 <a:latin typeface="Cambria Math" panose="02040503050406030204" pitchFamily="18" charset="0"/>
                               </a:rPr>
                               <m:t>1</m:t>
@@ -14387,7 +14421,7 @@
                       </m:e>
                       <m:sub>
                         <m:r>
-                          <a:rPr lang="en-US" sz="1600" b="0" i="1" smtClean="0">
+                          <a:rPr lang="en-US" sz="1600" i="1">
                             <a:latin typeface="Cambria Math" panose="02040503050406030204" pitchFamily="18" charset="0"/>
                           </a:rPr>
                           <m:t>1</m:t>
@@ -14418,7 +14452,7 @@
                       </m:e>
                       <m:sub>
                         <m:r>
-                          <a:rPr lang="en-US" sz="1600" b="0" i="1" smtClean="0">
+                          <a:rPr lang="en-US" sz="1600" i="1">
                             <a:latin typeface="Cambria Math" panose="02040503050406030204" pitchFamily="18" charset="0"/>
                           </a:rPr>
                           <m:t>1</m:t>
@@ -14426,7 +14460,7 @@
                       </m:sub>
                     </m:sSub>
                     <m:r>
-                      <a:rPr lang="en-US" sz="1400" b="0" i="1" smtClean="0">
+                      <a:rPr lang="en-US" sz="1600" i="1">
                         <a:latin typeface="Cambria Math" panose="02040503050406030204" pitchFamily="18" charset="0"/>
                       </a:rPr>
                       <m:t>=</m:t>
@@ -14465,7 +14499,7 @@
                     <m:sSup>
                       <m:sSupPr>
                         <m:ctrlPr>
-                          <a:rPr lang="en-US" sz="1400" i="1">
+                          <a:rPr lang="en-US" sz="1600" i="1">
                             <a:latin typeface="Cambria Math" panose="02040503050406030204" pitchFamily="18" charset="0"/>
                           </a:rPr>
                         </m:ctrlPr>
@@ -14474,14 +14508,14 @@
                         <m:sSub>
                           <m:sSubPr>
                             <m:ctrlPr>
-                              <a:rPr lang="en-US" sz="1400" i="1" smtClean="0">
+                              <a:rPr lang="en-US" sz="1600" i="1">
                                 <a:latin typeface="Cambria Math" panose="02040503050406030204" pitchFamily="18" charset="0"/>
                               </a:rPr>
                             </m:ctrlPr>
                           </m:sSubPr>
                           <m:e>
                             <m:r>
-                              <a:rPr lang="en-US" sz="1400" b="0" i="1" smtClean="0">
+                              <a:rPr lang="en-US" sz="1600" i="1">
                                 <a:latin typeface="Cambria Math" panose="02040503050406030204" pitchFamily="18" charset="0"/>
                               </a:rPr>
                               <m:t>𝑣</m:t>
@@ -14489,7 +14523,7 @@
                           </m:e>
                           <m:sub>
                             <m:r>
-                              <a:rPr lang="en-US" sz="1400" b="0" i="1" smtClean="0">
+                              <a:rPr lang="en-US" sz="1600" i="1">
                                 <a:latin typeface="Cambria Math" panose="02040503050406030204" pitchFamily="18" charset="0"/>
                               </a:rPr>
                               <m:t>2</m:t>
@@ -14499,7 +14533,7 @@
                       </m:e>
                       <m:sup>
                         <m:r>
-                          <a:rPr lang="en-US" sz="1400" i="1">
+                          <a:rPr lang="en-US" sz="1600" i="1">
                             <a:latin typeface="Cambria Math" panose="02040503050406030204" pitchFamily="18" charset="0"/>
                           </a:rPr>
                           <m:t>2</m:t>
@@ -14507,19 +14541,19 @@
                       </m:sup>
                     </m:sSup>
                     <m:r>
-                      <a:rPr lang="en-US" sz="1400" i="1">
+                      <a:rPr lang="en-US" sz="1600" i="1">
                         <a:latin typeface="Cambria Math" panose="02040503050406030204" pitchFamily="18" charset="0"/>
                       </a:rPr>
                       <m:t>+</m:t>
                     </m:r>
                     <m:r>
-                      <a:rPr lang="en-US" sz="1400" i="1">
+                      <a:rPr lang="en-US" sz="1600" i="1">
                         <a:latin typeface="Cambria Math" panose="02040503050406030204" pitchFamily="18" charset="0"/>
                       </a:rPr>
                       <m:t>𝜌</m:t>
                     </m:r>
                     <m:r>
-                      <a:rPr lang="en-US" sz="1400" i="1">
+                      <a:rPr lang="en-US" sz="1600" i="1">
                         <a:latin typeface="Cambria Math" panose="02040503050406030204" pitchFamily="18" charset="0"/>
                       </a:rPr>
                       <m:t>𝑔</m:t>
@@ -14527,14 +14561,14 @@
                     <m:sSub>
                       <m:sSubPr>
                         <m:ctrlPr>
-                          <a:rPr lang="en-US" sz="1400" i="1" smtClean="0">
+                          <a:rPr lang="en-US" sz="1600" i="1">
                             <a:latin typeface="Cambria Math" panose="02040503050406030204" pitchFamily="18" charset="0"/>
                           </a:rPr>
                         </m:ctrlPr>
                       </m:sSubPr>
                       <m:e>
                         <m:r>
-                          <a:rPr lang="en-US" sz="1400" b="0" i="1" smtClean="0">
+                          <a:rPr lang="en-US" sz="1600" i="1">
                             <a:latin typeface="Cambria Math" panose="02040503050406030204" pitchFamily="18" charset="0"/>
                           </a:rPr>
                           <m:t>𝑦</m:t>
@@ -14542,7 +14576,7 @@
                       </m:e>
                       <m:sub>
                         <m:r>
-                          <a:rPr lang="en-US" sz="1400" b="0" i="1" smtClean="0">
+                          <a:rPr lang="en-US" sz="1600" i="1">
                             <a:latin typeface="Cambria Math" panose="02040503050406030204" pitchFamily="18" charset="0"/>
                           </a:rPr>
                           <m:t>2</m:t>
@@ -14550,7 +14584,7 @@
                       </m:sub>
                     </m:sSub>
                     <m:r>
-                      <a:rPr lang="en-US" sz="1400" b="0" i="1" smtClean="0">
+                      <a:rPr lang="en-US" sz="1600" i="1">
                         <a:latin typeface="Cambria Math" panose="02040503050406030204" pitchFamily="18" charset="0"/>
                       </a:rPr>
                       <m:t>+</m:t>
@@ -14558,14 +14592,14 @@
                     <m:sSub>
                       <m:sSubPr>
                         <m:ctrlPr>
-                          <a:rPr lang="en-US" sz="1400" i="1">
+                          <a:rPr lang="en-US" sz="1600" i="1">
                             <a:latin typeface="Cambria Math" panose="02040503050406030204" pitchFamily="18" charset="0"/>
                           </a:rPr>
                         </m:ctrlPr>
                       </m:sSubPr>
                       <m:e>
                         <m:r>
-                          <a:rPr lang="en-US" sz="1400" i="1">
+                          <a:rPr lang="en-US" sz="1600" i="1">
                             <a:latin typeface="Cambria Math" panose="02040503050406030204" pitchFamily="18" charset="0"/>
                           </a:rPr>
                           <m:t>𝑃</m:t>
@@ -14573,7 +14607,7 @@
                       </m:e>
                       <m:sub>
                         <m:r>
-                          <a:rPr lang="en-US" sz="1400" i="1">
+                          <a:rPr lang="en-US" sz="1600" i="1">
                             <a:latin typeface="Cambria Math" panose="02040503050406030204" pitchFamily="18" charset="0"/>
                           </a:rPr>
                           <m:t>2</m:t>
@@ -14582,27 +14616,6 @@
                     </m:sSub>
                   </m:oMath>
                 </a14:m>
-                <a:endParaRPr lang="en-US" sz="1400" dirty="0"/>
-              </a:p>
-              <a:p>
-                <a:endParaRPr lang="en-US" sz="1400" dirty="0"/>
-              </a:p>
-              <a:p>
-                <a:endParaRPr lang="en-US" sz="1400" dirty="0"/>
-              </a:p>
-              <a:p>
-                <a:endParaRPr lang="en-US" dirty="0"/>
-              </a:p>
-              <a:p>
-                <a:endParaRPr lang="en-US" dirty="0"/>
-              </a:p>
-              <a:p>
-                <a:endParaRPr lang="en-US" dirty="0"/>
-              </a:p>
-              <a:p>
-                <a:endParaRPr lang="en-US" dirty="0"/>
-              </a:p>
-              <a:p>
                 <a:endParaRPr lang="en-US" dirty="0"/>
               </a:p>
             </p:txBody>
@@ -14623,7 +14636,7 @@
               <a:blipFill>
                 <a:blip r:embed="rId2"/>
                 <a:stretch>
-                  <a:fillRect l="-215"/>
+                  <a:fillRect l="-358"/>
                 </a:stretch>
               </a:blipFill>
             </p:spPr>
@@ -15671,7 +15684,12 @@
                 <p:ph type="body" idx="1"/>
               </p:nvPr>
             </p:nvSpPr>
-            <p:spPr/>
+            <p:spPr>
+              <a:xfrm>
+                <a:off x="407393" y="1255340"/>
+                <a:ext cx="8520600" cy="3334800"/>
+              </a:xfrm>
+            </p:spPr>
             <p:txBody>
               <a:bodyPr>
                 <a:normAutofit/>
@@ -15900,6 +15918,25 @@
                 </a:r>
               </a:p>
               <a:p>
+                <a:pPr>
+                  <a:lnSpc>
+                    <a:spcPct val="110000"/>
+                  </a:lnSpc>
+                </a:pPr>
+                <a:r>
+                  <a:rPr lang="en-US" dirty="0"/>
+                  <a:t>As we are dealing with dynamic systems, blow up and stability is a problem which require careful refinements to avoid</a:t>
+                </a:r>
+              </a:p>
+              <a:p>
+                <a:pPr>
+                  <a:lnSpc>
+                    <a:spcPct val="110000"/>
+                  </a:lnSpc>
+                </a:pPr>
+                <a:endParaRPr lang="en-US" dirty="0"/>
+              </a:p>
+              <a:p>
                 <a:endParaRPr lang="en-US" dirty="0"/>
               </a:p>
             </p:txBody>
@@ -15917,6 +15954,10 @@
               </p:nvPr>
             </p:nvSpPr>
             <p:spPr>
+              <a:xfrm>
+                <a:off x="407393" y="1255340"/>
+                <a:ext cx="8520600" cy="3334800"/>
+              </a:xfrm>
               <a:blipFill>
                 <a:blip r:embed="rId2"/>
                 <a:stretch>
@@ -16634,6 +16675,109 @@
                                           <p:spTgt spid="3">
                                             <p:txEl>
                                               <p:pRg st="6" end="6"/>
+                                            </p:txEl>
+                                          </p:spTgt>
+                                        </p:tgtEl>
+                                        <p:attrNameLst>
+                                          <p:attrName>ppt_y</p:attrName>
+                                        </p:attrNameLst>
+                                      </p:cBhvr>
+                                      <p:tavLst>
+                                        <p:tav tm="0">
+                                          <p:val>
+                                            <p:strVal val="1+#ppt_h/2"/>
+                                          </p:val>
+                                        </p:tav>
+                                        <p:tav tm="100000">
+                                          <p:val>
+                                            <p:strVal val="#ppt_y"/>
+                                          </p:val>
+                                        </p:tav>
+                                      </p:tavLst>
+                                    </p:anim>
+                                  </p:childTnLst>
+                                </p:cTn>
+                              </p:par>
+                            </p:childTnLst>
+                          </p:cTn>
+                        </p:par>
+                      </p:childTnLst>
+                    </p:cTn>
+                  </p:par>
+                  <p:par>
+                    <p:cTn id="43" fill="hold">
+                      <p:stCondLst>
+                        <p:cond delay="indefinite"/>
+                      </p:stCondLst>
+                      <p:childTnLst>
+                        <p:par>
+                          <p:cTn id="44" fill="hold">
+                            <p:stCondLst>
+                              <p:cond delay="0"/>
+                            </p:stCondLst>
+                            <p:childTnLst>
+                              <p:par>
+                                <p:cTn id="45" presetID="2" presetClass="entr" presetSubtype="4" fill="hold" grpId="0" nodeType="clickEffect">
+                                  <p:stCondLst>
+                                    <p:cond delay="0"/>
+                                  </p:stCondLst>
+                                  <p:childTnLst>
+                                    <p:set>
+                                      <p:cBhvr>
+                                        <p:cTn id="46" dur="1" fill="hold">
+                                          <p:stCondLst>
+                                            <p:cond delay="0"/>
+                                          </p:stCondLst>
+                                        </p:cTn>
+                                        <p:tgtEl>
+                                          <p:spTgt spid="3">
+                                            <p:txEl>
+                                              <p:pRg st="7" end="7"/>
+                                            </p:txEl>
+                                          </p:spTgt>
+                                        </p:tgtEl>
+                                        <p:attrNameLst>
+                                          <p:attrName>style.visibility</p:attrName>
+                                        </p:attrNameLst>
+                                      </p:cBhvr>
+                                      <p:to>
+                                        <p:strVal val="visible"/>
+                                      </p:to>
+                                    </p:set>
+                                    <p:anim calcmode="lin" valueType="num">
+                                      <p:cBhvr additive="base">
+                                        <p:cTn id="47" dur="500" fill="hold"/>
+                                        <p:tgtEl>
+                                          <p:spTgt spid="3">
+                                            <p:txEl>
+                                              <p:pRg st="7" end="7"/>
+                                            </p:txEl>
+                                          </p:spTgt>
+                                        </p:tgtEl>
+                                        <p:attrNameLst>
+                                          <p:attrName>ppt_x</p:attrName>
+                                        </p:attrNameLst>
+                                      </p:cBhvr>
+                                      <p:tavLst>
+                                        <p:tav tm="0">
+                                          <p:val>
+                                            <p:strVal val="#ppt_x"/>
+                                          </p:val>
+                                        </p:tav>
+                                        <p:tav tm="100000">
+                                          <p:val>
+                                            <p:strVal val="#ppt_x"/>
+                                          </p:val>
+                                        </p:tav>
+                                      </p:tavLst>
+                                    </p:anim>
+                                    <p:anim calcmode="lin" valueType="num">
+                                      <p:cBhvr additive="base">
+                                        <p:cTn id="48" dur="500" fill="hold"/>
+                                        <p:tgtEl>
+                                          <p:spTgt spid="3">
+                                            <p:txEl>
+                                              <p:pRg st="7" end="7"/>
                                             </p:txEl>
                                           </p:spTgt>
                                         </p:tgtEl>

--- a/Navier Stokes Presentation.pptx
+++ b/Navier Stokes Presentation.pptx
@@ -24,23 +24,23 @@
   <p:notesSz cx="6858000" cy="9144000"/>
   <p:embeddedFontLst>
     <p:embeddedFont>
+      <p:font typeface="Calibri" panose="020F0502020204030204" pitchFamily="34" charset="0"/>
+      <p:regular r:id="rId14"/>
+      <p:bold r:id="rId15"/>
+      <p:italic r:id="rId16"/>
+      <p:boldItalic r:id="rId17"/>
+    </p:embeddedFont>
+    <p:embeddedFont>
       <p:font typeface="Cambria Math" panose="02040503050406030204" pitchFamily="18" charset="0"/>
-      <p:regular r:id="rId14"/>
+      <p:regular r:id="rId18"/>
     </p:embeddedFont>
     <p:embeddedFont>
       <p:font typeface="Calibri Light" panose="020F0302020204030204" pitchFamily="34" charset="0"/>
-      <p:regular r:id="rId15"/>
-      <p:italic r:id="rId16"/>
+      <p:regular r:id="rId19"/>
+      <p:italic r:id="rId20"/>
     </p:embeddedFont>
     <p:embeddedFont>
       <p:font typeface="Playfair Display"/>
-      <p:regular r:id="rId17"/>
-      <p:bold r:id="rId18"/>
-      <p:italic r:id="rId19"/>
-      <p:boldItalic r:id="rId20"/>
-    </p:embeddedFont>
-    <p:embeddedFont>
-      <p:font typeface="Calibri" panose="020F0502020204030204" pitchFamily="34" charset="0"/>
       <p:regular r:id="rId21"/>
       <p:bold r:id="rId22"/>
       <p:italic r:id="rId23"/>
@@ -9717,8 +9717,8 @@
           </a:p>
         </p:txBody>
       </p:sp>
-      <mc:AlternateContent xmlns:mc="http://schemas.openxmlformats.org/markup-compatibility/2006">
-        <mc:Choice xmlns:a14="http://schemas.microsoft.com/office/drawing/2010/main" Requires="a14">
+      <mc:AlternateContent xmlns:mc="http://schemas.openxmlformats.org/markup-compatibility/2006" xmlns:a14="http://schemas.microsoft.com/office/drawing/2010/main">
+        <mc:Choice Requires="a14">
           <p:sp>
             <p:nvSpPr>
               <p:cNvPr id="3" name="Text Placeholder 2"/>
@@ -10498,7 +10498,7 @@
             </p:txBody>
           </p:sp>
         </mc:Choice>
-        <mc:Fallback>
+        <mc:Fallback xmlns="">
           <p:sp>
             <p:nvSpPr>
               <p:cNvPr id="3" name="Text Placeholder 2"/>
@@ -12906,6 +12906,791 @@
   <p:transition spd="slow">
     <p:cover dir="d"/>
   </p:transition>
+  <p:timing>
+    <p:tnLst>
+      <p:par>
+        <p:cTn id="1" dur="indefinite" restart="never" nodeType="tmRoot">
+          <p:childTnLst>
+            <p:seq concurrent="1" nextAc="seek">
+              <p:cTn id="2" dur="indefinite" nodeType="mainSeq">
+                <p:childTnLst>
+                  <p:par>
+                    <p:cTn id="3" fill="hold">
+                      <p:stCondLst>
+                        <p:cond delay="indefinite"/>
+                      </p:stCondLst>
+                      <p:childTnLst>
+                        <p:par>
+                          <p:cTn id="4" fill="hold">
+                            <p:stCondLst>
+                              <p:cond delay="0"/>
+                            </p:stCondLst>
+                            <p:childTnLst>
+                              <p:par>
+                                <p:cTn id="5" presetID="2" presetClass="entr" presetSubtype="8" fill="hold" grpId="0" nodeType="clickEffect">
+                                  <p:stCondLst>
+                                    <p:cond delay="0"/>
+                                  </p:stCondLst>
+                                  <p:childTnLst>
+                                    <p:set>
+                                      <p:cBhvr>
+                                        <p:cTn id="6" dur="1" fill="hold">
+                                          <p:stCondLst>
+                                            <p:cond delay="0"/>
+                                          </p:stCondLst>
+                                        </p:cTn>
+                                        <p:tgtEl>
+                                          <p:spTgt spid="71">
+                                            <p:txEl>
+                                              <p:pRg st="0" end="0"/>
+                                            </p:txEl>
+                                          </p:spTgt>
+                                        </p:tgtEl>
+                                        <p:attrNameLst>
+                                          <p:attrName>style.visibility</p:attrName>
+                                        </p:attrNameLst>
+                                      </p:cBhvr>
+                                      <p:to>
+                                        <p:strVal val="visible"/>
+                                      </p:to>
+                                    </p:set>
+                                    <p:anim calcmode="lin" valueType="num">
+                                      <p:cBhvr additive="base">
+                                        <p:cTn id="7" dur="500" fill="hold"/>
+                                        <p:tgtEl>
+                                          <p:spTgt spid="71">
+                                            <p:txEl>
+                                              <p:pRg st="0" end="0"/>
+                                            </p:txEl>
+                                          </p:spTgt>
+                                        </p:tgtEl>
+                                        <p:attrNameLst>
+                                          <p:attrName>ppt_x</p:attrName>
+                                        </p:attrNameLst>
+                                      </p:cBhvr>
+                                      <p:tavLst>
+                                        <p:tav tm="0">
+                                          <p:val>
+                                            <p:strVal val="0-#ppt_w/2"/>
+                                          </p:val>
+                                        </p:tav>
+                                        <p:tav tm="100000">
+                                          <p:val>
+                                            <p:strVal val="#ppt_x"/>
+                                          </p:val>
+                                        </p:tav>
+                                      </p:tavLst>
+                                    </p:anim>
+                                    <p:anim calcmode="lin" valueType="num">
+                                      <p:cBhvr additive="base">
+                                        <p:cTn id="8" dur="500" fill="hold"/>
+                                        <p:tgtEl>
+                                          <p:spTgt spid="71">
+                                            <p:txEl>
+                                              <p:pRg st="0" end="0"/>
+                                            </p:txEl>
+                                          </p:spTgt>
+                                        </p:tgtEl>
+                                        <p:attrNameLst>
+                                          <p:attrName>ppt_y</p:attrName>
+                                        </p:attrNameLst>
+                                      </p:cBhvr>
+                                      <p:tavLst>
+                                        <p:tav tm="0">
+                                          <p:val>
+                                            <p:strVal val="#ppt_y"/>
+                                          </p:val>
+                                        </p:tav>
+                                        <p:tav tm="100000">
+                                          <p:val>
+                                            <p:strVal val="#ppt_y"/>
+                                          </p:val>
+                                        </p:tav>
+                                      </p:tavLst>
+                                    </p:anim>
+                                  </p:childTnLst>
+                                </p:cTn>
+                              </p:par>
+                            </p:childTnLst>
+                          </p:cTn>
+                        </p:par>
+                      </p:childTnLst>
+                    </p:cTn>
+                  </p:par>
+                  <p:par>
+                    <p:cTn id="9" fill="hold">
+                      <p:stCondLst>
+                        <p:cond delay="indefinite"/>
+                      </p:stCondLst>
+                      <p:childTnLst>
+                        <p:par>
+                          <p:cTn id="10" fill="hold">
+                            <p:stCondLst>
+                              <p:cond delay="0"/>
+                            </p:stCondLst>
+                            <p:childTnLst>
+                              <p:par>
+                                <p:cTn id="11" presetID="2" presetClass="entr" presetSubtype="8" fill="hold" grpId="0" nodeType="clickEffect">
+                                  <p:stCondLst>
+                                    <p:cond delay="0"/>
+                                  </p:stCondLst>
+                                  <p:childTnLst>
+                                    <p:set>
+                                      <p:cBhvr>
+                                        <p:cTn id="12" dur="1" fill="hold">
+                                          <p:stCondLst>
+                                            <p:cond delay="0"/>
+                                          </p:stCondLst>
+                                        </p:cTn>
+                                        <p:tgtEl>
+                                          <p:spTgt spid="71">
+                                            <p:txEl>
+                                              <p:pRg st="1" end="1"/>
+                                            </p:txEl>
+                                          </p:spTgt>
+                                        </p:tgtEl>
+                                        <p:attrNameLst>
+                                          <p:attrName>style.visibility</p:attrName>
+                                        </p:attrNameLst>
+                                      </p:cBhvr>
+                                      <p:to>
+                                        <p:strVal val="visible"/>
+                                      </p:to>
+                                    </p:set>
+                                    <p:anim calcmode="lin" valueType="num">
+                                      <p:cBhvr additive="base">
+                                        <p:cTn id="13" dur="500" fill="hold"/>
+                                        <p:tgtEl>
+                                          <p:spTgt spid="71">
+                                            <p:txEl>
+                                              <p:pRg st="1" end="1"/>
+                                            </p:txEl>
+                                          </p:spTgt>
+                                        </p:tgtEl>
+                                        <p:attrNameLst>
+                                          <p:attrName>ppt_x</p:attrName>
+                                        </p:attrNameLst>
+                                      </p:cBhvr>
+                                      <p:tavLst>
+                                        <p:tav tm="0">
+                                          <p:val>
+                                            <p:strVal val="0-#ppt_w/2"/>
+                                          </p:val>
+                                        </p:tav>
+                                        <p:tav tm="100000">
+                                          <p:val>
+                                            <p:strVal val="#ppt_x"/>
+                                          </p:val>
+                                        </p:tav>
+                                      </p:tavLst>
+                                    </p:anim>
+                                    <p:anim calcmode="lin" valueType="num">
+                                      <p:cBhvr additive="base">
+                                        <p:cTn id="14" dur="500" fill="hold"/>
+                                        <p:tgtEl>
+                                          <p:spTgt spid="71">
+                                            <p:txEl>
+                                              <p:pRg st="1" end="1"/>
+                                            </p:txEl>
+                                          </p:spTgt>
+                                        </p:tgtEl>
+                                        <p:attrNameLst>
+                                          <p:attrName>ppt_y</p:attrName>
+                                        </p:attrNameLst>
+                                      </p:cBhvr>
+                                      <p:tavLst>
+                                        <p:tav tm="0">
+                                          <p:val>
+                                            <p:strVal val="#ppt_y"/>
+                                          </p:val>
+                                        </p:tav>
+                                        <p:tav tm="100000">
+                                          <p:val>
+                                            <p:strVal val="#ppt_y"/>
+                                          </p:val>
+                                        </p:tav>
+                                      </p:tavLst>
+                                    </p:anim>
+                                  </p:childTnLst>
+                                </p:cTn>
+                              </p:par>
+                            </p:childTnLst>
+                          </p:cTn>
+                        </p:par>
+                      </p:childTnLst>
+                    </p:cTn>
+                  </p:par>
+                  <p:par>
+                    <p:cTn id="15" fill="hold">
+                      <p:stCondLst>
+                        <p:cond delay="indefinite"/>
+                      </p:stCondLst>
+                      <p:childTnLst>
+                        <p:par>
+                          <p:cTn id="16" fill="hold">
+                            <p:stCondLst>
+                              <p:cond delay="0"/>
+                            </p:stCondLst>
+                            <p:childTnLst>
+                              <p:par>
+                                <p:cTn id="17" presetID="2" presetClass="entr" presetSubtype="8" fill="hold" grpId="0" nodeType="clickEffect">
+                                  <p:stCondLst>
+                                    <p:cond delay="0"/>
+                                  </p:stCondLst>
+                                  <p:childTnLst>
+                                    <p:set>
+                                      <p:cBhvr>
+                                        <p:cTn id="18" dur="1" fill="hold">
+                                          <p:stCondLst>
+                                            <p:cond delay="0"/>
+                                          </p:stCondLst>
+                                        </p:cTn>
+                                        <p:tgtEl>
+                                          <p:spTgt spid="71">
+                                            <p:txEl>
+                                              <p:pRg st="2" end="2"/>
+                                            </p:txEl>
+                                          </p:spTgt>
+                                        </p:tgtEl>
+                                        <p:attrNameLst>
+                                          <p:attrName>style.visibility</p:attrName>
+                                        </p:attrNameLst>
+                                      </p:cBhvr>
+                                      <p:to>
+                                        <p:strVal val="visible"/>
+                                      </p:to>
+                                    </p:set>
+                                    <p:anim calcmode="lin" valueType="num">
+                                      <p:cBhvr additive="base">
+                                        <p:cTn id="19" dur="500" fill="hold"/>
+                                        <p:tgtEl>
+                                          <p:spTgt spid="71">
+                                            <p:txEl>
+                                              <p:pRg st="2" end="2"/>
+                                            </p:txEl>
+                                          </p:spTgt>
+                                        </p:tgtEl>
+                                        <p:attrNameLst>
+                                          <p:attrName>ppt_x</p:attrName>
+                                        </p:attrNameLst>
+                                      </p:cBhvr>
+                                      <p:tavLst>
+                                        <p:tav tm="0">
+                                          <p:val>
+                                            <p:strVal val="0-#ppt_w/2"/>
+                                          </p:val>
+                                        </p:tav>
+                                        <p:tav tm="100000">
+                                          <p:val>
+                                            <p:strVal val="#ppt_x"/>
+                                          </p:val>
+                                        </p:tav>
+                                      </p:tavLst>
+                                    </p:anim>
+                                    <p:anim calcmode="lin" valueType="num">
+                                      <p:cBhvr additive="base">
+                                        <p:cTn id="20" dur="500" fill="hold"/>
+                                        <p:tgtEl>
+                                          <p:spTgt spid="71">
+                                            <p:txEl>
+                                              <p:pRg st="2" end="2"/>
+                                            </p:txEl>
+                                          </p:spTgt>
+                                        </p:tgtEl>
+                                        <p:attrNameLst>
+                                          <p:attrName>ppt_y</p:attrName>
+                                        </p:attrNameLst>
+                                      </p:cBhvr>
+                                      <p:tavLst>
+                                        <p:tav tm="0">
+                                          <p:val>
+                                            <p:strVal val="#ppt_y"/>
+                                          </p:val>
+                                        </p:tav>
+                                        <p:tav tm="100000">
+                                          <p:val>
+                                            <p:strVal val="#ppt_y"/>
+                                          </p:val>
+                                        </p:tav>
+                                      </p:tavLst>
+                                    </p:anim>
+                                  </p:childTnLst>
+                                </p:cTn>
+                              </p:par>
+                              <p:par>
+                                <p:cTn id="21" presetID="2" presetClass="entr" presetSubtype="8" fill="hold" grpId="0" nodeType="withEffect">
+                                  <p:stCondLst>
+                                    <p:cond delay="0"/>
+                                  </p:stCondLst>
+                                  <p:childTnLst>
+                                    <p:set>
+                                      <p:cBhvr>
+                                        <p:cTn id="22" dur="1" fill="hold">
+                                          <p:stCondLst>
+                                            <p:cond delay="0"/>
+                                          </p:stCondLst>
+                                        </p:cTn>
+                                        <p:tgtEl>
+                                          <p:spTgt spid="71">
+                                            <p:txEl>
+                                              <p:pRg st="3" end="3"/>
+                                            </p:txEl>
+                                          </p:spTgt>
+                                        </p:tgtEl>
+                                        <p:attrNameLst>
+                                          <p:attrName>style.visibility</p:attrName>
+                                        </p:attrNameLst>
+                                      </p:cBhvr>
+                                      <p:to>
+                                        <p:strVal val="visible"/>
+                                      </p:to>
+                                    </p:set>
+                                    <p:anim calcmode="lin" valueType="num">
+                                      <p:cBhvr additive="base">
+                                        <p:cTn id="23" dur="500" fill="hold"/>
+                                        <p:tgtEl>
+                                          <p:spTgt spid="71">
+                                            <p:txEl>
+                                              <p:pRg st="3" end="3"/>
+                                            </p:txEl>
+                                          </p:spTgt>
+                                        </p:tgtEl>
+                                        <p:attrNameLst>
+                                          <p:attrName>ppt_x</p:attrName>
+                                        </p:attrNameLst>
+                                      </p:cBhvr>
+                                      <p:tavLst>
+                                        <p:tav tm="0">
+                                          <p:val>
+                                            <p:strVal val="0-#ppt_w/2"/>
+                                          </p:val>
+                                        </p:tav>
+                                        <p:tav tm="100000">
+                                          <p:val>
+                                            <p:strVal val="#ppt_x"/>
+                                          </p:val>
+                                        </p:tav>
+                                      </p:tavLst>
+                                    </p:anim>
+                                    <p:anim calcmode="lin" valueType="num">
+                                      <p:cBhvr additive="base">
+                                        <p:cTn id="24" dur="500" fill="hold"/>
+                                        <p:tgtEl>
+                                          <p:spTgt spid="71">
+                                            <p:txEl>
+                                              <p:pRg st="3" end="3"/>
+                                            </p:txEl>
+                                          </p:spTgt>
+                                        </p:tgtEl>
+                                        <p:attrNameLst>
+                                          <p:attrName>ppt_y</p:attrName>
+                                        </p:attrNameLst>
+                                      </p:cBhvr>
+                                      <p:tavLst>
+                                        <p:tav tm="0">
+                                          <p:val>
+                                            <p:strVal val="#ppt_y"/>
+                                          </p:val>
+                                        </p:tav>
+                                        <p:tav tm="100000">
+                                          <p:val>
+                                            <p:strVal val="#ppt_y"/>
+                                          </p:val>
+                                        </p:tav>
+                                      </p:tavLst>
+                                    </p:anim>
+                                  </p:childTnLst>
+                                </p:cTn>
+                              </p:par>
+                              <p:par>
+                                <p:cTn id="25" presetID="2" presetClass="entr" presetSubtype="8" fill="hold" grpId="0" nodeType="withEffect">
+                                  <p:stCondLst>
+                                    <p:cond delay="0"/>
+                                  </p:stCondLst>
+                                  <p:childTnLst>
+                                    <p:set>
+                                      <p:cBhvr>
+                                        <p:cTn id="26" dur="1" fill="hold">
+                                          <p:stCondLst>
+                                            <p:cond delay="0"/>
+                                          </p:stCondLst>
+                                        </p:cTn>
+                                        <p:tgtEl>
+                                          <p:spTgt spid="71">
+                                            <p:txEl>
+                                              <p:pRg st="4" end="4"/>
+                                            </p:txEl>
+                                          </p:spTgt>
+                                        </p:tgtEl>
+                                        <p:attrNameLst>
+                                          <p:attrName>style.visibility</p:attrName>
+                                        </p:attrNameLst>
+                                      </p:cBhvr>
+                                      <p:to>
+                                        <p:strVal val="visible"/>
+                                      </p:to>
+                                    </p:set>
+                                    <p:anim calcmode="lin" valueType="num">
+                                      <p:cBhvr additive="base">
+                                        <p:cTn id="27" dur="500" fill="hold"/>
+                                        <p:tgtEl>
+                                          <p:spTgt spid="71">
+                                            <p:txEl>
+                                              <p:pRg st="4" end="4"/>
+                                            </p:txEl>
+                                          </p:spTgt>
+                                        </p:tgtEl>
+                                        <p:attrNameLst>
+                                          <p:attrName>ppt_x</p:attrName>
+                                        </p:attrNameLst>
+                                      </p:cBhvr>
+                                      <p:tavLst>
+                                        <p:tav tm="0">
+                                          <p:val>
+                                            <p:strVal val="0-#ppt_w/2"/>
+                                          </p:val>
+                                        </p:tav>
+                                        <p:tav tm="100000">
+                                          <p:val>
+                                            <p:strVal val="#ppt_x"/>
+                                          </p:val>
+                                        </p:tav>
+                                      </p:tavLst>
+                                    </p:anim>
+                                    <p:anim calcmode="lin" valueType="num">
+                                      <p:cBhvr additive="base">
+                                        <p:cTn id="28" dur="500" fill="hold"/>
+                                        <p:tgtEl>
+                                          <p:spTgt spid="71">
+                                            <p:txEl>
+                                              <p:pRg st="4" end="4"/>
+                                            </p:txEl>
+                                          </p:spTgt>
+                                        </p:tgtEl>
+                                        <p:attrNameLst>
+                                          <p:attrName>ppt_y</p:attrName>
+                                        </p:attrNameLst>
+                                      </p:cBhvr>
+                                      <p:tavLst>
+                                        <p:tav tm="0">
+                                          <p:val>
+                                            <p:strVal val="#ppt_y"/>
+                                          </p:val>
+                                        </p:tav>
+                                        <p:tav tm="100000">
+                                          <p:val>
+                                            <p:strVal val="#ppt_y"/>
+                                          </p:val>
+                                        </p:tav>
+                                      </p:tavLst>
+                                    </p:anim>
+                                  </p:childTnLst>
+                                </p:cTn>
+                              </p:par>
+                              <p:par>
+                                <p:cTn id="29" presetID="2" presetClass="entr" presetSubtype="8" fill="hold" grpId="0" nodeType="withEffect">
+                                  <p:stCondLst>
+                                    <p:cond delay="0"/>
+                                  </p:stCondLst>
+                                  <p:childTnLst>
+                                    <p:set>
+                                      <p:cBhvr>
+                                        <p:cTn id="30" dur="1" fill="hold">
+                                          <p:stCondLst>
+                                            <p:cond delay="0"/>
+                                          </p:stCondLst>
+                                        </p:cTn>
+                                        <p:tgtEl>
+                                          <p:spTgt spid="71">
+                                            <p:txEl>
+                                              <p:pRg st="5" end="5"/>
+                                            </p:txEl>
+                                          </p:spTgt>
+                                        </p:tgtEl>
+                                        <p:attrNameLst>
+                                          <p:attrName>style.visibility</p:attrName>
+                                        </p:attrNameLst>
+                                      </p:cBhvr>
+                                      <p:to>
+                                        <p:strVal val="visible"/>
+                                      </p:to>
+                                    </p:set>
+                                    <p:anim calcmode="lin" valueType="num">
+                                      <p:cBhvr additive="base">
+                                        <p:cTn id="31" dur="500" fill="hold"/>
+                                        <p:tgtEl>
+                                          <p:spTgt spid="71">
+                                            <p:txEl>
+                                              <p:pRg st="5" end="5"/>
+                                            </p:txEl>
+                                          </p:spTgt>
+                                        </p:tgtEl>
+                                        <p:attrNameLst>
+                                          <p:attrName>ppt_x</p:attrName>
+                                        </p:attrNameLst>
+                                      </p:cBhvr>
+                                      <p:tavLst>
+                                        <p:tav tm="0">
+                                          <p:val>
+                                            <p:strVal val="0-#ppt_w/2"/>
+                                          </p:val>
+                                        </p:tav>
+                                        <p:tav tm="100000">
+                                          <p:val>
+                                            <p:strVal val="#ppt_x"/>
+                                          </p:val>
+                                        </p:tav>
+                                      </p:tavLst>
+                                    </p:anim>
+                                    <p:anim calcmode="lin" valueType="num">
+                                      <p:cBhvr additive="base">
+                                        <p:cTn id="32" dur="500" fill="hold"/>
+                                        <p:tgtEl>
+                                          <p:spTgt spid="71">
+                                            <p:txEl>
+                                              <p:pRg st="5" end="5"/>
+                                            </p:txEl>
+                                          </p:spTgt>
+                                        </p:tgtEl>
+                                        <p:attrNameLst>
+                                          <p:attrName>ppt_y</p:attrName>
+                                        </p:attrNameLst>
+                                      </p:cBhvr>
+                                      <p:tavLst>
+                                        <p:tav tm="0">
+                                          <p:val>
+                                            <p:strVal val="#ppt_y"/>
+                                          </p:val>
+                                        </p:tav>
+                                        <p:tav tm="100000">
+                                          <p:val>
+                                            <p:strVal val="#ppt_y"/>
+                                          </p:val>
+                                        </p:tav>
+                                      </p:tavLst>
+                                    </p:anim>
+                                  </p:childTnLst>
+                                </p:cTn>
+                              </p:par>
+                              <p:par>
+                                <p:cTn id="33" presetID="2" presetClass="entr" presetSubtype="8" fill="hold" grpId="0" nodeType="withEffect">
+                                  <p:stCondLst>
+                                    <p:cond delay="0"/>
+                                  </p:stCondLst>
+                                  <p:childTnLst>
+                                    <p:set>
+                                      <p:cBhvr>
+                                        <p:cTn id="34" dur="1" fill="hold">
+                                          <p:stCondLst>
+                                            <p:cond delay="0"/>
+                                          </p:stCondLst>
+                                        </p:cTn>
+                                        <p:tgtEl>
+                                          <p:spTgt spid="71">
+                                            <p:txEl>
+                                              <p:pRg st="6" end="6"/>
+                                            </p:txEl>
+                                          </p:spTgt>
+                                        </p:tgtEl>
+                                        <p:attrNameLst>
+                                          <p:attrName>style.visibility</p:attrName>
+                                        </p:attrNameLst>
+                                      </p:cBhvr>
+                                      <p:to>
+                                        <p:strVal val="visible"/>
+                                      </p:to>
+                                    </p:set>
+                                    <p:anim calcmode="lin" valueType="num">
+                                      <p:cBhvr additive="base">
+                                        <p:cTn id="35" dur="500" fill="hold"/>
+                                        <p:tgtEl>
+                                          <p:spTgt spid="71">
+                                            <p:txEl>
+                                              <p:pRg st="6" end="6"/>
+                                            </p:txEl>
+                                          </p:spTgt>
+                                        </p:tgtEl>
+                                        <p:attrNameLst>
+                                          <p:attrName>ppt_x</p:attrName>
+                                        </p:attrNameLst>
+                                      </p:cBhvr>
+                                      <p:tavLst>
+                                        <p:tav tm="0">
+                                          <p:val>
+                                            <p:strVal val="0-#ppt_w/2"/>
+                                          </p:val>
+                                        </p:tav>
+                                        <p:tav tm="100000">
+                                          <p:val>
+                                            <p:strVal val="#ppt_x"/>
+                                          </p:val>
+                                        </p:tav>
+                                      </p:tavLst>
+                                    </p:anim>
+                                    <p:anim calcmode="lin" valueType="num">
+                                      <p:cBhvr additive="base">
+                                        <p:cTn id="36" dur="500" fill="hold"/>
+                                        <p:tgtEl>
+                                          <p:spTgt spid="71">
+                                            <p:txEl>
+                                              <p:pRg st="6" end="6"/>
+                                            </p:txEl>
+                                          </p:spTgt>
+                                        </p:tgtEl>
+                                        <p:attrNameLst>
+                                          <p:attrName>ppt_y</p:attrName>
+                                        </p:attrNameLst>
+                                      </p:cBhvr>
+                                      <p:tavLst>
+                                        <p:tav tm="0">
+                                          <p:val>
+                                            <p:strVal val="#ppt_y"/>
+                                          </p:val>
+                                        </p:tav>
+                                        <p:tav tm="100000">
+                                          <p:val>
+                                            <p:strVal val="#ppt_y"/>
+                                          </p:val>
+                                        </p:tav>
+                                      </p:tavLst>
+                                    </p:anim>
+                                  </p:childTnLst>
+                                </p:cTn>
+                              </p:par>
+                            </p:childTnLst>
+                          </p:cTn>
+                        </p:par>
+                      </p:childTnLst>
+                    </p:cTn>
+                  </p:par>
+                  <p:par>
+                    <p:cTn id="37" fill="hold">
+                      <p:stCondLst>
+                        <p:cond delay="indefinite"/>
+                      </p:stCondLst>
+                      <p:childTnLst>
+                        <p:par>
+                          <p:cTn id="38" fill="hold">
+                            <p:stCondLst>
+                              <p:cond delay="0"/>
+                            </p:stCondLst>
+                            <p:childTnLst>
+                              <p:par>
+                                <p:cTn id="39" presetID="2" presetClass="entr" presetSubtype="8" fill="hold" grpId="0" nodeType="clickEffect">
+                                  <p:stCondLst>
+                                    <p:cond delay="0"/>
+                                  </p:stCondLst>
+                                  <p:childTnLst>
+                                    <p:set>
+                                      <p:cBhvr>
+                                        <p:cTn id="40" dur="1" fill="hold">
+                                          <p:stCondLst>
+                                            <p:cond delay="0"/>
+                                          </p:stCondLst>
+                                        </p:cTn>
+                                        <p:tgtEl>
+                                          <p:spTgt spid="71">
+                                            <p:txEl>
+                                              <p:pRg st="7" end="7"/>
+                                            </p:txEl>
+                                          </p:spTgt>
+                                        </p:tgtEl>
+                                        <p:attrNameLst>
+                                          <p:attrName>style.visibility</p:attrName>
+                                        </p:attrNameLst>
+                                      </p:cBhvr>
+                                      <p:to>
+                                        <p:strVal val="visible"/>
+                                      </p:to>
+                                    </p:set>
+                                    <p:anim calcmode="lin" valueType="num">
+                                      <p:cBhvr additive="base">
+                                        <p:cTn id="41" dur="500" fill="hold"/>
+                                        <p:tgtEl>
+                                          <p:spTgt spid="71">
+                                            <p:txEl>
+                                              <p:pRg st="7" end="7"/>
+                                            </p:txEl>
+                                          </p:spTgt>
+                                        </p:tgtEl>
+                                        <p:attrNameLst>
+                                          <p:attrName>ppt_x</p:attrName>
+                                        </p:attrNameLst>
+                                      </p:cBhvr>
+                                      <p:tavLst>
+                                        <p:tav tm="0">
+                                          <p:val>
+                                            <p:strVal val="0-#ppt_w/2"/>
+                                          </p:val>
+                                        </p:tav>
+                                        <p:tav tm="100000">
+                                          <p:val>
+                                            <p:strVal val="#ppt_x"/>
+                                          </p:val>
+                                        </p:tav>
+                                      </p:tavLst>
+                                    </p:anim>
+                                    <p:anim calcmode="lin" valueType="num">
+                                      <p:cBhvr additive="base">
+                                        <p:cTn id="42" dur="500" fill="hold"/>
+                                        <p:tgtEl>
+                                          <p:spTgt spid="71">
+                                            <p:txEl>
+                                              <p:pRg st="7" end="7"/>
+                                            </p:txEl>
+                                          </p:spTgt>
+                                        </p:tgtEl>
+                                        <p:attrNameLst>
+                                          <p:attrName>ppt_y</p:attrName>
+                                        </p:attrNameLst>
+                                      </p:cBhvr>
+                                      <p:tavLst>
+                                        <p:tav tm="0">
+                                          <p:val>
+                                            <p:strVal val="#ppt_y"/>
+                                          </p:val>
+                                        </p:tav>
+                                        <p:tav tm="100000">
+                                          <p:val>
+                                            <p:strVal val="#ppt_y"/>
+                                          </p:val>
+                                        </p:tav>
+                                      </p:tavLst>
+                                    </p:anim>
+                                  </p:childTnLst>
+                                </p:cTn>
+                              </p:par>
+                            </p:childTnLst>
+                          </p:cTn>
+                        </p:par>
+                      </p:childTnLst>
+                    </p:cTn>
+                  </p:par>
+                </p:childTnLst>
+              </p:cTn>
+              <p:prevCondLst>
+                <p:cond evt="onPrev" delay="0">
+                  <p:tgtEl>
+                    <p:sldTgt/>
+                  </p:tgtEl>
+                </p:cond>
+              </p:prevCondLst>
+              <p:nextCondLst>
+                <p:cond evt="onNext" delay="0">
+                  <p:tgtEl>
+                    <p:sldTgt/>
+                  </p:tgtEl>
+                </p:cond>
+              </p:nextCondLst>
+            </p:seq>
+          </p:childTnLst>
+        </p:cTn>
+      </p:par>
+    </p:tnLst>
+    <p:bldLst>
+      <p:bldP spid="71" grpId="0" build="p"/>
+    </p:bldLst>
+  </p:timing>
 </p:sld>
 </file>
 
@@ -13078,6 +13863,451 @@
   <p:transition spd="slow">
     <p:cover dir="d"/>
   </p:transition>
+  <p:timing>
+    <p:tnLst>
+      <p:par>
+        <p:cTn id="1" dur="indefinite" restart="never" nodeType="tmRoot">
+          <p:childTnLst>
+            <p:seq concurrent="1" nextAc="seek">
+              <p:cTn id="2" dur="indefinite" nodeType="mainSeq">
+                <p:childTnLst>
+                  <p:par>
+                    <p:cTn id="3" fill="hold">
+                      <p:stCondLst>
+                        <p:cond delay="indefinite"/>
+                      </p:stCondLst>
+                      <p:childTnLst>
+                        <p:par>
+                          <p:cTn id="4" fill="hold">
+                            <p:stCondLst>
+                              <p:cond delay="0"/>
+                            </p:stCondLst>
+                            <p:childTnLst>
+                              <p:par>
+                                <p:cTn id="5" presetID="2" presetClass="entr" presetSubtype="8" fill="hold" grpId="0" nodeType="clickEffect">
+                                  <p:stCondLst>
+                                    <p:cond delay="0"/>
+                                  </p:stCondLst>
+                                  <p:childTnLst>
+                                    <p:set>
+                                      <p:cBhvr>
+                                        <p:cTn id="6" dur="1" fill="hold">
+                                          <p:stCondLst>
+                                            <p:cond delay="0"/>
+                                          </p:stCondLst>
+                                        </p:cTn>
+                                        <p:tgtEl>
+                                          <p:spTgt spid="89">
+                                            <p:txEl>
+                                              <p:pRg st="0" end="0"/>
+                                            </p:txEl>
+                                          </p:spTgt>
+                                        </p:tgtEl>
+                                        <p:attrNameLst>
+                                          <p:attrName>style.visibility</p:attrName>
+                                        </p:attrNameLst>
+                                      </p:cBhvr>
+                                      <p:to>
+                                        <p:strVal val="visible"/>
+                                      </p:to>
+                                    </p:set>
+                                    <p:anim calcmode="lin" valueType="num">
+                                      <p:cBhvr additive="base">
+                                        <p:cTn id="7" dur="500" fill="hold"/>
+                                        <p:tgtEl>
+                                          <p:spTgt spid="89">
+                                            <p:txEl>
+                                              <p:pRg st="0" end="0"/>
+                                            </p:txEl>
+                                          </p:spTgt>
+                                        </p:tgtEl>
+                                        <p:attrNameLst>
+                                          <p:attrName>ppt_x</p:attrName>
+                                        </p:attrNameLst>
+                                      </p:cBhvr>
+                                      <p:tavLst>
+                                        <p:tav tm="0">
+                                          <p:val>
+                                            <p:strVal val="0-#ppt_w/2"/>
+                                          </p:val>
+                                        </p:tav>
+                                        <p:tav tm="100000">
+                                          <p:val>
+                                            <p:strVal val="#ppt_x"/>
+                                          </p:val>
+                                        </p:tav>
+                                      </p:tavLst>
+                                    </p:anim>
+                                    <p:anim calcmode="lin" valueType="num">
+                                      <p:cBhvr additive="base">
+                                        <p:cTn id="8" dur="500" fill="hold"/>
+                                        <p:tgtEl>
+                                          <p:spTgt spid="89">
+                                            <p:txEl>
+                                              <p:pRg st="0" end="0"/>
+                                            </p:txEl>
+                                          </p:spTgt>
+                                        </p:tgtEl>
+                                        <p:attrNameLst>
+                                          <p:attrName>ppt_y</p:attrName>
+                                        </p:attrNameLst>
+                                      </p:cBhvr>
+                                      <p:tavLst>
+                                        <p:tav tm="0">
+                                          <p:val>
+                                            <p:strVal val="#ppt_y"/>
+                                          </p:val>
+                                        </p:tav>
+                                        <p:tav tm="100000">
+                                          <p:val>
+                                            <p:strVal val="#ppt_y"/>
+                                          </p:val>
+                                        </p:tav>
+                                      </p:tavLst>
+                                    </p:anim>
+                                  </p:childTnLst>
+                                </p:cTn>
+                              </p:par>
+                            </p:childTnLst>
+                          </p:cTn>
+                        </p:par>
+                      </p:childTnLst>
+                    </p:cTn>
+                  </p:par>
+                  <p:par>
+                    <p:cTn id="9" fill="hold">
+                      <p:stCondLst>
+                        <p:cond delay="indefinite"/>
+                      </p:stCondLst>
+                      <p:childTnLst>
+                        <p:par>
+                          <p:cTn id="10" fill="hold">
+                            <p:stCondLst>
+                              <p:cond delay="0"/>
+                            </p:stCondLst>
+                            <p:childTnLst>
+                              <p:par>
+                                <p:cTn id="11" presetID="2" presetClass="entr" presetSubtype="8" fill="hold" grpId="0" nodeType="clickEffect">
+                                  <p:stCondLst>
+                                    <p:cond delay="0"/>
+                                  </p:stCondLst>
+                                  <p:childTnLst>
+                                    <p:set>
+                                      <p:cBhvr>
+                                        <p:cTn id="12" dur="1" fill="hold">
+                                          <p:stCondLst>
+                                            <p:cond delay="0"/>
+                                          </p:stCondLst>
+                                        </p:cTn>
+                                        <p:tgtEl>
+                                          <p:spTgt spid="89">
+                                            <p:txEl>
+                                              <p:pRg st="1" end="1"/>
+                                            </p:txEl>
+                                          </p:spTgt>
+                                        </p:tgtEl>
+                                        <p:attrNameLst>
+                                          <p:attrName>style.visibility</p:attrName>
+                                        </p:attrNameLst>
+                                      </p:cBhvr>
+                                      <p:to>
+                                        <p:strVal val="visible"/>
+                                      </p:to>
+                                    </p:set>
+                                    <p:anim calcmode="lin" valueType="num">
+                                      <p:cBhvr additive="base">
+                                        <p:cTn id="13" dur="500" fill="hold"/>
+                                        <p:tgtEl>
+                                          <p:spTgt spid="89">
+                                            <p:txEl>
+                                              <p:pRg st="1" end="1"/>
+                                            </p:txEl>
+                                          </p:spTgt>
+                                        </p:tgtEl>
+                                        <p:attrNameLst>
+                                          <p:attrName>ppt_x</p:attrName>
+                                        </p:attrNameLst>
+                                      </p:cBhvr>
+                                      <p:tavLst>
+                                        <p:tav tm="0">
+                                          <p:val>
+                                            <p:strVal val="0-#ppt_w/2"/>
+                                          </p:val>
+                                        </p:tav>
+                                        <p:tav tm="100000">
+                                          <p:val>
+                                            <p:strVal val="#ppt_x"/>
+                                          </p:val>
+                                        </p:tav>
+                                      </p:tavLst>
+                                    </p:anim>
+                                    <p:anim calcmode="lin" valueType="num">
+                                      <p:cBhvr additive="base">
+                                        <p:cTn id="14" dur="500" fill="hold"/>
+                                        <p:tgtEl>
+                                          <p:spTgt spid="89">
+                                            <p:txEl>
+                                              <p:pRg st="1" end="1"/>
+                                            </p:txEl>
+                                          </p:spTgt>
+                                        </p:tgtEl>
+                                        <p:attrNameLst>
+                                          <p:attrName>ppt_y</p:attrName>
+                                        </p:attrNameLst>
+                                      </p:cBhvr>
+                                      <p:tavLst>
+                                        <p:tav tm="0">
+                                          <p:val>
+                                            <p:strVal val="#ppt_y"/>
+                                          </p:val>
+                                        </p:tav>
+                                        <p:tav tm="100000">
+                                          <p:val>
+                                            <p:strVal val="#ppt_y"/>
+                                          </p:val>
+                                        </p:tav>
+                                      </p:tavLst>
+                                    </p:anim>
+                                  </p:childTnLst>
+                                </p:cTn>
+                              </p:par>
+                            </p:childTnLst>
+                          </p:cTn>
+                        </p:par>
+                      </p:childTnLst>
+                    </p:cTn>
+                  </p:par>
+                  <p:par>
+                    <p:cTn id="15" fill="hold">
+                      <p:stCondLst>
+                        <p:cond delay="indefinite"/>
+                      </p:stCondLst>
+                      <p:childTnLst>
+                        <p:par>
+                          <p:cTn id="16" fill="hold">
+                            <p:stCondLst>
+                              <p:cond delay="0"/>
+                            </p:stCondLst>
+                            <p:childTnLst>
+                              <p:par>
+                                <p:cTn id="17" presetID="2" presetClass="entr" presetSubtype="8" fill="hold" grpId="0" nodeType="clickEffect">
+                                  <p:stCondLst>
+                                    <p:cond delay="0"/>
+                                  </p:stCondLst>
+                                  <p:childTnLst>
+                                    <p:set>
+                                      <p:cBhvr>
+                                        <p:cTn id="18" dur="1" fill="hold">
+                                          <p:stCondLst>
+                                            <p:cond delay="0"/>
+                                          </p:stCondLst>
+                                        </p:cTn>
+                                        <p:tgtEl>
+                                          <p:spTgt spid="89">
+                                            <p:txEl>
+                                              <p:pRg st="2" end="2"/>
+                                            </p:txEl>
+                                          </p:spTgt>
+                                        </p:tgtEl>
+                                        <p:attrNameLst>
+                                          <p:attrName>style.visibility</p:attrName>
+                                        </p:attrNameLst>
+                                      </p:cBhvr>
+                                      <p:to>
+                                        <p:strVal val="visible"/>
+                                      </p:to>
+                                    </p:set>
+                                    <p:anim calcmode="lin" valueType="num">
+                                      <p:cBhvr additive="base">
+                                        <p:cTn id="19" dur="500" fill="hold"/>
+                                        <p:tgtEl>
+                                          <p:spTgt spid="89">
+                                            <p:txEl>
+                                              <p:pRg st="2" end="2"/>
+                                            </p:txEl>
+                                          </p:spTgt>
+                                        </p:tgtEl>
+                                        <p:attrNameLst>
+                                          <p:attrName>ppt_x</p:attrName>
+                                        </p:attrNameLst>
+                                      </p:cBhvr>
+                                      <p:tavLst>
+                                        <p:tav tm="0">
+                                          <p:val>
+                                            <p:strVal val="0-#ppt_w/2"/>
+                                          </p:val>
+                                        </p:tav>
+                                        <p:tav tm="100000">
+                                          <p:val>
+                                            <p:strVal val="#ppt_x"/>
+                                          </p:val>
+                                        </p:tav>
+                                      </p:tavLst>
+                                    </p:anim>
+                                    <p:anim calcmode="lin" valueType="num">
+                                      <p:cBhvr additive="base">
+                                        <p:cTn id="20" dur="500" fill="hold"/>
+                                        <p:tgtEl>
+                                          <p:spTgt spid="89">
+                                            <p:txEl>
+                                              <p:pRg st="2" end="2"/>
+                                            </p:txEl>
+                                          </p:spTgt>
+                                        </p:tgtEl>
+                                        <p:attrNameLst>
+                                          <p:attrName>ppt_y</p:attrName>
+                                        </p:attrNameLst>
+                                      </p:cBhvr>
+                                      <p:tavLst>
+                                        <p:tav tm="0">
+                                          <p:val>
+                                            <p:strVal val="#ppt_y"/>
+                                          </p:val>
+                                        </p:tav>
+                                        <p:tav tm="100000">
+                                          <p:val>
+                                            <p:strVal val="#ppt_y"/>
+                                          </p:val>
+                                        </p:tav>
+                                      </p:tavLst>
+                                    </p:anim>
+                                  </p:childTnLst>
+                                </p:cTn>
+                              </p:par>
+                            </p:childTnLst>
+                          </p:cTn>
+                        </p:par>
+                      </p:childTnLst>
+                    </p:cTn>
+                  </p:par>
+                  <p:par>
+                    <p:cTn id="21" fill="hold">
+                      <p:stCondLst>
+                        <p:cond delay="indefinite"/>
+                      </p:stCondLst>
+                      <p:childTnLst>
+                        <p:par>
+                          <p:cTn id="22" fill="hold">
+                            <p:stCondLst>
+                              <p:cond delay="0"/>
+                            </p:stCondLst>
+                            <p:childTnLst>
+                              <p:par>
+                                <p:cTn id="23" presetID="2" presetClass="entr" presetSubtype="8" fill="hold" grpId="0" nodeType="clickEffect">
+                                  <p:stCondLst>
+                                    <p:cond delay="0"/>
+                                  </p:stCondLst>
+                                  <p:childTnLst>
+                                    <p:set>
+                                      <p:cBhvr>
+                                        <p:cTn id="24" dur="1" fill="hold">
+                                          <p:stCondLst>
+                                            <p:cond delay="0"/>
+                                          </p:stCondLst>
+                                        </p:cTn>
+                                        <p:tgtEl>
+                                          <p:spTgt spid="89">
+                                            <p:txEl>
+                                              <p:pRg st="3" end="3"/>
+                                            </p:txEl>
+                                          </p:spTgt>
+                                        </p:tgtEl>
+                                        <p:attrNameLst>
+                                          <p:attrName>style.visibility</p:attrName>
+                                        </p:attrNameLst>
+                                      </p:cBhvr>
+                                      <p:to>
+                                        <p:strVal val="visible"/>
+                                      </p:to>
+                                    </p:set>
+                                    <p:anim calcmode="lin" valueType="num">
+                                      <p:cBhvr additive="base">
+                                        <p:cTn id="25" dur="500" fill="hold"/>
+                                        <p:tgtEl>
+                                          <p:spTgt spid="89">
+                                            <p:txEl>
+                                              <p:pRg st="3" end="3"/>
+                                            </p:txEl>
+                                          </p:spTgt>
+                                        </p:tgtEl>
+                                        <p:attrNameLst>
+                                          <p:attrName>ppt_x</p:attrName>
+                                        </p:attrNameLst>
+                                      </p:cBhvr>
+                                      <p:tavLst>
+                                        <p:tav tm="0">
+                                          <p:val>
+                                            <p:strVal val="0-#ppt_w/2"/>
+                                          </p:val>
+                                        </p:tav>
+                                        <p:tav tm="100000">
+                                          <p:val>
+                                            <p:strVal val="#ppt_x"/>
+                                          </p:val>
+                                        </p:tav>
+                                      </p:tavLst>
+                                    </p:anim>
+                                    <p:anim calcmode="lin" valueType="num">
+                                      <p:cBhvr additive="base">
+                                        <p:cTn id="26" dur="500" fill="hold"/>
+                                        <p:tgtEl>
+                                          <p:spTgt spid="89">
+                                            <p:txEl>
+                                              <p:pRg st="3" end="3"/>
+                                            </p:txEl>
+                                          </p:spTgt>
+                                        </p:tgtEl>
+                                        <p:attrNameLst>
+                                          <p:attrName>ppt_y</p:attrName>
+                                        </p:attrNameLst>
+                                      </p:cBhvr>
+                                      <p:tavLst>
+                                        <p:tav tm="0">
+                                          <p:val>
+                                            <p:strVal val="#ppt_y"/>
+                                          </p:val>
+                                        </p:tav>
+                                        <p:tav tm="100000">
+                                          <p:val>
+                                            <p:strVal val="#ppt_y"/>
+                                          </p:val>
+                                        </p:tav>
+                                      </p:tavLst>
+                                    </p:anim>
+                                  </p:childTnLst>
+                                </p:cTn>
+                              </p:par>
+                            </p:childTnLst>
+                          </p:cTn>
+                        </p:par>
+                      </p:childTnLst>
+                    </p:cTn>
+                  </p:par>
+                </p:childTnLst>
+              </p:cTn>
+              <p:prevCondLst>
+                <p:cond evt="onPrev" delay="0">
+                  <p:tgtEl>
+                    <p:sldTgt/>
+                  </p:tgtEl>
+                </p:cond>
+              </p:prevCondLst>
+              <p:nextCondLst>
+                <p:cond evt="onNext" delay="0">
+                  <p:tgtEl>
+                    <p:sldTgt/>
+                  </p:tgtEl>
+                </p:cond>
+              </p:nextCondLst>
+            </p:seq>
+          </p:childTnLst>
+        </p:cTn>
+      </p:par>
+    </p:tnLst>
+    <p:bldLst>
+      <p:bldP spid="89" grpId="0" build="p"/>
+    </p:bldLst>
+  </p:timing>
 </p:sld>
 </file>
 
@@ -13122,8 +14352,8 @@
           </a:p>
         </p:txBody>
       </p:sp>
-      <mc:AlternateContent xmlns:mc="http://schemas.openxmlformats.org/markup-compatibility/2006">
-        <mc:Choice xmlns:a14="http://schemas.microsoft.com/office/drawing/2010/main" Requires="a14">
+      <mc:AlternateContent xmlns:mc="http://schemas.openxmlformats.org/markup-compatibility/2006" xmlns:a14="http://schemas.microsoft.com/office/drawing/2010/main">
+        <mc:Choice Requires="a14">
           <p:sp>
             <p:nvSpPr>
               <p:cNvPr id="3" name="Text Placeholder 2"/>
@@ -14281,16 +15511,7 @@
                       <a:rPr lang="en-US" sz="1600">
                         <a:latin typeface="Cambria Math" panose="02040503050406030204" pitchFamily="18" charset="0"/>
                       </a:rPr>
-                      <m:t>Δ</m:t>
-                    </m:r>
-                    <m:r>
-                      <m:rPr>
-                        <m:sty m:val="p"/>
-                      </m:rPr>
-                      <a:rPr lang="en-US" sz="1600">
-                        <a:latin typeface="Cambria Math" panose="02040503050406030204" pitchFamily="18" charset="0"/>
-                      </a:rPr>
-                      <m:t>P</m:t>
+                      <m:t>ΔP</m:t>
                     </m:r>
                     <m:r>
                       <a:rPr lang="en-US" sz="1600" i="1">
@@ -14621,7 +15842,7 @@
             </p:txBody>
           </p:sp>
         </mc:Choice>
-        <mc:Fallback>
+        <mc:Fallback xmlns="">
           <p:sp>
             <p:nvSpPr>
               <p:cNvPr id="3" name="Text Placeholder 2"/>
@@ -15672,8 +16893,8 @@
           </a:p>
         </p:txBody>
       </p:sp>
-      <mc:AlternateContent xmlns:mc="http://schemas.openxmlformats.org/markup-compatibility/2006">
-        <mc:Choice xmlns:a14="http://schemas.microsoft.com/office/drawing/2010/main" Requires="a14">
+      <mc:AlternateContent xmlns:mc="http://schemas.openxmlformats.org/markup-compatibility/2006" xmlns:a14="http://schemas.microsoft.com/office/drawing/2010/main">
+        <mc:Choice Requires="a14">
           <p:sp>
             <p:nvSpPr>
               <p:cNvPr id="3" name="Text Placeholder 2"/>
@@ -15942,7 +17163,7 @@
             </p:txBody>
           </p:sp>
         </mc:Choice>
-        <mc:Fallback>
+        <mc:Fallback xmlns="">
           <p:sp>
             <p:nvSpPr>
               <p:cNvPr id="3" name="Text Placeholder 2"/>

--- a/Navier Stokes Presentation.pptx
+++ b/Navier Stokes Presentation.pptx
@@ -5,46 +5,47 @@
     <p:sldMasterId id="2147483904" r:id="rId1"/>
   </p:sldMasterIdLst>
   <p:notesMasterIdLst>
-    <p:notesMasterId r:id="rId13"/>
+    <p:notesMasterId r:id="rId14"/>
   </p:notesMasterIdLst>
   <p:sldIdLst>
     <p:sldId id="256" r:id="rId2"/>
     <p:sldId id="257" r:id="rId3"/>
-    <p:sldId id="267" r:id="rId4"/>
-    <p:sldId id="264" r:id="rId5"/>
-    <p:sldId id="269" r:id="rId6"/>
-    <p:sldId id="258" r:id="rId7"/>
-    <p:sldId id="261" r:id="rId8"/>
-    <p:sldId id="265" r:id="rId9"/>
-    <p:sldId id="268" r:id="rId10"/>
-    <p:sldId id="271" r:id="rId11"/>
-    <p:sldId id="270" r:id="rId12"/>
+    <p:sldId id="272" r:id="rId4"/>
+    <p:sldId id="267" r:id="rId5"/>
+    <p:sldId id="264" r:id="rId6"/>
+    <p:sldId id="269" r:id="rId7"/>
+    <p:sldId id="258" r:id="rId8"/>
+    <p:sldId id="261" r:id="rId9"/>
+    <p:sldId id="265" r:id="rId10"/>
+    <p:sldId id="268" r:id="rId11"/>
+    <p:sldId id="271" r:id="rId12"/>
+    <p:sldId id="270" r:id="rId13"/>
   </p:sldIdLst>
   <p:sldSz cx="9144000" cy="5143500" type="screen16x9"/>
   <p:notesSz cx="6858000" cy="9144000"/>
   <p:embeddedFontLst>
     <p:embeddedFont>
-      <p:font typeface="Calibri" panose="020F0502020204030204" pitchFamily="34" charset="0"/>
-      <p:regular r:id="rId14"/>
-      <p:bold r:id="rId15"/>
-      <p:italic r:id="rId16"/>
-      <p:boldItalic r:id="rId17"/>
+      <p:font typeface="Cambria Math" panose="02040503050406030204" pitchFamily="18" charset="0"/>
+      <p:regular r:id="rId15"/>
     </p:embeddedFont>
     <p:embeddedFont>
-      <p:font typeface="Cambria Math" panose="02040503050406030204" pitchFamily="18" charset="0"/>
-      <p:regular r:id="rId18"/>
+      <p:font typeface="Playfair Display"/>
+      <p:regular r:id="rId16"/>
+      <p:bold r:id="rId17"/>
+      <p:italic r:id="rId18"/>
+      <p:boldItalic r:id="rId19"/>
     </p:embeddedFont>
     <p:embeddedFont>
       <p:font typeface="Calibri Light" panose="020F0302020204030204" pitchFamily="34" charset="0"/>
-      <p:regular r:id="rId19"/>
-      <p:italic r:id="rId20"/>
+      <p:regular r:id="rId20"/>
+      <p:italic r:id="rId21"/>
     </p:embeddedFont>
     <p:embeddedFont>
-      <p:font typeface="Playfair Display"/>
-      <p:regular r:id="rId21"/>
-      <p:bold r:id="rId22"/>
-      <p:italic r:id="rId23"/>
-      <p:boldItalic r:id="rId24"/>
+      <p:font typeface="Calibri" panose="020F0502020204030204" pitchFamily="34" charset="0"/>
+      <p:regular r:id="rId22"/>
+      <p:bold r:id="rId23"/>
+      <p:italic r:id="rId24"/>
+      <p:boldItalic r:id="rId25"/>
     </p:embeddedFont>
   </p:embeddedFontLst>
   <p:defaultTextStyle>
@@ -1040,7 +1041,7 @@
             <a:fld id="{B61BEF0D-F0BB-DE4B-95CE-6DB70DBA9567}" type="datetimeFigureOut">
               <a:rPr lang="en-US" smtClean="0"/>
               <a:pPr/>
-              <a:t>6/10/2017</a:t>
+              <a:t>6/11/2017</a:t>
             </a:fld>
             <a:endParaRPr lang="en-US" dirty="0"/>
           </a:p>
@@ -1280,7 +1281,7 @@
             <a:fld id="{B61BEF0D-F0BB-DE4B-95CE-6DB70DBA9567}" type="datetimeFigureOut">
               <a:rPr lang="en-US" smtClean="0"/>
               <a:pPr/>
-              <a:t>6/10/2017</a:t>
+              <a:t>6/11/2017</a:t>
             </a:fld>
             <a:endParaRPr lang="en-US" dirty="0"/>
           </a:p>
@@ -1565,7 +1566,7 @@
             <a:fld id="{B61BEF0D-F0BB-DE4B-95CE-6DB70DBA9567}" type="datetimeFigureOut">
               <a:rPr lang="en-US" smtClean="0"/>
               <a:pPr/>
-              <a:t>6/10/2017</a:t>
+              <a:t>6/11/2017</a:t>
             </a:fld>
             <a:endParaRPr lang="en-US" dirty="0"/>
           </a:p>
@@ -1998,7 +1999,7 @@
             <a:fld id="{B61BEF0D-F0BB-DE4B-95CE-6DB70DBA9567}" type="datetimeFigureOut">
               <a:rPr lang="en-US" smtClean="0"/>
               <a:pPr/>
-              <a:t>6/10/2017</a:t>
+              <a:t>6/11/2017</a:t>
             </a:fld>
             <a:endParaRPr lang="en-US" dirty="0"/>
           </a:p>
@@ -2362,7 +2363,7 @@
             <a:fld id="{B61BEF0D-F0BB-DE4B-95CE-6DB70DBA9567}" type="datetimeFigureOut">
               <a:rPr lang="en-US" smtClean="0"/>
               <a:pPr/>
-              <a:t>6/10/2017</a:t>
+              <a:t>6/11/2017</a:t>
             </a:fld>
             <a:endParaRPr lang="en-US" dirty="0"/>
           </a:p>
@@ -2664,7 +2665,7 @@
             <a:fld id="{B61BEF0D-F0BB-DE4B-95CE-6DB70DBA9567}" type="datetimeFigureOut">
               <a:rPr lang="en-US" smtClean="0"/>
               <a:pPr/>
-              <a:t>6/10/2017</a:t>
+              <a:t>6/11/2017</a:t>
             </a:fld>
             <a:endParaRPr lang="en-US" dirty="0"/>
           </a:p>
@@ -3075,7 +3076,7 @@
             <a:fld id="{B61BEF0D-F0BB-DE4B-95CE-6DB70DBA9567}" type="datetimeFigureOut">
               <a:rPr lang="en-US" smtClean="0"/>
               <a:pPr/>
-              <a:t>6/10/2017</a:t>
+              <a:t>6/11/2017</a:t>
             </a:fld>
             <a:endParaRPr lang="en-US" dirty="0"/>
           </a:p>
@@ -3225,7 +3226,7 @@
             <a:fld id="{B61BEF0D-F0BB-DE4B-95CE-6DB70DBA9567}" type="datetimeFigureOut">
               <a:rPr lang="en-US" smtClean="0"/>
               <a:pPr/>
-              <a:t>6/10/2017</a:t>
+              <a:t>6/11/2017</a:t>
             </a:fld>
             <a:endParaRPr lang="en-US" dirty="0"/>
           </a:p>
@@ -3425,7 +3426,7 @@
             <a:fld id="{B61BEF0D-F0BB-DE4B-95CE-6DB70DBA9567}" type="datetimeFigureOut">
               <a:rPr lang="en-US" smtClean="0"/>
               <a:pPr/>
-              <a:t>6/10/2017</a:t>
+              <a:t>6/11/2017</a:t>
             </a:fld>
             <a:endParaRPr lang="en-US" dirty="0"/>
           </a:p>
@@ -3796,7 +3797,7 @@
             <a:fld id="{B61BEF0D-F0BB-DE4B-95CE-6DB70DBA9567}" type="datetimeFigureOut">
               <a:rPr lang="en-US" smtClean="0"/>
               <a:pPr/>
-              <a:t>6/10/2017</a:t>
+              <a:t>6/11/2017</a:t>
             </a:fld>
             <a:endParaRPr lang="en-US" dirty="0"/>
           </a:p>
@@ -4207,7 +4208,7 @@
             <a:fld id="{B61BEF0D-F0BB-DE4B-95CE-6DB70DBA9567}" type="datetimeFigureOut">
               <a:rPr lang="en-US" smtClean="0"/>
               <a:pPr/>
-              <a:t>6/10/2017</a:t>
+              <a:t>6/11/2017</a:t>
             </a:fld>
             <a:endParaRPr lang="en-US" dirty="0"/>
           </a:p>
@@ -4523,7 +4524,7 @@
             <a:fld id="{B61BEF0D-F0BB-DE4B-95CE-6DB70DBA9567}" type="datetimeFigureOut">
               <a:rPr lang="en-US" smtClean="0"/>
               <a:pPr/>
-              <a:t>6/10/2017</a:t>
+              <a:t>6/11/2017</a:t>
             </a:fld>
             <a:endParaRPr lang="en-US" dirty="0"/>
           </a:p>
@@ -5225,6 +5226,1210 @@
         </p:nvSpPr>
         <p:spPr/>
         <p:txBody>
+          <a:bodyPr>
+            <a:normAutofit fontScale="90000"/>
+          </a:bodyPr>
+          <a:lstStyle/>
+          <a:p>
+            <a:r>
+              <a:rPr lang="en-US" dirty="0"/>
+              <a:t>Numerical Methods</a:t>
+            </a:r>
+          </a:p>
+        </p:txBody>
+      </p:sp>
+      <mc:AlternateContent xmlns:mc="http://schemas.openxmlformats.org/markup-compatibility/2006" xmlns:a14="http://schemas.microsoft.com/office/drawing/2010/main">
+        <mc:Choice Requires="a14">
+          <p:sp>
+            <p:nvSpPr>
+              <p:cNvPr id="3" name="Text Placeholder 2"/>
+              <p:cNvSpPr>
+                <a:spLocks noGrp="1"/>
+              </p:cNvSpPr>
+              <p:nvPr>
+                <p:ph type="body" idx="1"/>
+              </p:nvPr>
+            </p:nvSpPr>
+            <p:spPr>
+              <a:xfrm>
+                <a:off x="407393" y="1255340"/>
+                <a:ext cx="8520600" cy="3334800"/>
+              </a:xfrm>
+            </p:spPr>
+            <p:txBody>
+              <a:bodyPr>
+                <a:normAutofit/>
+              </a:bodyPr>
+              <a:lstStyle/>
+              <a:p>
+                <a:pPr>
+                  <a:lnSpc>
+                    <a:spcPct val="110000"/>
+                  </a:lnSpc>
+                </a:pPr>
+                <a:r>
+                  <a:rPr lang="en-US" dirty="0"/>
+                  <a:t>The only really reasonable way to solve these equations is using computers and numerical methods</a:t>
+                </a:r>
+              </a:p>
+              <a:p>
+                <a:pPr>
+                  <a:lnSpc>
+                    <a:spcPct val="110000"/>
+                  </a:lnSpc>
+                </a:pPr>
+                <a:r>
+                  <a:rPr lang="en-US" dirty="0"/>
+                  <a:t>Equations must be </a:t>
+                </a:r>
+                <a:r>
+                  <a:rPr lang="en-US" i="1" dirty="0"/>
+                  <a:t>discretized</a:t>
+                </a:r>
+                <a:endParaRPr lang="en-US" dirty="0"/>
+              </a:p>
+              <a:p>
+                <a:pPr lvl="1">
+                  <a:lnSpc>
+                    <a:spcPct val="110000"/>
+                  </a:lnSpc>
+                </a:pPr>
+                <a:r>
+                  <a:rPr lang="en-US" dirty="0"/>
+                  <a:t>This is easy for equations in time like </a:t>
+                </a:r>
+                <a14:m>
+                  <m:oMath xmlns:m="http://schemas.openxmlformats.org/officeDocument/2006/math">
+                    <m:f>
+                      <m:fPr>
+                        <m:ctrlPr>
+                          <a:rPr lang="en-US" i="1" smtClean="0">
+                            <a:latin typeface="Cambria Math" panose="02040503050406030204" pitchFamily="18" charset="0"/>
+                          </a:rPr>
+                        </m:ctrlPr>
+                      </m:fPr>
+                      <m:num>
+                        <m:r>
+                          <a:rPr lang="en-US" i="1" smtClean="0">
+                            <a:latin typeface="Cambria Math" panose="02040503050406030204" pitchFamily="18" charset="0"/>
+                          </a:rPr>
+                          <m:t>𝜕</m:t>
+                        </m:r>
+                        <m:acc>
+                          <m:accPr>
+                            <m:chr m:val="⃗"/>
+                            <m:ctrlPr>
+                              <a:rPr lang="en-US" i="1" smtClean="0">
+                                <a:latin typeface="Cambria Math" panose="02040503050406030204" pitchFamily="18" charset="0"/>
+                              </a:rPr>
+                            </m:ctrlPr>
+                          </m:accPr>
+                          <m:e>
+                            <m:r>
+                              <a:rPr lang="en-US" b="0" i="1" smtClean="0">
+                                <a:latin typeface="Cambria Math" panose="02040503050406030204" pitchFamily="18" charset="0"/>
+                              </a:rPr>
+                              <m:t>𝑣</m:t>
+                            </m:r>
+                          </m:e>
+                        </m:acc>
+                      </m:num>
+                      <m:den>
+                        <m:r>
+                          <a:rPr lang="en-US" i="1" smtClean="0">
+                            <a:latin typeface="Cambria Math" panose="02040503050406030204" pitchFamily="18" charset="0"/>
+                          </a:rPr>
+                          <m:t>𝜕</m:t>
+                        </m:r>
+                        <m:r>
+                          <a:rPr lang="en-US" b="0" i="1" smtClean="0">
+                            <a:latin typeface="Cambria Math" panose="02040503050406030204" pitchFamily="18" charset="0"/>
+                          </a:rPr>
+                          <m:t>𝑡</m:t>
+                        </m:r>
+                      </m:den>
+                    </m:f>
+                  </m:oMath>
+                </a14:m>
+                <a:r>
+                  <a:rPr lang="en-US" dirty="0"/>
+                  <a:t> as you can use something that looks a lot like Euler integration, updating something for each time step</a:t>
+                </a:r>
+              </a:p>
+              <a:p>
+                <a:pPr lvl="1">
+                  <a:lnSpc>
+                    <a:spcPct val="110000"/>
+                  </a:lnSpc>
+                </a:pPr>
+                <a:r>
+                  <a:rPr lang="en-US" dirty="0"/>
+                  <a:t>The spatial derivatives, like </a:t>
+                </a:r>
+                <a14:m>
+                  <m:oMath xmlns:m="http://schemas.openxmlformats.org/officeDocument/2006/math">
+                    <m:f>
+                      <m:fPr>
+                        <m:ctrlPr>
+                          <a:rPr lang="en-US" i="1" smtClean="0">
+                            <a:latin typeface="Cambria Math" panose="02040503050406030204" pitchFamily="18" charset="0"/>
+                          </a:rPr>
+                        </m:ctrlPr>
+                      </m:fPr>
+                      <m:num>
+                        <m:r>
+                          <a:rPr lang="en-US" i="1" smtClean="0">
+                            <a:latin typeface="Cambria Math" panose="02040503050406030204" pitchFamily="18" charset="0"/>
+                          </a:rPr>
+                          <m:t>𝜕</m:t>
+                        </m:r>
+                        <m:acc>
+                          <m:accPr>
+                            <m:chr m:val="⃗"/>
+                            <m:ctrlPr>
+                              <a:rPr lang="en-US" i="1" smtClean="0">
+                                <a:latin typeface="Cambria Math" panose="02040503050406030204" pitchFamily="18" charset="0"/>
+                              </a:rPr>
+                            </m:ctrlPr>
+                          </m:accPr>
+                          <m:e>
+                            <m:r>
+                              <a:rPr lang="en-US" b="0" i="1" smtClean="0">
+                                <a:latin typeface="Cambria Math" panose="02040503050406030204" pitchFamily="18" charset="0"/>
+                              </a:rPr>
+                              <m:t>𝑣</m:t>
+                            </m:r>
+                          </m:e>
+                        </m:acc>
+                      </m:num>
+                      <m:den>
+                        <m:r>
+                          <a:rPr lang="en-US" i="1" smtClean="0">
+                            <a:latin typeface="Cambria Math" panose="02040503050406030204" pitchFamily="18" charset="0"/>
+                          </a:rPr>
+                          <m:t>𝜕</m:t>
+                        </m:r>
+                        <m:r>
+                          <a:rPr lang="en-US" i="1" smtClean="0">
+                            <a:latin typeface="Cambria Math" panose="02040503050406030204" pitchFamily="18" charset="0"/>
+                          </a:rPr>
+                          <m:t>𝑥</m:t>
+                        </m:r>
+                      </m:den>
+                    </m:f>
+                  </m:oMath>
+                </a14:m>
+                <a:r>
+                  <a:rPr lang="en-US" dirty="0"/>
+                  <a:t> are not quite as obvious</a:t>
+                </a:r>
+              </a:p>
+              <a:p>
+                <a:pPr lvl="2">
+                  <a:lnSpc>
+                    <a:spcPct val="110000"/>
+                  </a:lnSpc>
+                </a:pPr>
+                <a:r>
+                  <a:rPr lang="en-US" dirty="0"/>
+                  <a:t>One method is to store a value for variables like </a:t>
+                </a:r>
+                <a14:m>
+                  <m:oMath xmlns:m="http://schemas.openxmlformats.org/officeDocument/2006/math">
+                    <m:acc>
+                      <m:accPr>
+                        <m:chr m:val="⃗"/>
+                        <m:ctrlPr>
+                          <a:rPr lang="en-US" i="1" smtClean="0">
+                            <a:latin typeface="Cambria Math" panose="02040503050406030204" pitchFamily="18" charset="0"/>
+                          </a:rPr>
+                        </m:ctrlPr>
+                      </m:accPr>
+                      <m:e>
+                        <m:r>
+                          <a:rPr lang="en-US" b="0" i="1" smtClean="0">
+                            <a:latin typeface="Cambria Math" panose="02040503050406030204" pitchFamily="18" charset="0"/>
+                          </a:rPr>
+                          <m:t>𝑣</m:t>
+                        </m:r>
+                      </m:e>
+                    </m:acc>
+                  </m:oMath>
+                </a14:m>
+                <a:r>
+                  <a:rPr lang="en-US" dirty="0"/>
+                  <a:t> for each discrete cell that breaks down the total volume</a:t>
+                </a:r>
+              </a:p>
+              <a:p>
+                <a:pPr lvl="2">
+                  <a:lnSpc>
+                    <a:spcPct val="110000"/>
+                  </a:lnSpc>
+                </a:pPr>
+                <a:r>
+                  <a:rPr lang="en-US" dirty="0"/>
+                  <a:t>The derivative is then easily evaluated as a difference between neighboring cells in a certain direction</a:t>
+                </a:r>
+              </a:p>
+              <a:p>
+                <a:pPr>
+                  <a:lnSpc>
+                    <a:spcPct val="110000"/>
+                  </a:lnSpc>
+                </a:pPr>
+                <a:r>
+                  <a:rPr lang="en-US" dirty="0"/>
+                  <a:t>Accuracy becomes important as well as ensuring that the simulation does not become filled with ‘garbage’ numbers</a:t>
+                </a:r>
+              </a:p>
+              <a:p>
+                <a:pPr>
+                  <a:lnSpc>
+                    <a:spcPct val="110000"/>
+                  </a:lnSpc>
+                </a:pPr>
+                <a:r>
+                  <a:rPr lang="en-US" dirty="0"/>
+                  <a:t>As we are dealing with dynamic systems, blow up and stability is a problem which require careful refinements to avoid</a:t>
+                </a:r>
+              </a:p>
+              <a:p>
+                <a:pPr>
+                  <a:lnSpc>
+                    <a:spcPct val="110000"/>
+                  </a:lnSpc>
+                </a:pPr>
+                <a:endParaRPr lang="en-US" dirty="0"/>
+              </a:p>
+              <a:p>
+                <a:endParaRPr lang="en-US" dirty="0"/>
+              </a:p>
+            </p:txBody>
+          </p:sp>
+        </mc:Choice>
+        <mc:Fallback xmlns="">
+          <p:sp>
+            <p:nvSpPr>
+              <p:cNvPr id="3" name="Text Placeholder 2"/>
+              <p:cNvSpPr>
+                <a:spLocks noGrp="1" noRot="1" noChangeAspect="1" noMove="1" noResize="1" noEditPoints="1" noAdjustHandles="1" noChangeArrowheads="1" noChangeShapeType="1" noTextEdit="1"/>
+              </p:cNvSpPr>
+              <p:nvPr>
+                <p:ph type="body" idx="1"/>
+              </p:nvPr>
+            </p:nvSpPr>
+            <p:spPr>
+              <a:xfrm>
+                <a:off x="407393" y="1255340"/>
+                <a:ext cx="8520600" cy="3334800"/>
+              </a:xfrm>
+              <a:blipFill>
+                <a:blip r:embed="rId2"/>
+                <a:stretch>
+                  <a:fillRect/>
+                </a:stretch>
+              </a:blipFill>
+            </p:spPr>
+            <p:txBody>
+              <a:bodyPr/>
+              <a:lstStyle/>
+              <a:p>
+                <a:r>
+                  <a:rPr lang="en-US">
+                    <a:noFill/>
+                  </a:rPr>
+                  <a:t> </a:t>
+                </a:r>
+              </a:p>
+            </p:txBody>
+          </p:sp>
+        </mc:Fallback>
+      </mc:AlternateContent>
+    </p:spTree>
+    <p:extLst>
+      <p:ext uri="{BB962C8B-B14F-4D97-AF65-F5344CB8AC3E}">
+        <p14:creationId xmlns:p14="http://schemas.microsoft.com/office/powerpoint/2010/main" val="385649078"/>
+      </p:ext>
+    </p:extLst>
+  </p:cSld>
+  <p:clrMapOvr>
+    <a:masterClrMapping/>
+  </p:clrMapOvr>
+  <p:transition spd="slow">
+    <p:cover dir="d"/>
+  </p:transition>
+  <p:timing>
+    <p:tnLst>
+      <p:par>
+        <p:cTn id="1" dur="indefinite" restart="never" nodeType="tmRoot">
+          <p:childTnLst>
+            <p:seq concurrent="1" nextAc="seek">
+              <p:cTn id="2" dur="indefinite" nodeType="mainSeq">
+                <p:childTnLst>
+                  <p:par>
+                    <p:cTn id="3" fill="hold">
+                      <p:stCondLst>
+                        <p:cond delay="indefinite"/>
+                      </p:stCondLst>
+                      <p:childTnLst>
+                        <p:par>
+                          <p:cTn id="4" fill="hold">
+                            <p:stCondLst>
+                              <p:cond delay="0"/>
+                            </p:stCondLst>
+                            <p:childTnLst>
+                              <p:par>
+                                <p:cTn id="5" presetID="2" presetClass="entr" presetSubtype="4" fill="hold" grpId="0" nodeType="clickEffect">
+                                  <p:stCondLst>
+                                    <p:cond delay="0"/>
+                                  </p:stCondLst>
+                                  <p:childTnLst>
+                                    <p:set>
+                                      <p:cBhvr>
+                                        <p:cTn id="6" dur="1" fill="hold">
+                                          <p:stCondLst>
+                                            <p:cond delay="0"/>
+                                          </p:stCondLst>
+                                        </p:cTn>
+                                        <p:tgtEl>
+                                          <p:spTgt spid="3">
+                                            <p:txEl>
+                                              <p:pRg st="0" end="0"/>
+                                            </p:txEl>
+                                          </p:spTgt>
+                                        </p:tgtEl>
+                                        <p:attrNameLst>
+                                          <p:attrName>style.visibility</p:attrName>
+                                        </p:attrNameLst>
+                                      </p:cBhvr>
+                                      <p:to>
+                                        <p:strVal val="visible"/>
+                                      </p:to>
+                                    </p:set>
+                                    <p:anim calcmode="lin" valueType="num">
+                                      <p:cBhvr additive="base">
+                                        <p:cTn id="7" dur="500" fill="hold"/>
+                                        <p:tgtEl>
+                                          <p:spTgt spid="3">
+                                            <p:txEl>
+                                              <p:pRg st="0" end="0"/>
+                                            </p:txEl>
+                                          </p:spTgt>
+                                        </p:tgtEl>
+                                        <p:attrNameLst>
+                                          <p:attrName>ppt_x</p:attrName>
+                                        </p:attrNameLst>
+                                      </p:cBhvr>
+                                      <p:tavLst>
+                                        <p:tav tm="0">
+                                          <p:val>
+                                            <p:strVal val="#ppt_x"/>
+                                          </p:val>
+                                        </p:tav>
+                                        <p:tav tm="100000">
+                                          <p:val>
+                                            <p:strVal val="#ppt_x"/>
+                                          </p:val>
+                                        </p:tav>
+                                      </p:tavLst>
+                                    </p:anim>
+                                    <p:anim calcmode="lin" valueType="num">
+                                      <p:cBhvr additive="base">
+                                        <p:cTn id="8" dur="500" fill="hold"/>
+                                        <p:tgtEl>
+                                          <p:spTgt spid="3">
+                                            <p:txEl>
+                                              <p:pRg st="0" end="0"/>
+                                            </p:txEl>
+                                          </p:spTgt>
+                                        </p:tgtEl>
+                                        <p:attrNameLst>
+                                          <p:attrName>ppt_y</p:attrName>
+                                        </p:attrNameLst>
+                                      </p:cBhvr>
+                                      <p:tavLst>
+                                        <p:tav tm="0">
+                                          <p:val>
+                                            <p:strVal val="1+#ppt_h/2"/>
+                                          </p:val>
+                                        </p:tav>
+                                        <p:tav tm="100000">
+                                          <p:val>
+                                            <p:strVal val="#ppt_y"/>
+                                          </p:val>
+                                        </p:tav>
+                                      </p:tavLst>
+                                    </p:anim>
+                                  </p:childTnLst>
+                                </p:cTn>
+                              </p:par>
+                            </p:childTnLst>
+                          </p:cTn>
+                        </p:par>
+                      </p:childTnLst>
+                    </p:cTn>
+                  </p:par>
+                  <p:par>
+                    <p:cTn id="9" fill="hold">
+                      <p:stCondLst>
+                        <p:cond delay="indefinite"/>
+                      </p:stCondLst>
+                      <p:childTnLst>
+                        <p:par>
+                          <p:cTn id="10" fill="hold">
+                            <p:stCondLst>
+                              <p:cond delay="0"/>
+                            </p:stCondLst>
+                            <p:childTnLst>
+                              <p:par>
+                                <p:cTn id="11" presetID="2" presetClass="entr" presetSubtype="4" fill="hold" grpId="0" nodeType="clickEffect">
+                                  <p:stCondLst>
+                                    <p:cond delay="0"/>
+                                  </p:stCondLst>
+                                  <p:childTnLst>
+                                    <p:set>
+                                      <p:cBhvr>
+                                        <p:cTn id="12" dur="1" fill="hold">
+                                          <p:stCondLst>
+                                            <p:cond delay="0"/>
+                                          </p:stCondLst>
+                                        </p:cTn>
+                                        <p:tgtEl>
+                                          <p:spTgt spid="3">
+                                            <p:txEl>
+                                              <p:pRg st="1" end="1"/>
+                                            </p:txEl>
+                                          </p:spTgt>
+                                        </p:tgtEl>
+                                        <p:attrNameLst>
+                                          <p:attrName>style.visibility</p:attrName>
+                                        </p:attrNameLst>
+                                      </p:cBhvr>
+                                      <p:to>
+                                        <p:strVal val="visible"/>
+                                      </p:to>
+                                    </p:set>
+                                    <p:anim calcmode="lin" valueType="num">
+                                      <p:cBhvr additive="base">
+                                        <p:cTn id="13" dur="500" fill="hold"/>
+                                        <p:tgtEl>
+                                          <p:spTgt spid="3">
+                                            <p:txEl>
+                                              <p:pRg st="1" end="1"/>
+                                            </p:txEl>
+                                          </p:spTgt>
+                                        </p:tgtEl>
+                                        <p:attrNameLst>
+                                          <p:attrName>ppt_x</p:attrName>
+                                        </p:attrNameLst>
+                                      </p:cBhvr>
+                                      <p:tavLst>
+                                        <p:tav tm="0">
+                                          <p:val>
+                                            <p:strVal val="#ppt_x"/>
+                                          </p:val>
+                                        </p:tav>
+                                        <p:tav tm="100000">
+                                          <p:val>
+                                            <p:strVal val="#ppt_x"/>
+                                          </p:val>
+                                        </p:tav>
+                                      </p:tavLst>
+                                    </p:anim>
+                                    <p:anim calcmode="lin" valueType="num">
+                                      <p:cBhvr additive="base">
+                                        <p:cTn id="14" dur="500" fill="hold"/>
+                                        <p:tgtEl>
+                                          <p:spTgt spid="3">
+                                            <p:txEl>
+                                              <p:pRg st="1" end="1"/>
+                                            </p:txEl>
+                                          </p:spTgt>
+                                        </p:tgtEl>
+                                        <p:attrNameLst>
+                                          <p:attrName>ppt_y</p:attrName>
+                                        </p:attrNameLst>
+                                      </p:cBhvr>
+                                      <p:tavLst>
+                                        <p:tav tm="0">
+                                          <p:val>
+                                            <p:strVal val="1+#ppt_h/2"/>
+                                          </p:val>
+                                        </p:tav>
+                                        <p:tav tm="100000">
+                                          <p:val>
+                                            <p:strVal val="#ppt_y"/>
+                                          </p:val>
+                                        </p:tav>
+                                      </p:tavLst>
+                                    </p:anim>
+                                  </p:childTnLst>
+                                </p:cTn>
+                              </p:par>
+                            </p:childTnLst>
+                          </p:cTn>
+                        </p:par>
+                      </p:childTnLst>
+                    </p:cTn>
+                  </p:par>
+                  <p:par>
+                    <p:cTn id="15" fill="hold">
+                      <p:stCondLst>
+                        <p:cond delay="indefinite"/>
+                      </p:stCondLst>
+                      <p:childTnLst>
+                        <p:par>
+                          <p:cTn id="16" fill="hold">
+                            <p:stCondLst>
+                              <p:cond delay="0"/>
+                            </p:stCondLst>
+                            <p:childTnLst>
+                              <p:par>
+                                <p:cTn id="17" presetID="2" presetClass="entr" presetSubtype="4" fill="hold" grpId="0" nodeType="clickEffect">
+                                  <p:stCondLst>
+                                    <p:cond delay="0"/>
+                                  </p:stCondLst>
+                                  <p:childTnLst>
+                                    <p:set>
+                                      <p:cBhvr>
+                                        <p:cTn id="18" dur="1" fill="hold">
+                                          <p:stCondLst>
+                                            <p:cond delay="0"/>
+                                          </p:stCondLst>
+                                        </p:cTn>
+                                        <p:tgtEl>
+                                          <p:spTgt spid="3">
+                                            <p:txEl>
+                                              <p:pRg st="2" end="2"/>
+                                            </p:txEl>
+                                          </p:spTgt>
+                                        </p:tgtEl>
+                                        <p:attrNameLst>
+                                          <p:attrName>style.visibility</p:attrName>
+                                        </p:attrNameLst>
+                                      </p:cBhvr>
+                                      <p:to>
+                                        <p:strVal val="visible"/>
+                                      </p:to>
+                                    </p:set>
+                                    <p:anim calcmode="lin" valueType="num">
+                                      <p:cBhvr additive="base">
+                                        <p:cTn id="19" dur="500" fill="hold"/>
+                                        <p:tgtEl>
+                                          <p:spTgt spid="3">
+                                            <p:txEl>
+                                              <p:pRg st="2" end="2"/>
+                                            </p:txEl>
+                                          </p:spTgt>
+                                        </p:tgtEl>
+                                        <p:attrNameLst>
+                                          <p:attrName>ppt_x</p:attrName>
+                                        </p:attrNameLst>
+                                      </p:cBhvr>
+                                      <p:tavLst>
+                                        <p:tav tm="0">
+                                          <p:val>
+                                            <p:strVal val="#ppt_x"/>
+                                          </p:val>
+                                        </p:tav>
+                                        <p:tav tm="100000">
+                                          <p:val>
+                                            <p:strVal val="#ppt_x"/>
+                                          </p:val>
+                                        </p:tav>
+                                      </p:tavLst>
+                                    </p:anim>
+                                    <p:anim calcmode="lin" valueType="num">
+                                      <p:cBhvr additive="base">
+                                        <p:cTn id="20" dur="500" fill="hold"/>
+                                        <p:tgtEl>
+                                          <p:spTgt spid="3">
+                                            <p:txEl>
+                                              <p:pRg st="2" end="2"/>
+                                            </p:txEl>
+                                          </p:spTgt>
+                                        </p:tgtEl>
+                                        <p:attrNameLst>
+                                          <p:attrName>ppt_y</p:attrName>
+                                        </p:attrNameLst>
+                                      </p:cBhvr>
+                                      <p:tavLst>
+                                        <p:tav tm="0">
+                                          <p:val>
+                                            <p:strVal val="1+#ppt_h/2"/>
+                                          </p:val>
+                                        </p:tav>
+                                        <p:tav tm="100000">
+                                          <p:val>
+                                            <p:strVal val="#ppt_y"/>
+                                          </p:val>
+                                        </p:tav>
+                                      </p:tavLst>
+                                    </p:anim>
+                                  </p:childTnLst>
+                                </p:cTn>
+                              </p:par>
+                            </p:childTnLst>
+                          </p:cTn>
+                        </p:par>
+                      </p:childTnLst>
+                    </p:cTn>
+                  </p:par>
+                  <p:par>
+                    <p:cTn id="21" fill="hold">
+                      <p:stCondLst>
+                        <p:cond delay="indefinite"/>
+                      </p:stCondLst>
+                      <p:childTnLst>
+                        <p:par>
+                          <p:cTn id="22" fill="hold">
+                            <p:stCondLst>
+                              <p:cond delay="0"/>
+                            </p:stCondLst>
+                            <p:childTnLst>
+                              <p:par>
+                                <p:cTn id="23" presetID="2" presetClass="entr" presetSubtype="4" fill="hold" grpId="0" nodeType="clickEffect">
+                                  <p:stCondLst>
+                                    <p:cond delay="0"/>
+                                  </p:stCondLst>
+                                  <p:childTnLst>
+                                    <p:set>
+                                      <p:cBhvr>
+                                        <p:cTn id="24" dur="1" fill="hold">
+                                          <p:stCondLst>
+                                            <p:cond delay="0"/>
+                                          </p:stCondLst>
+                                        </p:cTn>
+                                        <p:tgtEl>
+                                          <p:spTgt spid="3">
+                                            <p:txEl>
+                                              <p:pRg st="3" end="3"/>
+                                            </p:txEl>
+                                          </p:spTgt>
+                                        </p:tgtEl>
+                                        <p:attrNameLst>
+                                          <p:attrName>style.visibility</p:attrName>
+                                        </p:attrNameLst>
+                                      </p:cBhvr>
+                                      <p:to>
+                                        <p:strVal val="visible"/>
+                                      </p:to>
+                                    </p:set>
+                                    <p:anim calcmode="lin" valueType="num">
+                                      <p:cBhvr additive="base">
+                                        <p:cTn id="25" dur="500" fill="hold"/>
+                                        <p:tgtEl>
+                                          <p:spTgt spid="3">
+                                            <p:txEl>
+                                              <p:pRg st="3" end="3"/>
+                                            </p:txEl>
+                                          </p:spTgt>
+                                        </p:tgtEl>
+                                        <p:attrNameLst>
+                                          <p:attrName>ppt_x</p:attrName>
+                                        </p:attrNameLst>
+                                      </p:cBhvr>
+                                      <p:tavLst>
+                                        <p:tav tm="0">
+                                          <p:val>
+                                            <p:strVal val="#ppt_x"/>
+                                          </p:val>
+                                        </p:tav>
+                                        <p:tav tm="100000">
+                                          <p:val>
+                                            <p:strVal val="#ppt_x"/>
+                                          </p:val>
+                                        </p:tav>
+                                      </p:tavLst>
+                                    </p:anim>
+                                    <p:anim calcmode="lin" valueType="num">
+                                      <p:cBhvr additive="base">
+                                        <p:cTn id="26" dur="500" fill="hold"/>
+                                        <p:tgtEl>
+                                          <p:spTgt spid="3">
+                                            <p:txEl>
+                                              <p:pRg st="3" end="3"/>
+                                            </p:txEl>
+                                          </p:spTgt>
+                                        </p:tgtEl>
+                                        <p:attrNameLst>
+                                          <p:attrName>ppt_y</p:attrName>
+                                        </p:attrNameLst>
+                                      </p:cBhvr>
+                                      <p:tavLst>
+                                        <p:tav tm="0">
+                                          <p:val>
+                                            <p:strVal val="1+#ppt_h/2"/>
+                                          </p:val>
+                                        </p:tav>
+                                        <p:tav tm="100000">
+                                          <p:val>
+                                            <p:strVal val="#ppt_y"/>
+                                          </p:val>
+                                        </p:tav>
+                                      </p:tavLst>
+                                    </p:anim>
+                                  </p:childTnLst>
+                                </p:cTn>
+                              </p:par>
+                            </p:childTnLst>
+                          </p:cTn>
+                        </p:par>
+                      </p:childTnLst>
+                    </p:cTn>
+                  </p:par>
+                  <p:par>
+                    <p:cTn id="27" fill="hold">
+                      <p:stCondLst>
+                        <p:cond delay="indefinite"/>
+                      </p:stCondLst>
+                      <p:childTnLst>
+                        <p:par>
+                          <p:cTn id="28" fill="hold">
+                            <p:stCondLst>
+                              <p:cond delay="0"/>
+                            </p:stCondLst>
+                            <p:childTnLst>
+                              <p:par>
+                                <p:cTn id="29" presetID="2" presetClass="entr" presetSubtype="4" fill="hold" grpId="0" nodeType="clickEffect">
+                                  <p:stCondLst>
+                                    <p:cond delay="0"/>
+                                  </p:stCondLst>
+                                  <p:childTnLst>
+                                    <p:set>
+                                      <p:cBhvr>
+                                        <p:cTn id="30" dur="1" fill="hold">
+                                          <p:stCondLst>
+                                            <p:cond delay="0"/>
+                                          </p:stCondLst>
+                                        </p:cTn>
+                                        <p:tgtEl>
+                                          <p:spTgt spid="3">
+                                            <p:txEl>
+                                              <p:pRg st="4" end="4"/>
+                                            </p:txEl>
+                                          </p:spTgt>
+                                        </p:tgtEl>
+                                        <p:attrNameLst>
+                                          <p:attrName>style.visibility</p:attrName>
+                                        </p:attrNameLst>
+                                      </p:cBhvr>
+                                      <p:to>
+                                        <p:strVal val="visible"/>
+                                      </p:to>
+                                    </p:set>
+                                    <p:anim calcmode="lin" valueType="num">
+                                      <p:cBhvr additive="base">
+                                        <p:cTn id="31" dur="500" fill="hold"/>
+                                        <p:tgtEl>
+                                          <p:spTgt spid="3">
+                                            <p:txEl>
+                                              <p:pRg st="4" end="4"/>
+                                            </p:txEl>
+                                          </p:spTgt>
+                                        </p:tgtEl>
+                                        <p:attrNameLst>
+                                          <p:attrName>ppt_x</p:attrName>
+                                        </p:attrNameLst>
+                                      </p:cBhvr>
+                                      <p:tavLst>
+                                        <p:tav tm="0">
+                                          <p:val>
+                                            <p:strVal val="#ppt_x"/>
+                                          </p:val>
+                                        </p:tav>
+                                        <p:tav tm="100000">
+                                          <p:val>
+                                            <p:strVal val="#ppt_x"/>
+                                          </p:val>
+                                        </p:tav>
+                                      </p:tavLst>
+                                    </p:anim>
+                                    <p:anim calcmode="lin" valueType="num">
+                                      <p:cBhvr additive="base">
+                                        <p:cTn id="32" dur="500" fill="hold"/>
+                                        <p:tgtEl>
+                                          <p:spTgt spid="3">
+                                            <p:txEl>
+                                              <p:pRg st="4" end="4"/>
+                                            </p:txEl>
+                                          </p:spTgt>
+                                        </p:tgtEl>
+                                        <p:attrNameLst>
+                                          <p:attrName>ppt_y</p:attrName>
+                                        </p:attrNameLst>
+                                      </p:cBhvr>
+                                      <p:tavLst>
+                                        <p:tav tm="0">
+                                          <p:val>
+                                            <p:strVal val="1+#ppt_h/2"/>
+                                          </p:val>
+                                        </p:tav>
+                                        <p:tav tm="100000">
+                                          <p:val>
+                                            <p:strVal val="#ppt_y"/>
+                                          </p:val>
+                                        </p:tav>
+                                      </p:tavLst>
+                                    </p:anim>
+                                  </p:childTnLst>
+                                </p:cTn>
+                              </p:par>
+                              <p:par>
+                                <p:cTn id="33" presetID="2" presetClass="entr" presetSubtype="4" fill="hold" grpId="0" nodeType="withEffect">
+                                  <p:stCondLst>
+                                    <p:cond delay="0"/>
+                                  </p:stCondLst>
+                                  <p:childTnLst>
+                                    <p:set>
+                                      <p:cBhvr>
+                                        <p:cTn id="34" dur="1" fill="hold">
+                                          <p:stCondLst>
+                                            <p:cond delay="0"/>
+                                          </p:stCondLst>
+                                        </p:cTn>
+                                        <p:tgtEl>
+                                          <p:spTgt spid="3">
+                                            <p:txEl>
+                                              <p:pRg st="5" end="5"/>
+                                            </p:txEl>
+                                          </p:spTgt>
+                                        </p:tgtEl>
+                                        <p:attrNameLst>
+                                          <p:attrName>style.visibility</p:attrName>
+                                        </p:attrNameLst>
+                                      </p:cBhvr>
+                                      <p:to>
+                                        <p:strVal val="visible"/>
+                                      </p:to>
+                                    </p:set>
+                                    <p:anim calcmode="lin" valueType="num">
+                                      <p:cBhvr additive="base">
+                                        <p:cTn id="35" dur="500" fill="hold"/>
+                                        <p:tgtEl>
+                                          <p:spTgt spid="3">
+                                            <p:txEl>
+                                              <p:pRg st="5" end="5"/>
+                                            </p:txEl>
+                                          </p:spTgt>
+                                        </p:tgtEl>
+                                        <p:attrNameLst>
+                                          <p:attrName>ppt_x</p:attrName>
+                                        </p:attrNameLst>
+                                      </p:cBhvr>
+                                      <p:tavLst>
+                                        <p:tav tm="0">
+                                          <p:val>
+                                            <p:strVal val="#ppt_x"/>
+                                          </p:val>
+                                        </p:tav>
+                                        <p:tav tm="100000">
+                                          <p:val>
+                                            <p:strVal val="#ppt_x"/>
+                                          </p:val>
+                                        </p:tav>
+                                      </p:tavLst>
+                                    </p:anim>
+                                    <p:anim calcmode="lin" valueType="num">
+                                      <p:cBhvr additive="base">
+                                        <p:cTn id="36" dur="500" fill="hold"/>
+                                        <p:tgtEl>
+                                          <p:spTgt spid="3">
+                                            <p:txEl>
+                                              <p:pRg st="5" end="5"/>
+                                            </p:txEl>
+                                          </p:spTgt>
+                                        </p:tgtEl>
+                                        <p:attrNameLst>
+                                          <p:attrName>ppt_y</p:attrName>
+                                        </p:attrNameLst>
+                                      </p:cBhvr>
+                                      <p:tavLst>
+                                        <p:tav tm="0">
+                                          <p:val>
+                                            <p:strVal val="1+#ppt_h/2"/>
+                                          </p:val>
+                                        </p:tav>
+                                        <p:tav tm="100000">
+                                          <p:val>
+                                            <p:strVal val="#ppt_y"/>
+                                          </p:val>
+                                        </p:tav>
+                                      </p:tavLst>
+                                    </p:anim>
+                                  </p:childTnLst>
+                                </p:cTn>
+                              </p:par>
+                            </p:childTnLst>
+                          </p:cTn>
+                        </p:par>
+                      </p:childTnLst>
+                    </p:cTn>
+                  </p:par>
+                  <p:par>
+                    <p:cTn id="37" fill="hold">
+                      <p:stCondLst>
+                        <p:cond delay="indefinite"/>
+                      </p:stCondLst>
+                      <p:childTnLst>
+                        <p:par>
+                          <p:cTn id="38" fill="hold">
+                            <p:stCondLst>
+                              <p:cond delay="0"/>
+                            </p:stCondLst>
+                            <p:childTnLst>
+                              <p:par>
+                                <p:cTn id="39" presetID="2" presetClass="entr" presetSubtype="4" fill="hold" grpId="0" nodeType="clickEffect">
+                                  <p:stCondLst>
+                                    <p:cond delay="0"/>
+                                  </p:stCondLst>
+                                  <p:childTnLst>
+                                    <p:set>
+                                      <p:cBhvr>
+                                        <p:cTn id="40" dur="1" fill="hold">
+                                          <p:stCondLst>
+                                            <p:cond delay="0"/>
+                                          </p:stCondLst>
+                                        </p:cTn>
+                                        <p:tgtEl>
+                                          <p:spTgt spid="3">
+                                            <p:txEl>
+                                              <p:pRg st="6" end="6"/>
+                                            </p:txEl>
+                                          </p:spTgt>
+                                        </p:tgtEl>
+                                        <p:attrNameLst>
+                                          <p:attrName>style.visibility</p:attrName>
+                                        </p:attrNameLst>
+                                      </p:cBhvr>
+                                      <p:to>
+                                        <p:strVal val="visible"/>
+                                      </p:to>
+                                    </p:set>
+                                    <p:anim calcmode="lin" valueType="num">
+                                      <p:cBhvr additive="base">
+                                        <p:cTn id="41" dur="500" fill="hold"/>
+                                        <p:tgtEl>
+                                          <p:spTgt spid="3">
+                                            <p:txEl>
+                                              <p:pRg st="6" end="6"/>
+                                            </p:txEl>
+                                          </p:spTgt>
+                                        </p:tgtEl>
+                                        <p:attrNameLst>
+                                          <p:attrName>ppt_x</p:attrName>
+                                        </p:attrNameLst>
+                                      </p:cBhvr>
+                                      <p:tavLst>
+                                        <p:tav tm="0">
+                                          <p:val>
+                                            <p:strVal val="#ppt_x"/>
+                                          </p:val>
+                                        </p:tav>
+                                        <p:tav tm="100000">
+                                          <p:val>
+                                            <p:strVal val="#ppt_x"/>
+                                          </p:val>
+                                        </p:tav>
+                                      </p:tavLst>
+                                    </p:anim>
+                                    <p:anim calcmode="lin" valueType="num">
+                                      <p:cBhvr additive="base">
+                                        <p:cTn id="42" dur="500" fill="hold"/>
+                                        <p:tgtEl>
+                                          <p:spTgt spid="3">
+                                            <p:txEl>
+                                              <p:pRg st="6" end="6"/>
+                                            </p:txEl>
+                                          </p:spTgt>
+                                        </p:tgtEl>
+                                        <p:attrNameLst>
+                                          <p:attrName>ppt_y</p:attrName>
+                                        </p:attrNameLst>
+                                      </p:cBhvr>
+                                      <p:tavLst>
+                                        <p:tav tm="0">
+                                          <p:val>
+                                            <p:strVal val="1+#ppt_h/2"/>
+                                          </p:val>
+                                        </p:tav>
+                                        <p:tav tm="100000">
+                                          <p:val>
+                                            <p:strVal val="#ppt_y"/>
+                                          </p:val>
+                                        </p:tav>
+                                      </p:tavLst>
+                                    </p:anim>
+                                  </p:childTnLst>
+                                </p:cTn>
+                              </p:par>
+                            </p:childTnLst>
+                          </p:cTn>
+                        </p:par>
+                      </p:childTnLst>
+                    </p:cTn>
+                  </p:par>
+                  <p:par>
+                    <p:cTn id="43" fill="hold">
+                      <p:stCondLst>
+                        <p:cond delay="indefinite"/>
+                      </p:stCondLst>
+                      <p:childTnLst>
+                        <p:par>
+                          <p:cTn id="44" fill="hold">
+                            <p:stCondLst>
+                              <p:cond delay="0"/>
+                            </p:stCondLst>
+                            <p:childTnLst>
+                              <p:par>
+                                <p:cTn id="45" presetID="2" presetClass="entr" presetSubtype="4" fill="hold" grpId="0" nodeType="clickEffect">
+                                  <p:stCondLst>
+                                    <p:cond delay="0"/>
+                                  </p:stCondLst>
+                                  <p:childTnLst>
+                                    <p:set>
+                                      <p:cBhvr>
+                                        <p:cTn id="46" dur="1" fill="hold">
+                                          <p:stCondLst>
+                                            <p:cond delay="0"/>
+                                          </p:stCondLst>
+                                        </p:cTn>
+                                        <p:tgtEl>
+                                          <p:spTgt spid="3">
+                                            <p:txEl>
+                                              <p:pRg st="7" end="7"/>
+                                            </p:txEl>
+                                          </p:spTgt>
+                                        </p:tgtEl>
+                                        <p:attrNameLst>
+                                          <p:attrName>style.visibility</p:attrName>
+                                        </p:attrNameLst>
+                                      </p:cBhvr>
+                                      <p:to>
+                                        <p:strVal val="visible"/>
+                                      </p:to>
+                                    </p:set>
+                                    <p:anim calcmode="lin" valueType="num">
+                                      <p:cBhvr additive="base">
+                                        <p:cTn id="47" dur="500" fill="hold"/>
+                                        <p:tgtEl>
+                                          <p:spTgt spid="3">
+                                            <p:txEl>
+                                              <p:pRg st="7" end="7"/>
+                                            </p:txEl>
+                                          </p:spTgt>
+                                        </p:tgtEl>
+                                        <p:attrNameLst>
+                                          <p:attrName>ppt_x</p:attrName>
+                                        </p:attrNameLst>
+                                      </p:cBhvr>
+                                      <p:tavLst>
+                                        <p:tav tm="0">
+                                          <p:val>
+                                            <p:strVal val="#ppt_x"/>
+                                          </p:val>
+                                        </p:tav>
+                                        <p:tav tm="100000">
+                                          <p:val>
+                                            <p:strVal val="#ppt_x"/>
+                                          </p:val>
+                                        </p:tav>
+                                      </p:tavLst>
+                                    </p:anim>
+                                    <p:anim calcmode="lin" valueType="num">
+                                      <p:cBhvr additive="base">
+                                        <p:cTn id="48" dur="500" fill="hold"/>
+                                        <p:tgtEl>
+                                          <p:spTgt spid="3">
+                                            <p:txEl>
+                                              <p:pRg st="7" end="7"/>
+                                            </p:txEl>
+                                          </p:spTgt>
+                                        </p:tgtEl>
+                                        <p:attrNameLst>
+                                          <p:attrName>ppt_y</p:attrName>
+                                        </p:attrNameLst>
+                                      </p:cBhvr>
+                                      <p:tavLst>
+                                        <p:tav tm="0">
+                                          <p:val>
+                                            <p:strVal val="1+#ppt_h/2"/>
+                                          </p:val>
+                                        </p:tav>
+                                        <p:tav tm="100000">
+                                          <p:val>
+                                            <p:strVal val="#ppt_y"/>
+                                          </p:val>
+                                        </p:tav>
+                                      </p:tavLst>
+                                    </p:anim>
+                                  </p:childTnLst>
+                                </p:cTn>
+                              </p:par>
+                            </p:childTnLst>
+                          </p:cTn>
+                        </p:par>
+                      </p:childTnLst>
+                    </p:cTn>
+                  </p:par>
+                </p:childTnLst>
+              </p:cTn>
+              <p:prevCondLst>
+                <p:cond evt="onPrev" delay="0">
+                  <p:tgtEl>
+                    <p:sldTgt/>
+                  </p:tgtEl>
+                </p:cond>
+              </p:prevCondLst>
+              <p:nextCondLst>
+                <p:cond evt="onNext" delay="0">
+                  <p:tgtEl>
+                    <p:sldTgt/>
+                  </p:tgtEl>
+                </p:cond>
+              </p:nextCondLst>
+            </p:seq>
+          </p:childTnLst>
+        </p:cTn>
+      </p:par>
+    </p:tnLst>
+    <p:bldLst>
+      <p:bldP spid="3" grpId="0" uiExpand="1" build="p"/>
+    </p:bldLst>
+  </p:timing>
+</p:sld>
+</file>
+
+<file path=ppt/slides/slide11.xml><?xml version="1.0" encoding="utf-8"?>
+<p:sld xmlns:a="http://schemas.openxmlformats.org/drawingml/2006/main" xmlns:r="http://schemas.openxmlformats.org/officeDocument/2006/relationships" xmlns:p="http://schemas.openxmlformats.org/presentationml/2006/main">
+  <p:cSld>
+    <p:spTree>
+      <p:nvGrpSpPr>
+        <p:cNvPr id="1" name=""/>
+        <p:cNvGrpSpPr/>
+        <p:nvPr/>
+      </p:nvGrpSpPr>
+      <p:grpSpPr>
+        <a:xfrm>
+          <a:off x="0" y="0"/>
+          <a:ext cx="0" cy="0"/>
+          <a:chOff x="0" y="0"/>
+          <a:chExt cx="0" cy="0"/>
+        </a:xfrm>
+      </p:grpSpPr>
+      <p:sp>
+        <p:nvSpPr>
+          <p:cNvPr id="2" name="Title 1"/>
+          <p:cNvSpPr>
+            <a:spLocks noGrp="1"/>
+          </p:cNvSpPr>
+          <p:nvPr>
+            <p:ph type="title"/>
+          </p:nvPr>
+        </p:nvSpPr>
+        <p:spPr/>
+        <p:txBody>
           <a:bodyPr/>
           <a:lstStyle/>
           <a:p>
@@ -5276,7 +6481,7 @@
 </p:sld>
 </file>
 
-<file path=ppt/slides/slide11.xml><?xml version="1.0" encoding="utf-8"?>
+<file path=ppt/slides/slide12.xml><?xml version="1.0" encoding="utf-8"?>
 <p:sld xmlns:a="http://schemas.openxmlformats.org/drawingml/2006/main" xmlns:r="http://schemas.openxmlformats.org/officeDocument/2006/relationships" xmlns:p="http://schemas.openxmlformats.org/presentationml/2006/main" showMasterSp="0">
   <p:cSld>
     <p:bg>
@@ -7099,6 +8304,3008 @@
           <a:lstStyle/>
           <a:p>
             <a:r>
+              <a:rPr lang="en-US" dirty="0" err="1"/>
+              <a:t>Navier</a:t>
+            </a:r>
+            <a:r>
+              <a:rPr lang="en-US" dirty="0"/>
+              <a:t>-Stokes Equation Expanded Out</a:t>
+            </a:r>
+          </a:p>
+        </p:txBody>
+      </p:sp>
+      <mc:AlternateContent xmlns:mc="http://schemas.openxmlformats.org/markup-compatibility/2006" xmlns:a14="http://schemas.microsoft.com/office/drawing/2010/main">
+        <mc:Choice Requires="a14">
+          <p:sp>
+            <p:nvSpPr>
+              <p:cNvPr id="3" name="Text Placeholder 2"/>
+              <p:cNvSpPr>
+                <a:spLocks noGrp="1"/>
+              </p:cNvSpPr>
+              <p:nvPr>
+                <p:ph type="body" idx="1"/>
+              </p:nvPr>
+            </p:nvSpPr>
+            <p:spPr/>
+            <p:txBody>
+              <a:bodyPr>
+                <a:normAutofit/>
+              </a:bodyPr>
+              <a:lstStyle/>
+              <a:p>
+                <a:endParaRPr lang="en-US" sz="1800" i="1" dirty="0"/>
+              </a:p>
+              <a:p>
+                <a:endParaRPr lang="en-US" sz="1800" i="1" dirty="0"/>
+              </a:p>
+              <a:p>
+                <a14:m>
+                  <m:oMath xmlns:m="http://schemas.openxmlformats.org/officeDocument/2006/math">
+                    <m:f>
+                      <m:fPr>
+                        <m:ctrlPr>
+                          <a:rPr lang="en-US" sz="1800" i="1">
+                            <a:latin typeface="Cambria Math" panose="02040503050406030204" pitchFamily="18" charset="0"/>
+                          </a:rPr>
+                        </m:ctrlPr>
+                      </m:fPr>
+                      <m:num>
+                        <m:r>
+                          <a:rPr lang="en-US" sz="1800" i="1">
+                            <a:latin typeface="Cambria Math" panose="02040503050406030204" pitchFamily="18" charset="0"/>
+                          </a:rPr>
+                          <m:t>𝜕</m:t>
+                        </m:r>
+                        <m:sSub>
+                          <m:sSubPr>
+                            <m:ctrlPr>
+                              <a:rPr lang="en-US" sz="1800" i="1">
+                                <a:latin typeface="Cambria Math" panose="02040503050406030204" pitchFamily="18" charset="0"/>
+                              </a:rPr>
+                            </m:ctrlPr>
+                          </m:sSubPr>
+                          <m:e>
+                            <m:r>
+                              <a:rPr lang="en-US" sz="1800" i="1">
+                                <a:latin typeface="Cambria Math" panose="02040503050406030204" pitchFamily="18" charset="0"/>
+                              </a:rPr>
+                              <m:t>𝑣</m:t>
+                            </m:r>
+                          </m:e>
+                          <m:sub>
+                            <m:r>
+                              <a:rPr lang="en-US" sz="1800" i="1">
+                                <a:latin typeface="Cambria Math" panose="02040503050406030204" pitchFamily="18" charset="0"/>
+                              </a:rPr>
+                              <m:t>𝑥</m:t>
+                            </m:r>
+                          </m:sub>
+                        </m:sSub>
+                      </m:num>
+                      <m:den>
+                        <m:r>
+                          <a:rPr lang="en-US" sz="1800" i="1">
+                            <a:latin typeface="Cambria Math" panose="02040503050406030204" pitchFamily="18" charset="0"/>
+                          </a:rPr>
+                          <m:t>𝜕</m:t>
+                        </m:r>
+                        <m:r>
+                          <a:rPr lang="en-US" sz="1800" i="1">
+                            <a:latin typeface="Cambria Math" panose="02040503050406030204" pitchFamily="18" charset="0"/>
+                          </a:rPr>
+                          <m:t>𝑡</m:t>
+                        </m:r>
+                      </m:den>
+                    </m:f>
+                    <m:r>
+                      <a:rPr lang="en-US" sz="1800" i="1">
+                        <a:latin typeface="Cambria Math" panose="02040503050406030204" pitchFamily="18" charset="0"/>
+                      </a:rPr>
+                      <m:t>+</m:t>
+                    </m:r>
+                    <m:sSub>
+                      <m:sSubPr>
+                        <m:ctrlPr>
+                          <a:rPr lang="en-US" sz="1800" i="1">
+                            <a:latin typeface="Cambria Math" panose="02040503050406030204" pitchFamily="18" charset="0"/>
+                          </a:rPr>
+                        </m:ctrlPr>
+                      </m:sSubPr>
+                      <m:e>
+                        <m:r>
+                          <a:rPr lang="en-US" sz="1800" i="1">
+                            <a:latin typeface="Cambria Math" panose="02040503050406030204" pitchFamily="18" charset="0"/>
+                          </a:rPr>
+                          <m:t>𝑣</m:t>
+                        </m:r>
+                      </m:e>
+                      <m:sub>
+                        <m:r>
+                          <a:rPr lang="en-US" sz="1800" i="1">
+                            <a:latin typeface="Cambria Math" panose="02040503050406030204" pitchFamily="18" charset="0"/>
+                          </a:rPr>
+                          <m:t>𝑥</m:t>
+                        </m:r>
+                      </m:sub>
+                    </m:sSub>
+                    <m:f>
+                      <m:fPr>
+                        <m:ctrlPr>
+                          <a:rPr lang="en-US" sz="1800" i="1">
+                            <a:latin typeface="Cambria Math" panose="02040503050406030204" pitchFamily="18" charset="0"/>
+                          </a:rPr>
+                        </m:ctrlPr>
+                      </m:fPr>
+                      <m:num>
+                        <m:r>
+                          <a:rPr lang="en-US" sz="1800" i="1">
+                            <a:latin typeface="Cambria Math" panose="02040503050406030204" pitchFamily="18" charset="0"/>
+                          </a:rPr>
+                          <m:t>𝜕</m:t>
+                        </m:r>
+                        <m:sSub>
+                          <m:sSubPr>
+                            <m:ctrlPr>
+                              <a:rPr lang="en-US" sz="1800" i="1">
+                                <a:latin typeface="Cambria Math" panose="02040503050406030204" pitchFamily="18" charset="0"/>
+                              </a:rPr>
+                            </m:ctrlPr>
+                          </m:sSubPr>
+                          <m:e>
+                            <m:r>
+                              <a:rPr lang="en-US" sz="1800" i="1">
+                                <a:latin typeface="Cambria Math" panose="02040503050406030204" pitchFamily="18" charset="0"/>
+                              </a:rPr>
+                              <m:t>𝑣</m:t>
+                            </m:r>
+                          </m:e>
+                          <m:sub>
+                            <m:r>
+                              <a:rPr lang="en-US" sz="1800" i="1">
+                                <a:latin typeface="Cambria Math" panose="02040503050406030204" pitchFamily="18" charset="0"/>
+                              </a:rPr>
+                              <m:t>𝑥</m:t>
+                            </m:r>
+                          </m:sub>
+                        </m:sSub>
+                      </m:num>
+                      <m:den>
+                        <m:r>
+                          <a:rPr lang="en-US" sz="1800" i="1">
+                            <a:latin typeface="Cambria Math" panose="02040503050406030204" pitchFamily="18" charset="0"/>
+                          </a:rPr>
+                          <m:t>𝜕</m:t>
+                        </m:r>
+                        <m:r>
+                          <a:rPr lang="en-US" sz="1800" i="1">
+                            <a:latin typeface="Cambria Math" panose="02040503050406030204" pitchFamily="18" charset="0"/>
+                          </a:rPr>
+                          <m:t>𝑥</m:t>
+                        </m:r>
+                      </m:den>
+                    </m:f>
+                    <m:r>
+                      <a:rPr lang="en-US" sz="1800" i="1">
+                        <a:latin typeface="Cambria Math" panose="02040503050406030204" pitchFamily="18" charset="0"/>
+                      </a:rPr>
+                      <m:t>+</m:t>
+                    </m:r>
+                    <m:sSub>
+                      <m:sSubPr>
+                        <m:ctrlPr>
+                          <a:rPr lang="en-US" sz="1800" i="1">
+                            <a:latin typeface="Cambria Math" panose="02040503050406030204" pitchFamily="18" charset="0"/>
+                          </a:rPr>
+                        </m:ctrlPr>
+                      </m:sSubPr>
+                      <m:e>
+                        <m:r>
+                          <a:rPr lang="en-US" sz="1800" i="1">
+                            <a:latin typeface="Cambria Math" panose="02040503050406030204" pitchFamily="18" charset="0"/>
+                          </a:rPr>
+                          <m:t>𝑣</m:t>
+                        </m:r>
+                      </m:e>
+                      <m:sub>
+                        <m:r>
+                          <a:rPr lang="en-US" sz="1800" i="1">
+                            <a:latin typeface="Cambria Math" panose="02040503050406030204" pitchFamily="18" charset="0"/>
+                          </a:rPr>
+                          <m:t>𝑦</m:t>
+                        </m:r>
+                      </m:sub>
+                    </m:sSub>
+                    <m:f>
+                      <m:fPr>
+                        <m:ctrlPr>
+                          <a:rPr lang="en-US" sz="1800" i="1">
+                            <a:latin typeface="Cambria Math" panose="02040503050406030204" pitchFamily="18" charset="0"/>
+                          </a:rPr>
+                        </m:ctrlPr>
+                      </m:fPr>
+                      <m:num>
+                        <m:r>
+                          <a:rPr lang="en-US" sz="1800" i="1">
+                            <a:latin typeface="Cambria Math" panose="02040503050406030204" pitchFamily="18" charset="0"/>
+                          </a:rPr>
+                          <m:t>𝜕</m:t>
+                        </m:r>
+                        <m:sSub>
+                          <m:sSubPr>
+                            <m:ctrlPr>
+                              <a:rPr lang="en-US" sz="1800" i="1">
+                                <a:latin typeface="Cambria Math" panose="02040503050406030204" pitchFamily="18" charset="0"/>
+                              </a:rPr>
+                            </m:ctrlPr>
+                          </m:sSubPr>
+                          <m:e>
+                            <m:r>
+                              <a:rPr lang="en-US" sz="1800" i="1">
+                                <a:latin typeface="Cambria Math" panose="02040503050406030204" pitchFamily="18" charset="0"/>
+                              </a:rPr>
+                              <m:t>𝑣</m:t>
+                            </m:r>
+                          </m:e>
+                          <m:sub>
+                            <m:r>
+                              <a:rPr lang="en-US" sz="1800" i="1">
+                                <a:latin typeface="Cambria Math" panose="02040503050406030204" pitchFamily="18" charset="0"/>
+                              </a:rPr>
+                              <m:t>𝑥</m:t>
+                            </m:r>
+                          </m:sub>
+                        </m:sSub>
+                      </m:num>
+                      <m:den>
+                        <m:r>
+                          <a:rPr lang="en-US" sz="1800" i="1">
+                            <a:latin typeface="Cambria Math" panose="02040503050406030204" pitchFamily="18" charset="0"/>
+                          </a:rPr>
+                          <m:t>𝜕</m:t>
+                        </m:r>
+                        <m:r>
+                          <a:rPr lang="en-US" sz="1800" i="1">
+                            <a:latin typeface="Cambria Math" panose="02040503050406030204" pitchFamily="18" charset="0"/>
+                          </a:rPr>
+                          <m:t>𝑦</m:t>
+                        </m:r>
+                      </m:den>
+                    </m:f>
+                    <m:r>
+                      <a:rPr lang="en-US" sz="1800" i="1">
+                        <a:latin typeface="Cambria Math" panose="02040503050406030204" pitchFamily="18" charset="0"/>
+                      </a:rPr>
+                      <m:t>+</m:t>
+                    </m:r>
+                    <m:sSub>
+                      <m:sSubPr>
+                        <m:ctrlPr>
+                          <a:rPr lang="en-US" sz="1800" i="1">
+                            <a:latin typeface="Cambria Math" panose="02040503050406030204" pitchFamily="18" charset="0"/>
+                          </a:rPr>
+                        </m:ctrlPr>
+                      </m:sSubPr>
+                      <m:e>
+                        <m:r>
+                          <a:rPr lang="en-US" sz="1800" i="1">
+                            <a:latin typeface="Cambria Math" panose="02040503050406030204" pitchFamily="18" charset="0"/>
+                          </a:rPr>
+                          <m:t>𝑣</m:t>
+                        </m:r>
+                      </m:e>
+                      <m:sub>
+                        <m:r>
+                          <a:rPr lang="en-US" sz="1800" i="1">
+                            <a:latin typeface="Cambria Math" panose="02040503050406030204" pitchFamily="18" charset="0"/>
+                          </a:rPr>
+                          <m:t>𝑧</m:t>
+                        </m:r>
+                      </m:sub>
+                    </m:sSub>
+                    <m:f>
+                      <m:fPr>
+                        <m:ctrlPr>
+                          <a:rPr lang="en-US" sz="1800" i="1">
+                            <a:latin typeface="Cambria Math" panose="02040503050406030204" pitchFamily="18" charset="0"/>
+                          </a:rPr>
+                        </m:ctrlPr>
+                      </m:fPr>
+                      <m:num>
+                        <m:r>
+                          <a:rPr lang="en-US" sz="1800" i="1">
+                            <a:latin typeface="Cambria Math" panose="02040503050406030204" pitchFamily="18" charset="0"/>
+                          </a:rPr>
+                          <m:t>𝜕</m:t>
+                        </m:r>
+                        <m:sSub>
+                          <m:sSubPr>
+                            <m:ctrlPr>
+                              <a:rPr lang="en-US" sz="1800" i="1">
+                                <a:latin typeface="Cambria Math" panose="02040503050406030204" pitchFamily="18" charset="0"/>
+                              </a:rPr>
+                            </m:ctrlPr>
+                          </m:sSubPr>
+                          <m:e>
+                            <m:r>
+                              <a:rPr lang="en-US" sz="1800" i="1">
+                                <a:latin typeface="Cambria Math" panose="02040503050406030204" pitchFamily="18" charset="0"/>
+                              </a:rPr>
+                              <m:t>𝑣</m:t>
+                            </m:r>
+                          </m:e>
+                          <m:sub>
+                            <m:r>
+                              <a:rPr lang="en-US" sz="1800" i="1">
+                                <a:latin typeface="Cambria Math" panose="02040503050406030204" pitchFamily="18" charset="0"/>
+                              </a:rPr>
+                              <m:t>𝑥</m:t>
+                            </m:r>
+                          </m:sub>
+                        </m:sSub>
+                      </m:num>
+                      <m:den>
+                        <m:r>
+                          <a:rPr lang="en-US" sz="1800" i="1">
+                            <a:latin typeface="Cambria Math" panose="02040503050406030204" pitchFamily="18" charset="0"/>
+                          </a:rPr>
+                          <m:t>𝜕</m:t>
+                        </m:r>
+                        <m:r>
+                          <a:rPr lang="en-US" sz="1800" i="1">
+                            <a:latin typeface="Cambria Math" panose="02040503050406030204" pitchFamily="18" charset="0"/>
+                          </a:rPr>
+                          <m:t>𝑧</m:t>
+                        </m:r>
+                      </m:den>
+                    </m:f>
+                    <m:r>
+                      <a:rPr lang="en-US" sz="1800" i="1">
+                        <a:latin typeface="Cambria Math" panose="02040503050406030204" pitchFamily="18" charset="0"/>
+                      </a:rPr>
+                      <m:t>=−</m:t>
+                    </m:r>
+                    <m:d>
+                      <m:dPr>
+                        <m:ctrlPr>
+                          <a:rPr lang="en-US" sz="1800" i="1">
+                            <a:latin typeface="Cambria Math" panose="02040503050406030204" pitchFamily="18" charset="0"/>
+                          </a:rPr>
+                        </m:ctrlPr>
+                      </m:dPr>
+                      <m:e>
+                        <m:f>
+                          <m:fPr>
+                            <m:ctrlPr>
+                              <a:rPr lang="en-US" sz="1800" i="1">
+                                <a:latin typeface="Cambria Math" panose="02040503050406030204" pitchFamily="18" charset="0"/>
+                              </a:rPr>
+                            </m:ctrlPr>
+                          </m:fPr>
+                          <m:num>
+                            <m:r>
+                              <a:rPr lang="en-US" sz="1800" i="1">
+                                <a:latin typeface="Cambria Math" panose="02040503050406030204" pitchFamily="18" charset="0"/>
+                              </a:rPr>
+                              <m:t>1</m:t>
+                            </m:r>
+                          </m:num>
+                          <m:den>
+                            <m:r>
+                              <a:rPr lang="en-US" sz="1800" i="1">
+                                <a:latin typeface="Cambria Math" panose="02040503050406030204" pitchFamily="18" charset="0"/>
+                              </a:rPr>
+                              <m:t>𝜌</m:t>
+                            </m:r>
+                          </m:den>
+                        </m:f>
+                      </m:e>
+                    </m:d>
+                    <m:f>
+                      <m:fPr>
+                        <m:ctrlPr>
+                          <a:rPr lang="en-US" sz="1800" i="1">
+                            <a:latin typeface="Cambria Math" panose="02040503050406030204" pitchFamily="18" charset="0"/>
+                          </a:rPr>
+                        </m:ctrlPr>
+                      </m:fPr>
+                      <m:num>
+                        <m:r>
+                          <a:rPr lang="en-US" sz="1800" i="1">
+                            <a:latin typeface="Cambria Math" panose="02040503050406030204" pitchFamily="18" charset="0"/>
+                          </a:rPr>
+                          <m:t>𝜕</m:t>
+                        </m:r>
+                        <m:r>
+                          <a:rPr lang="en-US" sz="1800" i="1">
+                            <a:latin typeface="Cambria Math" panose="02040503050406030204" pitchFamily="18" charset="0"/>
+                          </a:rPr>
+                          <m:t>𝑃</m:t>
+                        </m:r>
+                      </m:num>
+                      <m:den>
+                        <m:r>
+                          <a:rPr lang="en-US" sz="1800" i="1">
+                            <a:latin typeface="Cambria Math" panose="02040503050406030204" pitchFamily="18" charset="0"/>
+                          </a:rPr>
+                          <m:t>𝜕</m:t>
+                        </m:r>
+                        <m:r>
+                          <a:rPr lang="en-US" sz="1800" i="1">
+                            <a:latin typeface="Cambria Math" panose="02040503050406030204" pitchFamily="18" charset="0"/>
+                          </a:rPr>
+                          <m:t>𝑥</m:t>
+                        </m:r>
+                      </m:den>
+                    </m:f>
+                    <m:r>
+                      <a:rPr lang="en-US" sz="1800" i="1">
+                        <a:latin typeface="Cambria Math" panose="02040503050406030204" pitchFamily="18" charset="0"/>
+                      </a:rPr>
+                      <m:t>+</m:t>
+                    </m:r>
+                    <m:f>
+                      <m:fPr>
+                        <m:ctrlPr>
+                          <a:rPr lang="en-US" sz="1800" i="1">
+                            <a:latin typeface="Cambria Math" panose="02040503050406030204" pitchFamily="18" charset="0"/>
+                          </a:rPr>
+                        </m:ctrlPr>
+                      </m:fPr>
+                      <m:num>
+                        <m:r>
+                          <a:rPr lang="en-US" sz="1800" i="1">
+                            <a:latin typeface="Cambria Math" panose="02040503050406030204" pitchFamily="18" charset="0"/>
+                          </a:rPr>
+                          <m:t>𝜇</m:t>
+                        </m:r>
+                      </m:num>
+                      <m:den>
+                        <m:r>
+                          <a:rPr lang="en-US" sz="1800" i="1">
+                            <a:latin typeface="Cambria Math" panose="02040503050406030204" pitchFamily="18" charset="0"/>
+                          </a:rPr>
+                          <m:t>𝜌</m:t>
+                        </m:r>
+                      </m:den>
+                    </m:f>
+                    <m:r>
+                      <a:rPr lang="en-US" sz="1800" i="1">
+                        <a:latin typeface="Cambria Math" panose="02040503050406030204" pitchFamily="18" charset="0"/>
+                      </a:rPr>
+                      <m:t>(</m:t>
+                    </m:r>
+                    <m:f>
+                      <m:fPr>
+                        <m:ctrlPr>
+                          <a:rPr lang="en-US" sz="1800" i="1">
+                            <a:latin typeface="Cambria Math" panose="02040503050406030204" pitchFamily="18" charset="0"/>
+                          </a:rPr>
+                        </m:ctrlPr>
+                      </m:fPr>
+                      <m:num>
+                        <m:sSup>
+                          <m:sSupPr>
+                            <m:ctrlPr>
+                              <a:rPr lang="en-US" sz="1800" i="1">
+                                <a:latin typeface="Cambria Math" panose="02040503050406030204" pitchFamily="18" charset="0"/>
+                              </a:rPr>
+                            </m:ctrlPr>
+                          </m:sSupPr>
+                          <m:e>
+                            <m:r>
+                              <a:rPr lang="en-US" sz="1800" i="1">
+                                <a:latin typeface="Cambria Math" panose="02040503050406030204" pitchFamily="18" charset="0"/>
+                              </a:rPr>
+                              <m:t>𝜕</m:t>
+                            </m:r>
+                          </m:e>
+                          <m:sup>
+                            <m:r>
+                              <a:rPr lang="en-US" sz="1800" i="1">
+                                <a:latin typeface="Cambria Math" panose="02040503050406030204" pitchFamily="18" charset="0"/>
+                              </a:rPr>
+                              <m:t>2</m:t>
+                            </m:r>
+                          </m:sup>
+                        </m:sSup>
+                        <m:sSub>
+                          <m:sSubPr>
+                            <m:ctrlPr>
+                              <a:rPr lang="en-US" sz="1800" i="1">
+                                <a:latin typeface="Cambria Math" panose="02040503050406030204" pitchFamily="18" charset="0"/>
+                              </a:rPr>
+                            </m:ctrlPr>
+                          </m:sSubPr>
+                          <m:e>
+                            <m:r>
+                              <a:rPr lang="en-US" sz="1800" i="1">
+                                <a:latin typeface="Cambria Math" panose="02040503050406030204" pitchFamily="18" charset="0"/>
+                              </a:rPr>
+                              <m:t>𝑣</m:t>
+                            </m:r>
+                          </m:e>
+                          <m:sub>
+                            <m:r>
+                              <a:rPr lang="en-US" sz="1800" i="1">
+                                <a:latin typeface="Cambria Math" panose="02040503050406030204" pitchFamily="18" charset="0"/>
+                              </a:rPr>
+                              <m:t>𝑥</m:t>
+                            </m:r>
+                          </m:sub>
+                        </m:sSub>
+                      </m:num>
+                      <m:den>
+                        <m:sSup>
+                          <m:sSupPr>
+                            <m:ctrlPr>
+                              <a:rPr lang="en-US" sz="1800" i="1">
+                                <a:latin typeface="Cambria Math" panose="02040503050406030204" pitchFamily="18" charset="0"/>
+                              </a:rPr>
+                            </m:ctrlPr>
+                          </m:sSupPr>
+                          <m:e>
+                            <m:r>
+                              <a:rPr lang="en-US" sz="1800" i="1">
+                                <a:latin typeface="Cambria Math" panose="02040503050406030204" pitchFamily="18" charset="0"/>
+                              </a:rPr>
+                              <m:t>𝜕</m:t>
+                            </m:r>
+                            <m:r>
+                              <a:rPr lang="en-US" sz="1800" i="1">
+                                <a:latin typeface="Cambria Math" panose="02040503050406030204" pitchFamily="18" charset="0"/>
+                              </a:rPr>
+                              <m:t>𝑥</m:t>
+                            </m:r>
+                          </m:e>
+                          <m:sup>
+                            <m:r>
+                              <a:rPr lang="en-US" sz="1800" i="1">
+                                <a:latin typeface="Cambria Math" panose="02040503050406030204" pitchFamily="18" charset="0"/>
+                              </a:rPr>
+                              <m:t>2</m:t>
+                            </m:r>
+                          </m:sup>
+                        </m:sSup>
+                      </m:den>
+                    </m:f>
+                    <m:r>
+                      <a:rPr lang="en-US" sz="1800" i="1">
+                        <a:latin typeface="Cambria Math" panose="02040503050406030204" pitchFamily="18" charset="0"/>
+                      </a:rPr>
+                      <m:t>+</m:t>
+                    </m:r>
+                    <m:f>
+                      <m:fPr>
+                        <m:ctrlPr>
+                          <a:rPr lang="en-US" sz="1800" i="1">
+                            <a:latin typeface="Cambria Math" panose="02040503050406030204" pitchFamily="18" charset="0"/>
+                          </a:rPr>
+                        </m:ctrlPr>
+                      </m:fPr>
+                      <m:num>
+                        <m:sSup>
+                          <m:sSupPr>
+                            <m:ctrlPr>
+                              <a:rPr lang="en-US" sz="1800" i="1">
+                                <a:latin typeface="Cambria Math" panose="02040503050406030204" pitchFamily="18" charset="0"/>
+                              </a:rPr>
+                            </m:ctrlPr>
+                          </m:sSupPr>
+                          <m:e>
+                            <m:r>
+                              <a:rPr lang="en-US" sz="1800" i="1">
+                                <a:latin typeface="Cambria Math" panose="02040503050406030204" pitchFamily="18" charset="0"/>
+                              </a:rPr>
+                              <m:t>𝜕</m:t>
+                            </m:r>
+                          </m:e>
+                          <m:sup>
+                            <m:r>
+                              <a:rPr lang="en-US" sz="1800" i="1">
+                                <a:latin typeface="Cambria Math" panose="02040503050406030204" pitchFamily="18" charset="0"/>
+                              </a:rPr>
+                              <m:t>2</m:t>
+                            </m:r>
+                          </m:sup>
+                        </m:sSup>
+                        <m:sSub>
+                          <m:sSubPr>
+                            <m:ctrlPr>
+                              <a:rPr lang="en-US" sz="1800" i="1">
+                                <a:latin typeface="Cambria Math" panose="02040503050406030204" pitchFamily="18" charset="0"/>
+                              </a:rPr>
+                            </m:ctrlPr>
+                          </m:sSubPr>
+                          <m:e>
+                            <m:r>
+                              <a:rPr lang="en-US" sz="1800" i="1">
+                                <a:latin typeface="Cambria Math" panose="02040503050406030204" pitchFamily="18" charset="0"/>
+                              </a:rPr>
+                              <m:t>𝑣</m:t>
+                            </m:r>
+                          </m:e>
+                          <m:sub>
+                            <m:r>
+                              <a:rPr lang="en-US" sz="1800" i="1">
+                                <a:latin typeface="Cambria Math" panose="02040503050406030204" pitchFamily="18" charset="0"/>
+                              </a:rPr>
+                              <m:t>𝑥</m:t>
+                            </m:r>
+                          </m:sub>
+                        </m:sSub>
+                      </m:num>
+                      <m:den>
+                        <m:sSup>
+                          <m:sSupPr>
+                            <m:ctrlPr>
+                              <a:rPr lang="en-US" sz="1800" i="1">
+                                <a:latin typeface="Cambria Math" panose="02040503050406030204" pitchFamily="18" charset="0"/>
+                              </a:rPr>
+                            </m:ctrlPr>
+                          </m:sSupPr>
+                          <m:e>
+                            <m:r>
+                              <a:rPr lang="en-US" sz="1800" i="1">
+                                <a:latin typeface="Cambria Math" panose="02040503050406030204" pitchFamily="18" charset="0"/>
+                              </a:rPr>
+                              <m:t>𝜕</m:t>
+                            </m:r>
+                            <m:r>
+                              <a:rPr lang="en-US" sz="1800" i="1">
+                                <a:latin typeface="Cambria Math" panose="02040503050406030204" pitchFamily="18" charset="0"/>
+                              </a:rPr>
+                              <m:t>𝑦</m:t>
+                            </m:r>
+                          </m:e>
+                          <m:sup>
+                            <m:r>
+                              <a:rPr lang="en-US" sz="1800" i="1">
+                                <a:latin typeface="Cambria Math" panose="02040503050406030204" pitchFamily="18" charset="0"/>
+                              </a:rPr>
+                              <m:t>2</m:t>
+                            </m:r>
+                          </m:sup>
+                        </m:sSup>
+                      </m:den>
+                    </m:f>
+                    <m:r>
+                      <a:rPr lang="en-US" sz="1800" i="1">
+                        <a:latin typeface="Cambria Math" panose="02040503050406030204" pitchFamily="18" charset="0"/>
+                      </a:rPr>
+                      <m:t>+</m:t>
+                    </m:r>
+                    <m:f>
+                      <m:fPr>
+                        <m:ctrlPr>
+                          <a:rPr lang="en-US" sz="1800" i="1">
+                            <a:latin typeface="Cambria Math" panose="02040503050406030204" pitchFamily="18" charset="0"/>
+                          </a:rPr>
+                        </m:ctrlPr>
+                      </m:fPr>
+                      <m:num>
+                        <m:sSup>
+                          <m:sSupPr>
+                            <m:ctrlPr>
+                              <a:rPr lang="en-US" sz="1800" i="1">
+                                <a:latin typeface="Cambria Math" panose="02040503050406030204" pitchFamily="18" charset="0"/>
+                              </a:rPr>
+                            </m:ctrlPr>
+                          </m:sSupPr>
+                          <m:e>
+                            <m:r>
+                              <a:rPr lang="en-US" sz="1800" i="1">
+                                <a:latin typeface="Cambria Math" panose="02040503050406030204" pitchFamily="18" charset="0"/>
+                              </a:rPr>
+                              <m:t>𝜕</m:t>
+                            </m:r>
+                          </m:e>
+                          <m:sup>
+                            <m:r>
+                              <a:rPr lang="en-US" sz="1800" i="1">
+                                <a:latin typeface="Cambria Math" panose="02040503050406030204" pitchFamily="18" charset="0"/>
+                              </a:rPr>
+                              <m:t>2</m:t>
+                            </m:r>
+                          </m:sup>
+                        </m:sSup>
+                        <m:sSub>
+                          <m:sSubPr>
+                            <m:ctrlPr>
+                              <a:rPr lang="en-US" sz="1800" i="1">
+                                <a:latin typeface="Cambria Math" panose="02040503050406030204" pitchFamily="18" charset="0"/>
+                              </a:rPr>
+                            </m:ctrlPr>
+                          </m:sSubPr>
+                          <m:e>
+                            <m:r>
+                              <a:rPr lang="en-US" sz="1800" i="1">
+                                <a:latin typeface="Cambria Math" panose="02040503050406030204" pitchFamily="18" charset="0"/>
+                              </a:rPr>
+                              <m:t>𝑣</m:t>
+                            </m:r>
+                          </m:e>
+                          <m:sub>
+                            <m:r>
+                              <a:rPr lang="en-US" sz="1800" i="1">
+                                <a:latin typeface="Cambria Math" panose="02040503050406030204" pitchFamily="18" charset="0"/>
+                              </a:rPr>
+                              <m:t>𝑥</m:t>
+                            </m:r>
+                          </m:sub>
+                        </m:sSub>
+                      </m:num>
+                      <m:den>
+                        <m:sSup>
+                          <m:sSupPr>
+                            <m:ctrlPr>
+                              <a:rPr lang="en-US" sz="1800" i="1">
+                                <a:latin typeface="Cambria Math" panose="02040503050406030204" pitchFamily="18" charset="0"/>
+                              </a:rPr>
+                            </m:ctrlPr>
+                          </m:sSupPr>
+                          <m:e>
+                            <m:r>
+                              <a:rPr lang="en-US" sz="1800" i="1">
+                                <a:latin typeface="Cambria Math" panose="02040503050406030204" pitchFamily="18" charset="0"/>
+                              </a:rPr>
+                              <m:t>𝜕</m:t>
+                            </m:r>
+                            <m:r>
+                              <a:rPr lang="en-US" sz="1800" i="1">
+                                <a:latin typeface="Cambria Math" panose="02040503050406030204" pitchFamily="18" charset="0"/>
+                              </a:rPr>
+                              <m:t>𝑧</m:t>
+                            </m:r>
+                          </m:e>
+                          <m:sup>
+                            <m:r>
+                              <a:rPr lang="en-US" sz="1800" i="1">
+                                <a:latin typeface="Cambria Math" panose="02040503050406030204" pitchFamily="18" charset="0"/>
+                              </a:rPr>
+                              <m:t>2</m:t>
+                            </m:r>
+                          </m:sup>
+                        </m:sSup>
+                      </m:den>
+                    </m:f>
+                    <m:r>
+                      <a:rPr lang="en-US" sz="1800" i="1">
+                        <a:latin typeface="Cambria Math" panose="02040503050406030204" pitchFamily="18" charset="0"/>
+                      </a:rPr>
+                      <m:t>)+</m:t>
+                    </m:r>
+                    <m:sSub>
+                      <m:sSubPr>
+                        <m:ctrlPr>
+                          <a:rPr lang="en-US" sz="1800" i="1">
+                            <a:latin typeface="Cambria Math" panose="02040503050406030204" pitchFamily="18" charset="0"/>
+                          </a:rPr>
+                        </m:ctrlPr>
+                      </m:sSubPr>
+                      <m:e>
+                        <m:r>
+                          <a:rPr lang="en-US" sz="1800" i="1">
+                            <a:latin typeface="Cambria Math" panose="02040503050406030204" pitchFamily="18" charset="0"/>
+                          </a:rPr>
+                          <m:t>𝑓</m:t>
+                        </m:r>
+                      </m:e>
+                      <m:sub>
+                        <m:r>
+                          <a:rPr lang="en-US" sz="1800" i="1">
+                            <a:latin typeface="Cambria Math" panose="02040503050406030204" pitchFamily="18" charset="0"/>
+                          </a:rPr>
+                          <m:t>𝑥</m:t>
+                        </m:r>
+                      </m:sub>
+                    </m:sSub>
+                  </m:oMath>
+                </a14:m>
+                <a:endParaRPr lang="en-US" sz="1800" dirty="0"/>
+              </a:p>
+              <a:p>
+                <a14:m>
+                  <m:oMath xmlns:m="http://schemas.openxmlformats.org/officeDocument/2006/math">
+                    <m:f>
+                      <m:fPr>
+                        <m:ctrlPr>
+                          <a:rPr lang="en-US" sz="1800" i="1">
+                            <a:latin typeface="Cambria Math" panose="02040503050406030204" pitchFamily="18" charset="0"/>
+                          </a:rPr>
+                        </m:ctrlPr>
+                      </m:fPr>
+                      <m:num>
+                        <m:r>
+                          <a:rPr lang="en-US" sz="1800" i="1">
+                            <a:latin typeface="Cambria Math" panose="02040503050406030204" pitchFamily="18" charset="0"/>
+                          </a:rPr>
+                          <m:t>𝜕</m:t>
+                        </m:r>
+                        <m:sSub>
+                          <m:sSubPr>
+                            <m:ctrlPr>
+                              <a:rPr lang="en-US" sz="1800" i="1">
+                                <a:latin typeface="Cambria Math" panose="02040503050406030204" pitchFamily="18" charset="0"/>
+                              </a:rPr>
+                            </m:ctrlPr>
+                          </m:sSubPr>
+                          <m:e>
+                            <m:r>
+                              <a:rPr lang="en-US" sz="1800" i="1">
+                                <a:latin typeface="Cambria Math" panose="02040503050406030204" pitchFamily="18" charset="0"/>
+                              </a:rPr>
+                              <m:t>𝑣</m:t>
+                            </m:r>
+                          </m:e>
+                          <m:sub>
+                            <m:r>
+                              <a:rPr lang="en-US" sz="1800" i="1">
+                                <a:latin typeface="Cambria Math" panose="02040503050406030204" pitchFamily="18" charset="0"/>
+                              </a:rPr>
+                              <m:t>𝑦</m:t>
+                            </m:r>
+                          </m:sub>
+                        </m:sSub>
+                      </m:num>
+                      <m:den>
+                        <m:r>
+                          <a:rPr lang="en-US" sz="1800" i="1">
+                            <a:latin typeface="Cambria Math" panose="02040503050406030204" pitchFamily="18" charset="0"/>
+                          </a:rPr>
+                          <m:t>𝜕</m:t>
+                        </m:r>
+                        <m:r>
+                          <a:rPr lang="en-US" sz="1800" i="1">
+                            <a:latin typeface="Cambria Math" panose="02040503050406030204" pitchFamily="18" charset="0"/>
+                          </a:rPr>
+                          <m:t>𝑡</m:t>
+                        </m:r>
+                      </m:den>
+                    </m:f>
+                    <m:r>
+                      <a:rPr lang="en-US" sz="1800" i="1">
+                        <a:latin typeface="Cambria Math" panose="02040503050406030204" pitchFamily="18" charset="0"/>
+                      </a:rPr>
+                      <m:t>+</m:t>
+                    </m:r>
+                    <m:sSub>
+                      <m:sSubPr>
+                        <m:ctrlPr>
+                          <a:rPr lang="en-US" sz="1800" i="1">
+                            <a:latin typeface="Cambria Math" panose="02040503050406030204" pitchFamily="18" charset="0"/>
+                          </a:rPr>
+                        </m:ctrlPr>
+                      </m:sSubPr>
+                      <m:e>
+                        <m:r>
+                          <a:rPr lang="en-US" sz="1800" i="1">
+                            <a:latin typeface="Cambria Math" panose="02040503050406030204" pitchFamily="18" charset="0"/>
+                          </a:rPr>
+                          <m:t>𝑣</m:t>
+                        </m:r>
+                      </m:e>
+                      <m:sub>
+                        <m:r>
+                          <a:rPr lang="en-US" sz="1800" i="1">
+                            <a:latin typeface="Cambria Math" panose="02040503050406030204" pitchFamily="18" charset="0"/>
+                          </a:rPr>
+                          <m:t>𝑥</m:t>
+                        </m:r>
+                      </m:sub>
+                    </m:sSub>
+                    <m:f>
+                      <m:fPr>
+                        <m:ctrlPr>
+                          <a:rPr lang="en-US" sz="1800" i="1">
+                            <a:latin typeface="Cambria Math" panose="02040503050406030204" pitchFamily="18" charset="0"/>
+                          </a:rPr>
+                        </m:ctrlPr>
+                      </m:fPr>
+                      <m:num>
+                        <m:r>
+                          <a:rPr lang="en-US" sz="1800" i="1">
+                            <a:latin typeface="Cambria Math" panose="02040503050406030204" pitchFamily="18" charset="0"/>
+                          </a:rPr>
+                          <m:t>𝜕</m:t>
+                        </m:r>
+                        <m:sSub>
+                          <m:sSubPr>
+                            <m:ctrlPr>
+                              <a:rPr lang="en-US" sz="1800" i="1">
+                                <a:latin typeface="Cambria Math" panose="02040503050406030204" pitchFamily="18" charset="0"/>
+                              </a:rPr>
+                            </m:ctrlPr>
+                          </m:sSubPr>
+                          <m:e>
+                            <m:r>
+                              <a:rPr lang="en-US" sz="1800" i="1">
+                                <a:latin typeface="Cambria Math" panose="02040503050406030204" pitchFamily="18" charset="0"/>
+                              </a:rPr>
+                              <m:t>𝑣</m:t>
+                            </m:r>
+                          </m:e>
+                          <m:sub>
+                            <m:r>
+                              <a:rPr lang="en-US" sz="1800" i="1">
+                                <a:latin typeface="Cambria Math" panose="02040503050406030204" pitchFamily="18" charset="0"/>
+                              </a:rPr>
+                              <m:t>𝑦</m:t>
+                            </m:r>
+                          </m:sub>
+                        </m:sSub>
+                      </m:num>
+                      <m:den>
+                        <m:r>
+                          <a:rPr lang="en-US" sz="1800" i="1">
+                            <a:latin typeface="Cambria Math" panose="02040503050406030204" pitchFamily="18" charset="0"/>
+                          </a:rPr>
+                          <m:t>𝜕</m:t>
+                        </m:r>
+                        <m:r>
+                          <a:rPr lang="en-US" sz="1800" i="1">
+                            <a:latin typeface="Cambria Math" panose="02040503050406030204" pitchFamily="18" charset="0"/>
+                          </a:rPr>
+                          <m:t>𝑥</m:t>
+                        </m:r>
+                      </m:den>
+                    </m:f>
+                    <m:r>
+                      <a:rPr lang="en-US" sz="1800" i="1">
+                        <a:latin typeface="Cambria Math" panose="02040503050406030204" pitchFamily="18" charset="0"/>
+                      </a:rPr>
+                      <m:t>+</m:t>
+                    </m:r>
+                    <m:sSub>
+                      <m:sSubPr>
+                        <m:ctrlPr>
+                          <a:rPr lang="en-US" sz="1800" i="1">
+                            <a:latin typeface="Cambria Math" panose="02040503050406030204" pitchFamily="18" charset="0"/>
+                          </a:rPr>
+                        </m:ctrlPr>
+                      </m:sSubPr>
+                      <m:e>
+                        <m:r>
+                          <a:rPr lang="en-US" sz="1800" i="1">
+                            <a:latin typeface="Cambria Math" panose="02040503050406030204" pitchFamily="18" charset="0"/>
+                          </a:rPr>
+                          <m:t>𝑣</m:t>
+                        </m:r>
+                      </m:e>
+                      <m:sub>
+                        <m:r>
+                          <a:rPr lang="en-US" sz="1800" i="1">
+                            <a:latin typeface="Cambria Math" panose="02040503050406030204" pitchFamily="18" charset="0"/>
+                          </a:rPr>
+                          <m:t>𝑦</m:t>
+                        </m:r>
+                      </m:sub>
+                    </m:sSub>
+                    <m:f>
+                      <m:fPr>
+                        <m:ctrlPr>
+                          <a:rPr lang="en-US" sz="1800" i="1">
+                            <a:latin typeface="Cambria Math" panose="02040503050406030204" pitchFamily="18" charset="0"/>
+                          </a:rPr>
+                        </m:ctrlPr>
+                      </m:fPr>
+                      <m:num>
+                        <m:r>
+                          <a:rPr lang="en-US" sz="1800" i="1">
+                            <a:latin typeface="Cambria Math" panose="02040503050406030204" pitchFamily="18" charset="0"/>
+                          </a:rPr>
+                          <m:t>𝜕</m:t>
+                        </m:r>
+                        <m:sSub>
+                          <m:sSubPr>
+                            <m:ctrlPr>
+                              <a:rPr lang="en-US" sz="1800" i="1">
+                                <a:latin typeface="Cambria Math" panose="02040503050406030204" pitchFamily="18" charset="0"/>
+                              </a:rPr>
+                            </m:ctrlPr>
+                          </m:sSubPr>
+                          <m:e>
+                            <m:r>
+                              <a:rPr lang="en-US" sz="1800" i="1">
+                                <a:latin typeface="Cambria Math" panose="02040503050406030204" pitchFamily="18" charset="0"/>
+                              </a:rPr>
+                              <m:t>𝑣</m:t>
+                            </m:r>
+                          </m:e>
+                          <m:sub>
+                            <m:r>
+                              <a:rPr lang="en-US" sz="1800" i="1">
+                                <a:latin typeface="Cambria Math" panose="02040503050406030204" pitchFamily="18" charset="0"/>
+                              </a:rPr>
+                              <m:t>𝑦</m:t>
+                            </m:r>
+                          </m:sub>
+                        </m:sSub>
+                      </m:num>
+                      <m:den>
+                        <m:r>
+                          <a:rPr lang="en-US" sz="1800" i="1">
+                            <a:latin typeface="Cambria Math" panose="02040503050406030204" pitchFamily="18" charset="0"/>
+                          </a:rPr>
+                          <m:t>𝜕</m:t>
+                        </m:r>
+                        <m:r>
+                          <a:rPr lang="en-US" sz="1800" i="1">
+                            <a:latin typeface="Cambria Math" panose="02040503050406030204" pitchFamily="18" charset="0"/>
+                          </a:rPr>
+                          <m:t>𝑦</m:t>
+                        </m:r>
+                      </m:den>
+                    </m:f>
+                    <m:r>
+                      <a:rPr lang="en-US" sz="1800" i="1">
+                        <a:latin typeface="Cambria Math" panose="02040503050406030204" pitchFamily="18" charset="0"/>
+                      </a:rPr>
+                      <m:t>+</m:t>
+                    </m:r>
+                    <m:sSub>
+                      <m:sSubPr>
+                        <m:ctrlPr>
+                          <a:rPr lang="en-US" sz="1800" i="1">
+                            <a:latin typeface="Cambria Math" panose="02040503050406030204" pitchFamily="18" charset="0"/>
+                          </a:rPr>
+                        </m:ctrlPr>
+                      </m:sSubPr>
+                      <m:e>
+                        <m:r>
+                          <a:rPr lang="en-US" sz="1800" i="1">
+                            <a:latin typeface="Cambria Math" panose="02040503050406030204" pitchFamily="18" charset="0"/>
+                          </a:rPr>
+                          <m:t>𝑣</m:t>
+                        </m:r>
+                      </m:e>
+                      <m:sub>
+                        <m:r>
+                          <a:rPr lang="en-US" sz="1800" i="1">
+                            <a:latin typeface="Cambria Math" panose="02040503050406030204" pitchFamily="18" charset="0"/>
+                          </a:rPr>
+                          <m:t>𝑧</m:t>
+                        </m:r>
+                      </m:sub>
+                    </m:sSub>
+                    <m:f>
+                      <m:fPr>
+                        <m:ctrlPr>
+                          <a:rPr lang="en-US" sz="1800" i="1">
+                            <a:latin typeface="Cambria Math" panose="02040503050406030204" pitchFamily="18" charset="0"/>
+                          </a:rPr>
+                        </m:ctrlPr>
+                      </m:fPr>
+                      <m:num>
+                        <m:r>
+                          <a:rPr lang="en-US" sz="1800" i="1">
+                            <a:latin typeface="Cambria Math" panose="02040503050406030204" pitchFamily="18" charset="0"/>
+                          </a:rPr>
+                          <m:t>𝜕</m:t>
+                        </m:r>
+                        <m:sSub>
+                          <m:sSubPr>
+                            <m:ctrlPr>
+                              <a:rPr lang="en-US" sz="1800" i="1">
+                                <a:latin typeface="Cambria Math" panose="02040503050406030204" pitchFamily="18" charset="0"/>
+                              </a:rPr>
+                            </m:ctrlPr>
+                          </m:sSubPr>
+                          <m:e>
+                            <m:r>
+                              <a:rPr lang="en-US" sz="1800" i="1">
+                                <a:latin typeface="Cambria Math" panose="02040503050406030204" pitchFamily="18" charset="0"/>
+                              </a:rPr>
+                              <m:t>𝑣</m:t>
+                            </m:r>
+                          </m:e>
+                          <m:sub>
+                            <m:r>
+                              <a:rPr lang="en-US" sz="1800" i="1">
+                                <a:latin typeface="Cambria Math" panose="02040503050406030204" pitchFamily="18" charset="0"/>
+                              </a:rPr>
+                              <m:t>𝑦</m:t>
+                            </m:r>
+                          </m:sub>
+                        </m:sSub>
+                      </m:num>
+                      <m:den>
+                        <m:r>
+                          <a:rPr lang="en-US" sz="1800" i="1">
+                            <a:latin typeface="Cambria Math" panose="02040503050406030204" pitchFamily="18" charset="0"/>
+                          </a:rPr>
+                          <m:t>𝜕</m:t>
+                        </m:r>
+                        <m:r>
+                          <a:rPr lang="en-US" sz="1800" i="1">
+                            <a:latin typeface="Cambria Math" panose="02040503050406030204" pitchFamily="18" charset="0"/>
+                          </a:rPr>
+                          <m:t>𝑧</m:t>
+                        </m:r>
+                      </m:den>
+                    </m:f>
+                    <m:r>
+                      <a:rPr lang="en-US" sz="1800" i="1">
+                        <a:latin typeface="Cambria Math" panose="02040503050406030204" pitchFamily="18" charset="0"/>
+                      </a:rPr>
+                      <m:t>=−</m:t>
+                    </m:r>
+                    <m:d>
+                      <m:dPr>
+                        <m:ctrlPr>
+                          <a:rPr lang="en-US" sz="1800" i="1">
+                            <a:latin typeface="Cambria Math" panose="02040503050406030204" pitchFamily="18" charset="0"/>
+                          </a:rPr>
+                        </m:ctrlPr>
+                      </m:dPr>
+                      <m:e>
+                        <m:f>
+                          <m:fPr>
+                            <m:ctrlPr>
+                              <a:rPr lang="en-US" sz="1800" i="1">
+                                <a:latin typeface="Cambria Math" panose="02040503050406030204" pitchFamily="18" charset="0"/>
+                              </a:rPr>
+                            </m:ctrlPr>
+                          </m:fPr>
+                          <m:num>
+                            <m:r>
+                              <a:rPr lang="en-US" sz="1800" i="1">
+                                <a:latin typeface="Cambria Math" panose="02040503050406030204" pitchFamily="18" charset="0"/>
+                              </a:rPr>
+                              <m:t>1</m:t>
+                            </m:r>
+                          </m:num>
+                          <m:den>
+                            <m:r>
+                              <a:rPr lang="en-US" sz="1800" i="1">
+                                <a:latin typeface="Cambria Math" panose="02040503050406030204" pitchFamily="18" charset="0"/>
+                              </a:rPr>
+                              <m:t>𝜌</m:t>
+                            </m:r>
+                          </m:den>
+                        </m:f>
+                      </m:e>
+                    </m:d>
+                    <m:f>
+                      <m:fPr>
+                        <m:ctrlPr>
+                          <a:rPr lang="en-US" sz="1800" i="1">
+                            <a:latin typeface="Cambria Math" panose="02040503050406030204" pitchFamily="18" charset="0"/>
+                          </a:rPr>
+                        </m:ctrlPr>
+                      </m:fPr>
+                      <m:num>
+                        <m:r>
+                          <a:rPr lang="en-US" sz="1800" i="1">
+                            <a:latin typeface="Cambria Math" panose="02040503050406030204" pitchFamily="18" charset="0"/>
+                          </a:rPr>
+                          <m:t>𝜕</m:t>
+                        </m:r>
+                        <m:r>
+                          <a:rPr lang="en-US" sz="1800" i="1">
+                            <a:latin typeface="Cambria Math" panose="02040503050406030204" pitchFamily="18" charset="0"/>
+                          </a:rPr>
+                          <m:t>𝑃</m:t>
+                        </m:r>
+                      </m:num>
+                      <m:den>
+                        <m:r>
+                          <a:rPr lang="en-US" sz="1800" i="1">
+                            <a:latin typeface="Cambria Math" panose="02040503050406030204" pitchFamily="18" charset="0"/>
+                          </a:rPr>
+                          <m:t>𝜕</m:t>
+                        </m:r>
+                        <m:r>
+                          <a:rPr lang="en-US" sz="1800" i="1">
+                            <a:latin typeface="Cambria Math" panose="02040503050406030204" pitchFamily="18" charset="0"/>
+                          </a:rPr>
+                          <m:t>𝑦</m:t>
+                        </m:r>
+                      </m:den>
+                    </m:f>
+                    <m:r>
+                      <a:rPr lang="en-US" sz="1800" i="1">
+                        <a:latin typeface="Cambria Math" panose="02040503050406030204" pitchFamily="18" charset="0"/>
+                      </a:rPr>
+                      <m:t>+</m:t>
+                    </m:r>
+                    <m:f>
+                      <m:fPr>
+                        <m:ctrlPr>
+                          <a:rPr lang="en-US" sz="1800" i="1">
+                            <a:latin typeface="Cambria Math" panose="02040503050406030204" pitchFamily="18" charset="0"/>
+                          </a:rPr>
+                        </m:ctrlPr>
+                      </m:fPr>
+                      <m:num>
+                        <m:r>
+                          <a:rPr lang="en-US" sz="1800" i="1">
+                            <a:latin typeface="Cambria Math" panose="02040503050406030204" pitchFamily="18" charset="0"/>
+                          </a:rPr>
+                          <m:t>𝜇</m:t>
+                        </m:r>
+                      </m:num>
+                      <m:den>
+                        <m:r>
+                          <a:rPr lang="en-US" sz="1800" i="1">
+                            <a:latin typeface="Cambria Math" panose="02040503050406030204" pitchFamily="18" charset="0"/>
+                          </a:rPr>
+                          <m:t>𝜌</m:t>
+                        </m:r>
+                      </m:den>
+                    </m:f>
+                    <m:r>
+                      <a:rPr lang="en-US" sz="1800" i="1">
+                        <a:latin typeface="Cambria Math" panose="02040503050406030204" pitchFamily="18" charset="0"/>
+                      </a:rPr>
+                      <m:t>(</m:t>
+                    </m:r>
+                    <m:f>
+                      <m:fPr>
+                        <m:ctrlPr>
+                          <a:rPr lang="en-US" sz="1800" i="1">
+                            <a:latin typeface="Cambria Math" panose="02040503050406030204" pitchFamily="18" charset="0"/>
+                          </a:rPr>
+                        </m:ctrlPr>
+                      </m:fPr>
+                      <m:num>
+                        <m:sSup>
+                          <m:sSupPr>
+                            <m:ctrlPr>
+                              <a:rPr lang="en-US" sz="1800" i="1">
+                                <a:latin typeface="Cambria Math" panose="02040503050406030204" pitchFamily="18" charset="0"/>
+                              </a:rPr>
+                            </m:ctrlPr>
+                          </m:sSupPr>
+                          <m:e>
+                            <m:r>
+                              <a:rPr lang="en-US" sz="1800" i="1">
+                                <a:latin typeface="Cambria Math" panose="02040503050406030204" pitchFamily="18" charset="0"/>
+                              </a:rPr>
+                              <m:t>𝜕</m:t>
+                            </m:r>
+                          </m:e>
+                          <m:sup>
+                            <m:r>
+                              <a:rPr lang="en-US" sz="1800" i="1">
+                                <a:latin typeface="Cambria Math" panose="02040503050406030204" pitchFamily="18" charset="0"/>
+                              </a:rPr>
+                              <m:t>2</m:t>
+                            </m:r>
+                          </m:sup>
+                        </m:sSup>
+                        <m:sSub>
+                          <m:sSubPr>
+                            <m:ctrlPr>
+                              <a:rPr lang="en-US" sz="1800" i="1">
+                                <a:latin typeface="Cambria Math" panose="02040503050406030204" pitchFamily="18" charset="0"/>
+                              </a:rPr>
+                            </m:ctrlPr>
+                          </m:sSubPr>
+                          <m:e>
+                            <m:r>
+                              <a:rPr lang="en-US" sz="1800" i="1">
+                                <a:latin typeface="Cambria Math" panose="02040503050406030204" pitchFamily="18" charset="0"/>
+                              </a:rPr>
+                              <m:t>𝑣</m:t>
+                            </m:r>
+                          </m:e>
+                          <m:sub>
+                            <m:r>
+                              <a:rPr lang="en-US" sz="1800" i="1">
+                                <a:latin typeface="Cambria Math" panose="02040503050406030204" pitchFamily="18" charset="0"/>
+                              </a:rPr>
+                              <m:t>𝑦</m:t>
+                            </m:r>
+                          </m:sub>
+                        </m:sSub>
+                      </m:num>
+                      <m:den>
+                        <m:sSup>
+                          <m:sSupPr>
+                            <m:ctrlPr>
+                              <a:rPr lang="en-US" sz="1800" i="1">
+                                <a:latin typeface="Cambria Math" panose="02040503050406030204" pitchFamily="18" charset="0"/>
+                              </a:rPr>
+                            </m:ctrlPr>
+                          </m:sSupPr>
+                          <m:e>
+                            <m:r>
+                              <a:rPr lang="en-US" sz="1800" i="1">
+                                <a:latin typeface="Cambria Math" panose="02040503050406030204" pitchFamily="18" charset="0"/>
+                              </a:rPr>
+                              <m:t>𝜕</m:t>
+                            </m:r>
+                            <m:r>
+                              <a:rPr lang="en-US" sz="1800" i="1">
+                                <a:latin typeface="Cambria Math" panose="02040503050406030204" pitchFamily="18" charset="0"/>
+                              </a:rPr>
+                              <m:t>𝑥</m:t>
+                            </m:r>
+                          </m:e>
+                          <m:sup>
+                            <m:r>
+                              <a:rPr lang="en-US" sz="1800" i="1">
+                                <a:latin typeface="Cambria Math" panose="02040503050406030204" pitchFamily="18" charset="0"/>
+                              </a:rPr>
+                              <m:t>2</m:t>
+                            </m:r>
+                          </m:sup>
+                        </m:sSup>
+                      </m:den>
+                    </m:f>
+                    <m:r>
+                      <a:rPr lang="en-US" sz="1800" i="1">
+                        <a:latin typeface="Cambria Math" panose="02040503050406030204" pitchFamily="18" charset="0"/>
+                      </a:rPr>
+                      <m:t>+</m:t>
+                    </m:r>
+                    <m:f>
+                      <m:fPr>
+                        <m:ctrlPr>
+                          <a:rPr lang="en-US" sz="1800" i="1">
+                            <a:latin typeface="Cambria Math" panose="02040503050406030204" pitchFamily="18" charset="0"/>
+                          </a:rPr>
+                        </m:ctrlPr>
+                      </m:fPr>
+                      <m:num>
+                        <m:sSup>
+                          <m:sSupPr>
+                            <m:ctrlPr>
+                              <a:rPr lang="en-US" sz="1800" i="1">
+                                <a:latin typeface="Cambria Math" panose="02040503050406030204" pitchFamily="18" charset="0"/>
+                              </a:rPr>
+                            </m:ctrlPr>
+                          </m:sSupPr>
+                          <m:e>
+                            <m:r>
+                              <a:rPr lang="en-US" sz="1800" i="1">
+                                <a:latin typeface="Cambria Math" panose="02040503050406030204" pitchFamily="18" charset="0"/>
+                              </a:rPr>
+                              <m:t>𝜕</m:t>
+                            </m:r>
+                          </m:e>
+                          <m:sup>
+                            <m:r>
+                              <a:rPr lang="en-US" sz="1800" i="1">
+                                <a:latin typeface="Cambria Math" panose="02040503050406030204" pitchFamily="18" charset="0"/>
+                              </a:rPr>
+                              <m:t>2</m:t>
+                            </m:r>
+                          </m:sup>
+                        </m:sSup>
+                        <m:sSub>
+                          <m:sSubPr>
+                            <m:ctrlPr>
+                              <a:rPr lang="en-US" sz="1800" i="1">
+                                <a:latin typeface="Cambria Math" panose="02040503050406030204" pitchFamily="18" charset="0"/>
+                              </a:rPr>
+                            </m:ctrlPr>
+                          </m:sSubPr>
+                          <m:e>
+                            <m:r>
+                              <a:rPr lang="en-US" sz="1800" i="1">
+                                <a:latin typeface="Cambria Math" panose="02040503050406030204" pitchFamily="18" charset="0"/>
+                              </a:rPr>
+                              <m:t>𝑣</m:t>
+                            </m:r>
+                          </m:e>
+                          <m:sub>
+                            <m:r>
+                              <a:rPr lang="en-US" sz="1800" i="1">
+                                <a:latin typeface="Cambria Math" panose="02040503050406030204" pitchFamily="18" charset="0"/>
+                              </a:rPr>
+                              <m:t>𝑦</m:t>
+                            </m:r>
+                          </m:sub>
+                        </m:sSub>
+                      </m:num>
+                      <m:den>
+                        <m:sSup>
+                          <m:sSupPr>
+                            <m:ctrlPr>
+                              <a:rPr lang="en-US" sz="1800" i="1">
+                                <a:latin typeface="Cambria Math" panose="02040503050406030204" pitchFamily="18" charset="0"/>
+                              </a:rPr>
+                            </m:ctrlPr>
+                          </m:sSupPr>
+                          <m:e>
+                            <m:r>
+                              <a:rPr lang="en-US" sz="1800" i="1">
+                                <a:latin typeface="Cambria Math" panose="02040503050406030204" pitchFamily="18" charset="0"/>
+                              </a:rPr>
+                              <m:t>𝜕</m:t>
+                            </m:r>
+                            <m:r>
+                              <a:rPr lang="en-US" sz="1800" i="1">
+                                <a:latin typeface="Cambria Math" panose="02040503050406030204" pitchFamily="18" charset="0"/>
+                              </a:rPr>
+                              <m:t>𝑦</m:t>
+                            </m:r>
+                          </m:e>
+                          <m:sup>
+                            <m:r>
+                              <a:rPr lang="en-US" sz="1800" i="1">
+                                <a:latin typeface="Cambria Math" panose="02040503050406030204" pitchFamily="18" charset="0"/>
+                              </a:rPr>
+                              <m:t>2</m:t>
+                            </m:r>
+                          </m:sup>
+                        </m:sSup>
+                      </m:den>
+                    </m:f>
+                    <m:r>
+                      <a:rPr lang="en-US" sz="1800" i="1">
+                        <a:latin typeface="Cambria Math" panose="02040503050406030204" pitchFamily="18" charset="0"/>
+                      </a:rPr>
+                      <m:t>+</m:t>
+                    </m:r>
+                    <m:f>
+                      <m:fPr>
+                        <m:ctrlPr>
+                          <a:rPr lang="en-US" sz="1800" i="1">
+                            <a:latin typeface="Cambria Math" panose="02040503050406030204" pitchFamily="18" charset="0"/>
+                          </a:rPr>
+                        </m:ctrlPr>
+                      </m:fPr>
+                      <m:num>
+                        <m:sSup>
+                          <m:sSupPr>
+                            <m:ctrlPr>
+                              <a:rPr lang="en-US" sz="1800" i="1">
+                                <a:latin typeface="Cambria Math" panose="02040503050406030204" pitchFamily="18" charset="0"/>
+                              </a:rPr>
+                            </m:ctrlPr>
+                          </m:sSupPr>
+                          <m:e>
+                            <m:r>
+                              <a:rPr lang="en-US" sz="1800" i="1">
+                                <a:latin typeface="Cambria Math" panose="02040503050406030204" pitchFamily="18" charset="0"/>
+                              </a:rPr>
+                              <m:t>𝜕</m:t>
+                            </m:r>
+                          </m:e>
+                          <m:sup>
+                            <m:r>
+                              <a:rPr lang="en-US" sz="1800" i="1">
+                                <a:latin typeface="Cambria Math" panose="02040503050406030204" pitchFamily="18" charset="0"/>
+                              </a:rPr>
+                              <m:t>2</m:t>
+                            </m:r>
+                          </m:sup>
+                        </m:sSup>
+                        <m:sSub>
+                          <m:sSubPr>
+                            <m:ctrlPr>
+                              <a:rPr lang="en-US" sz="1800" i="1">
+                                <a:latin typeface="Cambria Math" panose="02040503050406030204" pitchFamily="18" charset="0"/>
+                              </a:rPr>
+                            </m:ctrlPr>
+                          </m:sSubPr>
+                          <m:e>
+                            <m:r>
+                              <a:rPr lang="en-US" sz="1800" i="1">
+                                <a:latin typeface="Cambria Math" panose="02040503050406030204" pitchFamily="18" charset="0"/>
+                              </a:rPr>
+                              <m:t>𝑣</m:t>
+                            </m:r>
+                          </m:e>
+                          <m:sub>
+                            <m:r>
+                              <a:rPr lang="en-US" sz="1800" i="1">
+                                <a:latin typeface="Cambria Math" panose="02040503050406030204" pitchFamily="18" charset="0"/>
+                              </a:rPr>
+                              <m:t>𝑦</m:t>
+                            </m:r>
+                          </m:sub>
+                        </m:sSub>
+                      </m:num>
+                      <m:den>
+                        <m:sSup>
+                          <m:sSupPr>
+                            <m:ctrlPr>
+                              <a:rPr lang="en-US" sz="1800" i="1">
+                                <a:latin typeface="Cambria Math" panose="02040503050406030204" pitchFamily="18" charset="0"/>
+                              </a:rPr>
+                            </m:ctrlPr>
+                          </m:sSupPr>
+                          <m:e>
+                            <m:r>
+                              <a:rPr lang="en-US" sz="1800" i="1">
+                                <a:latin typeface="Cambria Math" panose="02040503050406030204" pitchFamily="18" charset="0"/>
+                              </a:rPr>
+                              <m:t>𝜕</m:t>
+                            </m:r>
+                            <m:r>
+                              <a:rPr lang="en-US" sz="1800" i="1">
+                                <a:latin typeface="Cambria Math" panose="02040503050406030204" pitchFamily="18" charset="0"/>
+                              </a:rPr>
+                              <m:t>𝑧</m:t>
+                            </m:r>
+                          </m:e>
+                          <m:sup>
+                            <m:r>
+                              <a:rPr lang="en-US" sz="1800" i="1">
+                                <a:latin typeface="Cambria Math" panose="02040503050406030204" pitchFamily="18" charset="0"/>
+                              </a:rPr>
+                              <m:t>2</m:t>
+                            </m:r>
+                          </m:sup>
+                        </m:sSup>
+                      </m:den>
+                    </m:f>
+                    <m:r>
+                      <a:rPr lang="en-US" sz="1800" i="1">
+                        <a:latin typeface="Cambria Math" panose="02040503050406030204" pitchFamily="18" charset="0"/>
+                      </a:rPr>
+                      <m:t>)+</m:t>
+                    </m:r>
+                    <m:sSub>
+                      <m:sSubPr>
+                        <m:ctrlPr>
+                          <a:rPr lang="en-US" sz="1800" i="1">
+                            <a:latin typeface="Cambria Math" panose="02040503050406030204" pitchFamily="18" charset="0"/>
+                          </a:rPr>
+                        </m:ctrlPr>
+                      </m:sSubPr>
+                      <m:e>
+                        <m:r>
+                          <a:rPr lang="en-US" sz="1800" i="1">
+                            <a:latin typeface="Cambria Math" panose="02040503050406030204" pitchFamily="18" charset="0"/>
+                          </a:rPr>
+                          <m:t>𝑓</m:t>
+                        </m:r>
+                      </m:e>
+                      <m:sub>
+                        <m:r>
+                          <a:rPr lang="en-US" sz="1800" i="1">
+                            <a:latin typeface="Cambria Math" panose="02040503050406030204" pitchFamily="18" charset="0"/>
+                          </a:rPr>
+                          <m:t>𝑦</m:t>
+                        </m:r>
+                      </m:sub>
+                    </m:sSub>
+                  </m:oMath>
+                </a14:m>
+                <a:endParaRPr lang="en-US" sz="1800" dirty="0"/>
+              </a:p>
+              <a:p>
+                <a14:m>
+                  <m:oMath xmlns:m="http://schemas.openxmlformats.org/officeDocument/2006/math">
+                    <m:f>
+                      <m:fPr>
+                        <m:ctrlPr>
+                          <a:rPr lang="en-US" sz="1800" i="1">
+                            <a:latin typeface="Cambria Math" panose="02040503050406030204" pitchFamily="18" charset="0"/>
+                          </a:rPr>
+                        </m:ctrlPr>
+                      </m:fPr>
+                      <m:num>
+                        <m:r>
+                          <a:rPr lang="en-US" sz="1800" i="1">
+                            <a:latin typeface="Cambria Math" panose="02040503050406030204" pitchFamily="18" charset="0"/>
+                          </a:rPr>
+                          <m:t>𝜕</m:t>
+                        </m:r>
+                        <m:sSub>
+                          <m:sSubPr>
+                            <m:ctrlPr>
+                              <a:rPr lang="en-US" sz="1800" i="1">
+                                <a:latin typeface="Cambria Math" panose="02040503050406030204" pitchFamily="18" charset="0"/>
+                              </a:rPr>
+                            </m:ctrlPr>
+                          </m:sSubPr>
+                          <m:e>
+                            <m:r>
+                              <a:rPr lang="en-US" sz="1800" i="1">
+                                <a:latin typeface="Cambria Math" panose="02040503050406030204" pitchFamily="18" charset="0"/>
+                              </a:rPr>
+                              <m:t>𝑣</m:t>
+                            </m:r>
+                          </m:e>
+                          <m:sub>
+                            <m:r>
+                              <a:rPr lang="en-US" sz="1800" i="1">
+                                <a:latin typeface="Cambria Math" panose="02040503050406030204" pitchFamily="18" charset="0"/>
+                              </a:rPr>
+                              <m:t>𝑧</m:t>
+                            </m:r>
+                          </m:sub>
+                        </m:sSub>
+                      </m:num>
+                      <m:den>
+                        <m:r>
+                          <a:rPr lang="en-US" sz="1800" i="1">
+                            <a:latin typeface="Cambria Math" panose="02040503050406030204" pitchFamily="18" charset="0"/>
+                          </a:rPr>
+                          <m:t>𝜕</m:t>
+                        </m:r>
+                        <m:r>
+                          <a:rPr lang="en-US" sz="1800" i="1">
+                            <a:latin typeface="Cambria Math" panose="02040503050406030204" pitchFamily="18" charset="0"/>
+                          </a:rPr>
+                          <m:t>𝑡</m:t>
+                        </m:r>
+                      </m:den>
+                    </m:f>
+                    <m:r>
+                      <a:rPr lang="en-US" sz="1800" i="1">
+                        <a:latin typeface="Cambria Math" panose="02040503050406030204" pitchFamily="18" charset="0"/>
+                      </a:rPr>
+                      <m:t>+</m:t>
+                    </m:r>
+                    <m:sSub>
+                      <m:sSubPr>
+                        <m:ctrlPr>
+                          <a:rPr lang="en-US" sz="1800" i="1">
+                            <a:latin typeface="Cambria Math" panose="02040503050406030204" pitchFamily="18" charset="0"/>
+                          </a:rPr>
+                        </m:ctrlPr>
+                      </m:sSubPr>
+                      <m:e>
+                        <m:r>
+                          <a:rPr lang="en-US" sz="1800" i="1">
+                            <a:latin typeface="Cambria Math" panose="02040503050406030204" pitchFamily="18" charset="0"/>
+                          </a:rPr>
+                          <m:t>𝑣</m:t>
+                        </m:r>
+                      </m:e>
+                      <m:sub>
+                        <m:r>
+                          <a:rPr lang="en-US" sz="1800" i="1">
+                            <a:latin typeface="Cambria Math" panose="02040503050406030204" pitchFamily="18" charset="0"/>
+                          </a:rPr>
+                          <m:t>𝑥</m:t>
+                        </m:r>
+                      </m:sub>
+                    </m:sSub>
+                    <m:f>
+                      <m:fPr>
+                        <m:ctrlPr>
+                          <a:rPr lang="en-US" sz="1800" i="1">
+                            <a:latin typeface="Cambria Math" panose="02040503050406030204" pitchFamily="18" charset="0"/>
+                          </a:rPr>
+                        </m:ctrlPr>
+                      </m:fPr>
+                      <m:num>
+                        <m:r>
+                          <a:rPr lang="en-US" sz="1800" i="1">
+                            <a:latin typeface="Cambria Math" panose="02040503050406030204" pitchFamily="18" charset="0"/>
+                          </a:rPr>
+                          <m:t>𝜕</m:t>
+                        </m:r>
+                        <m:sSub>
+                          <m:sSubPr>
+                            <m:ctrlPr>
+                              <a:rPr lang="en-US" sz="1800" i="1">
+                                <a:latin typeface="Cambria Math" panose="02040503050406030204" pitchFamily="18" charset="0"/>
+                              </a:rPr>
+                            </m:ctrlPr>
+                          </m:sSubPr>
+                          <m:e>
+                            <m:r>
+                              <a:rPr lang="en-US" sz="1800" i="1">
+                                <a:latin typeface="Cambria Math" panose="02040503050406030204" pitchFamily="18" charset="0"/>
+                              </a:rPr>
+                              <m:t>𝑣</m:t>
+                            </m:r>
+                          </m:e>
+                          <m:sub>
+                            <m:r>
+                              <a:rPr lang="en-US" sz="1800" i="1">
+                                <a:latin typeface="Cambria Math" panose="02040503050406030204" pitchFamily="18" charset="0"/>
+                              </a:rPr>
+                              <m:t>𝑧</m:t>
+                            </m:r>
+                          </m:sub>
+                        </m:sSub>
+                      </m:num>
+                      <m:den>
+                        <m:r>
+                          <a:rPr lang="en-US" sz="1800" i="1">
+                            <a:latin typeface="Cambria Math" panose="02040503050406030204" pitchFamily="18" charset="0"/>
+                          </a:rPr>
+                          <m:t>𝜕</m:t>
+                        </m:r>
+                        <m:r>
+                          <a:rPr lang="en-US" sz="1800" i="1">
+                            <a:latin typeface="Cambria Math" panose="02040503050406030204" pitchFamily="18" charset="0"/>
+                          </a:rPr>
+                          <m:t>𝑥</m:t>
+                        </m:r>
+                      </m:den>
+                    </m:f>
+                    <m:r>
+                      <a:rPr lang="en-US" sz="1800" i="1">
+                        <a:latin typeface="Cambria Math" panose="02040503050406030204" pitchFamily="18" charset="0"/>
+                      </a:rPr>
+                      <m:t>+</m:t>
+                    </m:r>
+                    <m:sSub>
+                      <m:sSubPr>
+                        <m:ctrlPr>
+                          <a:rPr lang="en-US" sz="1800" i="1">
+                            <a:latin typeface="Cambria Math" panose="02040503050406030204" pitchFamily="18" charset="0"/>
+                          </a:rPr>
+                        </m:ctrlPr>
+                      </m:sSubPr>
+                      <m:e>
+                        <m:r>
+                          <a:rPr lang="en-US" sz="1800" i="1">
+                            <a:latin typeface="Cambria Math" panose="02040503050406030204" pitchFamily="18" charset="0"/>
+                          </a:rPr>
+                          <m:t>𝑣</m:t>
+                        </m:r>
+                      </m:e>
+                      <m:sub>
+                        <m:r>
+                          <a:rPr lang="en-US" sz="1800" i="1">
+                            <a:latin typeface="Cambria Math" panose="02040503050406030204" pitchFamily="18" charset="0"/>
+                          </a:rPr>
+                          <m:t>𝑦</m:t>
+                        </m:r>
+                      </m:sub>
+                    </m:sSub>
+                    <m:f>
+                      <m:fPr>
+                        <m:ctrlPr>
+                          <a:rPr lang="en-US" sz="1800" i="1">
+                            <a:latin typeface="Cambria Math" panose="02040503050406030204" pitchFamily="18" charset="0"/>
+                          </a:rPr>
+                        </m:ctrlPr>
+                      </m:fPr>
+                      <m:num>
+                        <m:r>
+                          <a:rPr lang="en-US" sz="1800" i="1">
+                            <a:latin typeface="Cambria Math" panose="02040503050406030204" pitchFamily="18" charset="0"/>
+                          </a:rPr>
+                          <m:t>𝜕</m:t>
+                        </m:r>
+                        <m:sSub>
+                          <m:sSubPr>
+                            <m:ctrlPr>
+                              <a:rPr lang="en-US" sz="1800" i="1">
+                                <a:latin typeface="Cambria Math" panose="02040503050406030204" pitchFamily="18" charset="0"/>
+                              </a:rPr>
+                            </m:ctrlPr>
+                          </m:sSubPr>
+                          <m:e>
+                            <m:r>
+                              <a:rPr lang="en-US" sz="1800" i="1">
+                                <a:latin typeface="Cambria Math" panose="02040503050406030204" pitchFamily="18" charset="0"/>
+                              </a:rPr>
+                              <m:t>𝑣</m:t>
+                            </m:r>
+                          </m:e>
+                          <m:sub>
+                            <m:r>
+                              <a:rPr lang="en-US" sz="1800" i="1">
+                                <a:latin typeface="Cambria Math" panose="02040503050406030204" pitchFamily="18" charset="0"/>
+                              </a:rPr>
+                              <m:t>𝑧</m:t>
+                            </m:r>
+                          </m:sub>
+                        </m:sSub>
+                      </m:num>
+                      <m:den>
+                        <m:r>
+                          <a:rPr lang="en-US" sz="1800" i="1">
+                            <a:latin typeface="Cambria Math" panose="02040503050406030204" pitchFamily="18" charset="0"/>
+                          </a:rPr>
+                          <m:t>𝜕</m:t>
+                        </m:r>
+                        <m:r>
+                          <a:rPr lang="en-US" sz="1800" i="1">
+                            <a:latin typeface="Cambria Math" panose="02040503050406030204" pitchFamily="18" charset="0"/>
+                          </a:rPr>
+                          <m:t>𝑦</m:t>
+                        </m:r>
+                      </m:den>
+                    </m:f>
+                    <m:r>
+                      <a:rPr lang="en-US" sz="1800" i="1">
+                        <a:latin typeface="Cambria Math" panose="02040503050406030204" pitchFamily="18" charset="0"/>
+                      </a:rPr>
+                      <m:t>+</m:t>
+                    </m:r>
+                    <m:sSub>
+                      <m:sSubPr>
+                        <m:ctrlPr>
+                          <a:rPr lang="en-US" sz="1800" i="1">
+                            <a:latin typeface="Cambria Math" panose="02040503050406030204" pitchFamily="18" charset="0"/>
+                          </a:rPr>
+                        </m:ctrlPr>
+                      </m:sSubPr>
+                      <m:e>
+                        <m:r>
+                          <a:rPr lang="en-US" sz="1800" i="1">
+                            <a:latin typeface="Cambria Math" panose="02040503050406030204" pitchFamily="18" charset="0"/>
+                          </a:rPr>
+                          <m:t>𝑣</m:t>
+                        </m:r>
+                      </m:e>
+                      <m:sub>
+                        <m:r>
+                          <a:rPr lang="en-US" sz="1800" i="1">
+                            <a:latin typeface="Cambria Math" panose="02040503050406030204" pitchFamily="18" charset="0"/>
+                          </a:rPr>
+                          <m:t>𝑧</m:t>
+                        </m:r>
+                      </m:sub>
+                    </m:sSub>
+                    <m:f>
+                      <m:fPr>
+                        <m:ctrlPr>
+                          <a:rPr lang="en-US" sz="1800" i="1">
+                            <a:latin typeface="Cambria Math" panose="02040503050406030204" pitchFamily="18" charset="0"/>
+                          </a:rPr>
+                        </m:ctrlPr>
+                      </m:fPr>
+                      <m:num>
+                        <m:r>
+                          <a:rPr lang="en-US" sz="1800" i="1">
+                            <a:latin typeface="Cambria Math" panose="02040503050406030204" pitchFamily="18" charset="0"/>
+                          </a:rPr>
+                          <m:t>𝜕</m:t>
+                        </m:r>
+                        <m:sSub>
+                          <m:sSubPr>
+                            <m:ctrlPr>
+                              <a:rPr lang="en-US" sz="1800" i="1">
+                                <a:latin typeface="Cambria Math" panose="02040503050406030204" pitchFamily="18" charset="0"/>
+                              </a:rPr>
+                            </m:ctrlPr>
+                          </m:sSubPr>
+                          <m:e>
+                            <m:r>
+                              <a:rPr lang="en-US" sz="1800" i="1">
+                                <a:latin typeface="Cambria Math" panose="02040503050406030204" pitchFamily="18" charset="0"/>
+                              </a:rPr>
+                              <m:t>𝑣</m:t>
+                            </m:r>
+                          </m:e>
+                          <m:sub>
+                            <m:r>
+                              <a:rPr lang="en-US" sz="1800" i="1">
+                                <a:latin typeface="Cambria Math" panose="02040503050406030204" pitchFamily="18" charset="0"/>
+                              </a:rPr>
+                              <m:t>𝑧</m:t>
+                            </m:r>
+                          </m:sub>
+                        </m:sSub>
+                      </m:num>
+                      <m:den>
+                        <m:r>
+                          <a:rPr lang="en-US" sz="1800" i="1">
+                            <a:latin typeface="Cambria Math" panose="02040503050406030204" pitchFamily="18" charset="0"/>
+                          </a:rPr>
+                          <m:t>𝜕</m:t>
+                        </m:r>
+                        <m:r>
+                          <a:rPr lang="en-US" sz="1800" i="1">
+                            <a:latin typeface="Cambria Math" panose="02040503050406030204" pitchFamily="18" charset="0"/>
+                          </a:rPr>
+                          <m:t>𝑧</m:t>
+                        </m:r>
+                      </m:den>
+                    </m:f>
+                    <m:r>
+                      <a:rPr lang="en-US" sz="1800" i="1">
+                        <a:latin typeface="Cambria Math" panose="02040503050406030204" pitchFamily="18" charset="0"/>
+                      </a:rPr>
+                      <m:t>=−</m:t>
+                    </m:r>
+                    <m:d>
+                      <m:dPr>
+                        <m:ctrlPr>
+                          <a:rPr lang="en-US" sz="1800" i="1">
+                            <a:latin typeface="Cambria Math" panose="02040503050406030204" pitchFamily="18" charset="0"/>
+                          </a:rPr>
+                        </m:ctrlPr>
+                      </m:dPr>
+                      <m:e>
+                        <m:f>
+                          <m:fPr>
+                            <m:ctrlPr>
+                              <a:rPr lang="en-US" sz="1800" i="1">
+                                <a:latin typeface="Cambria Math" panose="02040503050406030204" pitchFamily="18" charset="0"/>
+                              </a:rPr>
+                            </m:ctrlPr>
+                          </m:fPr>
+                          <m:num>
+                            <m:r>
+                              <a:rPr lang="en-US" sz="1800" i="1">
+                                <a:latin typeface="Cambria Math" panose="02040503050406030204" pitchFamily="18" charset="0"/>
+                              </a:rPr>
+                              <m:t>1</m:t>
+                            </m:r>
+                          </m:num>
+                          <m:den>
+                            <m:r>
+                              <a:rPr lang="en-US" sz="1800" i="1">
+                                <a:latin typeface="Cambria Math" panose="02040503050406030204" pitchFamily="18" charset="0"/>
+                              </a:rPr>
+                              <m:t>𝜌</m:t>
+                            </m:r>
+                          </m:den>
+                        </m:f>
+                      </m:e>
+                    </m:d>
+                    <m:f>
+                      <m:fPr>
+                        <m:ctrlPr>
+                          <a:rPr lang="en-US" sz="1800" i="1">
+                            <a:latin typeface="Cambria Math" panose="02040503050406030204" pitchFamily="18" charset="0"/>
+                          </a:rPr>
+                        </m:ctrlPr>
+                      </m:fPr>
+                      <m:num>
+                        <m:r>
+                          <a:rPr lang="en-US" sz="1800" i="1">
+                            <a:latin typeface="Cambria Math" panose="02040503050406030204" pitchFamily="18" charset="0"/>
+                          </a:rPr>
+                          <m:t>𝜕</m:t>
+                        </m:r>
+                        <m:r>
+                          <a:rPr lang="en-US" sz="1800" i="1">
+                            <a:latin typeface="Cambria Math" panose="02040503050406030204" pitchFamily="18" charset="0"/>
+                          </a:rPr>
+                          <m:t>𝑃</m:t>
+                        </m:r>
+                      </m:num>
+                      <m:den>
+                        <m:r>
+                          <a:rPr lang="en-US" sz="1800" i="1">
+                            <a:latin typeface="Cambria Math" panose="02040503050406030204" pitchFamily="18" charset="0"/>
+                          </a:rPr>
+                          <m:t>𝜕</m:t>
+                        </m:r>
+                        <m:r>
+                          <a:rPr lang="en-US" sz="1800" i="1">
+                            <a:latin typeface="Cambria Math" panose="02040503050406030204" pitchFamily="18" charset="0"/>
+                          </a:rPr>
+                          <m:t>𝑧</m:t>
+                        </m:r>
+                      </m:den>
+                    </m:f>
+                    <m:r>
+                      <a:rPr lang="en-US" sz="1800" i="1">
+                        <a:latin typeface="Cambria Math" panose="02040503050406030204" pitchFamily="18" charset="0"/>
+                      </a:rPr>
+                      <m:t>+</m:t>
+                    </m:r>
+                    <m:f>
+                      <m:fPr>
+                        <m:ctrlPr>
+                          <a:rPr lang="en-US" sz="1800" i="1">
+                            <a:latin typeface="Cambria Math" panose="02040503050406030204" pitchFamily="18" charset="0"/>
+                          </a:rPr>
+                        </m:ctrlPr>
+                      </m:fPr>
+                      <m:num>
+                        <m:r>
+                          <a:rPr lang="en-US" sz="1800" i="1">
+                            <a:latin typeface="Cambria Math" panose="02040503050406030204" pitchFamily="18" charset="0"/>
+                          </a:rPr>
+                          <m:t>𝜇</m:t>
+                        </m:r>
+                      </m:num>
+                      <m:den>
+                        <m:r>
+                          <a:rPr lang="en-US" sz="1800" i="1">
+                            <a:latin typeface="Cambria Math" panose="02040503050406030204" pitchFamily="18" charset="0"/>
+                          </a:rPr>
+                          <m:t>𝜌</m:t>
+                        </m:r>
+                      </m:den>
+                    </m:f>
+                    <m:r>
+                      <a:rPr lang="en-US" sz="1800" i="1">
+                        <a:latin typeface="Cambria Math" panose="02040503050406030204" pitchFamily="18" charset="0"/>
+                      </a:rPr>
+                      <m:t>(</m:t>
+                    </m:r>
+                    <m:f>
+                      <m:fPr>
+                        <m:ctrlPr>
+                          <a:rPr lang="en-US" sz="1800" i="1">
+                            <a:latin typeface="Cambria Math" panose="02040503050406030204" pitchFamily="18" charset="0"/>
+                          </a:rPr>
+                        </m:ctrlPr>
+                      </m:fPr>
+                      <m:num>
+                        <m:sSup>
+                          <m:sSupPr>
+                            <m:ctrlPr>
+                              <a:rPr lang="en-US" sz="1800" i="1">
+                                <a:latin typeface="Cambria Math" panose="02040503050406030204" pitchFamily="18" charset="0"/>
+                              </a:rPr>
+                            </m:ctrlPr>
+                          </m:sSupPr>
+                          <m:e>
+                            <m:r>
+                              <a:rPr lang="en-US" sz="1800" i="1">
+                                <a:latin typeface="Cambria Math" panose="02040503050406030204" pitchFamily="18" charset="0"/>
+                              </a:rPr>
+                              <m:t>𝜕</m:t>
+                            </m:r>
+                          </m:e>
+                          <m:sup>
+                            <m:r>
+                              <a:rPr lang="en-US" sz="1800" i="1">
+                                <a:latin typeface="Cambria Math" panose="02040503050406030204" pitchFamily="18" charset="0"/>
+                              </a:rPr>
+                              <m:t>2</m:t>
+                            </m:r>
+                          </m:sup>
+                        </m:sSup>
+                        <m:sSub>
+                          <m:sSubPr>
+                            <m:ctrlPr>
+                              <a:rPr lang="en-US" sz="1800" i="1">
+                                <a:latin typeface="Cambria Math" panose="02040503050406030204" pitchFamily="18" charset="0"/>
+                              </a:rPr>
+                            </m:ctrlPr>
+                          </m:sSubPr>
+                          <m:e>
+                            <m:r>
+                              <a:rPr lang="en-US" sz="1800" i="1">
+                                <a:latin typeface="Cambria Math" panose="02040503050406030204" pitchFamily="18" charset="0"/>
+                              </a:rPr>
+                              <m:t>𝑣</m:t>
+                            </m:r>
+                          </m:e>
+                          <m:sub>
+                            <m:r>
+                              <a:rPr lang="en-US" sz="1800" i="1">
+                                <a:latin typeface="Cambria Math" panose="02040503050406030204" pitchFamily="18" charset="0"/>
+                              </a:rPr>
+                              <m:t>𝑧</m:t>
+                            </m:r>
+                          </m:sub>
+                        </m:sSub>
+                      </m:num>
+                      <m:den>
+                        <m:sSup>
+                          <m:sSupPr>
+                            <m:ctrlPr>
+                              <a:rPr lang="en-US" sz="1800" i="1">
+                                <a:latin typeface="Cambria Math" panose="02040503050406030204" pitchFamily="18" charset="0"/>
+                              </a:rPr>
+                            </m:ctrlPr>
+                          </m:sSupPr>
+                          <m:e>
+                            <m:r>
+                              <a:rPr lang="en-US" sz="1800" i="1">
+                                <a:latin typeface="Cambria Math" panose="02040503050406030204" pitchFamily="18" charset="0"/>
+                              </a:rPr>
+                              <m:t>𝜕</m:t>
+                            </m:r>
+                            <m:r>
+                              <a:rPr lang="en-US" sz="1800" i="1">
+                                <a:latin typeface="Cambria Math" panose="02040503050406030204" pitchFamily="18" charset="0"/>
+                              </a:rPr>
+                              <m:t>𝑥</m:t>
+                            </m:r>
+                          </m:e>
+                          <m:sup>
+                            <m:r>
+                              <a:rPr lang="en-US" sz="1800" i="1">
+                                <a:latin typeface="Cambria Math" panose="02040503050406030204" pitchFamily="18" charset="0"/>
+                              </a:rPr>
+                              <m:t>2</m:t>
+                            </m:r>
+                          </m:sup>
+                        </m:sSup>
+                      </m:den>
+                    </m:f>
+                    <m:r>
+                      <a:rPr lang="en-US" sz="1800" i="1">
+                        <a:latin typeface="Cambria Math" panose="02040503050406030204" pitchFamily="18" charset="0"/>
+                      </a:rPr>
+                      <m:t>+</m:t>
+                    </m:r>
+                    <m:f>
+                      <m:fPr>
+                        <m:ctrlPr>
+                          <a:rPr lang="en-US" sz="1800" i="1">
+                            <a:latin typeface="Cambria Math" panose="02040503050406030204" pitchFamily="18" charset="0"/>
+                          </a:rPr>
+                        </m:ctrlPr>
+                      </m:fPr>
+                      <m:num>
+                        <m:sSup>
+                          <m:sSupPr>
+                            <m:ctrlPr>
+                              <a:rPr lang="en-US" sz="1800" i="1">
+                                <a:latin typeface="Cambria Math" panose="02040503050406030204" pitchFamily="18" charset="0"/>
+                              </a:rPr>
+                            </m:ctrlPr>
+                          </m:sSupPr>
+                          <m:e>
+                            <m:r>
+                              <a:rPr lang="en-US" sz="1800" i="1">
+                                <a:latin typeface="Cambria Math" panose="02040503050406030204" pitchFamily="18" charset="0"/>
+                              </a:rPr>
+                              <m:t>𝜕</m:t>
+                            </m:r>
+                          </m:e>
+                          <m:sup>
+                            <m:r>
+                              <a:rPr lang="en-US" sz="1800" i="1">
+                                <a:latin typeface="Cambria Math" panose="02040503050406030204" pitchFamily="18" charset="0"/>
+                              </a:rPr>
+                              <m:t>2</m:t>
+                            </m:r>
+                          </m:sup>
+                        </m:sSup>
+                        <m:sSub>
+                          <m:sSubPr>
+                            <m:ctrlPr>
+                              <a:rPr lang="en-US" sz="1800" i="1">
+                                <a:latin typeface="Cambria Math" panose="02040503050406030204" pitchFamily="18" charset="0"/>
+                              </a:rPr>
+                            </m:ctrlPr>
+                          </m:sSubPr>
+                          <m:e>
+                            <m:r>
+                              <a:rPr lang="en-US" sz="1800" i="1">
+                                <a:latin typeface="Cambria Math" panose="02040503050406030204" pitchFamily="18" charset="0"/>
+                              </a:rPr>
+                              <m:t>𝑣</m:t>
+                            </m:r>
+                          </m:e>
+                          <m:sub>
+                            <m:r>
+                              <a:rPr lang="en-US" sz="1800" i="1">
+                                <a:latin typeface="Cambria Math" panose="02040503050406030204" pitchFamily="18" charset="0"/>
+                              </a:rPr>
+                              <m:t>𝑧</m:t>
+                            </m:r>
+                          </m:sub>
+                        </m:sSub>
+                      </m:num>
+                      <m:den>
+                        <m:sSup>
+                          <m:sSupPr>
+                            <m:ctrlPr>
+                              <a:rPr lang="en-US" sz="1800" i="1">
+                                <a:latin typeface="Cambria Math" panose="02040503050406030204" pitchFamily="18" charset="0"/>
+                              </a:rPr>
+                            </m:ctrlPr>
+                          </m:sSupPr>
+                          <m:e>
+                            <m:r>
+                              <a:rPr lang="en-US" sz="1800" i="1">
+                                <a:latin typeface="Cambria Math" panose="02040503050406030204" pitchFamily="18" charset="0"/>
+                              </a:rPr>
+                              <m:t>𝜕</m:t>
+                            </m:r>
+                            <m:r>
+                              <a:rPr lang="en-US" sz="1800" i="1">
+                                <a:latin typeface="Cambria Math" panose="02040503050406030204" pitchFamily="18" charset="0"/>
+                              </a:rPr>
+                              <m:t>𝑦</m:t>
+                            </m:r>
+                          </m:e>
+                          <m:sup>
+                            <m:r>
+                              <a:rPr lang="en-US" sz="1800" i="1">
+                                <a:latin typeface="Cambria Math" panose="02040503050406030204" pitchFamily="18" charset="0"/>
+                              </a:rPr>
+                              <m:t>2</m:t>
+                            </m:r>
+                          </m:sup>
+                        </m:sSup>
+                      </m:den>
+                    </m:f>
+                    <m:r>
+                      <a:rPr lang="en-US" sz="1800" i="1">
+                        <a:latin typeface="Cambria Math" panose="02040503050406030204" pitchFamily="18" charset="0"/>
+                      </a:rPr>
+                      <m:t>+</m:t>
+                    </m:r>
+                    <m:f>
+                      <m:fPr>
+                        <m:ctrlPr>
+                          <a:rPr lang="en-US" sz="1800" i="1">
+                            <a:latin typeface="Cambria Math" panose="02040503050406030204" pitchFamily="18" charset="0"/>
+                          </a:rPr>
+                        </m:ctrlPr>
+                      </m:fPr>
+                      <m:num>
+                        <m:sSup>
+                          <m:sSupPr>
+                            <m:ctrlPr>
+                              <a:rPr lang="en-US" sz="1800" i="1">
+                                <a:latin typeface="Cambria Math" panose="02040503050406030204" pitchFamily="18" charset="0"/>
+                              </a:rPr>
+                            </m:ctrlPr>
+                          </m:sSupPr>
+                          <m:e>
+                            <m:r>
+                              <a:rPr lang="en-US" sz="1800" i="1">
+                                <a:latin typeface="Cambria Math" panose="02040503050406030204" pitchFamily="18" charset="0"/>
+                              </a:rPr>
+                              <m:t>𝜕</m:t>
+                            </m:r>
+                          </m:e>
+                          <m:sup>
+                            <m:r>
+                              <a:rPr lang="en-US" sz="1800" i="1">
+                                <a:latin typeface="Cambria Math" panose="02040503050406030204" pitchFamily="18" charset="0"/>
+                              </a:rPr>
+                              <m:t>2</m:t>
+                            </m:r>
+                          </m:sup>
+                        </m:sSup>
+                        <m:sSub>
+                          <m:sSubPr>
+                            <m:ctrlPr>
+                              <a:rPr lang="en-US" sz="1800" i="1">
+                                <a:latin typeface="Cambria Math" panose="02040503050406030204" pitchFamily="18" charset="0"/>
+                              </a:rPr>
+                            </m:ctrlPr>
+                          </m:sSubPr>
+                          <m:e>
+                            <m:r>
+                              <a:rPr lang="en-US" sz="1800" i="1">
+                                <a:latin typeface="Cambria Math" panose="02040503050406030204" pitchFamily="18" charset="0"/>
+                              </a:rPr>
+                              <m:t>𝑣</m:t>
+                            </m:r>
+                          </m:e>
+                          <m:sub>
+                            <m:r>
+                              <a:rPr lang="en-US" sz="1800" i="1">
+                                <a:latin typeface="Cambria Math" panose="02040503050406030204" pitchFamily="18" charset="0"/>
+                              </a:rPr>
+                              <m:t>𝑧</m:t>
+                            </m:r>
+                          </m:sub>
+                        </m:sSub>
+                      </m:num>
+                      <m:den>
+                        <m:sSup>
+                          <m:sSupPr>
+                            <m:ctrlPr>
+                              <a:rPr lang="en-US" sz="1800" i="1">
+                                <a:latin typeface="Cambria Math" panose="02040503050406030204" pitchFamily="18" charset="0"/>
+                              </a:rPr>
+                            </m:ctrlPr>
+                          </m:sSupPr>
+                          <m:e>
+                            <m:r>
+                              <a:rPr lang="en-US" sz="1800" i="1">
+                                <a:latin typeface="Cambria Math" panose="02040503050406030204" pitchFamily="18" charset="0"/>
+                              </a:rPr>
+                              <m:t>𝜕</m:t>
+                            </m:r>
+                            <m:r>
+                              <a:rPr lang="en-US" sz="1800" i="1">
+                                <a:latin typeface="Cambria Math" panose="02040503050406030204" pitchFamily="18" charset="0"/>
+                              </a:rPr>
+                              <m:t>𝑧</m:t>
+                            </m:r>
+                          </m:e>
+                          <m:sup>
+                            <m:r>
+                              <a:rPr lang="en-US" sz="1800" i="1">
+                                <a:latin typeface="Cambria Math" panose="02040503050406030204" pitchFamily="18" charset="0"/>
+                              </a:rPr>
+                              <m:t>2</m:t>
+                            </m:r>
+                          </m:sup>
+                        </m:sSup>
+                      </m:den>
+                    </m:f>
+                    <m:r>
+                      <a:rPr lang="en-US" sz="1800" i="1">
+                        <a:latin typeface="Cambria Math" panose="02040503050406030204" pitchFamily="18" charset="0"/>
+                      </a:rPr>
+                      <m:t>)+</m:t>
+                    </m:r>
+                    <m:sSub>
+                      <m:sSubPr>
+                        <m:ctrlPr>
+                          <a:rPr lang="en-US" sz="1800" i="1">
+                            <a:latin typeface="Cambria Math" panose="02040503050406030204" pitchFamily="18" charset="0"/>
+                          </a:rPr>
+                        </m:ctrlPr>
+                      </m:sSubPr>
+                      <m:e>
+                        <m:r>
+                          <a:rPr lang="en-US" sz="1800" i="1">
+                            <a:latin typeface="Cambria Math" panose="02040503050406030204" pitchFamily="18" charset="0"/>
+                          </a:rPr>
+                          <m:t>𝑓</m:t>
+                        </m:r>
+                      </m:e>
+                      <m:sub>
+                        <m:r>
+                          <a:rPr lang="en-US" sz="1800" i="1">
+                            <a:latin typeface="Cambria Math" panose="02040503050406030204" pitchFamily="18" charset="0"/>
+                          </a:rPr>
+                          <m:t>𝑧</m:t>
+                        </m:r>
+                      </m:sub>
+                    </m:sSub>
+                  </m:oMath>
+                </a14:m>
+                <a:endParaRPr lang="en-US" sz="1800" dirty="0"/>
+              </a:p>
+              <a:p>
+                <a14:m>
+                  <m:oMath xmlns:m="http://schemas.openxmlformats.org/officeDocument/2006/math">
+                    <m:f>
+                      <m:fPr>
+                        <m:ctrlPr>
+                          <a:rPr lang="en-US" sz="1800" i="1">
+                            <a:latin typeface="Cambria Math" panose="02040503050406030204" pitchFamily="18" charset="0"/>
+                          </a:rPr>
+                        </m:ctrlPr>
+                      </m:fPr>
+                      <m:num>
+                        <m:r>
+                          <a:rPr lang="en-US" sz="1800" i="1">
+                            <a:latin typeface="Cambria Math" panose="02040503050406030204" pitchFamily="18" charset="0"/>
+                          </a:rPr>
+                          <m:t>𝜕</m:t>
+                        </m:r>
+                        <m:sSub>
+                          <m:sSubPr>
+                            <m:ctrlPr>
+                              <a:rPr lang="en-US" sz="1800" i="1">
+                                <a:latin typeface="Cambria Math" panose="02040503050406030204" pitchFamily="18" charset="0"/>
+                              </a:rPr>
+                            </m:ctrlPr>
+                          </m:sSubPr>
+                          <m:e>
+                            <m:r>
+                              <a:rPr lang="en-US" sz="1800" i="1">
+                                <a:latin typeface="Cambria Math" panose="02040503050406030204" pitchFamily="18" charset="0"/>
+                              </a:rPr>
+                              <m:t>𝑣</m:t>
+                            </m:r>
+                          </m:e>
+                          <m:sub>
+                            <m:r>
+                              <a:rPr lang="en-US" sz="1800" i="1">
+                                <a:latin typeface="Cambria Math" panose="02040503050406030204" pitchFamily="18" charset="0"/>
+                              </a:rPr>
+                              <m:t>𝑥</m:t>
+                            </m:r>
+                          </m:sub>
+                        </m:sSub>
+                      </m:num>
+                      <m:den>
+                        <m:r>
+                          <a:rPr lang="en-US" sz="1800" i="1">
+                            <a:latin typeface="Cambria Math" panose="02040503050406030204" pitchFamily="18" charset="0"/>
+                          </a:rPr>
+                          <m:t>𝜕</m:t>
+                        </m:r>
+                        <m:r>
+                          <a:rPr lang="en-US" sz="1800" i="1">
+                            <a:latin typeface="Cambria Math" panose="02040503050406030204" pitchFamily="18" charset="0"/>
+                          </a:rPr>
+                          <m:t>𝑥</m:t>
+                        </m:r>
+                      </m:den>
+                    </m:f>
+                    <m:r>
+                      <a:rPr lang="en-US" sz="1800" i="1">
+                        <a:latin typeface="Cambria Math" panose="02040503050406030204" pitchFamily="18" charset="0"/>
+                      </a:rPr>
+                      <m:t>+</m:t>
+                    </m:r>
+                    <m:f>
+                      <m:fPr>
+                        <m:ctrlPr>
+                          <a:rPr lang="en-US" sz="1800" i="1">
+                            <a:latin typeface="Cambria Math" panose="02040503050406030204" pitchFamily="18" charset="0"/>
+                          </a:rPr>
+                        </m:ctrlPr>
+                      </m:fPr>
+                      <m:num>
+                        <m:r>
+                          <a:rPr lang="en-US" sz="1800" i="1">
+                            <a:latin typeface="Cambria Math" panose="02040503050406030204" pitchFamily="18" charset="0"/>
+                          </a:rPr>
+                          <m:t>𝜕</m:t>
+                        </m:r>
+                        <m:sSub>
+                          <m:sSubPr>
+                            <m:ctrlPr>
+                              <a:rPr lang="en-US" sz="1800" i="1">
+                                <a:latin typeface="Cambria Math" panose="02040503050406030204" pitchFamily="18" charset="0"/>
+                              </a:rPr>
+                            </m:ctrlPr>
+                          </m:sSubPr>
+                          <m:e>
+                            <m:r>
+                              <a:rPr lang="en-US" sz="1800" i="1">
+                                <a:latin typeface="Cambria Math" panose="02040503050406030204" pitchFamily="18" charset="0"/>
+                              </a:rPr>
+                              <m:t>𝑣</m:t>
+                            </m:r>
+                          </m:e>
+                          <m:sub>
+                            <m:r>
+                              <a:rPr lang="en-US" sz="1800" i="1">
+                                <a:latin typeface="Cambria Math" panose="02040503050406030204" pitchFamily="18" charset="0"/>
+                              </a:rPr>
+                              <m:t>𝑥</m:t>
+                            </m:r>
+                          </m:sub>
+                        </m:sSub>
+                      </m:num>
+                      <m:den>
+                        <m:r>
+                          <a:rPr lang="en-US" sz="1800" i="1">
+                            <a:latin typeface="Cambria Math" panose="02040503050406030204" pitchFamily="18" charset="0"/>
+                          </a:rPr>
+                          <m:t>𝜕</m:t>
+                        </m:r>
+                        <m:r>
+                          <a:rPr lang="en-US" sz="1800" i="1">
+                            <a:latin typeface="Cambria Math" panose="02040503050406030204" pitchFamily="18" charset="0"/>
+                          </a:rPr>
+                          <m:t>𝑦</m:t>
+                        </m:r>
+                      </m:den>
+                    </m:f>
+                    <m:r>
+                      <a:rPr lang="en-US" sz="1800" i="1">
+                        <a:latin typeface="Cambria Math" panose="02040503050406030204" pitchFamily="18" charset="0"/>
+                      </a:rPr>
+                      <m:t>+</m:t>
+                    </m:r>
+                    <m:f>
+                      <m:fPr>
+                        <m:ctrlPr>
+                          <a:rPr lang="en-US" sz="1800" i="1">
+                            <a:latin typeface="Cambria Math" panose="02040503050406030204" pitchFamily="18" charset="0"/>
+                          </a:rPr>
+                        </m:ctrlPr>
+                      </m:fPr>
+                      <m:num>
+                        <m:r>
+                          <a:rPr lang="en-US" sz="1800" i="1">
+                            <a:latin typeface="Cambria Math" panose="02040503050406030204" pitchFamily="18" charset="0"/>
+                          </a:rPr>
+                          <m:t>𝜕</m:t>
+                        </m:r>
+                        <m:sSub>
+                          <m:sSubPr>
+                            <m:ctrlPr>
+                              <a:rPr lang="en-US" sz="1800" i="1">
+                                <a:latin typeface="Cambria Math" panose="02040503050406030204" pitchFamily="18" charset="0"/>
+                              </a:rPr>
+                            </m:ctrlPr>
+                          </m:sSubPr>
+                          <m:e>
+                            <m:r>
+                              <a:rPr lang="en-US" sz="1800" i="1">
+                                <a:latin typeface="Cambria Math" panose="02040503050406030204" pitchFamily="18" charset="0"/>
+                              </a:rPr>
+                              <m:t>𝑣</m:t>
+                            </m:r>
+                          </m:e>
+                          <m:sub>
+                            <m:r>
+                              <a:rPr lang="en-US" sz="1800" i="1">
+                                <a:latin typeface="Cambria Math" panose="02040503050406030204" pitchFamily="18" charset="0"/>
+                              </a:rPr>
+                              <m:t>𝑥</m:t>
+                            </m:r>
+                          </m:sub>
+                        </m:sSub>
+                      </m:num>
+                      <m:den>
+                        <m:r>
+                          <a:rPr lang="en-US" sz="1800" i="1">
+                            <a:latin typeface="Cambria Math" panose="02040503050406030204" pitchFamily="18" charset="0"/>
+                          </a:rPr>
+                          <m:t>𝜕</m:t>
+                        </m:r>
+                        <m:r>
+                          <a:rPr lang="en-US" sz="1800" i="1">
+                            <a:latin typeface="Cambria Math" panose="02040503050406030204" pitchFamily="18" charset="0"/>
+                          </a:rPr>
+                          <m:t>𝑧</m:t>
+                        </m:r>
+                      </m:den>
+                    </m:f>
+                    <m:r>
+                      <a:rPr lang="en-US" sz="1800" i="1">
+                        <a:latin typeface="Cambria Math" panose="02040503050406030204" pitchFamily="18" charset="0"/>
+                      </a:rPr>
+                      <m:t>=0</m:t>
+                    </m:r>
+                  </m:oMath>
+                </a14:m>
+                <a:endParaRPr lang="en-US" sz="1800" dirty="0"/>
+              </a:p>
+              <a:p>
+                <a:pPr marL="285743" indent="-285743"/>
+                <a:endParaRPr lang="en-US" sz="1800" dirty="0"/>
+              </a:p>
+            </p:txBody>
+          </p:sp>
+        </mc:Choice>
+        <mc:Fallback xmlns="">
+          <p:sp>
+            <p:nvSpPr>
+              <p:cNvPr id="3" name="Text Placeholder 2"/>
+              <p:cNvSpPr>
+                <a:spLocks noGrp="1" noRot="1" noChangeAspect="1" noMove="1" noResize="1" noEditPoints="1" noAdjustHandles="1" noChangeArrowheads="1" noChangeShapeType="1" noTextEdit="1"/>
+              </p:cNvSpPr>
+              <p:nvPr>
+                <p:ph type="body" idx="1"/>
+              </p:nvPr>
+            </p:nvSpPr>
+            <p:spPr>
+              <a:blipFill>
+                <a:blip r:embed="rId2"/>
+                <a:stretch>
+                  <a:fillRect l="-572"/>
+                </a:stretch>
+              </a:blipFill>
+            </p:spPr>
+            <p:txBody>
+              <a:bodyPr/>
+              <a:lstStyle/>
+              <a:p>
+                <a:r>
+                  <a:rPr lang="en-US">
+                    <a:noFill/>
+                  </a:rPr>
+                  <a:t> </a:t>
+                </a:r>
+              </a:p>
+            </p:txBody>
+          </p:sp>
+        </mc:Fallback>
+      </mc:AlternateContent>
+    </p:spTree>
+    <p:extLst>
+      <p:ext uri="{BB962C8B-B14F-4D97-AF65-F5344CB8AC3E}">
+        <p14:creationId xmlns:p14="http://schemas.microsoft.com/office/powerpoint/2010/main" val="2687649809"/>
+      </p:ext>
+    </p:extLst>
+  </p:cSld>
+  <p:clrMapOvr>
+    <a:masterClrMapping/>
+  </p:clrMapOvr>
+  <p:transition spd="slow">
+    <p:cover dir="d"/>
+  </p:transition>
+  <p:timing>
+    <p:tnLst>
+      <p:par>
+        <p:cTn id="1" dur="indefinite" restart="never" nodeType="tmRoot">
+          <p:childTnLst>
+            <p:seq concurrent="1" nextAc="seek">
+              <p:cTn id="2" dur="indefinite" nodeType="mainSeq">
+                <p:childTnLst>
+                  <p:par>
+                    <p:cTn id="3" fill="hold">
+                      <p:stCondLst>
+                        <p:cond delay="indefinite"/>
+                      </p:stCondLst>
+                      <p:childTnLst>
+                        <p:par>
+                          <p:cTn id="4" fill="hold">
+                            <p:stCondLst>
+                              <p:cond delay="0"/>
+                            </p:stCondLst>
+                            <p:childTnLst>
+                              <p:par>
+                                <p:cTn id="5" presetID="2" presetClass="entr" presetSubtype="4" fill="hold" nodeType="clickEffect">
+                                  <p:stCondLst>
+                                    <p:cond delay="0"/>
+                                  </p:stCondLst>
+                                  <p:childTnLst>
+                                    <p:set>
+                                      <p:cBhvr>
+                                        <p:cTn id="6" dur="1" fill="hold">
+                                          <p:stCondLst>
+                                            <p:cond delay="0"/>
+                                          </p:stCondLst>
+                                        </p:cTn>
+                                        <p:tgtEl>
+                                          <p:spTgt spid="3">
+                                            <p:txEl>
+                                              <p:pRg st="2" end="2"/>
+                                            </p:txEl>
+                                          </p:spTgt>
+                                        </p:tgtEl>
+                                        <p:attrNameLst>
+                                          <p:attrName>style.visibility</p:attrName>
+                                        </p:attrNameLst>
+                                      </p:cBhvr>
+                                      <p:to>
+                                        <p:strVal val="visible"/>
+                                      </p:to>
+                                    </p:set>
+                                    <p:anim calcmode="lin" valueType="num">
+                                      <p:cBhvr additive="base">
+                                        <p:cTn id="7" dur="500" fill="hold"/>
+                                        <p:tgtEl>
+                                          <p:spTgt spid="3">
+                                            <p:txEl>
+                                              <p:pRg st="2" end="2"/>
+                                            </p:txEl>
+                                          </p:spTgt>
+                                        </p:tgtEl>
+                                        <p:attrNameLst>
+                                          <p:attrName>ppt_x</p:attrName>
+                                        </p:attrNameLst>
+                                      </p:cBhvr>
+                                      <p:tavLst>
+                                        <p:tav tm="0">
+                                          <p:val>
+                                            <p:strVal val="#ppt_x"/>
+                                          </p:val>
+                                        </p:tav>
+                                        <p:tav tm="100000">
+                                          <p:val>
+                                            <p:strVal val="#ppt_x"/>
+                                          </p:val>
+                                        </p:tav>
+                                      </p:tavLst>
+                                    </p:anim>
+                                    <p:anim calcmode="lin" valueType="num">
+                                      <p:cBhvr additive="base">
+                                        <p:cTn id="8" dur="500" fill="hold"/>
+                                        <p:tgtEl>
+                                          <p:spTgt spid="3">
+                                            <p:txEl>
+                                              <p:pRg st="2" end="2"/>
+                                            </p:txEl>
+                                          </p:spTgt>
+                                        </p:tgtEl>
+                                        <p:attrNameLst>
+                                          <p:attrName>ppt_y</p:attrName>
+                                        </p:attrNameLst>
+                                      </p:cBhvr>
+                                      <p:tavLst>
+                                        <p:tav tm="0">
+                                          <p:val>
+                                            <p:strVal val="1+#ppt_h/2"/>
+                                          </p:val>
+                                        </p:tav>
+                                        <p:tav tm="100000">
+                                          <p:val>
+                                            <p:strVal val="#ppt_y"/>
+                                          </p:val>
+                                        </p:tav>
+                                      </p:tavLst>
+                                    </p:anim>
+                                  </p:childTnLst>
+                                </p:cTn>
+                              </p:par>
+                              <p:par>
+                                <p:cTn id="9" presetID="2" presetClass="entr" presetSubtype="4" fill="hold" nodeType="withEffect">
+                                  <p:stCondLst>
+                                    <p:cond delay="0"/>
+                                  </p:stCondLst>
+                                  <p:childTnLst>
+                                    <p:set>
+                                      <p:cBhvr>
+                                        <p:cTn id="10" dur="1" fill="hold">
+                                          <p:stCondLst>
+                                            <p:cond delay="0"/>
+                                          </p:stCondLst>
+                                        </p:cTn>
+                                        <p:tgtEl>
+                                          <p:spTgt spid="3">
+                                            <p:txEl>
+                                              <p:pRg st="3" end="3"/>
+                                            </p:txEl>
+                                          </p:spTgt>
+                                        </p:tgtEl>
+                                        <p:attrNameLst>
+                                          <p:attrName>style.visibility</p:attrName>
+                                        </p:attrNameLst>
+                                      </p:cBhvr>
+                                      <p:to>
+                                        <p:strVal val="visible"/>
+                                      </p:to>
+                                    </p:set>
+                                    <p:anim calcmode="lin" valueType="num">
+                                      <p:cBhvr additive="base">
+                                        <p:cTn id="11" dur="500" fill="hold"/>
+                                        <p:tgtEl>
+                                          <p:spTgt spid="3">
+                                            <p:txEl>
+                                              <p:pRg st="3" end="3"/>
+                                            </p:txEl>
+                                          </p:spTgt>
+                                        </p:tgtEl>
+                                        <p:attrNameLst>
+                                          <p:attrName>ppt_x</p:attrName>
+                                        </p:attrNameLst>
+                                      </p:cBhvr>
+                                      <p:tavLst>
+                                        <p:tav tm="0">
+                                          <p:val>
+                                            <p:strVal val="#ppt_x"/>
+                                          </p:val>
+                                        </p:tav>
+                                        <p:tav tm="100000">
+                                          <p:val>
+                                            <p:strVal val="#ppt_x"/>
+                                          </p:val>
+                                        </p:tav>
+                                      </p:tavLst>
+                                    </p:anim>
+                                    <p:anim calcmode="lin" valueType="num">
+                                      <p:cBhvr additive="base">
+                                        <p:cTn id="12" dur="500" fill="hold"/>
+                                        <p:tgtEl>
+                                          <p:spTgt spid="3">
+                                            <p:txEl>
+                                              <p:pRg st="3" end="3"/>
+                                            </p:txEl>
+                                          </p:spTgt>
+                                        </p:tgtEl>
+                                        <p:attrNameLst>
+                                          <p:attrName>ppt_y</p:attrName>
+                                        </p:attrNameLst>
+                                      </p:cBhvr>
+                                      <p:tavLst>
+                                        <p:tav tm="0">
+                                          <p:val>
+                                            <p:strVal val="1+#ppt_h/2"/>
+                                          </p:val>
+                                        </p:tav>
+                                        <p:tav tm="100000">
+                                          <p:val>
+                                            <p:strVal val="#ppt_y"/>
+                                          </p:val>
+                                        </p:tav>
+                                      </p:tavLst>
+                                    </p:anim>
+                                  </p:childTnLst>
+                                </p:cTn>
+                              </p:par>
+                              <p:par>
+                                <p:cTn id="13" presetID="2" presetClass="entr" presetSubtype="4" fill="hold" nodeType="withEffect">
+                                  <p:stCondLst>
+                                    <p:cond delay="0"/>
+                                  </p:stCondLst>
+                                  <p:childTnLst>
+                                    <p:set>
+                                      <p:cBhvr>
+                                        <p:cTn id="14" dur="1" fill="hold">
+                                          <p:stCondLst>
+                                            <p:cond delay="0"/>
+                                          </p:stCondLst>
+                                        </p:cTn>
+                                        <p:tgtEl>
+                                          <p:spTgt spid="3">
+                                            <p:txEl>
+                                              <p:pRg st="4" end="4"/>
+                                            </p:txEl>
+                                          </p:spTgt>
+                                        </p:tgtEl>
+                                        <p:attrNameLst>
+                                          <p:attrName>style.visibility</p:attrName>
+                                        </p:attrNameLst>
+                                      </p:cBhvr>
+                                      <p:to>
+                                        <p:strVal val="visible"/>
+                                      </p:to>
+                                    </p:set>
+                                    <p:anim calcmode="lin" valueType="num">
+                                      <p:cBhvr additive="base">
+                                        <p:cTn id="15" dur="500" fill="hold"/>
+                                        <p:tgtEl>
+                                          <p:spTgt spid="3">
+                                            <p:txEl>
+                                              <p:pRg st="4" end="4"/>
+                                            </p:txEl>
+                                          </p:spTgt>
+                                        </p:tgtEl>
+                                        <p:attrNameLst>
+                                          <p:attrName>ppt_x</p:attrName>
+                                        </p:attrNameLst>
+                                      </p:cBhvr>
+                                      <p:tavLst>
+                                        <p:tav tm="0">
+                                          <p:val>
+                                            <p:strVal val="#ppt_x"/>
+                                          </p:val>
+                                        </p:tav>
+                                        <p:tav tm="100000">
+                                          <p:val>
+                                            <p:strVal val="#ppt_x"/>
+                                          </p:val>
+                                        </p:tav>
+                                      </p:tavLst>
+                                    </p:anim>
+                                    <p:anim calcmode="lin" valueType="num">
+                                      <p:cBhvr additive="base">
+                                        <p:cTn id="16" dur="500" fill="hold"/>
+                                        <p:tgtEl>
+                                          <p:spTgt spid="3">
+                                            <p:txEl>
+                                              <p:pRg st="4" end="4"/>
+                                            </p:txEl>
+                                          </p:spTgt>
+                                        </p:tgtEl>
+                                        <p:attrNameLst>
+                                          <p:attrName>ppt_y</p:attrName>
+                                        </p:attrNameLst>
+                                      </p:cBhvr>
+                                      <p:tavLst>
+                                        <p:tav tm="0">
+                                          <p:val>
+                                            <p:strVal val="1+#ppt_h/2"/>
+                                          </p:val>
+                                        </p:tav>
+                                        <p:tav tm="100000">
+                                          <p:val>
+                                            <p:strVal val="#ppt_y"/>
+                                          </p:val>
+                                        </p:tav>
+                                      </p:tavLst>
+                                    </p:anim>
+                                  </p:childTnLst>
+                                </p:cTn>
+                              </p:par>
+                              <p:par>
+                                <p:cTn id="17" presetID="2" presetClass="entr" presetSubtype="4" fill="hold" nodeType="withEffect">
+                                  <p:stCondLst>
+                                    <p:cond delay="0"/>
+                                  </p:stCondLst>
+                                  <p:childTnLst>
+                                    <p:set>
+                                      <p:cBhvr>
+                                        <p:cTn id="18" dur="1" fill="hold">
+                                          <p:stCondLst>
+                                            <p:cond delay="0"/>
+                                          </p:stCondLst>
+                                        </p:cTn>
+                                        <p:tgtEl>
+                                          <p:spTgt spid="3">
+                                            <p:txEl>
+                                              <p:pRg st="5" end="5"/>
+                                            </p:txEl>
+                                          </p:spTgt>
+                                        </p:tgtEl>
+                                        <p:attrNameLst>
+                                          <p:attrName>style.visibility</p:attrName>
+                                        </p:attrNameLst>
+                                      </p:cBhvr>
+                                      <p:to>
+                                        <p:strVal val="visible"/>
+                                      </p:to>
+                                    </p:set>
+                                    <p:anim calcmode="lin" valueType="num">
+                                      <p:cBhvr additive="base">
+                                        <p:cTn id="19" dur="500" fill="hold"/>
+                                        <p:tgtEl>
+                                          <p:spTgt spid="3">
+                                            <p:txEl>
+                                              <p:pRg st="5" end="5"/>
+                                            </p:txEl>
+                                          </p:spTgt>
+                                        </p:tgtEl>
+                                        <p:attrNameLst>
+                                          <p:attrName>ppt_x</p:attrName>
+                                        </p:attrNameLst>
+                                      </p:cBhvr>
+                                      <p:tavLst>
+                                        <p:tav tm="0">
+                                          <p:val>
+                                            <p:strVal val="#ppt_x"/>
+                                          </p:val>
+                                        </p:tav>
+                                        <p:tav tm="100000">
+                                          <p:val>
+                                            <p:strVal val="#ppt_x"/>
+                                          </p:val>
+                                        </p:tav>
+                                      </p:tavLst>
+                                    </p:anim>
+                                    <p:anim calcmode="lin" valueType="num">
+                                      <p:cBhvr additive="base">
+                                        <p:cTn id="20" dur="500" fill="hold"/>
+                                        <p:tgtEl>
+                                          <p:spTgt spid="3">
+                                            <p:txEl>
+                                              <p:pRg st="5" end="5"/>
+                                            </p:txEl>
+                                          </p:spTgt>
+                                        </p:tgtEl>
+                                        <p:attrNameLst>
+                                          <p:attrName>ppt_y</p:attrName>
+                                        </p:attrNameLst>
+                                      </p:cBhvr>
+                                      <p:tavLst>
+                                        <p:tav tm="0">
+                                          <p:val>
+                                            <p:strVal val="1+#ppt_h/2"/>
+                                          </p:val>
+                                        </p:tav>
+                                        <p:tav tm="100000">
+                                          <p:val>
+                                            <p:strVal val="#ppt_y"/>
+                                          </p:val>
+                                        </p:tav>
+                                      </p:tavLst>
+                                    </p:anim>
+                                  </p:childTnLst>
+                                </p:cTn>
+                              </p:par>
+                            </p:childTnLst>
+                          </p:cTn>
+                        </p:par>
+                      </p:childTnLst>
+                    </p:cTn>
+                  </p:par>
+                </p:childTnLst>
+              </p:cTn>
+              <p:prevCondLst>
+                <p:cond evt="onPrev" delay="0">
+                  <p:tgtEl>
+                    <p:sldTgt/>
+                  </p:tgtEl>
+                </p:cond>
+              </p:prevCondLst>
+              <p:nextCondLst>
+                <p:cond evt="onNext" delay="0">
+                  <p:tgtEl>
+                    <p:sldTgt/>
+                  </p:tgtEl>
+                </p:cond>
+              </p:nextCondLst>
+            </p:seq>
+          </p:childTnLst>
+        </p:cTn>
+      </p:par>
+    </p:tnLst>
+  </p:timing>
+</p:sld>
+</file>
+
+<file path=ppt/slides/slide4.xml><?xml version="1.0" encoding="utf-8"?>
+<p:sld xmlns:a="http://schemas.openxmlformats.org/drawingml/2006/main" xmlns:r="http://schemas.openxmlformats.org/officeDocument/2006/relationships" xmlns:p="http://schemas.openxmlformats.org/presentationml/2006/main">
+  <p:cSld>
+    <p:spTree>
+      <p:nvGrpSpPr>
+        <p:cNvPr id="1" name=""/>
+        <p:cNvGrpSpPr/>
+        <p:nvPr/>
+      </p:nvGrpSpPr>
+      <p:grpSpPr>
+        <a:xfrm>
+          <a:off x="0" y="0"/>
+          <a:ext cx="0" cy="0"/>
+          <a:chOff x="0" y="0"/>
+          <a:chExt cx="0" cy="0"/>
+        </a:xfrm>
+      </p:grpSpPr>
+      <p:sp>
+        <p:nvSpPr>
+          <p:cNvPr id="2" name="Title 1"/>
+          <p:cNvSpPr>
+            <a:spLocks noGrp="1"/>
+          </p:cNvSpPr>
+          <p:nvPr>
+            <p:ph type="title"/>
+          </p:nvPr>
+        </p:nvSpPr>
+        <p:spPr/>
+        <p:txBody>
+          <a:bodyPr>
+            <a:normAutofit fontScale="90000"/>
+          </a:bodyPr>
+          <a:lstStyle/>
+          <a:p>
+            <a:r>
               <a:rPr lang="en-US" dirty="0"/>
               <a:t>Explanation</a:t>
             </a:r>
@@ -9676,7 +13883,7 @@
 </p:sld>
 </file>
 
-<file path=ppt/slides/slide4.xml><?xml version="1.0" encoding="utf-8"?>
+<file path=ppt/slides/slide5.xml><?xml version="1.0" encoding="utf-8"?>
 <p:sld xmlns:a="http://schemas.openxmlformats.org/drawingml/2006/main" xmlns:r="http://schemas.openxmlformats.org/officeDocument/2006/relationships" xmlns:p="http://schemas.openxmlformats.org/presentationml/2006/main">
   <p:cSld>
     <p:spTree>
@@ -11521,7 +15728,7 @@
 </p:sld>
 </file>
 
-<file path=ppt/slides/slide5.xml><?xml version="1.0" encoding="utf-8"?>
+<file path=ppt/slides/slide6.xml><?xml version="1.0" encoding="utf-8"?>
 <p:sld xmlns:a="http://schemas.openxmlformats.org/drawingml/2006/main" xmlns:r="http://schemas.openxmlformats.org/officeDocument/2006/relationships" xmlns:p="http://schemas.openxmlformats.org/presentationml/2006/main">
   <p:cSld>
     <p:spTree>
@@ -12469,7 +16676,7 @@
 </p:sld>
 </file>
 
-<file path=ppt/slides/slide6.xml><?xml version="1.0" encoding="utf-8"?>
+<file path=ppt/slides/slide7.xml><?xml version="1.0" encoding="utf-8"?>
 <p:sld xmlns:a="http://schemas.openxmlformats.org/drawingml/2006/main" xmlns:r="http://schemas.openxmlformats.org/officeDocument/2006/relationships" xmlns:p="http://schemas.openxmlformats.org/presentationml/2006/main">
   <p:cSld>
     <p:spTree>
@@ -13694,7 +17901,7 @@
 </p:sld>
 </file>
 
-<file path=ppt/slides/slide7.xml><?xml version="1.0" encoding="utf-8"?>
+<file path=ppt/slides/slide8.xml><?xml version="1.0" encoding="utf-8"?>
 <p:sld xmlns:a="http://schemas.openxmlformats.org/drawingml/2006/main" xmlns:r="http://schemas.openxmlformats.org/officeDocument/2006/relationships" xmlns:p="http://schemas.openxmlformats.org/presentationml/2006/main">
   <p:cSld>
     <p:spTree>
@@ -14311,7 +18518,7 @@
 </p:sld>
 </file>
 
-<file path=ppt/slides/slide8.xml><?xml version="1.0" encoding="utf-8"?>
+<file path=ppt/slides/slide9.xml><?xml version="1.0" encoding="utf-8"?>
 <p:sld xmlns:a="http://schemas.openxmlformats.org/drawingml/2006/main" xmlns:r="http://schemas.openxmlformats.org/officeDocument/2006/relationships" xmlns:p="http://schemas.openxmlformats.org/presentationml/2006/main">
   <p:cSld>
     <p:spTree>
@@ -16847,1210 +21054,6 @@
     </p:tnLst>
     <p:bldLst>
       <p:bldP spid="3" grpId="0" build="p"/>
-    </p:bldLst>
-  </p:timing>
-</p:sld>
-</file>
-
-<file path=ppt/slides/slide9.xml><?xml version="1.0" encoding="utf-8"?>
-<p:sld xmlns:a="http://schemas.openxmlformats.org/drawingml/2006/main" xmlns:r="http://schemas.openxmlformats.org/officeDocument/2006/relationships" xmlns:p="http://schemas.openxmlformats.org/presentationml/2006/main">
-  <p:cSld>
-    <p:spTree>
-      <p:nvGrpSpPr>
-        <p:cNvPr id="1" name=""/>
-        <p:cNvGrpSpPr/>
-        <p:nvPr/>
-      </p:nvGrpSpPr>
-      <p:grpSpPr>
-        <a:xfrm>
-          <a:off x="0" y="0"/>
-          <a:ext cx="0" cy="0"/>
-          <a:chOff x="0" y="0"/>
-          <a:chExt cx="0" cy="0"/>
-        </a:xfrm>
-      </p:grpSpPr>
-      <p:sp>
-        <p:nvSpPr>
-          <p:cNvPr id="2" name="Title 1"/>
-          <p:cNvSpPr>
-            <a:spLocks noGrp="1"/>
-          </p:cNvSpPr>
-          <p:nvPr>
-            <p:ph type="title"/>
-          </p:nvPr>
-        </p:nvSpPr>
-        <p:spPr/>
-        <p:txBody>
-          <a:bodyPr>
-            <a:normAutofit fontScale="90000"/>
-          </a:bodyPr>
-          <a:lstStyle/>
-          <a:p>
-            <a:r>
-              <a:rPr lang="en-US" dirty="0"/>
-              <a:t>Numerical Methods</a:t>
-            </a:r>
-          </a:p>
-        </p:txBody>
-      </p:sp>
-      <mc:AlternateContent xmlns:mc="http://schemas.openxmlformats.org/markup-compatibility/2006" xmlns:a14="http://schemas.microsoft.com/office/drawing/2010/main">
-        <mc:Choice Requires="a14">
-          <p:sp>
-            <p:nvSpPr>
-              <p:cNvPr id="3" name="Text Placeholder 2"/>
-              <p:cNvSpPr>
-                <a:spLocks noGrp="1"/>
-              </p:cNvSpPr>
-              <p:nvPr>
-                <p:ph type="body" idx="1"/>
-              </p:nvPr>
-            </p:nvSpPr>
-            <p:spPr>
-              <a:xfrm>
-                <a:off x="407393" y="1255340"/>
-                <a:ext cx="8520600" cy="3334800"/>
-              </a:xfrm>
-            </p:spPr>
-            <p:txBody>
-              <a:bodyPr>
-                <a:normAutofit/>
-              </a:bodyPr>
-              <a:lstStyle/>
-              <a:p>
-                <a:pPr>
-                  <a:lnSpc>
-                    <a:spcPct val="110000"/>
-                  </a:lnSpc>
-                </a:pPr>
-                <a:r>
-                  <a:rPr lang="en-US" dirty="0"/>
-                  <a:t>The only really reasonable way to solve these equations is using computers and numerical methods</a:t>
-                </a:r>
-              </a:p>
-              <a:p>
-                <a:pPr>
-                  <a:lnSpc>
-                    <a:spcPct val="110000"/>
-                  </a:lnSpc>
-                </a:pPr>
-                <a:r>
-                  <a:rPr lang="en-US" dirty="0"/>
-                  <a:t>Equations must be </a:t>
-                </a:r>
-                <a:r>
-                  <a:rPr lang="en-US" i="1" dirty="0"/>
-                  <a:t>discretized</a:t>
-                </a:r>
-                <a:endParaRPr lang="en-US" dirty="0"/>
-              </a:p>
-              <a:p>
-                <a:pPr lvl="1">
-                  <a:lnSpc>
-                    <a:spcPct val="110000"/>
-                  </a:lnSpc>
-                </a:pPr>
-                <a:r>
-                  <a:rPr lang="en-US" dirty="0"/>
-                  <a:t>This is easy for equations in time like </a:t>
-                </a:r>
-                <a14:m>
-                  <m:oMath xmlns:m="http://schemas.openxmlformats.org/officeDocument/2006/math">
-                    <m:f>
-                      <m:fPr>
-                        <m:ctrlPr>
-                          <a:rPr lang="en-US" i="1" smtClean="0">
-                            <a:latin typeface="Cambria Math" panose="02040503050406030204" pitchFamily="18" charset="0"/>
-                          </a:rPr>
-                        </m:ctrlPr>
-                      </m:fPr>
-                      <m:num>
-                        <m:r>
-                          <a:rPr lang="en-US" i="1" smtClean="0">
-                            <a:latin typeface="Cambria Math" panose="02040503050406030204" pitchFamily="18" charset="0"/>
-                          </a:rPr>
-                          <m:t>𝜕</m:t>
-                        </m:r>
-                        <m:acc>
-                          <m:accPr>
-                            <m:chr m:val="⃗"/>
-                            <m:ctrlPr>
-                              <a:rPr lang="en-US" i="1" smtClean="0">
-                                <a:latin typeface="Cambria Math" panose="02040503050406030204" pitchFamily="18" charset="0"/>
-                              </a:rPr>
-                            </m:ctrlPr>
-                          </m:accPr>
-                          <m:e>
-                            <m:r>
-                              <a:rPr lang="en-US" b="0" i="1" smtClean="0">
-                                <a:latin typeface="Cambria Math" panose="02040503050406030204" pitchFamily="18" charset="0"/>
-                              </a:rPr>
-                              <m:t>𝑣</m:t>
-                            </m:r>
-                          </m:e>
-                        </m:acc>
-                      </m:num>
-                      <m:den>
-                        <m:r>
-                          <a:rPr lang="en-US" i="1" smtClean="0">
-                            <a:latin typeface="Cambria Math" panose="02040503050406030204" pitchFamily="18" charset="0"/>
-                          </a:rPr>
-                          <m:t>𝜕</m:t>
-                        </m:r>
-                        <m:r>
-                          <a:rPr lang="en-US" b="0" i="1" smtClean="0">
-                            <a:latin typeface="Cambria Math" panose="02040503050406030204" pitchFamily="18" charset="0"/>
-                          </a:rPr>
-                          <m:t>𝑡</m:t>
-                        </m:r>
-                      </m:den>
-                    </m:f>
-                  </m:oMath>
-                </a14:m>
-                <a:r>
-                  <a:rPr lang="en-US" dirty="0"/>
-                  <a:t> as you can use something that looks a lot like Euler integration, updating something for each time step</a:t>
-                </a:r>
-              </a:p>
-              <a:p>
-                <a:pPr lvl="1">
-                  <a:lnSpc>
-                    <a:spcPct val="110000"/>
-                  </a:lnSpc>
-                </a:pPr>
-                <a:r>
-                  <a:rPr lang="en-US" dirty="0"/>
-                  <a:t>The spatial derivatives, like </a:t>
-                </a:r>
-                <a14:m>
-                  <m:oMath xmlns:m="http://schemas.openxmlformats.org/officeDocument/2006/math">
-                    <m:f>
-                      <m:fPr>
-                        <m:ctrlPr>
-                          <a:rPr lang="en-US" i="1" smtClean="0">
-                            <a:latin typeface="Cambria Math" panose="02040503050406030204" pitchFamily="18" charset="0"/>
-                          </a:rPr>
-                        </m:ctrlPr>
-                      </m:fPr>
-                      <m:num>
-                        <m:r>
-                          <a:rPr lang="en-US" i="1" smtClean="0">
-                            <a:latin typeface="Cambria Math" panose="02040503050406030204" pitchFamily="18" charset="0"/>
-                          </a:rPr>
-                          <m:t>𝜕</m:t>
-                        </m:r>
-                        <m:acc>
-                          <m:accPr>
-                            <m:chr m:val="⃗"/>
-                            <m:ctrlPr>
-                              <a:rPr lang="en-US" i="1" smtClean="0">
-                                <a:latin typeface="Cambria Math" panose="02040503050406030204" pitchFamily="18" charset="0"/>
-                              </a:rPr>
-                            </m:ctrlPr>
-                          </m:accPr>
-                          <m:e>
-                            <m:r>
-                              <a:rPr lang="en-US" b="0" i="1" smtClean="0">
-                                <a:latin typeface="Cambria Math" panose="02040503050406030204" pitchFamily="18" charset="0"/>
-                              </a:rPr>
-                              <m:t>𝑣</m:t>
-                            </m:r>
-                          </m:e>
-                        </m:acc>
-                      </m:num>
-                      <m:den>
-                        <m:r>
-                          <a:rPr lang="en-US" i="1" smtClean="0">
-                            <a:latin typeface="Cambria Math" panose="02040503050406030204" pitchFamily="18" charset="0"/>
-                          </a:rPr>
-                          <m:t>𝜕</m:t>
-                        </m:r>
-                        <m:r>
-                          <a:rPr lang="en-US" i="1" smtClean="0">
-                            <a:latin typeface="Cambria Math" panose="02040503050406030204" pitchFamily="18" charset="0"/>
-                          </a:rPr>
-                          <m:t>𝑥</m:t>
-                        </m:r>
-                      </m:den>
-                    </m:f>
-                  </m:oMath>
-                </a14:m>
-                <a:r>
-                  <a:rPr lang="en-US" dirty="0"/>
-                  <a:t> are not quite as obvious</a:t>
-                </a:r>
-              </a:p>
-              <a:p>
-                <a:pPr lvl="2">
-                  <a:lnSpc>
-                    <a:spcPct val="110000"/>
-                  </a:lnSpc>
-                </a:pPr>
-                <a:r>
-                  <a:rPr lang="en-US" dirty="0"/>
-                  <a:t>One method is to store a value for variables like </a:t>
-                </a:r>
-                <a14:m>
-                  <m:oMath xmlns:m="http://schemas.openxmlformats.org/officeDocument/2006/math">
-                    <m:acc>
-                      <m:accPr>
-                        <m:chr m:val="⃗"/>
-                        <m:ctrlPr>
-                          <a:rPr lang="en-US" i="1" smtClean="0">
-                            <a:latin typeface="Cambria Math" panose="02040503050406030204" pitchFamily="18" charset="0"/>
-                          </a:rPr>
-                        </m:ctrlPr>
-                      </m:accPr>
-                      <m:e>
-                        <m:r>
-                          <a:rPr lang="en-US" b="0" i="1" smtClean="0">
-                            <a:latin typeface="Cambria Math" panose="02040503050406030204" pitchFamily="18" charset="0"/>
-                          </a:rPr>
-                          <m:t>𝑣</m:t>
-                        </m:r>
-                      </m:e>
-                    </m:acc>
-                  </m:oMath>
-                </a14:m>
-                <a:r>
-                  <a:rPr lang="en-US" dirty="0"/>
-                  <a:t> for each discrete cell that breaks down the total volume</a:t>
-                </a:r>
-              </a:p>
-              <a:p>
-                <a:pPr lvl="2">
-                  <a:lnSpc>
-                    <a:spcPct val="110000"/>
-                  </a:lnSpc>
-                </a:pPr>
-                <a:r>
-                  <a:rPr lang="en-US" dirty="0"/>
-                  <a:t>The derivative is then easily evaluated as a difference between neighboring cells in a certain direction</a:t>
-                </a:r>
-              </a:p>
-              <a:p>
-                <a:pPr>
-                  <a:lnSpc>
-                    <a:spcPct val="110000"/>
-                  </a:lnSpc>
-                </a:pPr>
-                <a:r>
-                  <a:rPr lang="en-US" dirty="0"/>
-                  <a:t>Accuracy becomes important as well as ensuring that the simulation does not become filled with ‘garbage’ numbers</a:t>
-                </a:r>
-              </a:p>
-              <a:p>
-                <a:pPr>
-                  <a:lnSpc>
-                    <a:spcPct val="110000"/>
-                  </a:lnSpc>
-                </a:pPr>
-                <a:r>
-                  <a:rPr lang="en-US" dirty="0"/>
-                  <a:t>As we are dealing with dynamic systems, blow up and stability is a problem which require careful refinements to avoid</a:t>
-                </a:r>
-              </a:p>
-              <a:p>
-                <a:pPr>
-                  <a:lnSpc>
-                    <a:spcPct val="110000"/>
-                  </a:lnSpc>
-                </a:pPr>
-                <a:endParaRPr lang="en-US" dirty="0"/>
-              </a:p>
-              <a:p>
-                <a:endParaRPr lang="en-US" dirty="0"/>
-              </a:p>
-            </p:txBody>
-          </p:sp>
-        </mc:Choice>
-        <mc:Fallback xmlns="">
-          <p:sp>
-            <p:nvSpPr>
-              <p:cNvPr id="3" name="Text Placeholder 2"/>
-              <p:cNvSpPr>
-                <a:spLocks noGrp="1" noRot="1" noChangeAspect="1" noMove="1" noResize="1" noEditPoints="1" noAdjustHandles="1" noChangeArrowheads="1" noChangeShapeType="1" noTextEdit="1"/>
-              </p:cNvSpPr>
-              <p:nvPr>
-                <p:ph type="body" idx="1"/>
-              </p:nvPr>
-            </p:nvSpPr>
-            <p:spPr>
-              <a:xfrm>
-                <a:off x="407393" y="1255340"/>
-                <a:ext cx="8520600" cy="3334800"/>
-              </a:xfrm>
-              <a:blipFill>
-                <a:blip r:embed="rId2"/>
-                <a:stretch>
-                  <a:fillRect/>
-                </a:stretch>
-              </a:blipFill>
-            </p:spPr>
-            <p:txBody>
-              <a:bodyPr/>
-              <a:lstStyle/>
-              <a:p>
-                <a:r>
-                  <a:rPr lang="en-US">
-                    <a:noFill/>
-                  </a:rPr>
-                  <a:t> </a:t>
-                </a:r>
-              </a:p>
-            </p:txBody>
-          </p:sp>
-        </mc:Fallback>
-      </mc:AlternateContent>
-    </p:spTree>
-    <p:extLst>
-      <p:ext uri="{BB962C8B-B14F-4D97-AF65-F5344CB8AC3E}">
-        <p14:creationId xmlns:p14="http://schemas.microsoft.com/office/powerpoint/2010/main" val="385649078"/>
-      </p:ext>
-    </p:extLst>
-  </p:cSld>
-  <p:clrMapOvr>
-    <a:masterClrMapping/>
-  </p:clrMapOvr>
-  <p:transition spd="slow">
-    <p:cover dir="d"/>
-  </p:transition>
-  <p:timing>
-    <p:tnLst>
-      <p:par>
-        <p:cTn id="1" dur="indefinite" restart="never" nodeType="tmRoot">
-          <p:childTnLst>
-            <p:seq concurrent="1" nextAc="seek">
-              <p:cTn id="2" dur="indefinite" nodeType="mainSeq">
-                <p:childTnLst>
-                  <p:par>
-                    <p:cTn id="3" fill="hold">
-                      <p:stCondLst>
-                        <p:cond delay="indefinite"/>
-                      </p:stCondLst>
-                      <p:childTnLst>
-                        <p:par>
-                          <p:cTn id="4" fill="hold">
-                            <p:stCondLst>
-                              <p:cond delay="0"/>
-                            </p:stCondLst>
-                            <p:childTnLst>
-                              <p:par>
-                                <p:cTn id="5" presetID="2" presetClass="entr" presetSubtype="4" fill="hold" grpId="0" nodeType="clickEffect">
-                                  <p:stCondLst>
-                                    <p:cond delay="0"/>
-                                  </p:stCondLst>
-                                  <p:childTnLst>
-                                    <p:set>
-                                      <p:cBhvr>
-                                        <p:cTn id="6" dur="1" fill="hold">
-                                          <p:stCondLst>
-                                            <p:cond delay="0"/>
-                                          </p:stCondLst>
-                                        </p:cTn>
-                                        <p:tgtEl>
-                                          <p:spTgt spid="3">
-                                            <p:txEl>
-                                              <p:pRg st="0" end="0"/>
-                                            </p:txEl>
-                                          </p:spTgt>
-                                        </p:tgtEl>
-                                        <p:attrNameLst>
-                                          <p:attrName>style.visibility</p:attrName>
-                                        </p:attrNameLst>
-                                      </p:cBhvr>
-                                      <p:to>
-                                        <p:strVal val="visible"/>
-                                      </p:to>
-                                    </p:set>
-                                    <p:anim calcmode="lin" valueType="num">
-                                      <p:cBhvr additive="base">
-                                        <p:cTn id="7" dur="500" fill="hold"/>
-                                        <p:tgtEl>
-                                          <p:spTgt spid="3">
-                                            <p:txEl>
-                                              <p:pRg st="0" end="0"/>
-                                            </p:txEl>
-                                          </p:spTgt>
-                                        </p:tgtEl>
-                                        <p:attrNameLst>
-                                          <p:attrName>ppt_x</p:attrName>
-                                        </p:attrNameLst>
-                                      </p:cBhvr>
-                                      <p:tavLst>
-                                        <p:tav tm="0">
-                                          <p:val>
-                                            <p:strVal val="#ppt_x"/>
-                                          </p:val>
-                                        </p:tav>
-                                        <p:tav tm="100000">
-                                          <p:val>
-                                            <p:strVal val="#ppt_x"/>
-                                          </p:val>
-                                        </p:tav>
-                                      </p:tavLst>
-                                    </p:anim>
-                                    <p:anim calcmode="lin" valueType="num">
-                                      <p:cBhvr additive="base">
-                                        <p:cTn id="8" dur="500" fill="hold"/>
-                                        <p:tgtEl>
-                                          <p:spTgt spid="3">
-                                            <p:txEl>
-                                              <p:pRg st="0" end="0"/>
-                                            </p:txEl>
-                                          </p:spTgt>
-                                        </p:tgtEl>
-                                        <p:attrNameLst>
-                                          <p:attrName>ppt_y</p:attrName>
-                                        </p:attrNameLst>
-                                      </p:cBhvr>
-                                      <p:tavLst>
-                                        <p:tav tm="0">
-                                          <p:val>
-                                            <p:strVal val="1+#ppt_h/2"/>
-                                          </p:val>
-                                        </p:tav>
-                                        <p:tav tm="100000">
-                                          <p:val>
-                                            <p:strVal val="#ppt_y"/>
-                                          </p:val>
-                                        </p:tav>
-                                      </p:tavLst>
-                                    </p:anim>
-                                  </p:childTnLst>
-                                </p:cTn>
-                              </p:par>
-                            </p:childTnLst>
-                          </p:cTn>
-                        </p:par>
-                      </p:childTnLst>
-                    </p:cTn>
-                  </p:par>
-                  <p:par>
-                    <p:cTn id="9" fill="hold">
-                      <p:stCondLst>
-                        <p:cond delay="indefinite"/>
-                      </p:stCondLst>
-                      <p:childTnLst>
-                        <p:par>
-                          <p:cTn id="10" fill="hold">
-                            <p:stCondLst>
-                              <p:cond delay="0"/>
-                            </p:stCondLst>
-                            <p:childTnLst>
-                              <p:par>
-                                <p:cTn id="11" presetID="2" presetClass="entr" presetSubtype="4" fill="hold" grpId="0" nodeType="clickEffect">
-                                  <p:stCondLst>
-                                    <p:cond delay="0"/>
-                                  </p:stCondLst>
-                                  <p:childTnLst>
-                                    <p:set>
-                                      <p:cBhvr>
-                                        <p:cTn id="12" dur="1" fill="hold">
-                                          <p:stCondLst>
-                                            <p:cond delay="0"/>
-                                          </p:stCondLst>
-                                        </p:cTn>
-                                        <p:tgtEl>
-                                          <p:spTgt spid="3">
-                                            <p:txEl>
-                                              <p:pRg st="1" end="1"/>
-                                            </p:txEl>
-                                          </p:spTgt>
-                                        </p:tgtEl>
-                                        <p:attrNameLst>
-                                          <p:attrName>style.visibility</p:attrName>
-                                        </p:attrNameLst>
-                                      </p:cBhvr>
-                                      <p:to>
-                                        <p:strVal val="visible"/>
-                                      </p:to>
-                                    </p:set>
-                                    <p:anim calcmode="lin" valueType="num">
-                                      <p:cBhvr additive="base">
-                                        <p:cTn id="13" dur="500" fill="hold"/>
-                                        <p:tgtEl>
-                                          <p:spTgt spid="3">
-                                            <p:txEl>
-                                              <p:pRg st="1" end="1"/>
-                                            </p:txEl>
-                                          </p:spTgt>
-                                        </p:tgtEl>
-                                        <p:attrNameLst>
-                                          <p:attrName>ppt_x</p:attrName>
-                                        </p:attrNameLst>
-                                      </p:cBhvr>
-                                      <p:tavLst>
-                                        <p:tav tm="0">
-                                          <p:val>
-                                            <p:strVal val="#ppt_x"/>
-                                          </p:val>
-                                        </p:tav>
-                                        <p:tav tm="100000">
-                                          <p:val>
-                                            <p:strVal val="#ppt_x"/>
-                                          </p:val>
-                                        </p:tav>
-                                      </p:tavLst>
-                                    </p:anim>
-                                    <p:anim calcmode="lin" valueType="num">
-                                      <p:cBhvr additive="base">
-                                        <p:cTn id="14" dur="500" fill="hold"/>
-                                        <p:tgtEl>
-                                          <p:spTgt spid="3">
-                                            <p:txEl>
-                                              <p:pRg st="1" end="1"/>
-                                            </p:txEl>
-                                          </p:spTgt>
-                                        </p:tgtEl>
-                                        <p:attrNameLst>
-                                          <p:attrName>ppt_y</p:attrName>
-                                        </p:attrNameLst>
-                                      </p:cBhvr>
-                                      <p:tavLst>
-                                        <p:tav tm="0">
-                                          <p:val>
-                                            <p:strVal val="1+#ppt_h/2"/>
-                                          </p:val>
-                                        </p:tav>
-                                        <p:tav tm="100000">
-                                          <p:val>
-                                            <p:strVal val="#ppt_y"/>
-                                          </p:val>
-                                        </p:tav>
-                                      </p:tavLst>
-                                    </p:anim>
-                                  </p:childTnLst>
-                                </p:cTn>
-                              </p:par>
-                            </p:childTnLst>
-                          </p:cTn>
-                        </p:par>
-                      </p:childTnLst>
-                    </p:cTn>
-                  </p:par>
-                  <p:par>
-                    <p:cTn id="15" fill="hold">
-                      <p:stCondLst>
-                        <p:cond delay="indefinite"/>
-                      </p:stCondLst>
-                      <p:childTnLst>
-                        <p:par>
-                          <p:cTn id="16" fill="hold">
-                            <p:stCondLst>
-                              <p:cond delay="0"/>
-                            </p:stCondLst>
-                            <p:childTnLst>
-                              <p:par>
-                                <p:cTn id="17" presetID="2" presetClass="entr" presetSubtype="4" fill="hold" grpId="0" nodeType="clickEffect">
-                                  <p:stCondLst>
-                                    <p:cond delay="0"/>
-                                  </p:stCondLst>
-                                  <p:childTnLst>
-                                    <p:set>
-                                      <p:cBhvr>
-                                        <p:cTn id="18" dur="1" fill="hold">
-                                          <p:stCondLst>
-                                            <p:cond delay="0"/>
-                                          </p:stCondLst>
-                                        </p:cTn>
-                                        <p:tgtEl>
-                                          <p:spTgt spid="3">
-                                            <p:txEl>
-                                              <p:pRg st="2" end="2"/>
-                                            </p:txEl>
-                                          </p:spTgt>
-                                        </p:tgtEl>
-                                        <p:attrNameLst>
-                                          <p:attrName>style.visibility</p:attrName>
-                                        </p:attrNameLst>
-                                      </p:cBhvr>
-                                      <p:to>
-                                        <p:strVal val="visible"/>
-                                      </p:to>
-                                    </p:set>
-                                    <p:anim calcmode="lin" valueType="num">
-                                      <p:cBhvr additive="base">
-                                        <p:cTn id="19" dur="500" fill="hold"/>
-                                        <p:tgtEl>
-                                          <p:spTgt spid="3">
-                                            <p:txEl>
-                                              <p:pRg st="2" end="2"/>
-                                            </p:txEl>
-                                          </p:spTgt>
-                                        </p:tgtEl>
-                                        <p:attrNameLst>
-                                          <p:attrName>ppt_x</p:attrName>
-                                        </p:attrNameLst>
-                                      </p:cBhvr>
-                                      <p:tavLst>
-                                        <p:tav tm="0">
-                                          <p:val>
-                                            <p:strVal val="#ppt_x"/>
-                                          </p:val>
-                                        </p:tav>
-                                        <p:tav tm="100000">
-                                          <p:val>
-                                            <p:strVal val="#ppt_x"/>
-                                          </p:val>
-                                        </p:tav>
-                                      </p:tavLst>
-                                    </p:anim>
-                                    <p:anim calcmode="lin" valueType="num">
-                                      <p:cBhvr additive="base">
-                                        <p:cTn id="20" dur="500" fill="hold"/>
-                                        <p:tgtEl>
-                                          <p:spTgt spid="3">
-                                            <p:txEl>
-                                              <p:pRg st="2" end="2"/>
-                                            </p:txEl>
-                                          </p:spTgt>
-                                        </p:tgtEl>
-                                        <p:attrNameLst>
-                                          <p:attrName>ppt_y</p:attrName>
-                                        </p:attrNameLst>
-                                      </p:cBhvr>
-                                      <p:tavLst>
-                                        <p:tav tm="0">
-                                          <p:val>
-                                            <p:strVal val="1+#ppt_h/2"/>
-                                          </p:val>
-                                        </p:tav>
-                                        <p:tav tm="100000">
-                                          <p:val>
-                                            <p:strVal val="#ppt_y"/>
-                                          </p:val>
-                                        </p:tav>
-                                      </p:tavLst>
-                                    </p:anim>
-                                  </p:childTnLst>
-                                </p:cTn>
-                              </p:par>
-                            </p:childTnLst>
-                          </p:cTn>
-                        </p:par>
-                      </p:childTnLst>
-                    </p:cTn>
-                  </p:par>
-                  <p:par>
-                    <p:cTn id="21" fill="hold">
-                      <p:stCondLst>
-                        <p:cond delay="indefinite"/>
-                      </p:stCondLst>
-                      <p:childTnLst>
-                        <p:par>
-                          <p:cTn id="22" fill="hold">
-                            <p:stCondLst>
-                              <p:cond delay="0"/>
-                            </p:stCondLst>
-                            <p:childTnLst>
-                              <p:par>
-                                <p:cTn id="23" presetID="2" presetClass="entr" presetSubtype="4" fill="hold" grpId="0" nodeType="clickEffect">
-                                  <p:stCondLst>
-                                    <p:cond delay="0"/>
-                                  </p:stCondLst>
-                                  <p:childTnLst>
-                                    <p:set>
-                                      <p:cBhvr>
-                                        <p:cTn id="24" dur="1" fill="hold">
-                                          <p:stCondLst>
-                                            <p:cond delay="0"/>
-                                          </p:stCondLst>
-                                        </p:cTn>
-                                        <p:tgtEl>
-                                          <p:spTgt spid="3">
-                                            <p:txEl>
-                                              <p:pRg st="3" end="3"/>
-                                            </p:txEl>
-                                          </p:spTgt>
-                                        </p:tgtEl>
-                                        <p:attrNameLst>
-                                          <p:attrName>style.visibility</p:attrName>
-                                        </p:attrNameLst>
-                                      </p:cBhvr>
-                                      <p:to>
-                                        <p:strVal val="visible"/>
-                                      </p:to>
-                                    </p:set>
-                                    <p:anim calcmode="lin" valueType="num">
-                                      <p:cBhvr additive="base">
-                                        <p:cTn id="25" dur="500" fill="hold"/>
-                                        <p:tgtEl>
-                                          <p:spTgt spid="3">
-                                            <p:txEl>
-                                              <p:pRg st="3" end="3"/>
-                                            </p:txEl>
-                                          </p:spTgt>
-                                        </p:tgtEl>
-                                        <p:attrNameLst>
-                                          <p:attrName>ppt_x</p:attrName>
-                                        </p:attrNameLst>
-                                      </p:cBhvr>
-                                      <p:tavLst>
-                                        <p:tav tm="0">
-                                          <p:val>
-                                            <p:strVal val="#ppt_x"/>
-                                          </p:val>
-                                        </p:tav>
-                                        <p:tav tm="100000">
-                                          <p:val>
-                                            <p:strVal val="#ppt_x"/>
-                                          </p:val>
-                                        </p:tav>
-                                      </p:tavLst>
-                                    </p:anim>
-                                    <p:anim calcmode="lin" valueType="num">
-                                      <p:cBhvr additive="base">
-                                        <p:cTn id="26" dur="500" fill="hold"/>
-                                        <p:tgtEl>
-                                          <p:spTgt spid="3">
-                                            <p:txEl>
-                                              <p:pRg st="3" end="3"/>
-                                            </p:txEl>
-                                          </p:spTgt>
-                                        </p:tgtEl>
-                                        <p:attrNameLst>
-                                          <p:attrName>ppt_y</p:attrName>
-                                        </p:attrNameLst>
-                                      </p:cBhvr>
-                                      <p:tavLst>
-                                        <p:tav tm="0">
-                                          <p:val>
-                                            <p:strVal val="1+#ppt_h/2"/>
-                                          </p:val>
-                                        </p:tav>
-                                        <p:tav tm="100000">
-                                          <p:val>
-                                            <p:strVal val="#ppt_y"/>
-                                          </p:val>
-                                        </p:tav>
-                                      </p:tavLst>
-                                    </p:anim>
-                                  </p:childTnLst>
-                                </p:cTn>
-                              </p:par>
-                            </p:childTnLst>
-                          </p:cTn>
-                        </p:par>
-                      </p:childTnLst>
-                    </p:cTn>
-                  </p:par>
-                  <p:par>
-                    <p:cTn id="27" fill="hold">
-                      <p:stCondLst>
-                        <p:cond delay="indefinite"/>
-                      </p:stCondLst>
-                      <p:childTnLst>
-                        <p:par>
-                          <p:cTn id="28" fill="hold">
-                            <p:stCondLst>
-                              <p:cond delay="0"/>
-                            </p:stCondLst>
-                            <p:childTnLst>
-                              <p:par>
-                                <p:cTn id="29" presetID="2" presetClass="entr" presetSubtype="4" fill="hold" grpId="0" nodeType="clickEffect">
-                                  <p:stCondLst>
-                                    <p:cond delay="0"/>
-                                  </p:stCondLst>
-                                  <p:childTnLst>
-                                    <p:set>
-                                      <p:cBhvr>
-                                        <p:cTn id="30" dur="1" fill="hold">
-                                          <p:stCondLst>
-                                            <p:cond delay="0"/>
-                                          </p:stCondLst>
-                                        </p:cTn>
-                                        <p:tgtEl>
-                                          <p:spTgt spid="3">
-                                            <p:txEl>
-                                              <p:pRg st="4" end="4"/>
-                                            </p:txEl>
-                                          </p:spTgt>
-                                        </p:tgtEl>
-                                        <p:attrNameLst>
-                                          <p:attrName>style.visibility</p:attrName>
-                                        </p:attrNameLst>
-                                      </p:cBhvr>
-                                      <p:to>
-                                        <p:strVal val="visible"/>
-                                      </p:to>
-                                    </p:set>
-                                    <p:anim calcmode="lin" valueType="num">
-                                      <p:cBhvr additive="base">
-                                        <p:cTn id="31" dur="500" fill="hold"/>
-                                        <p:tgtEl>
-                                          <p:spTgt spid="3">
-                                            <p:txEl>
-                                              <p:pRg st="4" end="4"/>
-                                            </p:txEl>
-                                          </p:spTgt>
-                                        </p:tgtEl>
-                                        <p:attrNameLst>
-                                          <p:attrName>ppt_x</p:attrName>
-                                        </p:attrNameLst>
-                                      </p:cBhvr>
-                                      <p:tavLst>
-                                        <p:tav tm="0">
-                                          <p:val>
-                                            <p:strVal val="#ppt_x"/>
-                                          </p:val>
-                                        </p:tav>
-                                        <p:tav tm="100000">
-                                          <p:val>
-                                            <p:strVal val="#ppt_x"/>
-                                          </p:val>
-                                        </p:tav>
-                                      </p:tavLst>
-                                    </p:anim>
-                                    <p:anim calcmode="lin" valueType="num">
-                                      <p:cBhvr additive="base">
-                                        <p:cTn id="32" dur="500" fill="hold"/>
-                                        <p:tgtEl>
-                                          <p:spTgt spid="3">
-                                            <p:txEl>
-                                              <p:pRg st="4" end="4"/>
-                                            </p:txEl>
-                                          </p:spTgt>
-                                        </p:tgtEl>
-                                        <p:attrNameLst>
-                                          <p:attrName>ppt_y</p:attrName>
-                                        </p:attrNameLst>
-                                      </p:cBhvr>
-                                      <p:tavLst>
-                                        <p:tav tm="0">
-                                          <p:val>
-                                            <p:strVal val="1+#ppt_h/2"/>
-                                          </p:val>
-                                        </p:tav>
-                                        <p:tav tm="100000">
-                                          <p:val>
-                                            <p:strVal val="#ppt_y"/>
-                                          </p:val>
-                                        </p:tav>
-                                      </p:tavLst>
-                                    </p:anim>
-                                  </p:childTnLst>
-                                </p:cTn>
-                              </p:par>
-                              <p:par>
-                                <p:cTn id="33" presetID="2" presetClass="entr" presetSubtype="4" fill="hold" grpId="0" nodeType="withEffect">
-                                  <p:stCondLst>
-                                    <p:cond delay="0"/>
-                                  </p:stCondLst>
-                                  <p:childTnLst>
-                                    <p:set>
-                                      <p:cBhvr>
-                                        <p:cTn id="34" dur="1" fill="hold">
-                                          <p:stCondLst>
-                                            <p:cond delay="0"/>
-                                          </p:stCondLst>
-                                        </p:cTn>
-                                        <p:tgtEl>
-                                          <p:spTgt spid="3">
-                                            <p:txEl>
-                                              <p:pRg st="5" end="5"/>
-                                            </p:txEl>
-                                          </p:spTgt>
-                                        </p:tgtEl>
-                                        <p:attrNameLst>
-                                          <p:attrName>style.visibility</p:attrName>
-                                        </p:attrNameLst>
-                                      </p:cBhvr>
-                                      <p:to>
-                                        <p:strVal val="visible"/>
-                                      </p:to>
-                                    </p:set>
-                                    <p:anim calcmode="lin" valueType="num">
-                                      <p:cBhvr additive="base">
-                                        <p:cTn id="35" dur="500" fill="hold"/>
-                                        <p:tgtEl>
-                                          <p:spTgt spid="3">
-                                            <p:txEl>
-                                              <p:pRg st="5" end="5"/>
-                                            </p:txEl>
-                                          </p:spTgt>
-                                        </p:tgtEl>
-                                        <p:attrNameLst>
-                                          <p:attrName>ppt_x</p:attrName>
-                                        </p:attrNameLst>
-                                      </p:cBhvr>
-                                      <p:tavLst>
-                                        <p:tav tm="0">
-                                          <p:val>
-                                            <p:strVal val="#ppt_x"/>
-                                          </p:val>
-                                        </p:tav>
-                                        <p:tav tm="100000">
-                                          <p:val>
-                                            <p:strVal val="#ppt_x"/>
-                                          </p:val>
-                                        </p:tav>
-                                      </p:tavLst>
-                                    </p:anim>
-                                    <p:anim calcmode="lin" valueType="num">
-                                      <p:cBhvr additive="base">
-                                        <p:cTn id="36" dur="500" fill="hold"/>
-                                        <p:tgtEl>
-                                          <p:spTgt spid="3">
-                                            <p:txEl>
-                                              <p:pRg st="5" end="5"/>
-                                            </p:txEl>
-                                          </p:spTgt>
-                                        </p:tgtEl>
-                                        <p:attrNameLst>
-                                          <p:attrName>ppt_y</p:attrName>
-                                        </p:attrNameLst>
-                                      </p:cBhvr>
-                                      <p:tavLst>
-                                        <p:tav tm="0">
-                                          <p:val>
-                                            <p:strVal val="1+#ppt_h/2"/>
-                                          </p:val>
-                                        </p:tav>
-                                        <p:tav tm="100000">
-                                          <p:val>
-                                            <p:strVal val="#ppt_y"/>
-                                          </p:val>
-                                        </p:tav>
-                                      </p:tavLst>
-                                    </p:anim>
-                                  </p:childTnLst>
-                                </p:cTn>
-                              </p:par>
-                            </p:childTnLst>
-                          </p:cTn>
-                        </p:par>
-                      </p:childTnLst>
-                    </p:cTn>
-                  </p:par>
-                  <p:par>
-                    <p:cTn id="37" fill="hold">
-                      <p:stCondLst>
-                        <p:cond delay="indefinite"/>
-                      </p:stCondLst>
-                      <p:childTnLst>
-                        <p:par>
-                          <p:cTn id="38" fill="hold">
-                            <p:stCondLst>
-                              <p:cond delay="0"/>
-                            </p:stCondLst>
-                            <p:childTnLst>
-                              <p:par>
-                                <p:cTn id="39" presetID="2" presetClass="entr" presetSubtype="4" fill="hold" grpId="0" nodeType="clickEffect">
-                                  <p:stCondLst>
-                                    <p:cond delay="0"/>
-                                  </p:stCondLst>
-                                  <p:childTnLst>
-                                    <p:set>
-                                      <p:cBhvr>
-                                        <p:cTn id="40" dur="1" fill="hold">
-                                          <p:stCondLst>
-                                            <p:cond delay="0"/>
-                                          </p:stCondLst>
-                                        </p:cTn>
-                                        <p:tgtEl>
-                                          <p:spTgt spid="3">
-                                            <p:txEl>
-                                              <p:pRg st="6" end="6"/>
-                                            </p:txEl>
-                                          </p:spTgt>
-                                        </p:tgtEl>
-                                        <p:attrNameLst>
-                                          <p:attrName>style.visibility</p:attrName>
-                                        </p:attrNameLst>
-                                      </p:cBhvr>
-                                      <p:to>
-                                        <p:strVal val="visible"/>
-                                      </p:to>
-                                    </p:set>
-                                    <p:anim calcmode="lin" valueType="num">
-                                      <p:cBhvr additive="base">
-                                        <p:cTn id="41" dur="500" fill="hold"/>
-                                        <p:tgtEl>
-                                          <p:spTgt spid="3">
-                                            <p:txEl>
-                                              <p:pRg st="6" end="6"/>
-                                            </p:txEl>
-                                          </p:spTgt>
-                                        </p:tgtEl>
-                                        <p:attrNameLst>
-                                          <p:attrName>ppt_x</p:attrName>
-                                        </p:attrNameLst>
-                                      </p:cBhvr>
-                                      <p:tavLst>
-                                        <p:tav tm="0">
-                                          <p:val>
-                                            <p:strVal val="#ppt_x"/>
-                                          </p:val>
-                                        </p:tav>
-                                        <p:tav tm="100000">
-                                          <p:val>
-                                            <p:strVal val="#ppt_x"/>
-                                          </p:val>
-                                        </p:tav>
-                                      </p:tavLst>
-                                    </p:anim>
-                                    <p:anim calcmode="lin" valueType="num">
-                                      <p:cBhvr additive="base">
-                                        <p:cTn id="42" dur="500" fill="hold"/>
-                                        <p:tgtEl>
-                                          <p:spTgt spid="3">
-                                            <p:txEl>
-                                              <p:pRg st="6" end="6"/>
-                                            </p:txEl>
-                                          </p:spTgt>
-                                        </p:tgtEl>
-                                        <p:attrNameLst>
-                                          <p:attrName>ppt_y</p:attrName>
-                                        </p:attrNameLst>
-                                      </p:cBhvr>
-                                      <p:tavLst>
-                                        <p:tav tm="0">
-                                          <p:val>
-                                            <p:strVal val="1+#ppt_h/2"/>
-                                          </p:val>
-                                        </p:tav>
-                                        <p:tav tm="100000">
-                                          <p:val>
-                                            <p:strVal val="#ppt_y"/>
-                                          </p:val>
-                                        </p:tav>
-                                      </p:tavLst>
-                                    </p:anim>
-                                  </p:childTnLst>
-                                </p:cTn>
-                              </p:par>
-                            </p:childTnLst>
-                          </p:cTn>
-                        </p:par>
-                      </p:childTnLst>
-                    </p:cTn>
-                  </p:par>
-                  <p:par>
-                    <p:cTn id="43" fill="hold">
-                      <p:stCondLst>
-                        <p:cond delay="indefinite"/>
-                      </p:stCondLst>
-                      <p:childTnLst>
-                        <p:par>
-                          <p:cTn id="44" fill="hold">
-                            <p:stCondLst>
-                              <p:cond delay="0"/>
-                            </p:stCondLst>
-                            <p:childTnLst>
-                              <p:par>
-                                <p:cTn id="45" presetID="2" presetClass="entr" presetSubtype="4" fill="hold" grpId="0" nodeType="clickEffect">
-                                  <p:stCondLst>
-                                    <p:cond delay="0"/>
-                                  </p:stCondLst>
-                                  <p:childTnLst>
-                                    <p:set>
-                                      <p:cBhvr>
-                                        <p:cTn id="46" dur="1" fill="hold">
-                                          <p:stCondLst>
-                                            <p:cond delay="0"/>
-                                          </p:stCondLst>
-                                        </p:cTn>
-                                        <p:tgtEl>
-                                          <p:spTgt spid="3">
-                                            <p:txEl>
-                                              <p:pRg st="7" end="7"/>
-                                            </p:txEl>
-                                          </p:spTgt>
-                                        </p:tgtEl>
-                                        <p:attrNameLst>
-                                          <p:attrName>style.visibility</p:attrName>
-                                        </p:attrNameLst>
-                                      </p:cBhvr>
-                                      <p:to>
-                                        <p:strVal val="visible"/>
-                                      </p:to>
-                                    </p:set>
-                                    <p:anim calcmode="lin" valueType="num">
-                                      <p:cBhvr additive="base">
-                                        <p:cTn id="47" dur="500" fill="hold"/>
-                                        <p:tgtEl>
-                                          <p:spTgt spid="3">
-                                            <p:txEl>
-                                              <p:pRg st="7" end="7"/>
-                                            </p:txEl>
-                                          </p:spTgt>
-                                        </p:tgtEl>
-                                        <p:attrNameLst>
-                                          <p:attrName>ppt_x</p:attrName>
-                                        </p:attrNameLst>
-                                      </p:cBhvr>
-                                      <p:tavLst>
-                                        <p:tav tm="0">
-                                          <p:val>
-                                            <p:strVal val="#ppt_x"/>
-                                          </p:val>
-                                        </p:tav>
-                                        <p:tav tm="100000">
-                                          <p:val>
-                                            <p:strVal val="#ppt_x"/>
-                                          </p:val>
-                                        </p:tav>
-                                      </p:tavLst>
-                                    </p:anim>
-                                    <p:anim calcmode="lin" valueType="num">
-                                      <p:cBhvr additive="base">
-                                        <p:cTn id="48" dur="500" fill="hold"/>
-                                        <p:tgtEl>
-                                          <p:spTgt spid="3">
-                                            <p:txEl>
-                                              <p:pRg st="7" end="7"/>
-                                            </p:txEl>
-                                          </p:spTgt>
-                                        </p:tgtEl>
-                                        <p:attrNameLst>
-                                          <p:attrName>ppt_y</p:attrName>
-                                        </p:attrNameLst>
-                                      </p:cBhvr>
-                                      <p:tavLst>
-                                        <p:tav tm="0">
-                                          <p:val>
-                                            <p:strVal val="1+#ppt_h/2"/>
-                                          </p:val>
-                                        </p:tav>
-                                        <p:tav tm="100000">
-                                          <p:val>
-                                            <p:strVal val="#ppt_y"/>
-                                          </p:val>
-                                        </p:tav>
-                                      </p:tavLst>
-                                    </p:anim>
-                                  </p:childTnLst>
-                                </p:cTn>
-                              </p:par>
-                            </p:childTnLst>
-                          </p:cTn>
-                        </p:par>
-                      </p:childTnLst>
-                    </p:cTn>
-                  </p:par>
-                </p:childTnLst>
-              </p:cTn>
-              <p:prevCondLst>
-                <p:cond evt="onPrev" delay="0">
-                  <p:tgtEl>
-                    <p:sldTgt/>
-                  </p:tgtEl>
-                </p:cond>
-              </p:prevCondLst>
-              <p:nextCondLst>
-                <p:cond evt="onNext" delay="0">
-                  <p:tgtEl>
-                    <p:sldTgt/>
-                  </p:tgtEl>
-                </p:cond>
-              </p:nextCondLst>
-            </p:seq>
-          </p:childTnLst>
-        </p:cTn>
-      </p:par>
-    </p:tnLst>
-    <p:bldLst>
-      <p:bldP spid="3" grpId="0" uiExpand="1" build="p"/>
     </p:bldLst>
   </p:timing>
 </p:sld>
